--- a/Presentation2.pptx
+++ b/Presentation2.pptx
@@ -5,14 +5,20 @@
     <p:sldMasterId id="2147483648" r:id="rId1"/>
   </p:sldMasterIdLst>
   <p:notesMasterIdLst>
-    <p:notesMasterId r:id="rId7"/>
+    <p:notesMasterId r:id="rId13"/>
   </p:notesMasterIdLst>
   <p:sldIdLst>
     <p:sldId id="262" r:id="rId2"/>
     <p:sldId id="259" r:id="rId3"/>
     <p:sldId id="291" r:id="rId4"/>
     <p:sldId id="273" r:id="rId5"/>
-    <p:sldId id="290" r:id="rId6"/>
+    <p:sldId id="302" r:id="rId6"/>
+    <p:sldId id="303" r:id="rId7"/>
+    <p:sldId id="304" r:id="rId8"/>
+    <p:sldId id="296" r:id="rId9"/>
+    <p:sldId id="297" r:id="rId10"/>
+    <p:sldId id="293" r:id="rId11"/>
+    <p:sldId id="305" r:id="rId12"/>
   </p:sldIdLst>
   <p:sldSz cx="12192000" cy="6858000"/>
   <p:notesSz cx="6858000" cy="9144000"/>
@@ -513,63 +519,6 @@
           <a:bodyPr/>
           <a:lstStyle/>
           <a:p>
-            <a:pPr marL="0" indent="0">
-              <a:lnSpc>
-                <a:spcPct val="110000"/>
-              </a:lnSpc>
-              <a:buFont typeface="Arial" panose="020B0604020202020204" pitchFamily="34" charset="0"/>
-              <a:buNone/>
-            </a:pPr>
-            <a:endParaRPr lang="ru-RU" sz="1200" dirty="0"/>
-          </a:p>
-          <a:p>
-            <a:pPr marL="0" indent="0">
-              <a:buNone/>
-            </a:pPr>
-            <a:r>
-              <a:rPr lang="en-US" sz="1200" dirty="0"/>
-              <a:t>The original data frame takes up 250 MB.</a:t>
-            </a:r>
-            <a:endParaRPr lang="ru-RU" sz="1200" dirty="0"/>
-          </a:p>
-          <a:p>
-            <a:pPr marL="0" indent="0">
-              <a:buNone/>
-            </a:pPr>
-            <a:r>
-              <a:rPr lang="en-US" sz="1200" dirty="0"/>
-              <a:t>Therefore, the data frame is divided into two tables:</a:t>
-            </a:r>
-            <a:endParaRPr lang="ru-RU" sz="1200" dirty="0"/>
-          </a:p>
-          <a:p>
-            <a:r>
-              <a:rPr lang="en-US" sz="1200" dirty="0"/>
-              <a:t>Comments of guests (with apartment ID)</a:t>
-            </a:r>
-            <a:endParaRPr lang="ru-RU" sz="1200" dirty="0"/>
-          </a:p>
-          <a:p>
-            <a:r>
-              <a:rPr lang="en-US" sz="1200" dirty="0"/>
-              <a:t>Apartment data (once for one apartment)</a:t>
-            </a:r>
-            <a:r>
-              <a:rPr lang="ru-RU" sz="1200" dirty="0"/>
-              <a:t>.</a:t>
-            </a:r>
-          </a:p>
-          <a:p>
-            <a:pPr marL="0" indent="0">
-              <a:buNone/>
-            </a:pPr>
-            <a:r>
-              <a:rPr lang="en-US" sz="1200" dirty="0"/>
-              <a:t>The tables take up 37 MB and 3.5 MB respectively.</a:t>
-            </a:r>
-            <a:endParaRPr lang="ru-RU" sz="1200" dirty="0"/>
-          </a:p>
-          <a:p>
             <a:endParaRPr lang="en-IL" dirty="0"/>
           </a:p>
         </p:txBody>
@@ -591,7 +540,7 @@
           <a:p>
             <a:fld id="{4C8E76A1-330E-41CA-BE38-B33435AC0AB6}" type="slidenum">
               <a:rPr lang="en-IL" smtClean="0"/>
-              <a:t>4</a:t>
+              <a:t>2</a:t>
             </a:fld>
             <a:endParaRPr lang="en-IL"/>
           </a:p>
@@ -600,7 +549,7 @@
     </p:spTree>
     <p:extLst>
       <p:ext uri="{BB962C8B-B14F-4D97-AF65-F5344CB8AC3E}">
-        <p14:creationId xmlns:p14="http://schemas.microsoft.com/office/powerpoint/2010/main" val="1523804961"/>
+        <p14:creationId xmlns:p14="http://schemas.microsoft.com/office/powerpoint/2010/main" val="2201416503"/>
       </p:ext>
     </p:extLst>
   </p:cSld>
@@ -664,53 +613,6 @@
             <a:endParaRPr lang="ru-RU" sz="1200" dirty="0"/>
           </a:p>
           <a:p>
-            <a:pPr marL="0" indent="0">
-              <a:buNone/>
-            </a:pPr>
-            <a:r>
-              <a:rPr lang="en-US" sz="1200" dirty="0"/>
-              <a:t>The original data frame takes up 250 MB.</a:t>
-            </a:r>
-            <a:endParaRPr lang="ru-RU" sz="1200" dirty="0"/>
-          </a:p>
-          <a:p>
-            <a:pPr marL="0" indent="0">
-              <a:buNone/>
-            </a:pPr>
-            <a:r>
-              <a:rPr lang="en-US" sz="1200" dirty="0"/>
-              <a:t>Therefore, the data frame is divided into two tables:</a:t>
-            </a:r>
-            <a:endParaRPr lang="ru-RU" sz="1200" dirty="0"/>
-          </a:p>
-          <a:p>
-            <a:r>
-              <a:rPr lang="en-US" sz="1200" dirty="0"/>
-              <a:t>Comments of guests (with apartment ID)</a:t>
-            </a:r>
-            <a:endParaRPr lang="ru-RU" sz="1200" dirty="0"/>
-          </a:p>
-          <a:p>
-            <a:r>
-              <a:rPr lang="en-US" sz="1200" dirty="0"/>
-              <a:t>Apartment data (once for one apartment)</a:t>
-            </a:r>
-            <a:r>
-              <a:rPr lang="ru-RU" sz="1200" dirty="0"/>
-              <a:t>.</a:t>
-            </a:r>
-          </a:p>
-          <a:p>
-            <a:pPr marL="0" indent="0">
-              <a:buNone/>
-            </a:pPr>
-            <a:r>
-              <a:rPr lang="en-US" sz="1200" dirty="0"/>
-              <a:t>The tables take up 37 MB and 3.5 MB respectively.</a:t>
-            </a:r>
-            <a:endParaRPr lang="ru-RU" sz="1200" dirty="0"/>
-          </a:p>
-          <a:p>
             <a:endParaRPr lang="en-IL" dirty="0"/>
           </a:p>
         </p:txBody>
@@ -732,6 +634,171 @@
           <a:p>
             <a:fld id="{4C8E76A1-330E-41CA-BE38-B33435AC0AB6}" type="slidenum">
               <a:rPr lang="en-IL" smtClean="0"/>
+              <a:t>4</a:t>
+            </a:fld>
+            <a:endParaRPr lang="en-IL"/>
+          </a:p>
+        </p:txBody>
+      </p:sp>
+    </p:spTree>
+    <p:extLst>
+      <p:ext uri="{BB962C8B-B14F-4D97-AF65-F5344CB8AC3E}">
+        <p14:creationId xmlns:p14="http://schemas.microsoft.com/office/powerpoint/2010/main" val="1523804961"/>
+      </p:ext>
+    </p:extLst>
+  </p:cSld>
+  <p:clrMapOvr>
+    <a:masterClrMapping/>
+  </p:clrMapOvr>
+</p:notes>
+</file>
+
+<file path=ppt/notesSlides/notesSlide3.xml><?xml version="1.0" encoding="utf-8"?>
+<p:notes xmlns:a="http://schemas.openxmlformats.org/drawingml/2006/main" xmlns:r="http://schemas.openxmlformats.org/officeDocument/2006/relationships" xmlns:p="http://schemas.openxmlformats.org/presentationml/2006/main">
+  <p:cSld>
+    <p:spTree>
+      <p:nvGrpSpPr>
+        <p:cNvPr id="1" name="">
+          <a:extLst>
+            <a:ext uri="{FF2B5EF4-FFF2-40B4-BE49-F238E27FC236}">
+              <a16:creationId xmlns:a16="http://schemas.microsoft.com/office/drawing/2014/main" id="{77915975-D9A4-2B1A-ECD1-65860553C621}"/>
+            </a:ext>
+          </a:extLst>
+        </p:cNvPr>
+        <p:cNvGrpSpPr/>
+        <p:nvPr/>
+      </p:nvGrpSpPr>
+      <p:grpSpPr>
+        <a:xfrm>
+          <a:off x="0" y="0"/>
+          <a:ext cx="0" cy="0"/>
+          <a:chOff x="0" y="0"/>
+          <a:chExt cx="0" cy="0"/>
+        </a:xfrm>
+      </p:grpSpPr>
+      <p:sp>
+        <p:nvSpPr>
+          <p:cNvPr id="2" name="Slide Image Placeholder 1">
+            <a:extLst>
+              <a:ext uri="{FF2B5EF4-FFF2-40B4-BE49-F238E27FC236}">
+                <a16:creationId xmlns:a16="http://schemas.microsoft.com/office/drawing/2014/main" id="{F5490CEF-A253-DEF6-5665-DEA86CE4D225}"/>
+              </a:ext>
+            </a:extLst>
+          </p:cNvPr>
+          <p:cNvSpPr>
+            <a:spLocks noGrp="1" noRot="1" noChangeAspect="1"/>
+          </p:cNvSpPr>
+          <p:nvPr>
+            <p:ph type="sldImg"/>
+          </p:nvPr>
+        </p:nvSpPr>
+        <p:spPr/>
+      </p:sp>
+      <p:sp>
+        <p:nvSpPr>
+          <p:cNvPr id="3" name="Notes Placeholder 2">
+            <a:extLst>
+              <a:ext uri="{FF2B5EF4-FFF2-40B4-BE49-F238E27FC236}">
+                <a16:creationId xmlns:a16="http://schemas.microsoft.com/office/drawing/2014/main" id="{597BE539-F4C0-CE25-E3B3-91BA15CD24C8}"/>
+              </a:ext>
+            </a:extLst>
+          </p:cNvPr>
+          <p:cNvSpPr>
+            <a:spLocks noGrp="1"/>
+          </p:cNvSpPr>
+          <p:nvPr>
+            <p:ph type="body" idx="1"/>
+          </p:nvPr>
+        </p:nvSpPr>
+        <p:spPr/>
+        <p:txBody>
+          <a:bodyPr/>
+          <a:lstStyle/>
+          <a:p>
+            <a:pPr marL="0" indent="0">
+              <a:lnSpc>
+                <a:spcPct val="110000"/>
+              </a:lnSpc>
+              <a:buFont typeface="Arial" panose="020B0604020202020204" pitchFamily="34" charset="0"/>
+              <a:buNone/>
+            </a:pPr>
+            <a:endParaRPr lang="ru-RU" sz="1200" dirty="0"/>
+          </a:p>
+          <a:p>
+            <a:pPr marL="0" indent="0">
+              <a:buNone/>
+            </a:pPr>
+            <a:r>
+              <a:rPr lang="en-US" sz="1200" dirty="0"/>
+              <a:t>The original data frame takes up 250 MB.</a:t>
+            </a:r>
+            <a:endParaRPr lang="ru-RU" sz="1200" dirty="0"/>
+          </a:p>
+          <a:p>
+            <a:pPr marL="0" indent="0">
+              <a:buNone/>
+            </a:pPr>
+            <a:r>
+              <a:rPr lang="en-US" sz="1200" dirty="0"/>
+              <a:t>Therefore, the data frame is divided into two tables:</a:t>
+            </a:r>
+            <a:endParaRPr lang="ru-RU" sz="1200" dirty="0"/>
+          </a:p>
+          <a:p>
+            <a:r>
+              <a:rPr lang="en-US" sz="1200" dirty="0"/>
+              <a:t>Comments of guests (with apartment ID)</a:t>
+            </a:r>
+            <a:endParaRPr lang="ru-RU" sz="1200" dirty="0"/>
+          </a:p>
+          <a:p>
+            <a:r>
+              <a:rPr lang="en-US" sz="1200" dirty="0"/>
+              <a:t>Apartment data (once for one apartment)</a:t>
+            </a:r>
+            <a:r>
+              <a:rPr lang="ru-RU" sz="1200" dirty="0"/>
+              <a:t>.</a:t>
+            </a:r>
+          </a:p>
+          <a:p>
+            <a:pPr marL="0" indent="0">
+              <a:buNone/>
+            </a:pPr>
+            <a:r>
+              <a:rPr lang="en-US" sz="1200" dirty="0"/>
+              <a:t>The tables take up 37 MB and 3.5 MB respectively.</a:t>
+            </a:r>
+            <a:endParaRPr lang="ru-RU" sz="1200" dirty="0"/>
+          </a:p>
+          <a:p>
+            <a:endParaRPr lang="en-IL" dirty="0"/>
+          </a:p>
+        </p:txBody>
+      </p:sp>
+      <p:sp>
+        <p:nvSpPr>
+          <p:cNvPr id="4" name="Slide Number Placeholder 3">
+            <a:extLst>
+              <a:ext uri="{FF2B5EF4-FFF2-40B4-BE49-F238E27FC236}">
+                <a16:creationId xmlns:a16="http://schemas.microsoft.com/office/drawing/2014/main" id="{10DEA106-5BD5-B1D0-5DB8-C5D4B998F0D2}"/>
+              </a:ext>
+            </a:extLst>
+          </p:cNvPr>
+          <p:cNvSpPr>
+            <a:spLocks noGrp="1"/>
+          </p:cNvSpPr>
+          <p:nvPr>
+            <p:ph type="sldNum" sz="quarter" idx="5"/>
+          </p:nvPr>
+        </p:nvSpPr>
+        <p:spPr/>
+        <p:txBody>
+          <a:bodyPr/>
+          <a:lstStyle/>
+          <a:p>
+            <a:fld id="{4C8E76A1-330E-41CA-BE38-B33435AC0AB6}" type="slidenum">
+              <a:rPr lang="en-IL" smtClean="0"/>
               <a:t>5</a:t>
             </a:fld>
             <a:endParaRPr lang="en-IL"/>
@@ -741,7 +808,997 @@
     </p:spTree>
     <p:extLst>
       <p:ext uri="{BB962C8B-B14F-4D97-AF65-F5344CB8AC3E}">
-        <p14:creationId xmlns:p14="http://schemas.microsoft.com/office/powerpoint/2010/main" val="1027589017"/>
+        <p14:creationId xmlns:p14="http://schemas.microsoft.com/office/powerpoint/2010/main" val="787492599"/>
+      </p:ext>
+    </p:extLst>
+  </p:cSld>
+  <p:clrMapOvr>
+    <a:masterClrMapping/>
+  </p:clrMapOvr>
+</p:notes>
+</file>
+
+<file path=ppt/notesSlides/notesSlide4.xml><?xml version="1.0" encoding="utf-8"?>
+<p:notes xmlns:a="http://schemas.openxmlformats.org/drawingml/2006/main" xmlns:r="http://schemas.openxmlformats.org/officeDocument/2006/relationships" xmlns:p="http://schemas.openxmlformats.org/presentationml/2006/main">
+  <p:cSld>
+    <p:spTree>
+      <p:nvGrpSpPr>
+        <p:cNvPr id="1" name="">
+          <a:extLst>
+            <a:ext uri="{FF2B5EF4-FFF2-40B4-BE49-F238E27FC236}">
+              <a16:creationId xmlns:a16="http://schemas.microsoft.com/office/drawing/2014/main" id="{FF43B3E0-40D4-3817-2F65-4CCC902DE6AC}"/>
+            </a:ext>
+          </a:extLst>
+        </p:cNvPr>
+        <p:cNvGrpSpPr/>
+        <p:nvPr/>
+      </p:nvGrpSpPr>
+      <p:grpSpPr>
+        <a:xfrm>
+          <a:off x="0" y="0"/>
+          <a:ext cx="0" cy="0"/>
+          <a:chOff x="0" y="0"/>
+          <a:chExt cx="0" cy="0"/>
+        </a:xfrm>
+      </p:grpSpPr>
+      <p:sp>
+        <p:nvSpPr>
+          <p:cNvPr id="2" name="Slide Image Placeholder 1">
+            <a:extLst>
+              <a:ext uri="{FF2B5EF4-FFF2-40B4-BE49-F238E27FC236}">
+                <a16:creationId xmlns:a16="http://schemas.microsoft.com/office/drawing/2014/main" id="{9E26926A-8E6A-3E86-5ABC-A4F09A81092F}"/>
+              </a:ext>
+            </a:extLst>
+          </p:cNvPr>
+          <p:cNvSpPr>
+            <a:spLocks noGrp="1" noRot="1" noChangeAspect="1"/>
+          </p:cNvSpPr>
+          <p:nvPr>
+            <p:ph type="sldImg"/>
+          </p:nvPr>
+        </p:nvSpPr>
+        <p:spPr/>
+      </p:sp>
+      <p:sp>
+        <p:nvSpPr>
+          <p:cNvPr id="3" name="Notes Placeholder 2">
+            <a:extLst>
+              <a:ext uri="{FF2B5EF4-FFF2-40B4-BE49-F238E27FC236}">
+                <a16:creationId xmlns:a16="http://schemas.microsoft.com/office/drawing/2014/main" id="{1D71C91B-4905-C863-99F4-FFB85A814C8F}"/>
+              </a:ext>
+            </a:extLst>
+          </p:cNvPr>
+          <p:cNvSpPr>
+            <a:spLocks noGrp="1"/>
+          </p:cNvSpPr>
+          <p:nvPr>
+            <p:ph type="body" idx="1"/>
+          </p:nvPr>
+        </p:nvSpPr>
+        <p:spPr/>
+        <p:txBody>
+          <a:bodyPr/>
+          <a:lstStyle/>
+          <a:p>
+            <a:pPr marL="0" indent="0">
+              <a:lnSpc>
+                <a:spcPct val="110000"/>
+              </a:lnSpc>
+              <a:buFont typeface="Arial" panose="020B0604020202020204" pitchFamily="34" charset="0"/>
+              <a:buNone/>
+            </a:pPr>
+            <a:endParaRPr lang="ru-RU" sz="1200" dirty="0"/>
+          </a:p>
+          <a:p>
+            <a:pPr marL="0" indent="0">
+              <a:buNone/>
+            </a:pPr>
+            <a:r>
+              <a:rPr lang="en-US" sz="1200" dirty="0"/>
+              <a:t>The original data frame takes up 250 MB.</a:t>
+            </a:r>
+            <a:endParaRPr lang="ru-RU" sz="1200" dirty="0"/>
+          </a:p>
+          <a:p>
+            <a:pPr marL="0" indent="0">
+              <a:buNone/>
+            </a:pPr>
+            <a:r>
+              <a:rPr lang="en-US" sz="1200" dirty="0"/>
+              <a:t>Therefore, the data frame is divided into two tables:</a:t>
+            </a:r>
+            <a:endParaRPr lang="ru-RU" sz="1200" dirty="0"/>
+          </a:p>
+          <a:p>
+            <a:r>
+              <a:rPr lang="en-US" sz="1200" dirty="0"/>
+              <a:t>Comments of guests (with apartment ID)</a:t>
+            </a:r>
+            <a:endParaRPr lang="ru-RU" sz="1200" dirty="0"/>
+          </a:p>
+          <a:p>
+            <a:r>
+              <a:rPr lang="en-US" sz="1200" dirty="0"/>
+              <a:t>Apartment data (once for one apartment)</a:t>
+            </a:r>
+            <a:r>
+              <a:rPr lang="ru-RU" sz="1200" dirty="0"/>
+              <a:t>.</a:t>
+            </a:r>
+          </a:p>
+          <a:p>
+            <a:pPr marL="0" indent="0">
+              <a:buNone/>
+            </a:pPr>
+            <a:r>
+              <a:rPr lang="en-US" sz="1200" dirty="0"/>
+              <a:t>The tables take up 37 MB and 3.5 MB respectively.</a:t>
+            </a:r>
+            <a:endParaRPr lang="ru-RU" sz="1200" dirty="0"/>
+          </a:p>
+          <a:p>
+            <a:endParaRPr lang="en-IL" dirty="0"/>
+          </a:p>
+        </p:txBody>
+      </p:sp>
+      <p:sp>
+        <p:nvSpPr>
+          <p:cNvPr id="4" name="Slide Number Placeholder 3">
+            <a:extLst>
+              <a:ext uri="{FF2B5EF4-FFF2-40B4-BE49-F238E27FC236}">
+                <a16:creationId xmlns:a16="http://schemas.microsoft.com/office/drawing/2014/main" id="{5AA5AB90-1DA4-00FA-99E1-C964F911BD95}"/>
+              </a:ext>
+            </a:extLst>
+          </p:cNvPr>
+          <p:cNvSpPr>
+            <a:spLocks noGrp="1"/>
+          </p:cNvSpPr>
+          <p:nvPr>
+            <p:ph type="sldNum" sz="quarter" idx="5"/>
+          </p:nvPr>
+        </p:nvSpPr>
+        <p:spPr/>
+        <p:txBody>
+          <a:bodyPr/>
+          <a:lstStyle/>
+          <a:p>
+            <a:fld id="{4C8E76A1-330E-41CA-BE38-B33435AC0AB6}" type="slidenum">
+              <a:rPr lang="en-IL" smtClean="0"/>
+              <a:t>6</a:t>
+            </a:fld>
+            <a:endParaRPr lang="en-IL"/>
+          </a:p>
+        </p:txBody>
+      </p:sp>
+    </p:spTree>
+    <p:extLst>
+      <p:ext uri="{BB962C8B-B14F-4D97-AF65-F5344CB8AC3E}">
+        <p14:creationId xmlns:p14="http://schemas.microsoft.com/office/powerpoint/2010/main" val="2620233073"/>
+      </p:ext>
+    </p:extLst>
+  </p:cSld>
+  <p:clrMapOvr>
+    <a:masterClrMapping/>
+  </p:clrMapOvr>
+</p:notes>
+</file>
+
+<file path=ppt/notesSlides/notesSlide5.xml><?xml version="1.0" encoding="utf-8"?>
+<p:notes xmlns:a="http://schemas.openxmlformats.org/drawingml/2006/main" xmlns:r="http://schemas.openxmlformats.org/officeDocument/2006/relationships" xmlns:p="http://schemas.openxmlformats.org/presentationml/2006/main">
+  <p:cSld>
+    <p:spTree>
+      <p:nvGrpSpPr>
+        <p:cNvPr id="1" name="">
+          <a:extLst>
+            <a:ext uri="{FF2B5EF4-FFF2-40B4-BE49-F238E27FC236}">
+              <a16:creationId xmlns:a16="http://schemas.microsoft.com/office/drawing/2014/main" id="{94D5876C-B923-3F3B-5D01-66E21529208E}"/>
+            </a:ext>
+          </a:extLst>
+        </p:cNvPr>
+        <p:cNvGrpSpPr/>
+        <p:nvPr/>
+      </p:nvGrpSpPr>
+      <p:grpSpPr>
+        <a:xfrm>
+          <a:off x="0" y="0"/>
+          <a:ext cx="0" cy="0"/>
+          <a:chOff x="0" y="0"/>
+          <a:chExt cx="0" cy="0"/>
+        </a:xfrm>
+      </p:grpSpPr>
+      <p:sp>
+        <p:nvSpPr>
+          <p:cNvPr id="2" name="Slide Image Placeholder 1">
+            <a:extLst>
+              <a:ext uri="{FF2B5EF4-FFF2-40B4-BE49-F238E27FC236}">
+                <a16:creationId xmlns:a16="http://schemas.microsoft.com/office/drawing/2014/main" id="{93172CC7-A6BE-5949-83EE-FD7E67C1DD4C}"/>
+              </a:ext>
+            </a:extLst>
+          </p:cNvPr>
+          <p:cNvSpPr>
+            <a:spLocks noGrp="1" noRot="1" noChangeAspect="1"/>
+          </p:cNvSpPr>
+          <p:nvPr>
+            <p:ph type="sldImg"/>
+          </p:nvPr>
+        </p:nvSpPr>
+        <p:spPr/>
+      </p:sp>
+      <p:sp>
+        <p:nvSpPr>
+          <p:cNvPr id="3" name="Notes Placeholder 2">
+            <a:extLst>
+              <a:ext uri="{FF2B5EF4-FFF2-40B4-BE49-F238E27FC236}">
+                <a16:creationId xmlns:a16="http://schemas.microsoft.com/office/drawing/2014/main" id="{6C81FCBE-406D-A9E8-D1EA-A30845A7A225}"/>
+              </a:ext>
+            </a:extLst>
+          </p:cNvPr>
+          <p:cNvSpPr>
+            <a:spLocks noGrp="1"/>
+          </p:cNvSpPr>
+          <p:nvPr>
+            <p:ph type="body" idx="1"/>
+          </p:nvPr>
+        </p:nvSpPr>
+        <p:spPr/>
+        <p:txBody>
+          <a:bodyPr/>
+          <a:lstStyle/>
+          <a:p>
+            <a:pPr marL="0" indent="0">
+              <a:lnSpc>
+                <a:spcPct val="110000"/>
+              </a:lnSpc>
+              <a:buFont typeface="Arial" panose="020B0604020202020204" pitchFamily="34" charset="0"/>
+              <a:buNone/>
+            </a:pPr>
+            <a:endParaRPr lang="ru-RU" sz="1200" dirty="0"/>
+          </a:p>
+          <a:p>
+            <a:pPr marL="0" indent="0">
+              <a:buNone/>
+            </a:pPr>
+            <a:r>
+              <a:rPr lang="en-US" sz="1200" dirty="0"/>
+              <a:t>The original data frame takes up 250 MB.</a:t>
+            </a:r>
+            <a:endParaRPr lang="ru-RU" sz="1200" dirty="0"/>
+          </a:p>
+          <a:p>
+            <a:pPr marL="0" indent="0">
+              <a:buNone/>
+            </a:pPr>
+            <a:r>
+              <a:rPr lang="en-US" sz="1200" dirty="0"/>
+              <a:t>Therefore, the data frame is divided into two tables:</a:t>
+            </a:r>
+            <a:endParaRPr lang="ru-RU" sz="1200" dirty="0"/>
+          </a:p>
+          <a:p>
+            <a:r>
+              <a:rPr lang="en-US" sz="1200" dirty="0"/>
+              <a:t>Comments of guests (with apartment ID)</a:t>
+            </a:r>
+            <a:endParaRPr lang="ru-RU" sz="1200" dirty="0"/>
+          </a:p>
+          <a:p>
+            <a:r>
+              <a:rPr lang="en-US" sz="1200" dirty="0"/>
+              <a:t>Apartment data (once for one apartment)</a:t>
+            </a:r>
+            <a:r>
+              <a:rPr lang="ru-RU" sz="1200" dirty="0"/>
+              <a:t>.</a:t>
+            </a:r>
+          </a:p>
+          <a:p>
+            <a:pPr marL="0" indent="0">
+              <a:buNone/>
+            </a:pPr>
+            <a:r>
+              <a:rPr lang="en-US" sz="1200" dirty="0"/>
+              <a:t>The tables take up 37 MB and 3.5 MB respectively.</a:t>
+            </a:r>
+            <a:endParaRPr lang="ru-RU" sz="1200" dirty="0"/>
+          </a:p>
+          <a:p>
+            <a:endParaRPr lang="en-IL" dirty="0"/>
+          </a:p>
+        </p:txBody>
+      </p:sp>
+      <p:sp>
+        <p:nvSpPr>
+          <p:cNvPr id="4" name="Slide Number Placeholder 3">
+            <a:extLst>
+              <a:ext uri="{FF2B5EF4-FFF2-40B4-BE49-F238E27FC236}">
+                <a16:creationId xmlns:a16="http://schemas.microsoft.com/office/drawing/2014/main" id="{50A1C5C2-D1C6-A49E-75BD-1FA16DC25309}"/>
+              </a:ext>
+            </a:extLst>
+          </p:cNvPr>
+          <p:cNvSpPr>
+            <a:spLocks noGrp="1"/>
+          </p:cNvSpPr>
+          <p:nvPr>
+            <p:ph type="sldNum" sz="quarter" idx="5"/>
+          </p:nvPr>
+        </p:nvSpPr>
+        <p:spPr/>
+        <p:txBody>
+          <a:bodyPr/>
+          <a:lstStyle/>
+          <a:p>
+            <a:fld id="{4C8E76A1-330E-41CA-BE38-B33435AC0AB6}" type="slidenum">
+              <a:rPr lang="en-IL" smtClean="0"/>
+              <a:t>7</a:t>
+            </a:fld>
+            <a:endParaRPr lang="en-IL"/>
+          </a:p>
+        </p:txBody>
+      </p:sp>
+    </p:spTree>
+    <p:extLst>
+      <p:ext uri="{BB962C8B-B14F-4D97-AF65-F5344CB8AC3E}">
+        <p14:creationId xmlns:p14="http://schemas.microsoft.com/office/powerpoint/2010/main" val="3726474186"/>
+      </p:ext>
+    </p:extLst>
+  </p:cSld>
+  <p:clrMapOvr>
+    <a:masterClrMapping/>
+  </p:clrMapOvr>
+</p:notes>
+</file>
+
+<file path=ppt/notesSlides/notesSlide6.xml><?xml version="1.0" encoding="utf-8"?>
+<p:notes xmlns:a="http://schemas.openxmlformats.org/drawingml/2006/main" xmlns:r="http://schemas.openxmlformats.org/officeDocument/2006/relationships" xmlns:p="http://schemas.openxmlformats.org/presentationml/2006/main">
+  <p:cSld>
+    <p:spTree>
+      <p:nvGrpSpPr>
+        <p:cNvPr id="1" name="">
+          <a:extLst>
+            <a:ext uri="{FF2B5EF4-FFF2-40B4-BE49-F238E27FC236}">
+              <a16:creationId xmlns:a16="http://schemas.microsoft.com/office/drawing/2014/main" id="{F1492E96-D78B-87B5-790D-83F64655183D}"/>
+            </a:ext>
+          </a:extLst>
+        </p:cNvPr>
+        <p:cNvGrpSpPr/>
+        <p:nvPr/>
+      </p:nvGrpSpPr>
+      <p:grpSpPr>
+        <a:xfrm>
+          <a:off x="0" y="0"/>
+          <a:ext cx="0" cy="0"/>
+          <a:chOff x="0" y="0"/>
+          <a:chExt cx="0" cy="0"/>
+        </a:xfrm>
+      </p:grpSpPr>
+      <p:sp>
+        <p:nvSpPr>
+          <p:cNvPr id="2" name="Slide Image Placeholder 1">
+            <a:extLst>
+              <a:ext uri="{FF2B5EF4-FFF2-40B4-BE49-F238E27FC236}">
+                <a16:creationId xmlns:a16="http://schemas.microsoft.com/office/drawing/2014/main" id="{2E065DF8-19F8-144F-67C2-4827C7732D8C}"/>
+              </a:ext>
+            </a:extLst>
+          </p:cNvPr>
+          <p:cNvSpPr>
+            <a:spLocks noGrp="1" noRot="1" noChangeAspect="1"/>
+          </p:cNvSpPr>
+          <p:nvPr>
+            <p:ph type="sldImg"/>
+          </p:nvPr>
+        </p:nvSpPr>
+        <p:spPr/>
+      </p:sp>
+      <p:sp>
+        <p:nvSpPr>
+          <p:cNvPr id="3" name="Notes Placeholder 2">
+            <a:extLst>
+              <a:ext uri="{FF2B5EF4-FFF2-40B4-BE49-F238E27FC236}">
+                <a16:creationId xmlns:a16="http://schemas.microsoft.com/office/drawing/2014/main" id="{D1FD754B-DF9E-DC20-4A6C-5DC8F5185183}"/>
+              </a:ext>
+            </a:extLst>
+          </p:cNvPr>
+          <p:cNvSpPr>
+            <a:spLocks noGrp="1"/>
+          </p:cNvSpPr>
+          <p:nvPr>
+            <p:ph type="body" idx="1"/>
+          </p:nvPr>
+        </p:nvSpPr>
+        <p:spPr/>
+        <p:txBody>
+          <a:bodyPr/>
+          <a:lstStyle/>
+          <a:p>
+            <a:pPr marL="0" indent="0">
+              <a:lnSpc>
+                <a:spcPct val="110000"/>
+              </a:lnSpc>
+              <a:buFont typeface="Arial" panose="020B0604020202020204" pitchFamily="34" charset="0"/>
+              <a:buNone/>
+            </a:pPr>
+            <a:endParaRPr lang="ru-RU" sz="1200" dirty="0"/>
+          </a:p>
+          <a:p>
+            <a:pPr marL="0" indent="0">
+              <a:buNone/>
+            </a:pPr>
+            <a:r>
+              <a:rPr lang="en-US" sz="1200" dirty="0"/>
+              <a:t>The original data frame takes up 250 MB.</a:t>
+            </a:r>
+            <a:endParaRPr lang="ru-RU" sz="1200" dirty="0"/>
+          </a:p>
+          <a:p>
+            <a:pPr marL="0" indent="0">
+              <a:buNone/>
+            </a:pPr>
+            <a:r>
+              <a:rPr lang="en-US" sz="1200" dirty="0"/>
+              <a:t>Therefore, the data frame is divided into two tables:</a:t>
+            </a:r>
+            <a:endParaRPr lang="ru-RU" sz="1200" dirty="0"/>
+          </a:p>
+          <a:p>
+            <a:r>
+              <a:rPr lang="en-US" sz="1200" dirty="0"/>
+              <a:t>Comments of guests (with apartment ID)</a:t>
+            </a:r>
+            <a:endParaRPr lang="ru-RU" sz="1200" dirty="0"/>
+          </a:p>
+          <a:p>
+            <a:r>
+              <a:rPr lang="en-US" sz="1200" dirty="0"/>
+              <a:t>Apartment data (once for one apartment)</a:t>
+            </a:r>
+            <a:r>
+              <a:rPr lang="ru-RU" sz="1200" dirty="0"/>
+              <a:t>.</a:t>
+            </a:r>
+          </a:p>
+          <a:p>
+            <a:pPr marL="0" indent="0">
+              <a:buNone/>
+            </a:pPr>
+            <a:r>
+              <a:rPr lang="en-US" sz="1200" dirty="0"/>
+              <a:t>The tables take up 37 MB and 3.5 MB respectively.</a:t>
+            </a:r>
+            <a:endParaRPr lang="ru-RU" sz="1200" dirty="0"/>
+          </a:p>
+          <a:p>
+            <a:endParaRPr lang="en-IL" dirty="0"/>
+          </a:p>
+        </p:txBody>
+      </p:sp>
+      <p:sp>
+        <p:nvSpPr>
+          <p:cNvPr id="4" name="Slide Number Placeholder 3">
+            <a:extLst>
+              <a:ext uri="{FF2B5EF4-FFF2-40B4-BE49-F238E27FC236}">
+                <a16:creationId xmlns:a16="http://schemas.microsoft.com/office/drawing/2014/main" id="{8E70BD1B-AA9E-C663-4E5F-D220ABED0D6D}"/>
+              </a:ext>
+            </a:extLst>
+          </p:cNvPr>
+          <p:cNvSpPr>
+            <a:spLocks noGrp="1"/>
+          </p:cNvSpPr>
+          <p:nvPr>
+            <p:ph type="sldNum" sz="quarter" idx="5"/>
+          </p:nvPr>
+        </p:nvSpPr>
+        <p:spPr/>
+        <p:txBody>
+          <a:bodyPr/>
+          <a:lstStyle/>
+          <a:p>
+            <a:fld id="{4C8E76A1-330E-41CA-BE38-B33435AC0AB6}" type="slidenum">
+              <a:rPr lang="en-IL" smtClean="0"/>
+              <a:t>8</a:t>
+            </a:fld>
+            <a:endParaRPr lang="en-IL"/>
+          </a:p>
+        </p:txBody>
+      </p:sp>
+    </p:spTree>
+    <p:extLst>
+      <p:ext uri="{BB962C8B-B14F-4D97-AF65-F5344CB8AC3E}">
+        <p14:creationId xmlns:p14="http://schemas.microsoft.com/office/powerpoint/2010/main" val="1959885554"/>
+      </p:ext>
+    </p:extLst>
+  </p:cSld>
+  <p:clrMapOvr>
+    <a:masterClrMapping/>
+  </p:clrMapOvr>
+</p:notes>
+</file>
+
+<file path=ppt/notesSlides/notesSlide7.xml><?xml version="1.0" encoding="utf-8"?>
+<p:notes xmlns:a="http://schemas.openxmlformats.org/drawingml/2006/main" xmlns:r="http://schemas.openxmlformats.org/officeDocument/2006/relationships" xmlns:p="http://schemas.openxmlformats.org/presentationml/2006/main">
+  <p:cSld>
+    <p:spTree>
+      <p:nvGrpSpPr>
+        <p:cNvPr id="1" name="">
+          <a:extLst>
+            <a:ext uri="{FF2B5EF4-FFF2-40B4-BE49-F238E27FC236}">
+              <a16:creationId xmlns:a16="http://schemas.microsoft.com/office/drawing/2014/main" id="{C9177705-1DF5-33D2-9C2D-AC2C075C9EE2}"/>
+            </a:ext>
+          </a:extLst>
+        </p:cNvPr>
+        <p:cNvGrpSpPr/>
+        <p:nvPr/>
+      </p:nvGrpSpPr>
+      <p:grpSpPr>
+        <a:xfrm>
+          <a:off x="0" y="0"/>
+          <a:ext cx="0" cy="0"/>
+          <a:chOff x="0" y="0"/>
+          <a:chExt cx="0" cy="0"/>
+        </a:xfrm>
+      </p:grpSpPr>
+      <p:sp>
+        <p:nvSpPr>
+          <p:cNvPr id="2" name="Slide Image Placeholder 1">
+            <a:extLst>
+              <a:ext uri="{FF2B5EF4-FFF2-40B4-BE49-F238E27FC236}">
+                <a16:creationId xmlns:a16="http://schemas.microsoft.com/office/drawing/2014/main" id="{2B4294AE-E2F0-E64A-F9F4-01D5C784D8B0}"/>
+              </a:ext>
+            </a:extLst>
+          </p:cNvPr>
+          <p:cNvSpPr>
+            <a:spLocks noGrp="1" noRot="1" noChangeAspect="1"/>
+          </p:cNvSpPr>
+          <p:nvPr>
+            <p:ph type="sldImg"/>
+          </p:nvPr>
+        </p:nvSpPr>
+        <p:spPr/>
+      </p:sp>
+      <p:sp>
+        <p:nvSpPr>
+          <p:cNvPr id="3" name="Notes Placeholder 2">
+            <a:extLst>
+              <a:ext uri="{FF2B5EF4-FFF2-40B4-BE49-F238E27FC236}">
+                <a16:creationId xmlns:a16="http://schemas.microsoft.com/office/drawing/2014/main" id="{DB6DAFEA-ED41-1D54-4E80-82A0C15799F8}"/>
+              </a:ext>
+            </a:extLst>
+          </p:cNvPr>
+          <p:cNvSpPr>
+            <a:spLocks noGrp="1"/>
+          </p:cNvSpPr>
+          <p:nvPr>
+            <p:ph type="body" idx="1"/>
+          </p:nvPr>
+        </p:nvSpPr>
+        <p:spPr/>
+        <p:txBody>
+          <a:bodyPr/>
+          <a:lstStyle/>
+          <a:p>
+            <a:pPr marL="0" indent="0">
+              <a:lnSpc>
+                <a:spcPct val="110000"/>
+              </a:lnSpc>
+              <a:buFont typeface="Arial" panose="020B0604020202020204" pitchFamily="34" charset="0"/>
+              <a:buNone/>
+            </a:pPr>
+            <a:endParaRPr lang="ru-RU" sz="1200" dirty="0"/>
+          </a:p>
+          <a:p>
+            <a:pPr marL="0" indent="0">
+              <a:buNone/>
+            </a:pPr>
+            <a:r>
+              <a:rPr lang="en-US" sz="1200" dirty="0"/>
+              <a:t>The original data frame takes up 250 MB.</a:t>
+            </a:r>
+            <a:endParaRPr lang="ru-RU" sz="1200" dirty="0"/>
+          </a:p>
+          <a:p>
+            <a:pPr marL="0" indent="0">
+              <a:buNone/>
+            </a:pPr>
+            <a:r>
+              <a:rPr lang="en-US" sz="1200" dirty="0"/>
+              <a:t>Therefore, the data frame is divided into two tables:</a:t>
+            </a:r>
+            <a:endParaRPr lang="ru-RU" sz="1200" dirty="0"/>
+          </a:p>
+          <a:p>
+            <a:r>
+              <a:rPr lang="en-US" sz="1200" dirty="0"/>
+              <a:t>Comments of guests (with apartment ID)</a:t>
+            </a:r>
+            <a:endParaRPr lang="ru-RU" sz="1200" dirty="0"/>
+          </a:p>
+          <a:p>
+            <a:r>
+              <a:rPr lang="en-US" sz="1200" dirty="0"/>
+              <a:t>Apartment data (once for one apartment)</a:t>
+            </a:r>
+            <a:r>
+              <a:rPr lang="ru-RU" sz="1200" dirty="0"/>
+              <a:t>.</a:t>
+            </a:r>
+          </a:p>
+          <a:p>
+            <a:pPr marL="0" indent="0">
+              <a:buNone/>
+            </a:pPr>
+            <a:r>
+              <a:rPr lang="en-US" sz="1200" dirty="0"/>
+              <a:t>The tables take up 37 MB and 3.5 MB respectively.</a:t>
+            </a:r>
+            <a:endParaRPr lang="ru-RU" sz="1200" dirty="0"/>
+          </a:p>
+          <a:p>
+            <a:endParaRPr lang="en-IL" dirty="0"/>
+          </a:p>
+        </p:txBody>
+      </p:sp>
+      <p:sp>
+        <p:nvSpPr>
+          <p:cNvPr id="4" name="Slide Number Placeholder 3">
+            <a:extLst>
+              <a:ext uri="{FF2B5EF4-FFF2-40B4-BE49-F238E27FC236}">
+                <a16:creationId xmlns:a16="http://schemas.microsoft.com/office/drawing/2014/main" id="{C2D364A2-238D-599C-A8C6-689B85C03F32}"/>
+              </a:ext>
+            </a:extLst>
+          </p:cNvPr>
+          <p:cNvSpPr>
+            <a:spLocks noGrp="1"/>
+          </p:cNvSpPr>
+          <p:nvPr>
+            <p:ph type="sldNum" sz="quarter" idx="5"/>
+          </p:nvPr>
+        </p:nvSpPr>
+        <p:spPr/>
+        <p:txBody>
+          <a:bodyPr/>
+          <a:lstStyle/>
+          <a:p>
+            <a:fld id="{4C8E76A1-330E-41CA-BE38-B33435AC0AB6}" type="slidenum">
+              <a:rPr lang="en-IL" smtClean="0"/>
+              <a:t>9</a:t>
+            </a:fld>
+            <a:endParaRPr lang="en-IL"/>
+          </a:p>
+        </p:txBody>
+      </p:sp>
+    </p:spTree>
+    <p:extLst>
+      <p:ext uri="{BB962C8B-B14F-4D97-AF65-F5344CB8AC3E}">
+        <p14:creationId xmlns:p14="http://schemas.microsoft.com/office/powerpoint/2010/main" val="2257538496"/>
+      </p:ext>
+    </p:extLst>
+  </p:cSld>
+  <p:clrMapOvr>
+    <a:masterClrMapping/>
+  </p:clrMapOvr>
+</p:notes>
+</file>
+
+<file path=ppt/notesSlides/notesSlide8.xml><?xml version="1.0" encoding="utf-8"?>
+<p:notes xmlns:a="http://schemas.openxmlformats.org/drawingml/2006/main" xmlns:r="http://schemas.openxmlformats.org/officeDocument/2006/relationships" xmlns:p="http://schemas.openxmlformats.org/presentationml/2006/main">
+  <p:cSld>
+    <p:spTree>
+      <p:nvGrpSpPr>
+        <p:cNvPr id="1" name="">
+          <a:extLst>
+            <a:ext uri="{FF2B5EF4-FFF2-40B4-BE49-F238E27FC236}">
+              <a16:creationId xmlns:a16="http://schemas.microsoft.com/office/drawing/2014/main" id="{F1EE5D86-14A5-8461-FD01-DD6CBD709D1D}"/>
+            </a:ext>
+          </a:extLst>
+        </p:cNvPr>
+        <p:cNvGrpSpPr/>
+        <p:nvPr/>
+      </p:nvGrpSpPr>
+      <p:grpSpPr>
+        <a:xfrm>
+          <a:off x="0" y="0"/>
+          <a:ext cx="0" cy="0"/>
+          <a:chOff x="0" y="0"/>
+          <a:chExt cx="0" cy="0"/>
+        </a:xfrm>
+      </p:grpSpPr>
+      <p:sp>
+        <p:nvSpPr>
+          <p:cNvPr id="2" name="Slide Image Placeholder 1">
+            <a:extLst>
+              <a:ext uri="{FF2B5EF4-FFF2-40B4-BE49-F238E27FC236}">
+                <a16:creationId xmlns:a16="http://schemas.microsoft.com/office/drawing/2014/main" id="{E124ADB8-31DE-596F-40C8-5A4FCBD647F1}"/>
+              </a:ext>
+            </a:extLst>
+          </p:cNvPr>
+          <p:cNvSpPr>
+            <a:spLocks noGrp="1" noRot="1" noChangeAspect="1"/>
+          </p:cNvSpPr>
+          <p:nvPr>
+            <p:ph type="sldImg"/>
+          </p:nvPr>
+        </p:nvSpPr>
+        <p:spPr/>
+      </p:sp>
+      <p:sp>
+        <p:nvSpPr>
+          <p:cNvPr id="3" name="Notes Placeholder 2">
+            <a:extLst>
+              <a:ext uri="{FF2B5EF4-FFF2-40B4-BE49-F238E27FC236}">
+                <a16:creationId xmlns:a16="http://schemas.microsoft.com/office/drawing/2014/main" id="{B6CEF749-D2E5-F91A-92E1-CBB50BB52C88}"/>
+              </a:ext>
+            </a:extLst>
+          </p:cNvPr>
+          <p:cNvSpPr>
+            <a:spLocks noGrp="1"/>
+          </p:cNvSpPr>
+          <p:nvPr>
+            <p:ph type="body" idx="1"/>
+          </p:nvPr>
+        </p:nvSpPr>
+        <p:spPr/>
+        <p:txBody>
+          <a:bodyPr/>
+          <a:lstStyle/>
+          <a:p>
+            <a:pPr marL="0" indent="0">
+              <a:lnSpc>
+                <a:spcPct val="110000"/>
+              </a:lnSpc>
+              <a:buFont typeface="Arial" panose="020B0604020202020204" pitchFamily="34" charset="0"/>
+              <a:buNone/>
+            </a:pPr>
+            <a:endParaRPr lang="ru-RU" sz="1200" dirty="0"/>
+          </a:p>
+          <a:p>
+            <a:pPr marL="0" indent="0">
+              <a:buNone/>
+            </a:pPr>
+            <a:r>
+              <a:rPr lang="en-US" sz="1200" dirty="0"/>
+              <a:t>The original data frame takes up 250 MB.</a:t>
+            </a:r>
+            <a:endParaRPr lang="ru-RU" sz="1200" dirty="0"/>
+          </a:p>
+          <a:p>
+            <a:pPr marL="0" indent="0">
+              <a:buNone/>
+            </a:pPr>
+            <a:r>
+              <a:rPr lang="en-US" sz="1200" dirty="0"/>
+              <a:t>Therefore, the data frame is divided into two tables:</a:t>
+            </a:r>
+            <a:endParaRPr lang="ru-RU" sz="1200" dirty="0"/>
+          </a:p>
+          <a:p>
+            <a:r>
+              <a:rPr lang="en-US" sz="1200" dirty="0"/>
+              <a:t>Comments of guests (with apartment ID)</a:t>
+            </a:r>
+            <a:endParaRPr lang="ru-RU" sz="1200" dirty="0"/>
+          </a:p>
+          <a:p>
+            <a:r>
+              <a:rPr lang="en-US" sz="1200" dirty="0"/>
+              <a:t>Apartment data (once for one apartment)</a:t>
+            </a:r>
+            <a:r>
+              <a:rPr lang="ru-RU" sz="1200" dirty="0"/>
+              <a:t>.</a:t>
+            </a:r>
+          </a:p>
+          <a:p>
+            <a:pPr marL="0" indent="0">
+              <a:buNone/>
+            </a:pPr>
+            <a:r>
+              <a:rPr lang="en-US" sz="1200" dirty="0"/>
+              <a:t>The tables take up 37 MB and 3.5 MB respectively.</a:t>
+            </a:r>
+            <a:endParaRPr lang="ru-RU" sz="1200" dirty="0"/>
+          </a:p>
+          <a:p>
+            <a:endParaRPr lang="en-IL" dirty="0"/>
+          </a:p>
+        </p:txBody>
+      </p:sp>
+      <p:sp>
+        <p:nvSpPr>
+          <p:cNvPr id="4" name="Slide Number Placeholder 3">
+            <a:extLst>
+              <a:ext uri="{FF2B5EF4-FFF2-40B4-BE49-F238E27FC236}">
+                <a16:creationId xmlns:a16="http://schemas.microsoft.com/office/drawing/2014/main" id="{0913D637-B30A-FAE4-7481-90EA76803465}"/>
+              </a:ext>
+            </a:extLst>
+          </p:cNvPr>
+          <p:cNvSpPr>
+            <a:spLocks noGrp="1"/>
+          </p:cNvSpPr>
+          <p:nvPr>
+            <p:ph type="sldNum" sz="quarter" idx="5"/>
+          </p:nvPr>
+        </p:nvSpPr>
+        <p:spPr/>
+        <p:txBody>
+          <a:bodyPr/>
+          <a:lstStyle/>
+          <a:p>
+            <a:fld id="{4C8E76A1-330E-41CA-BE38-B33435AC0AB6}" type="slidenum">
+              <a:rPr lang="en-IL" smtClean="0"/>
+              <a:t>10</a:t>
+            </a:fld>
+            <a:endParaRPr lang="en-IL"/>
+          </a:p>
+        </p:txBody>
+      </p:sp>
+    </p:spTree>
+    <p:extLst>
+      <p:ext uri="{BB962C8B-B14F-4D97-AF65-F5344CB8AC3E}">
+        <p14:creationId xmlns:p14="http://schemas.microsoft.com/office/powerpoint/2010/main" val="666307937"/>
+      </p:ext>
+    </p:extLst>
+  </p:cSld>
+  <p:clrMapOvr>
+    <a:masterClrMapping/>
+  </p:clrMapOvr>
+</p:notes>
+</file>
+
+<file path=ppt/notesSlides/notesSlide9.xml><?xml version="1.0" encoding="utf-8"?>
+<p:notes xmlns:a="http://schemas.openxmlformats.org/drawingml/2006/main" xmlns:r="http://schemas.openxmlformats.org/officeDocument/2006/relationships" xmlns:p="http://schemas.openxmlformats.org/presentationml/2006/main">
+  <p:cSld>
+    <p:spTree>
+      <p:nvGrpSpPr>
+        <p:cNvPr id="1" name="">
+          <a:extLst>
+            <a:ext uri="{FF2B5EF4-FFF2-40B4-BE49-F238E27FC236}">
+              <a16:creationId xmlns:a16="http://schemas.microsoft.com/office/drawing/2014/main" id="{3F9107EA-D938-5DA7-AF08-9A350FA2F2DF}"/>
+            </a:ext>
+          </a:extLst>
+        </p:cNvPr>
+        <p:cNvGrpSpPr/>
+        <p:nvPr/>
+      </p:nvGrpSpPr>
+      <p:grpSpPr>
+        <a:xfrm>
+          <a:off x="0" y="0"/>
+          <a:ext cx="0" cy="0"/>
+          <a:chOff x="0" y="0"/>
+          <a:chExt cx="0" cy="0"/>
+        </a:xfrm>
+      </p:grpSpPr>
+      <p:sp>
+        <p:nvSpPr>
+          <p:cNvPr id="2" name="Slide Image Placeholder 1">
+            <a:extLst>
+              <a:ext uri="{FF2B5EF4-FFF2-40B4-BE49-F238E27FC236}">
+                <a16:creationId xmlns:a16="http://schemas.microsoft.com/office/drawing/2014/main" id="{017B83F2-96BE-64D4-ABBC-4A0C9B4EECC2}"/>
+              </a:ext>
+            </a:extLst>
+          </p:cNvPr>
+          <p:cNvSpPr>
+            <a:spLocks noGrp="1" noRot="1" noChangeAspect="1"/>
+          </p:cNvSpPr>
+          <p:nvPr>
+            <p:ph type="sldImg"/>
+          </p:nvPr>
+        </p:nvSpPr>
+        <p:spPr/>
+      </p:sp>
+      <p:sp>
+        <p:nvSpPr>
+          <p:cNvPr id="3" name="Notes Placeholder 2">
+            <a:extLst>
+              <a:ext uri="{FF2B5EF4-FFF2-40B4-BE49-F238E27FC236}">
+                <a16:creationId xmlns:a16="http://schemas.microsoft.com/office/drawing/2014/main" id="{A9B85FF2-93AF-4738-6207-B9846AA2A627}"/>
+              </a:ext>
+            </a:extLst>
+          </p:cNvPr>
+          <p:cNvSpPr>
+            <a:spLocks noGrp="1"/>
+          </p:cNvSpPr>
+          <p:nvPr>
+            <p:ph type="body" idx="1"/>
+          </p:nvPr>
+        </p:nvSpPr>
+        <p:spPr/>
+        <p:txBody>
+          <a:bodyPr/>
+          <a:lstStyle/>
+          <a:p>
+            <a:pPr marL="0" indent="0">
+              <a:lnSpc>
+                <a:spcPct val="110000"/>
+              </a:lnSpc>
+              <a:buFont typeface="Arial" panose="020B0604020202020204" pitchFamily="34" charset="0"/>
+              <a:buNone/>
+            </a:pPr>
+            <a:endParaRPr lang="ru-RU" sz="1200" dirty="0"/>
+          </a:p>
+          <a:p>
+            <a:pPr marL="0" indent="0">
+              <a:buNone/>
+            </a:pPr>
+            <a:r>
+              <a:rPr lang="en-US" sz="1200" dirty="0"/>
+              <a:t>The original data frame takes up 250 MB.</a:t>
+            </a:r>
+            <a:endParaRPr lang="ru-RU" sz="1200" dirty="0"/>
+          </a:p>
+          <a:p>
+            <a:pPr marL="0" indent="0">
+              <a:buNone/>
+            </a:pPr>
+            <a:r>
+              <a:rPr lang="en-US" sz="1200" dirty="0"/>
+              <a:t>Therefore, the data frame is divided into two tables:</a:t>
+            </a:r>
+            <a:endParaRPr lang="ru-RU" sz="1200" dirty="0"/>
+          </a:p>
+          <a:p>
+            <a:r>
+              <a:rPr lang="en-US" sz="1200" dirty="0"/>
+              <a:t>Comments of guests (with apartment ID)</a:t>
+            </a:r>
+            <a:endParaRPr lang="ru-RU" sz="1200" dirty="0"/>
+          </a:p>
+          <a:p>
+            <a:r>
+              <a:rPr lang="en-US" sz="1200" dirty="0"/>
+              <a:t>Apartment data (once for one apartment)</a:t>
+            </a:r>
+            <a:r>
+              <a:rPr lang="ru-RU" sz="1200" dirty="0"/>
+              <a:t>.</a:t>
+            </a:r>
+          </a:p>
+          <a:p>
+            <a:pPr marL="0" indent="0">
+              <a:buNone/>
+            </a:pPr>
+            <a:r>
+              <a:rPr lang="en-US" sz="1200" dirty="0"/>
+              <a:t>The tables take up 37 MB and 3.5 MB respectively.</a:t>
+            </a:r>
+            <a:endParaRPr lang="ru-RU" sz="1200" dirty="0"/>
+          </a:p>
+          <a:p>
+            <a:endParaRPr lang="en-IL" dirty="0"/>
+          </a:p>
+        </p:txBody>
+      </p:sp>
+      <p:sp>
+        <p:nvSpPr>
+          <p:cNvPr id="4" name="Slide Number Placeholder 3">
+            <a:extLst>
+              <a:ext uri="{FF2B5EF4-FFF2-40B4-BE49-F238E27FC236}">
+                <a16:creationId xmlns:a16="http://schemas.microsoft.com/office/drawing/2014/main" id="{243529EF-16C8-7E04-2129-4F3E53C48586}"/>
+              </a:ext>
+            </a:extLst>
+          </p:cNvPr>
+          <p:cNvSpPr>
+            <a:spLocks noGrp="1"/>
+          </p:cNvSpPr>
+          <p:nvPr>
+            <p:ph type="sldNum" sz="quarter" idx="5"/>
+          </p:nvPr>
+        </p:nvSpPr>
+        <p:spPr/>
+        <p:txBody>
+          <a:bodyPr/>
+          <a:lstStyle/>
+          <a:p>
+            <a:fld id="{4C8E76A1-330E-41CA-BE38-B33435AC0AB6}" type="slidenum">
+              <a:rPr lang="en-IL" smtClean="0"/>
+              <a:t>11</a:t>
+            </a:fld>
+            <a:endParaRPr lang="en-IL"/>
+          </a:p>
+        </p:txBody>
+      </p:sp>
+    </p:spTree>
+    <p:extLst>
+      <p:ext uri="{BB962C8B-B14F-4D97-AF65-F5344CB8AC3E}">
+        <p14:creationId xmlns:p14="http://schemas.microsoft.com/office/powerpoint/2010/main" val="1175602798"/>
       </p:ext>
     </p:extLst>
   </p:cSld>
@@ -4004,7 +5061,7 @@
         </p:nvSpPr>
         <p:spPr>
           <a:xfrm>
-            <a:off x="1455174" y="1806143"/>
+            <a:off x="1524000" y="1499909"/>
             <a:ext cx="9429136" cy="2710141"/>
           </a:xfrm>
         </p:spPr>
@@ -4269,6 +5326,2786 @@
     <p:extLst>
       <p:ext uri="{BB962C8B-B14F-4D97-AF65-F5344CB8AC3E}">
         <p14:creationId xmlns:p14="http://schemas.microsoft.com/office/powerpoint/2010/main" val="1493265588"/>
+      </p:ext>
+    </p:extLst>
+  </p:cSld>
+  <p:clrMapOvr>
+    <a:masterClrMapping/>
+  </p:clrMapOvr>
+</p:sld>
+</file>
+
+<file path=ppt/slides/slide10.xml><?xml version="1.0" encoding="utf-8"?>
+<p:sld xmlns:a="http://schemas.openxmlformats.org/drawingml/2006/main" xmlns:r="http://schemas.openxmlformats.org/officeDocument/2006/relationships" xmlns:p="http://schemas.openxmlformats.org/presentationml/2006/main">
+  <p:cSld>
+    <p:spTree>
+      <p:nvGrpSpPr>
+        <p:cNvPr id="1" name="">
+          <a:extLst>
+            <a:ext uri="{FF2B5EF4-FFF2-40B4-BE49-F238E27FC236}">
+              <a16:creationId xmlns:a16="http://schemas.microsoft.com/office/drawing/2014/main" id="{E879858C-5901-849C-584B-0A20D471032C}"/>
+            </a:ext>
+          </a:extLst>
+        </p:cNvPr>
+        <p:cNvGrpSpPr/>
+        <p:nvPr/>
+      </p:nvGrpSpPr>
+      <p:grpSpPr>
+        <a:xfrm>
+          <a:off x="0" y="0"/>
+          <a:ext cx="0" cy="0"/>
+          <a:chOff x="0" y="0"/>
+          <a:chExt cx="0" cy="0"/>
+        </a:xfrm>
+      </p:grpSpPr>
+      <p:pic>
+        <p:nvPicPr>
+          <p:cNvPr id="1034" name="Picture 1033">
+            <a:extLst>
+              <a:ext uri="{FF2B5EF4-FFF2-40B4-BE49-F238E27FC236}">
+                <a16:creationId xmlns:a16="http://schemas.microsoft.com/office/drawing/2014/main" id="{E4DE0E34-C86B-BCA6-37D2-2E8ADD242B59}"/>
+              </a:ext>
+            </a:extLst>
+          </p:cNvPr>
+          <p:cNvPicPr>
+            <a:picLocks noChangeAspect="1"/>
+          </p:cNvPicPr>
+          <p:nvPr/>
+        </p:nvPicPr>
+        <p:blipFill>
+          <a:blip r:embed="rId3"/>
+          <a:stretch>
+            <a:fillRect/>
+          </a:stretch>
+        </p:blipFill>
+        <p:spPr>
+          <a:xfrm flipH="1" flipV="1">
+            <a:off x="5942617" y="3583605"/>
+            <a:ext cx="455911" cy="420421"/>
+          </a:xfrm>
+          <a:prstGeom prst="rect">
+            <a:avLst/>
+          </a:prstGeom>
+        </p:spPr>
+      </p:pic>
+      <p:sp>
+        <p:nvSpPr>
+          <p:cNvPr id="2" name="Title 1">
+            <a:extLst>
+              <a:ext uri="{FF2B5EF4-FFF2-40B4-BE49-F238E27FC236}">
+                <a16:creationId xmlns:a16="http://schemas.microsoft.com/office/drawing/2014/main" id="{E64123F6-AEF8-4C0D-2552-754AB298775D}"/>
+              </a:ext>
+            </a:extLst>
+          </p:cNvPr>
+          <p:cNvSpPr>
+            <a:spLocks noGrp="1"/>
+          </p:cNvSpPr>
+          <p:nvPr>
+            <p:ph type="title"/>
+          </p:nvPr>
+        </p:nvSpPr>
+        <p:spPr>
+          <a:xfrm>
+            <a:off x="838200" y="119317"/>
+            <a:ext cx="10515600" cy="551156"/>
+          </a:xfrm>
+        </p:spPr>
+        <p:txBody>
+          <a:bodyPr>
+            <a:normAutofit/>
+          </a:bodyPr>
+          <a:lstStyle/>
+          <a:p>
+            <a:r>
+              <a:rPr lang="en-US" sz="3200" b="1" dirty="0">
+                <a:solidFill>
+                  <a:srgbClr val="000000"/>
+                </a:solidFill>
+                <a:latin typeface="Arial" panose="020B0604020202020204" pitchFamily="34" charset="0"/>
+              </a:rPr>
+              <a:t>Program operation scheme</a:t>
+            </a:r>
+            <a:endParaRPr lang="en-IL" sz="3200" dirty="0"/>
+          </a:p>
+        </p:txBody>
+      </p:sp>
+      <p:pic>
+        <p:nvPicPr>
+          <p:cNvPr id="7" name="Picture 6">
+            <a:extLst>
+              <a:ext uri="{FF2B5EF4-FFF2-40B4-BE49-F238E27FC236}">
+                <a16:creationId xmlns:a16="http://schemas.microsoft.com/office/drawing/2014/main" id="{3262B40A-7689-6D4A-C287-F1DE5FBA08DE}"/>
+              </a:ext>
+            </a:extLst>
+          </p:cNvPr>
+          <p:cNvPicPr>
+            <a:picLocks noChangeAspect="1"/>
+          </p:cNvPicPr>
+          <p:nvPr/>
+        </p:nvPicPr>
+        <p:blipFill>
+          <a:blip r:embed="rId4"/>
+          <a:stretch>
+            <a:fillRect/>
+          </a:stretch>
+        </p:blipFill>
+        <p:spPr>
+          <a:xfrm>
+            <a:off x="279133" y="737419"/>
+            <a:ext cx="11633734" cy="119871"/>
+          </a:xfrm>
+          <a:prstGeom prst="rect">
+            <a:avLst/>
+          </a:prstGeom>
+        </p:spPr>
+      </p:pic>
+      <p:sp>
+        <p:nvSpPr>
+          <p:cNvPr id="4" name="TextBox 3">
+            <a:extLst>
+              <a:ext uri="{FF2B5EF4-FFF2-40B4-BE49-F238E27FC236}">
+                <a16:creationId xmlns:a16="http://schemas.microsoft.com/office/drawing/2014/main" id="{221EFA8C-98D6-75C4-2A9C-5DB003138768}"/>
+              </a:ext>
+            </a:extLst>
+          </p:cNvPr>
+          <p:cNvSpPr txBox="1"/>
+          <p:nvPr/>
+        </p:nvSpPr>
+        <p:spPr>
+          <a:xfrm>
+            <a:off x="11353800" y="194840"/>
+            <a:ext cx="559066" cy="400110"/>
+          </a:xfrm>
+          <a:prstGeom prst="rect">
+            <a:avLst/>
+          </a:prstGeom>
+          <a:noFill/>
+          <a:ln>
+            <a:solidFill>
+              <a:schemeClr val="accent1"/>
+            </a:solidFill>
+          </a:ln>
+        </p:spPr>
+        <p:txBody>
+          <a:bodyPr wrap="square" rtlCol="0">
+            <a:spAutoFit/>
+          </a:bodyPr>
+          <a:lstStyle/>
+          <a:p>
+            <a:pPr algn="ctr"/>
+            <a:r>
+              <a:rPr lang="en-US" sz="2000" b="1" dirty="0"/>
+              <a:t>1</a:t>
+            </a:r>
+            <a:endParaRPr lang="en-IL" sz="2000" b="1" dirty="0"/>
+          </a:p>
+        </p:txBody>
+      </p:sp>
+      <p:sp>
+        <p:nvSpPr>
+          <p:cNvPr id="8" name="TextBox 7">
+            <a:extLst>
+              <a:ext uri="{FF2B5EF4-FFF2-40B4-BE49-F238E27FC236}">
+                <a16:creationId xmlns:a16="http://schemas.microsoft.com/office/drawing/2014/main" id="{0787F3FC-3F9A-A110-8005-5FCFBB22C249}"/>
+              </a:ext>
+            </a:extLst>
+          </p:cNvPr>
+          <p:cNvSpPr txBox="1"/>
+          <p:nvPr/>
+        </p:nvSpPr>
+        <p:spPr>
+          <a:xfrm>
+            <a:off x="2723653" y="1040842"/>
+            <a:ext cx="1515534" cy="1669368"/>
+          </a:xfrm>
+          <a:prstGeom prst="rect">
+            <a:avLst/>
+          </a:prstGeom>
+          <a:noFill/>
+          <a:ln w="19050">
+            <a:solidFill>
+              <a:schemeClr val="accent1"/>
+            </a:solidFill>
+          </a:ln>
+          <a:effectLst>
+            <a:reflection endPos="0" dist="50800" dir="5400000" sy="-100000" algn="bl" rotWithShape="0"/>
+            <a:softEdge rad="0"/>
+          </a:effectLst>
+        </p:spPr>
+        <p:txBody>
+          <a:bodyPr wrap="square" rtlCol="0">
+            <a:spAutoFit/>
+          </a:bodyPr>
+          <a:lstStyle/>
+          <a:p>
+            <a:pPr lvl="0">
+              <a:lnSpc>
+                <a:spcPct val="115000"/>
+              </a:lnSpc>
+              <a:spcAft>
+                <a:spcPts val="800"/>
+              </a:spcAft>
+              <a:tabLst>
+                <a:tab pos="457200" algn="l"/>
+              </a:tabLst>
+            </a:pPr>
+            <a:r>
+              <a:rPr lang="en-IL" sz="1800" b="1" kern="100" dirty="0">
+                <a:effectLst/>
+                <a:latin typeface="Aptos" panose="020B0004020202020204" pitchFamily="34" charset="0"/>
+                <a:ea typeface="Aptos" panose="020B0004020202020204" pitchFamily="34" charset="0"/>
+                <a:cs typeface="Arial" panose="020B0604020202020204" pitchFamily="34" charset="0"/>
+              </a:rPr>
+              <a:t>Retrieve Patient Information from Database</a:t>
+            </a:r>
+            <a:endParaRPr lang="en-IL" sz="1800" kern="100" dirty="0">
+              <a:effectLst/>
+              <a:latin typeface="Aptos" panose="020B0004020202020204" pitchFamily="34" charset="0"/>
+              <a:ea typeface="Aptos" panose="020B0004020202020204" pitchFamily="34" charset="0"/>
+              <a:cs typeface="Arial" panose="020B0604020202020204" pitchFamily="34" charset="0"/>
+            </a:endParaRPr>
+          </a:p>
+        </p:txBody>
+      </p:sp>
+      <p:sp>
+        <p:nvSpPr>
+          <p:cNvPr id="10" name="TextBox 9">
+            <a:extLst>
+              <a:ext uri="{FF2B5EF4-FFF2-40B4-BE49-F238E27FC236}">
+                <a16:creationId xmlns:a16="http://schemas.microsoft.com/office/drawing/2014/main" id="{78918391-B6BF-E8B8-512E-B8CA514629DB}"/>
+              </a:ext>
+            </a:extLst>
+          </p:cNvPr>
+          <p:cNvSpPr txBox="1"/>
+          <p:nvPr/>
+        </p:nvSpPr>
+        <p:spPr>
+          <a:xfrm>
+            <a:off x="292927" y="1275359"/>
+            <a:ext cx="1752722" cy="1200329"/>
+          </a:xfrm>
+          <a:prstGeom prst="rect">
+            <a:avLst/>
+          </a:prstGeom>
+          <a:noFill/>
+          <a:ln w="19050">
+            <a:solidFill>
+              <a:schemeClr val="accent1"/>
+            </a:solidFill>
+          </a:ln>
+          <a:effectLst>
+            <a:reflection endPos="0" dist="50800" dir="5400000" sy="-100000" algn="bl" rotWithShape="0"/>
+            <a:softEdge rad="0"/>
+          </a:effectLst>
+        </p:spPr>
+        <p:txBody>
+          <a:bodyPr wrap="square" rtlCol="0">
+            <a:spAutoFit/>
+          </a:bodyPr>
+          <a:lstStyle/>
+          <a:p>
+            <a:r>
+              <a:rPr lang="en-IL" sz="1800" b="1" kern="100" dirty="0">
+                <a:effectLst/>
+                <a:latin typeface="Aptos" panose="020B0004020202020204" pitchFamily="34" charset="0"/>
+                <a:ea typeface="Aptos" panose="020B0004020202020204" pitchFamily="34" charset="0"/>
+                <a:cs typeface="Arial" panose="020B0604020202020204" pitchFamily="34" charset="0"/>
+              </a:rPr>
+              <a:t>Patient Identification or New Patient Registration</a:t>
+            </a:r>
+            <a:r>
+              <a:rPr lang="ru-RU" dirty="0"/>
+              <a:t> </a:t>
+            </a:r>
+            <a:endParaRPr lang="en-IL" dirty="0"/>
+          </a:p>
+        </p:txBody>
+      </p:sp>
+      <p:sp>
+        <p:nvSpPr>
+          <p:cNvPr id="5" name="TextBox 4">
+            <a:extLst>
+              <a:ext uri="{FF2B5EF4-FFF2-40B4-BE49-F238E27FC236}">
+                <a16:creationId xmlns:a16="http://schemas.microsoft.com/office/drawing/2014/main" id="{F479CA09-AFF5-4FF5-F8B4-F7A573699F8A}"/>
+              </a:ext>
+            </a:extLst>
+          </p:cNvPr>
+          <p:cNvSpPr txBox="1"/>
+          <p:nvPr/>
+        </p:nvSpPr>
+        <p:spPr>
+          <a:xfrm>
+            <a:off x="4920698" y="1200115"/>
+            <a:ext cx="1515534" cy="1350819"/>
+          </a:xfrm>
+          <a:prstGeom prst="rect">
+            <a:avLst/>
+          </a:prstGeom>
+          <a:noFill/>
+          <a:ln w="19050">
+            <a:solidFill>
+              <a:schemeClr val="accent1"/>
+            </a:solidFill>
+          </a:ln>
+          <a:effectLst>
+            <a:reflection endPos="0" dist="50800" dir="5400000" sy="-100000" algn="bl" rotWithShape="0"/>
+            <a:softEdge rad="0"/>
+          </a:effectLst>
+        </p:spPr>
+        <p:txBody>
+          <a:bodyPr wrap="square" rtlCol="0">
+            <a:spAutoFit/>
+          </a:bodyPr>
+          <a:lstStyle/>
+          <a:p>
+            <a:pPr lvl="0">
+              <a:lnSpc>
+                <a:spcPct val="115000"/>
+              </a:lnSpc>
+              <a:spcAft>
+                <a:spcPts val="800"/>
+              </a:spcAft>
+              <a:tabLst>
+                <a:tab pos="457200" algn="l"/>
+              </a:tabLst>
+            </a:pPr>
+            <a:r>
+              <a:rPr lang="en-IL" sz="1800" b="1" kern="100" dirty="0">
+                <a:effectLst/>
+                <a:latin typeface="Aptos" panose="020B0004020202020204" pitchFamily="34" charset="0"/>
+                <a:ea typeface="Aptos" panose="020B0004020202020204" pitchFamily="34" charset="0"/>
+                <a:cs typeface="Arial" panose="020B0604020202020204" pitchFamily="34" charset="0"/>
+              </a:rPr>
+              <a:t>Record and Recognize Patient’s Speech</a:t>
+            </a:r>
+            <a:endParaRPr lang="en-IL" sz="1800" kern="100" dirty="0">
+              <a:effectLst/>
+              <a:latin typeface="Aptos" panose="020B0004020202020204" pitchFamily="34" charset="0"/>
+              <a:ea typeface="Aptos" panose="020B0004020202020204" pitchFamily="34" charset="0"/>
+              <a:cs typeface="Arial" panose="020B0604020202020204" pitchFamily="34" charset="0"/>
+            </a:endParaRPr>
+          </a:p>
+        </p:txBody>
+      </p:sp>
+      <p:sp>
+        <p:nvSpPr>
+          <p:cNvPr id="6" name="TextBox 5">
+            <a:extLst>
+              <a:ext uri="{FF2B5EF4-FFF2-40B4-BE49-F238E27FC236}">
+                <a16:creationId xmlns:a16="http://schemas.microsoft.com/office/drawing/2014/main" id="{47CB29EE-6B3F-752D-0561-BD055262D565}"/>
+              </a:ext>
+            </a:extLst>
+          </p:cNvPr>
+          <p:cNvSpPr txBox="1"/>
+          <p:nvPr/>
+        </p:nvSpPr>
+        <p:spPr>
+          <a:xfrm>
+            <a:off x="7075404" y="2584287"/>
+            <a:ext cx="1770447" cy="1032270"/>
+          </a:xfrm>
+          <a:prstGeom prst="rect">
+            <a:avLst/>
+          </a:prstGeom>
+          <a:noFill/>
+          <a:ln w="19050">
+            <a:solidFill>
+              <a:schemeClr val="accent1"/>
+            </a:solidFill>
+          </a:ln>
+          <a:effectLst>
+            <a:reflection endPos="0" dist="50800" dir="5400000" sy="-100000" algn="bl" rotWithShape="0"/>
+            <a:softEdge rad="0"/>
+          </a:effectLst>
+        </p:spPr>
+        <p:txBody>
+          <a:bodyPr wrap="square" rtlCol="0">
+            <a:spAutoFit/>
+          </a:bodyPr>
+          <a:lstStyle/>
+          <a:p>
+            <a:pPr lvl="0">
+              <a:lnSpc>
+                <a:spcPct val="115000"/>
+              </a:lnSpc>
+              <a:spcAft>
+                <a:spcPts val="800"/>
+              </a:spcAft>
+              <a:tabLst>
+                <a:tab pos="457200" algn="l"/>
+              </a:tabLst>
+            </a:pPr>
+            <a:r>
+              <a:rPr lang="en-IL" sz="1800" b="1" kern="100" dirty="0">
+                <a:effectLst/>
+                <a:latin typeface="Aptos" panose="020B0004020202020204" pitchFamily="34" charset="0"/>
+                <a:ea typeface="Aptos" panose="020B0004020202020204" pitchFamily="34" charset="0"/>
+                <a:cs typeface="Arial" panose="020B0604020202020204" pitchFamily="34" charset="0"/>
+              </a:rPr>
+              <a:t>Analyse Emotional Tone of Voice</a:t>
+            </a:r>
+            <a:endParaRPr lang="en-IL" sz="1800" kern="100" dirty="0">
+              <a:effectLst/>
+              <a:latin typeface="Aptos" panose="020B0004020202020204" pitchFamily="34" charset="0"/>
+              <a:ea typeface="Aptos" panose="020B0004020202020204" pitchFamily="34" charset="0"/>
+              <a:cs typeface="Arial" panose="020B0604020202020204" pitchFamily="34" charset="0"/>
+            </a:endParaRPr>
+          </a:p>
+        </p:txBody>
+      </p:sp>
+      <p:sp>
+        <p:nvSpPr>
+          <p:cNvPr id="13" name="TextBox 12">
+            <a:extLst>
+              <a:ext uri="{FF2B5EF4-FFF2-40B4-BE49-F238E27FC236}">
+                <a16:creationId xmlns:a16="http://schemas.microsoft.com/office/drawing/2014/main" id="{05154FEB-0966-5BAB-37D0-DED951AF3863}"/>
+              </a:ext>
+            </a:extLst>
+          </p:cNvPr>
+          <p:cNvSpPr txBox="1"/>
+          <p:nvPr/>
+        </p:nvSpPr>
+        <p:spPr>
+          <a:xfrm>
+            <a:off x="7075405" y="1045379"/>
+            <a:ext cx="1770446" cy="1350819"/>
+          </a:xfrm>
+          <a:prstGeom prst="rect">
+            <a:avLst/>
+          </a:prstGeom>
+          <a:noFill/>
+          <a:ln w="19050">
+            <a:solidFill>
+              <a:schemeClr val="accent1"/>
+            </a:solidFill>
+          </a:ln>
+          <a:effectLst>
+            <a:reflection endPos="0" dist="50800" dir="5400000" sy="-100000" algn="bl" rotWithShape="0"/>
+            <a:softEdge rad="0"/>
+          </a:effectLst>
+        </p:spPr>
+        <p:txBody>
+          <a:bodyPr wrap="square" rtlCol="0">
+            <a:spAutoFit/>
+          </a:bodyPr>
+          <a:lstStyle/>
+          <a:p>
+            <a:pPr lvl="0">
+              <a:lnSpc>
+                <a:spcPct val="115000"/>
+              </a:lnSpc>
+              <a:spcAft>
+                <a:spcPts val="800"/>
+              </a:spcAft>
+              <a:tabLst>
+                <a:tab pos="457200" algn="l"/>
+              </a:tabLst>
+            </a:pPr>
+            <a:r>
+              <a:rPr lang="en-US" b="1" kern="100" dirty="0">
+                <a:latin typeface="Aptos" panose="020B0004020202020204" pitchFamily="34" charset="0"/>
+                <a:ea typeface="Aptos" panose="020B0004020202020204" pitchFamily="34" charset="0"/>
+                <a:cs typeface="Arial" panose="020B0604020202020204" pitchFamily="34" charset="0"/>
+              </a:rPr>
+              <a:t>Search </a:t>
+            </a:r>
+            <a:r>
+              <a:rPr lang="en-IL" sz="1800" b="1" kern="100" dirty="0">
+                <a:effectLst/>
+                <a:latin typeface="Aptos" panose="020B0004020202020204" pitchFamily="34" charset="0"/>
+                <a:ea typeface="Aptos" panose="020B0004020202020204" pitchFamily="34" charset="0"/>
+                <a:cs typeface="Arial" panose="020B0604020202020204" pitchFamily="34" charset="0"/>
+              </a:rPr>
+              <a:t>Similar and Dissimilar Sessions</a:t>
+            </a:r>
+            <a:r>
+              <a:rPr lang="ru-RU" sz="1800" b="1" kern="100" dirty="0">
+                <a:effectLst/>
+                <a:latin typeface="Aptos" panose="020B0004020202020204" pitchFamily="34" charset="0"/>
+                <a:ea typeface="Aptos" panose="020B0004020202020204" pitchFamily="34" charset="0"/>
+                <a:cs typeface="Arial" panose="020B0604020202020204" pitchFamily="34" charset="0"/>
+              </a:rPr>
+              <a:t> </a:t>
+            </a:r>
+            <a:r>
+              <a:rPr lang="en-US" sz="1800" b="1" kern="100" dirty="0">
+                <a:effectLst/>
+                <a:latin typeface="Aptos" panose="020B0004020202020204" pitchFamily="34" charset="0"/>
+                <a:ea typeface="Aptos" panose="020B0004020202020204" pitchFamily="34" charset="0"/>
+                <a:cs typeface="Arial" panose="020B0604020202020204" pitchFamily="34" charset="0"/>
+              </a:rPr>
+              <a:t>in </a:t>
+            </a:r>
+            <a:r>
+              <a:rPr lang="en-IL" sz="1800" b="1" kern="100" dirty="0">
+                <a:effectLst/>
+                <a:latin typeface="Aptos" panose="020B0004020202020204" pitchFamily="34" charset="0"/>
+                <a:ea typeface="Aptos" panose="020B0004020202020204" pitchFamily="34" charset="0"/>
+                <a:cs typeface="Arial" panose="020B0604020202020204" pitchFamily="34" charset="0"/>
+              </a:rPr>
+              <a:t>Database</a:t>
+            </a:r>
+            <a:endParaRPr lang="en-IL" sz="1800" kern="100" dirty="0">
+              <a:effectLst/>
+              <a:latin typeface="Aptos" panose="020B0004020202020204" pitchFamily="34" charset="0"/>
+              <a:ea typeface="Aptos" panose="020B0004020202020204" pitchFamily="34" charset="0"/>
+              <a:cs typeface="Arial" panose="020B0604020202020204" pitchFamily="34" charset="0"/>
+            </a:endParaRPr>
+          </a:p>
+        </p:txBody>
+      </p:sp>
+      <p:sp>
+        <p:nvSpPr>
+          <p:cNvPr id="16" name="TextBox 15">
+            <a:extLst>
+              <a:ext uri="{FF2B5EF4-FFF2-40B4-BE49-F238E27FC236}">
+                <a16:creationId xmlns:a16="http://schemas.microsoft.com/office/drawing/2014/main" id="{94EC805B-FF0D-DED9-3CC9-E6B95C66D0BE}"/>
+              </a:ext>
+            </a:extLst>
+          </p:cNvPr>
+          <p:cNvSpPr txBox="1"/>
+          <p:nvPr/>
+        </p:nvSpPr>
+        <p:spPr>
+          <a:xfrm>
+            <a:off x="9516233" y="1023877"/>
+            <a:ext cx="2426869" cy="2862322"/>
+          </a:xfrm>
+          <a:prstGeom prst="rect">
+            <a:avLst/>
+          </a:prstGeom>
+          <a:noFill/>
+          <a:ln w="19050">
+            <a:solidFill>
+              <a:schemeClr val="accent1"/>
+            </a:solidFill>
+          </a:ln>
+          <a:effectLst>
+            <a:reflection endPos="0" dist="50800" dir="5400000" sy="-100000" algn="bl" rotWithShape="0"/>
+            <a:softEdge rad="0"/>
+          </a:effectLst>
+        </p:spPr>
+        <p:txBody>
+          <a:bodyPr wrap="square" rtlCol="0">
+            <a:spAutoFit/>
+          </a:bodyPr>
+          <a:lstStyle/>
+          <a:p>
+            <a:r>
+              <a:rPr lang="en-US" b="1" dirty="0"/>
+              <a:t>Fine-tuned LLM</a:t>
+            </a:r>
+            <a:r>
+              <a:rPr lang="en-IL" sz="1800" b="1" kern="100" dirty="0">
+                <a:effectLst/>
+                <a:latin typeface="Aptos" panose="020B0004020202020204" pitchFamily="34" charset="0"/>
+                <a:ea typeface="Aptos" panose="020B0004020202020204" pitchFamily="34" charset="0"/>
+                <a:cs typeface="Arial" panose="020B0604020202020204" pitchFamily="34" charset="0"/>
+              </a:rPr>
+              <a:t> “Psychologist” </a:t>
+            </a:r>
+            <a:r>
+              <a:rPr lang="en-IL" sz="1800" kern="100" dirty="0">
+                <a:effectLst/>
+                <a:latin typeface="Aptos" panose="020B0004020202020204" pitchFamily="34" charset="0"/>
+                <a:ea typeface="Aptos" panose="020B0004020202020204" pitchFamily="34" charset="0"/>
+                <a:cs typeface="Arial" panose="020B0604020202020204" pitchFamily="34" charset="0"/>
+              </a:rPr>
+              <a:t>Receives</a:t>
+            </a:r>
+            <a:r>
+              <a:rPr lang="ru-RU" sz="1800" kern="100" dirty="0">
+                <a:effectLst/>
+                <a:latin typeface="Aptos" panose="020B0004020202020204" pitchFamily="34" charset="0"/>
+                <a:ea typeface="Aptos" panose="020B0004020202020204" pitchFamily="34" charset="0"/>
+                <a:cs typeface="Arial" panose="020B0604020202020204" pitchFamily="34" charset="0"/>
+              </a:rPr>
+              <a:t> </a:t>
+            </a:r>
+            <a:r>
+              <a:rPr lang="en-US" sz="1800" kern="100" dirty="0">
+                <a:effectLst/>
+                <a:latin typeface="Aptos" panose="020B0004020202020204" pitchFamily="34" charset="0"/>
+                <a:ea typeface="Aptos" panose="020B0004020202020204" pitchFamily="34" charset="0"/>
+                <a:cs typeface="Arial" panose="020B0604020202020204" pitchFamily="34" charset="0"/>
+              </a:rPr>
+              <a:t>for answer</a:t>
+            </a:r>
+            <a:r>
+              <a:rPr lang="en-IL" sz="1800" kern="100" dirty="0">
+                <a:effectLst/>
+                <a:latin typeface="Aptos" panose="020B0004020202020204" pitchFamily="34" charset="0"/>
+                <a:ea typeface="Aptos" panose="020B0004020202020204" pitchFamily="34" charset="0"/>
+                <a:cs typeface="Arial" panose="020B0604020202020204" pitchFamily="34" charset="0"/>
+              </a:rPr>
+              <a:t>: current session transcript, patient information, summary of the previous session, similar</a:t>
+            </a:r>
+            <a:r>
+              <a:rPr lang="en-US" sz="1800" kern="100" dirty="0">
+                <a:effectLst/>
+                <a:latin typeface="Aptos" panose="020B0004020202020204" pitchFamily="34" charset="0"/>
+                <a:ea typeface="Aptos" panose="020B0004020202020204" pitchFamily="34" charset="0"/>
+                <a:cs typeface="Arial" panose="020B0604020202020204" pitchFamily="34" charset="0"/>
+              </a:rPr>
+              <a:t> and </a:t>
+            </a:r>
+            <a:r>
+              <a:rPr lang="en-IL" sz="1800" kern="100" dirty="0">
+                <a:effectLst/>
+                <a:latin typeface="Aptos" panose="020B0004020202020204" pitchFamily="34" charset="0"/>
+                <a:ea typeface="Aptos" panose="020B0004020202020204" pitchFamily="34" charset="0"/>
+                <a:cs typeface="Arial" panose="020B0604020202020204" pitchFamily="34" charset="0"/>
+              </a:rPr>
+              <a:t>dissimilar sessions</a:t>
+            </a:r>
+            <a:r>
+              <a:rPr lang="en-US" kern="100" dirty="0">
+                <a:latin typeface="Aptos" panose="020B0004020202020204" pitchFamily="34" charset="0"/>
+                <a:ea typeface="Aptos" panose="020B0004020202020204" pitchFamily="34" charset="0"/>
+                <a:cs typeface="Arial" panose="020B0604020202020204" pitchFamily="34" charset="0"/>
+              </a:rPr>
+              <a:t>, emotion description</a:t>
+            </a:r>
+            <a:r>
+              <a:rPr lang="en-IL" sz="1800" kern="100" dirty="0">
+                <a:effectLst/>
+                <a:latin typeface="Aptos" panose="020B0004020202020204" pitchFamily="34" charset="0"/>
+                <a:ea typeface="Aptos" panose="020B0004020202020204" pitchFamily="34" charset="0"/>
+                <a:cs typeface="Arial" panose="020B0604020202020204" pitchFamily="34" charset="0"/>
+              </a:rPr>
+              <a:t>.</a:t>
+            </a:r>
+            <a:endParaRPr lang="en-IL" dirty="0"/>
+          </a:p>
+        </p:txBody>
+      </p:sp>
+      <p:sp>
+        <p:nvSpPr>
+          <p:cNvPr id="17" name="TextBox 16">
+            <a:extLst>
+              <a:ext uri="{FF2B5EF4-FFF2-40B4-BE49-F238E27FC236}">
+                <a16:creationId xmlns:a16="http://schemas.microsoft.com/office/drawing/2014/main" id="{372C791E-FDDE-8033-9AA6-0805F11748F4}"/>
+              </a:ext>
+            </a:extLst>
+          </p:cNvPr>
+          <p:cNvSpPr txBox="1"/>
+          <p:nvPr/>
+        </p:nvSpPr>
+        <p:spPr>
+          <a:xfrm>
+            <a:off x="2743531" y="4804144"/>
+            <a:ext cx="3690606" cy="1754326"/>
+          </a:xfrm>
+          <a:prstGeom prst="rect">
+            <a:avLst/>
+          </a:prstGeom>
+          <a:noFill/>
+          <a:ln w="19050">
+            <a:solidFill>
+              <a:schemeClr val="accent1"/>
+            </a:solidFill>
+          </a:ln>
+          <a:effectLst>
+            <a:reflection endPos="0" dist="50800" dir="5400000" sy="-100000" algn="bl" rotWithShape="0"/>
+            <a:softEdge rad="0"/>
+          </a:effectLst>
+        </p:spPr>
+        <p:txBody>
+          <a:bodyPr wrap="square" rtlCol="0">
+            <a:spAutoFit/>
+          </a:bodyPr>
+          <a:lstStyle/>
+          <a:p>
+            <a:r>
+              <a:rPr lang="en-US" b="1" dirty="0"/>
+              <a:t>Fine-tuned LLM</a:t>
+            </a:r>
+            <a:r>
+              <a:rPr lang="en-IL" sz="1800" b="1" kern="100" dirty="0">
+                <a:effectLst/>
+                <a:latin typeface="Aptos" panose="020B0004020202020204" pitchFamily="34" charset="0"/>
+                <a:ea typeface="Aptos" panose="020B0004020202020204" pitchFamily="34" charset="0"/>
+                <a:cs typeface="Arial" panose="020B0604020202020204" pitchFamily="34" charset="0"/>
+              </a:rPr>
+              <a:t> “Psychologist”</a:t>
+            </a:r>
+            <a:r>
+              <a:rPr lang="en-IL" sz="1800" kern="100" dirty="0">
+                <a:effectLst/>
+                <a:latin typeface="Aptos" panose="020B0004020202020204" pitchFamily="34" charset="0"/>
+                <a:ea typeface="Aptos" panose="020B0004020202020204" pitchFamily="34" charset="0"/>
+                <a:cs typeface="Arial" panose="020B0604020202020204" pitchFamily="34" charset="0"/>
+              </a:rPr>
+              <a:t>: generates a session summary, extracts relevant facts, and updates patient information. </a:t>
+            </a:r>
+            <a:endParaRPr lang="en-US" sz="1800" kern="100" dirty="0">
+              <a:effectLst/>
+              <a:latin typeface="Aptos" panose="020B0004020202020204" pitchFamily="34" charset="0"/>
+              <a:ea typeface="Aptos" panose="020B0004020202020204" pitchFamily="34" charset="0"/>
+              <a:cs typeface="Arial" panose="020B0604020202020204" pitchFamily="34" charset="0"/>
+            </a:endParaRPr>
+          </a:p>
+          <a:p>
+            <a:r>
+              <a:rPr lang="en-IL" sz="1800" kern="100" dirty="0">
+                <a:effectLst/>
+                <a:latin typeface="Aptos" panose="020B0004020202020204" pitchFamily="34" charset="0"/>
+                <a:ea typeface="Aptos" panose="020B0004020202020204" pitchFamily="34" charset="0"/>
+                <a:cs typeface="Arial" panose="020B0604020202020204" pitchFamily="34" charset="0"/>
+              </a:rPr>
+              <a:t>The session summary embedding is calculated.</a:t>
+            </a:r>
+            <a:endParaRPr lang="en-IL" dirty="0"/>
+          </a:p>
+        </p:txBody>
+      </p:sp>
+      <p:sp>
+        <p:nvSpPr>
+          <p:cNvPr id="9" name="TextBox 8">
+            <a:extLst>
+              <a:ext uri="{FF2B5EF4-FFF2-40B4-BE49-F238E27FC236}">
+                <a16:creationId xmlns:a16="http://schemas.microsoft.com/office/drawing/2014/main" id="{D5276883-87B4-B66F-BE60-1C7DBF0BE1C4}"/>
+              </a:ext>
+            </a:extLst>
+          </p:cNvPr>
+          <p:cNvSpPr txBox="1"/>
+          <p:nvPr/>
+        </p:nvSpPr>
+        <p:spPr>
+          <a:xfrm>
+            <a:off x="301056" y="5002789"/>
+            <a:ext cx="1752722" cy="1350819"/>
+          </a:xfrm>
+          <a:prstGeom prst="rect">
+            <a:avLst/>
+          </a:prstGeom>
+          <a:noFill/>
+          <a:ln w="19050">
+            <a:solidFill>
+              <a:schemeClr val="accent1"/>
+            </a:solidFill>
+          </a:ln>
+          <a:effectLst>
+            <a:reflection endPos="0" dist="50800" dir="5400000" sy="-100000" algn="bl" rotWithShape="0"/>
+            <a:softEdge rad="0"/>
+          </a:effectLst>
+        </p:spPr>
+        <p:txBody>
+          <a:bodyPr wrap="square" rtlCol="0">
+            <a:spAutoFit/>
+          </a:bodyPr>
+          <a:lstStyle/>
+          <a:p>
+            <a:pPr lvl="0">
+              <a:lnSpc>
+                <a:spcPct val="115000"/>
+              </a:lnSpc>
+              <a:spcAft>
+                <a:spcPts val="800"/>
+              </a:spcAft>
+              <a:tabLst>
+                <a:tab pos="457200" algn="l"/>
+              </a:tabLst>
+            </a:pPr>
+            <a:r>
+              <a:rPr lang="en-IL" sz="1800" b="1" kern="100" dirty="0">
+                <a:effectLst/>
+                <a:latin typeface="Aptos" panose="020B0004020202020204" pitchFamily="34" charset="0"/>
+                <a:ea typeface="Aptos" panose="020B0004020202020204" pitchFamily="34" charset="0"/>
+                <a:cs typeface="Arial" panose="020B0604020202020204" pitchFamily="34" charset="0"/>
+              </a:rPr>
+              <a:t>Record and Update Information in the Database</a:t>
+            </a:r>
+            <a:endParaRPr lang="en-IL" sz="1800" kern="100" dirty="0">
+              <a:effectLst/>
+              <a:latin typeface="Aptos" panose="020B0004020202020204" pitchFamily="34" charset="0"/>
+              <a:ea typeface="Aptos" panose="020B0004020202020204" pitchFamily="34" charset="0"/>
+              <a:cs typeface="Arial" panose="020B0604020202020204" pitchFamily="34" charset="0"/>
+            </a:endParaRPr>
+          </a:p>
+        </p:txBody>
+      </p:sp>
+      <p:pic>
+        <p:nvPicPr>
+          <p:cNvPr id="15" name="Picture 14">
+            <a:extLst>
+              <a:ext uri="{FF2B5EF4-FFF2-40B4-BE49-F238E27FC236}">
+                <a16:creationId xmlns:a16="http://schemas.microsoft.com/office/drawing/2014/main" id="{8506CAF5-C6DC-6968-AFA1-BB3E566B63A9}"/>
+              </a:ext>
+            </a:extLst>
+          </p:cNvPr>
+          <p:cNvPicPr>
+            <a:picLocks noChangeAspect="1"/>
+          </p:cNvPicPr>
+          <p:nvPr/>
+        </p:nvPicPr>
+        <p:blipFill>
+          <a:blip r:embed="rId5"/>
+          <a:stretch>
+            <a:fillRect/>
+          </a:stretch>
+        </p:blipFill>
+        <p:spPr>
+          <a:xfrm>
+            <a:off x="6019572" y="2001692"/>
+            <a:ext cx="392879" cy="536510"/>
+          </a:xfrm>
+          <a:prstGeom prst="rect">
+            <a:avLst/>
+          </a:prstGeom>
+        </p:spPr>
+      </p:pic>
+      <p:cxnSp>
+        <p:nvCxnSpPr>
+          <p:cNvPr id="21" name="Connector: Elbow 20">
+            <a:extLst>
+              <a:ext uri="{FF2B5EF4-FFF2-40B4-BE49-F238E27FC236}">
+                <a16:creationId xmlns:a16="http://schemas.microsoft.com/office/drawing/2014/main" id="{CDEEAE7F-4271-42C5-F976-A3AEAB28613C}"/>
+              </a:ext>
+            </a:extLst>
+          </p:cNvPr>
+          <p:cNvCxnSpPr>
+            <a:cxnSpLocks/>
+            <a:stCxn id="13" idx="3"/>
+            <a:endCxn id="16" idx="1"/>
+          </p:cNvCxnSpPr>
+          <p:nvPr/>
+        </p:nvCxnSpPr>
+        <p:spPr>
+          <a:xfrm>
+            <a:off x="8845851" y="1720789"/>
+            <a:ext cx="670382" cy="734249"/>
+          </a:xfrm>
+          <a:prstGeom prst="bentConnector3">
+            <a:avLst/>
+          </a:prstGeom>
+          <a:ln>
+            <a:tailEnd type="triangle"/>
+          </a:ln>
+        </p:spPr>
+        <p:style>
+          <a:lnRef idx="2">
+            <a:schemeClr val="accent1"/>
+          </a:lnRef>
+          <a:fillRef idx="0">
+            <a:schemeClr val="accent1"/>
+          </a:fillRef>
+          <a:effectRef idx="1">
+            <a:schemeClr val="accent1"/>
+          </a:effectRef>
+          <a:fontRef idx="minor">
+            <a:schemeClr val="tx1"/>
+          </a:fontRef>
+        </p:style>
+      </p:cxnSp>
+      <p:cxnSp>
+        <p:nvCxnSpPr>
+          <p:cNvPr id="25" name="Connector: Elbow 24">
+            <a:extLst>
+              <a:ext uri="{FF2B5EF4-FFF2-40B4-BE49-F238E27FC236}">
+                <a16:creationId xmlns:a16="http://schemas.microsoft.com/office/drawing/2014/main" id="{4A23A916-DBB7-A727-F0FD-FAC456582E57}"/>
+              </a:ext>
+            </a:extLst>
+          </p:cNvPr>
+          <p:cNvCxnSpPr>
+            <a:cxnSpLocks/>
+            <a:stCxn id="6" idx="3"/>
+            <a:endCxn id="16" idx="1"/>
+          </p:cNvCxnSpPr>
+          <p:nvPr/>
+        </p:nvCxnSpPr>
+        <p:spPr>
+          <a:xfrm flipV="1">
+            <a:off x="8845851" y="2455038"/>
+            <a:ext cx="670382" cy="645384"/>
+          </a:xfrm>
+          <a:prstGeom prst="bentConnector3">
+            <a:avLst>
+              <a:gd name="adj1" fmla="val 50000"/>
+            </a:avLst>
+          </a:prstGeom>
+          <a:ln>
+            <a:tailEnd type="triangle"/>
+          </a:ln>
+        </p:spPr>
+        <p:style>
+          <a:lnRef idx="2">
+            <a:schemeClr val="accent1"/>
+          </a:lnRef>
+          <a:fillRef idx="0">
+            <a:schemeClr val="accent1"/>
+          </a:fillRef>
+          <a:effectRef idx="1">
+            <a:schemeClr val="accent1"/>
+          </a:effectRef>
+          <a:fontRef idx="minor">
+            <a:schemeClr val="tx1"/>
+          </a:fontRef>
+        </p:style>
+      </p:cxnSp>
+      <p:cxnSp>
+        <p:nvCxnSpPr>
+          <p:cNvPr id="29" name="Connector: Elbow 28">
+            <a:extLst>
+              <a:ext uri="{FF2B5EF4-FFF2-40B4-BE49-F238E27FC236}">
+                <a16:creationId xmlns:a16="http://schemas.microsoft.com/office/drawing/2014/main" id="{2415A292-D3A0-EDA9-AEAC-21DF1B341EFA}"/>
+              </a:ext>
+            </a:extLst>
+          </p:cNvPr>
+          <p:cNvCxnSpPr>
+            <a:cxnSpLocks/>
+            <a:stCxn id="10" idx="3"/>
+            <a:endCxn id="8" idx="1"/>
+          </p:cNvCxnSpPr>
+          <p:nvPr/>
+        </p:nvCxnSpPr>
+        <p:spPr>
+          <a:xfrm>
+            <a:off x="2045649" y="1875524"/>
+            <a:ext cx="678004" cy="2"/>
+          </a:xfrm>
+          <a:prstGeom prst="bentConnector3">
+            <a:avLst>
+              <a:gd name="adj1" fmla="val 50000"/>
+            </a:avLst>
+          </a:prstGeom>
+          <a:ln>
+            <a:tailEnd type="triangle"/>
+          </a:ln>
+        </p:spPr>
+        <p:style>
+          <a:lnRef idx="2">
+            <a:schemeClr val="accent1"/>
+          </a:lnRef>
+          <a:fillRef idx="0">
+            <a:schemeClr val="accent1"/>
+          </a:fillRef>
+          <a:effectRef idx="1">
+            <a:schemeClr val="accent1"/>
+          </a:effectRef>
+          <a:fontRef idx="minor">
+            <a:schemeClr val="tx1"/>
+          </a:fontRef>
+        </p:style>
+      </p:cxnSp>
+      <p:cxnSp>
+        <p:nvCxnSpPr>
+          <p:cNvPr id="32" name="Connector: Elbow 31">
+            <a:extLst>
+              <a:ext uri="{FF2B5EF4-FFF2-40B4-BE49-F238E27FC236}">
+                <a16:creationId xmlns:a16="http://schemas.microsoft.com/office/drawing/2014/main" id="{EC066667-0B70-6074-0969-5614DCDB24F6}"/>
+              </a:ext>
+            </a:extLst>
+          </p:cNvPr>
+          <p:cNvCxnSpPr>
+            <a:cxnSpLocks/>
+            <a:stCxn id="8" idx="3"/>
+            <a:endCxn id="5" idx="1"/>
+          </p:cNvCxnSpPr>
+          <p:nvPr/>
+        </p:nvCxnSpPr>
+        <p:spPr>
+          <a:xfrm flipV="1">
+            <a:off x="4239187" y="1875525"/>
+            <a:ext cx="681511" cy="1"/>
+          </a:xfrm>
+          <a:prstGeom prst="bentConnector3">
+            <a:avLst>
+              <a:gd name="adj1" fmla="val 50000"/>
+            </a:avLst>
+          </a:prstGeom>
+          <a:ln>
+            <a:tailEnd type="triangle"/>
+          </a:ln>
+        </p:spPr>
+        <p:style>
+          <a:lnRef idx="2">
+            <a:schemeClr val="accent1"/>
+          </a:lnRef>
+          <a:fillRef idx="0">
+            <a:schemeClr val="accent1"/>
+          </a:fillRef>
+          <a:effectRef idx="1">
+            <a:schemeClr val="accent1"/>
+          </a:effectRef>
+          <a:fontRef idx="minor">
+            <a:schemeClr val="tx1"/>
+          </a:fontRef>
+        </p:style>
+      </p:cxnSp>
+      <p:cxnSp>
+        <p:nvCxnSpPr>
+          <p:cNvPr id="35" name="Connector: Elbow 34">
+            <a:extLst>
+              <a:ext uri="{FF2B5EF4-FFF2-40B4-BE49-F238E27FC236}">
+                <a16:creationId xmlns:a16="http://schemas.microsoft.com/office/drawing/2014/main" id="{5AB9D945-11EC-5186-D815-A33D1F910674}"/>
+              </a:ext>
+            </a:extLst>
+          </p:cNvPr>
+          <p:cNvCxnSpPr>
+            <a:cxnSpLocks/>
+            <a:stCxn id="16" idx="2"/>
+          </p:cNvCxnSpPr>
+          <p:nvPr/>
+        </p:nvCxnSpPr>
+        <p:spPr>
+          <a:xfrm rot="5400000" flipH="1">
+            <a:off x="8421069" y="1577600"/>
+            <a:ext cx="302594" cy="4314604"/>
+          </a:xfrm>
+          <a:prstGeom prst="bentConnector4">
+            <a:avLst>
+              <a:gd name="adj1" fmla="val -124816"/>
+              <a:gd name="adj2" fmla="val 91705"/>
+            </a:avLst>
+          </a:prstGeom>
+          <a:ln>
+            <a:tailEnd type="triangle"/>
+          </a:ln>
+        </p:spPr>
+        <p:style>
+          <a:lnRef idx="2">
+            <a:schemeClr val="accent1"/>
+          </a:lnRef>
+          <a:fillRef idx="0">
+            <a:schemeClr val="accent1"/>
+          </a:fillRef>
+          <a:effectRef idx="1">
+            <a:schemeClr val="accent1"/>
+          </a:effectRef>
+          <a:fontRef idx="minor">
+            <a:schemeClr val="tx1"/>
+          </a:fontRef>
+        </p:style>
+      </p:cxnSp>
+      <p:cxnSp>
+        <p:nvCxnSpPr>
+          <p:cNvPr id="41" name="Connector: Elbow 40">
+            <a:extLst>
+              <a:ext uri="{FF2B5EF4-FFF2-40B4-BE49-F238E27FC236}">
+                <a16:creationId xmlns:a16="http://schemas.microsoft.com/office/drawing/2014/main" id="{CD5C2B66-6302-5018-47AE-19F9693BD9CF}"/>
+              </a:ext>
+            </a:extLst>
+          </p:cNvPr>
+          <p:cNvCxnSpPr>
+            <a:cxnSpLocks/>
+            <a:stCxn id="19" idx="0"/>
+            <a:endCxn id="5" idx="2"/>
+          </p:cNvCxnSpPr>
+          <p:nvPr/>
+        </p:nvCxnSpPr>
+        <p:spPr>
+          <a:xfrm rot="5400000" flipH="1" flipV="1">
+            <a:off x="5408614" y="2820784"/>
+            <a:ext cx="539701" cy="2"/>
+          </a:xfrm>
+          <a:prstGeom prst="bentConnector3">
+            <a:avLst>
+              <a:gd name="adj1" fmla="val 50000"/>
+            </a:avLst>
+          </a:prstGeom>
+          <a:ln>
+            <a:tailEnd type="triangle"/>
+          </a:ln>
+        </p:spPr>
+        <p:style>
+          <a:lnRef idx="2">
+            <a:schemeClr val="accent1"/>
+          </a:lnRef>
+          <a:fillRef idx="0">
+            <a:schemeClr val="accent1"/>
+          </a:fillRef>
+          <a:effectRef idx="1">
+            <a:schemeClr val="accent1"/>
+          </a:effectRef>
+          <a:fontRef idx="minor">
+            <a:schemeClr val="tx1"/>
+          </a:fontRef>
+        </p:style>
+      </p:cxnSp>
+      <p:cxnSp>
+        <p:nvCxnSpPr>
+          <p:cNvPr id="48" name="Connector: Elbow 47">
+            <a:extLst>
+              <a:ext uri="{FF2B5EF4-FFF2-40B4-BE49-F238E27FC236}">
+                <a16:creationId xmlns:a16="http://schemas.microsoft.com/office/drawing/2014/main" id="{073A74A2-BF75-47C3-A0DD-C2792AE155FB}"/>
+              </a:ext>
+            </a:extLst>
+          </p:cNvPr>
+          <p:cNvCxnSpPr>
+            <a:cxnSpLocks/>
+            <a:stCxn id="5" idx="3"/>
+            <a:endCxn id="13" idx="1"/>
+          </p:cNvCxnSpPr>
+          <p:nvPr/>
+        </p:nvCxnSpPr>
+        <p:spPr>
+          <a:xfrm flipV="1">
+            <a:off x="6436232" y="1720789"/>
+            <a:ext cx="639173" cy="154736"/>
+          </a:xfrm>
+          <a:prstGeom prst="bentConnector3">
+            <a:avLst>
+              <a:gd name="adj1" fmla="val 50000"/>
+            </a:avLst>
+          </a:prstGeom>
+          <a:ln>
+            <a:tailEnd type="triangle"/>
+          </a:ln>
+        </p:spPr>
+        <p:style>
+          <a:lnRef idx="2">
+            <a:schemeClr val="accent1"/>
+          </a:lnRef>
+          <a:fillRef idx="0">
+            <a:schemeClr val="accent1"/>
+          </a:fillRef>
+          <a:effectRef idx="1">
+            <a:schemeClr val="accent1"/>
+          </a:effectRef>
+          <a:fontRef idx="minor">
+            <a:schemeClr val="tx1"/>
+          </a:fontRef>
+        </p:style>
+      </p:cxnSp>
+      <p:cxnSp>
+        <p:nvCxnSpPr>
+          <p:cNvPr id="51" name="Connector: Elbow 50">
+            <a:extLst>
+              <a:ext uri="{FF2B5EF4-FFF2-40B4-BE49-F238E27FC236}">
+                <a16:creationId xmlns:a16="http://schemas.microsoft.com/office/drawing/2014/main" id="{FD073112-8ECD-0DD0-C0D4-1E2803997798}"/>
+              </a:ext>
+            </a:extLst>
+          </p:cNvPr>
+          <p:cNvCxnSpPr>
+            <a:cxnSpLocks/>
+            <a:stCxn id="5" idx="3"/>
+            <a:endCxn id="6" idx="1"/>
+          </p:cNvCxnSpPr>
+          <p:nvPr/>
+        </p:nvCxnSpPr>
+        <p:spPr>
+          <a:xfrm>
+            <a:off x="6436232" y="1875525"/>
+            <a:ext cx="639172" cy="1224897"/>
+          </a:xfrm>
+          <a:prstGeom prst="bentConnector3">
+            <a:avLst>
+              <a:gd name="adj1" fmla="val 50000"/>
+            </a:avLst>
+          </a:prstGeom>
+          <a:ln>
+            <a:tailEnd type="triangle"/>
+          </a:ln>
+        </p:spPr>
+        <p:style>
+          <a:lnRef idx="2">
+            <a:schemeClr val="accent1"/>
+          </a:lnRef>
+          <a:fillRef idx="0">
+            <a:schemeClr val="accent1"/>
+          </a:fillRef>
+          <a:effectRef idx="1">
+            <a:schemeClr val="accent1"/>
+          </a:effectRef>
+          <a:fontRef idx="minor">
+            <a:schemeClr val="tx1"/>
+          </a:fontRef>
+        </p:style>
+      </p:cxnSp>
+      <p:cxnSp>
+        <p:nvCxnSpPr>
+          <p:cNvPr id="56" name="Connector: Elbow 55">
+            <a:extLst>
+              <a:ext uri="{FF2B5EF4-FFF2-40B4-BE49-F238E27FC236}">
+                <a16:creationId xmlns:a16="http://schemas.microsoft.com/office/drawing/2014/main" id="{3BB98AAB-8ED1-BE3F-82D8-3F72121C591C}"/>
+              </a:ext>
+            </a:extLst>
+          </p:cNvPr>
+          <p:cNvCxnSpPr>
+            <a:cxnSpLocks/>
+            <a:endCxn id="17" idx="0"/>
+          </p:cNvCxnSpPr>
+          <p:nvPr/>
+        </p:nvCxnSpPr>
+        <p:spPr>
+          <a:xfrm rot="5400000">
+            <a:off x="3613814" y="3517787"/>
+            <a:ext cx="2261377" cy="311336"/>
+          </a:xfrm>
+          <a:prstGeom prst="bentConnector3">
+            <a:avLst>
+              <a:gd name="adj1" fmla="val 335"/>
+            </a:avLst>
+          </a:prstGeom>
+          <a:ln>
+            <a:tailEnd type="triangle"/>
+          </a:ln>
+        </p:spPr>
+        <p:style>
+          <a:lnRef idx="2">
+            <a:schemeClr val="accent1"/>
+          </a:lnRef>
+          <a:fillRef idx="0">
+            <a:schemeClr val="accent1"/>
+          </a:fillRef>
+          <a:effectRef idx="1">
+            <a:schemeClr val="accent1"/>
+          </a:effectRef>
+          <a:fontRef idx="minor">
+            <a:schemeClr val="tx1"/>
+          </a:fontRef>
+        </p:style>
+      </p:cxnSp>
+      <p:cxnSp>
+        <p:nvCxnSpPr>
+          <p:cNvPr id="61" name="Connector: Elbow 60">
+            <a:extLst>
+              <a:ext uri="{FF2B5EF4-FFF2-40B4-BE49-F238E27FC236}">
+                <a16:creationId xmlns:a16="http://schemas.microsoft.com/office/drawing/2014/main" id="{7AEBB0C3-7BCA-9A33-C2CF-3460BB4D4691}"/>
+              </a:ext>
+            </a:extLst>
+          </p:cNvPr>
+          <p:cNvCxnSpPr>
+            <a:cxnSpLocks/>
+            <a:stCxn id="17" idx="1"/>
+            <a:endCxn id="9" idx="3"/>
+          </p:cNvCxnSpPr>
+          <p:nvPr/>
+        </p:nvCxnSpPr>
+        <p:spPr>
+          <a:xfrm rot="10800000">
+            <a:off x="2053779" y="5678199"/>
+            <a:ext cx="689753" cy="3108"/>
+          </a:xfrm>
+          <a:prstGeom prst="bentConnector3">
+            <a:avLst>
+              <a:gd name="adj1" fmla="val 50000"/>
+            </a:avLst>
+          </a:prstGeom>
+          <a:ln>
+            <a:tailEnd type="triangle"/>
+          </a:ln>
+        </p:spPr>
+        <p:style>
+          <a:lnRef idx="2">
+            <a:schemeClr val="accent1"/>
+          </a:lnRef>
+          <a:fillRef idx="0">
+            <a:schemeClr val="accent1"/>
+          </a:fillRef>
+          <a:effectRef idx="1">
+            <a:schemeClr val="accent1"/>
+          </a:effectRef>
+          <a:fontRef idx="minor">
+            <a:schemeClr val="tx1"/>
+          </a:fontRef>
+        </p:style>
+      </p:cxnSp>
+      <p:sp>
+        <p:nvSpPr>
+          <p:cNvPr id="1037" name="TextBox 1036">
+            <a:extLst>
+              <a:ext uri="{FF2B5EF4-FFF2-40B4-BE49-F238E27FC236}">
+                <a16:creationId xmlns:a16="http://schemas.microsoft.com/office/drawing/2014/main" id="{B7376D65-C81F-125A-BEB3-1D0E7B7DBDCE}"/>
+              </a:ext>
+            </a:extLst>
+          </p:cNvPr>
+          <p:cNvSpPr txBox="1"/>
+          <p:nvPr/>
+        </p:nvSpPr>
+        <p:spPr>
+          <a:xfrm rot="16200000">
+            <a:off x="3492118" y="3587059"/>
+            <a:ext cx="1752722" cy="395173"/>
+          </a:xfrm>
+          <a:prstGeom prst="rect">
+            <a:avLst/>
+          </a:prstGeom>
+          <a:noFill/>
+          <a:ln w="12700">
+            <a:solidFill>
+              <a:schemeClr val="bg1"/>
+            </a:solidFill>
+          </a:ln>
+          <a:effectLst>
+            <a:reflection endPos="0" dist="50800" dir="5400000" sy="-100000" algn="bl" rotWithShape="0"/>
+            <a:softEdge rad="0"/>
+          </a:effectLst>
+        </p:spPr>
+        <p:txBody>
+          <a:bodyPr wrap="square" rtlCol="0">
+            <a:spAutoFit/>
+          </a:bodyPr>
+          <a:lstStyle/>
+          <a:p>
+            <a:pPr lvl="0">
+              <a:lnSpc>
+                <a:spcPct val="115000"/>
+              </a:lnSpc>
+              <a:spcAft>
+                <a:spcPts val="800"/>
+              </a:spcAft>
+              <a:tabLst>
+                <a:tab pos="457200" algn="l"/>
+              </a:tabLst>
+            </a:pPr>
+            <a:r>
+              <a:rPr lang="en-IL" sz="1800" kern="100" dirty="0">
+                <a:effectLst/>
+                <a:latin typeface="Aptos" panose="020B0004020202020204" pitchFamily="34" charset="0"/>
+                <a:ea typeface="Aptos" panose="020B0004020202020204" pitchFamily="34" charset="0"/>
+                <a:cs typeface="Arial" panose="020B0604020202020204" pitchFamily="34" charset="0"/>
+              </a:rPr>
+              <a:t>End of Session</a:t>
+            </a:r>
+          </a:p>
+        </p:txBody>
+      </p:sp>
+      <p:sp>
+        <p:nvSpPr>
+          <p:cNvPr id="19" name="TextBox 18">
+            <a:extLst>
+              <a:ext uri="{FF2B5EF4-FFF2-40B4-BE49-F238E27FC236}">
+                <a16:creationId xmlns:a16="http://schemas.microsoft.com/office/drawing/2014/main" id="{45FADBF5-209E-E9F4-E957-F30A1655B1E0}"/>
+              </a:ext>
+            </a:extLst>
+          </p:cNvPr>
+          <p:cNvSpPr txBox="1"/>
+          <p:nvPr/>
+        </p:nvSpPr>
+        <p:spPr>
+          <a:xfrm>
+            <a:off x="4920696" y="3090635"/>
+            <a:ext cx="1515534" cy="923330"/>
+          </a:xfrm>
+          <a:prstGeom prst="rect">
+            <a:avLst/>
+          </a:prstGeom>
+          <a:noFill/>
+          <a:ln w="19050">
+            <a:solidFill>
+              <a:schemeClr val="accent1"/>
+            </a:solidFill>
+          </a:ln>
+          <a:effectLst>
+            <a:reflection endPos="0" dist="50800" dir="5400000" sy="-100000" algn="bl" rotWithShape="0"/>
+            <a:softEdge rad="0"/>
+          </a:effectLst>
+        </p:spPr>
+        <p:txBody>
+          <a:bodyPr wrap="square" rtlCol="0">
+            <a:spAutoFit/>
+          </a:bodyPr>
+          <a:lstStyle/>
+          <a:p>
+            <a:r>
+              <a:rPr lang="en-US" sz="1800" b="1" kern="100" dirty="0">
+                <a:effectLst/>
+                <a:latin typeface="Aptos" panose="020B0004020202020204" pitchFamily="34" charset="0"/>
+                <a:ea typeface="Aptos" panose="020B0004020202020204" pitchFamily="34" charset="0"/>
+                <a:cs typeface="Arial" panose="020B0604020202020204" pitchFamily="34" charset="0"/>
+              </a:rPr>
+              <a:t>Speak LLM answer to Patient</a:t>
+            </a:r>
+            <a:endParaRPr lang="en-IL" dirty="0"/>
+          </a:p>
+        </p:txBody>
+      </p:sp>
+    </p:spTree>
+    <p:extLst>
+      <p:ext uri="{BB962C8B-B14F-4D97-AF65-F5344CB8AC3E}">
+        <p14:creationId xmlns:p14="http://schemas.microsoft.com/office/powerpoint/2010/main" val="3821732001"/>
+      </p:ext>
+    </p:extLst>
+  </p:cSld>
+  <p:clrMapOvr>
+    <a:masterClrMapping/>
+  </p:clrMapOvr>
+</p:sld>
+</file>
+
+<file path=ppt/slides/slide11.xml><?xml version="1.0" encoding="utf-8"?>
+<p:sld xmlns:a="http://schemas.openxmlformats.org/drawingml/2006/main" xmlns:r="http://schemas.openxmlformats.org/officeDocument/2006/relationships" xmlns:p="http://schemas.openxmlformats.org/presentationml/2006/main">
+  <p:cSld>
+    <p:spTree>
+      <p:nvGrpSpPr>
+        <p:cNvPr id="1" name="">
+          <a:extLst>
+            <a:ext uri="{FF2B5EF4-FFF2-40B4-BE49-F238E27FC236}">
+              <a16:creationId xmlns:a16="http://schemas.microsoft.com/office/drawing/2014/main" id="{F953949A-BA27-1E78-2294-808D729C40A5}"/>
+            </a:ext>
+          </a:extLst>
+        </p:cNvPr>
+        <p:cNvGrpSpPr/>
+        <p:nvPr/>
+      </p:nvGrpSpPr>
+      <p:grpSpPr>
+        <a:xfrm>
+          <a:off x="0" y="0"/>
+          <a:ext cx="0" cy="0"/>
+          <a:chOff x="0" y="0"/>
+          <a:chExt cx="0" cy="0"/>
+        </a:xfrm>
+      </p:grpSpPr>
+      <p:pic>
+        <p:nvPicPr>
+          <p:cNvPr id="1034" name="Picture 1033">
+            <a:extLst>
+              <a:ext uri="{FF2B5EF4-FFF2-40B4-BE49-F238E27FC236}">
+                <a16:creationId xmlns:a16="http://schemas.microsoft.com/office/drawing/2014/main" id="{918F4313-761B-3096-81C0-C6C6D0CAC66E}"/>
+              </a:ext>
+            </a:extLst>
+          </p:cNvPr>
+          <p:cNvPicPr>
+            <a:picLocks noChangeAspect="1"/>
+          </p:cNvPicPr>
+          <p:nvPr/>
+        </p:nvPicPr>
+        <p:blipFill>
+          <a:blip r:embed="rId3"/>
+          <a:stretch>
+            <a:fillRect/>
+          </a:stretch>
+        </p:blipFill>
+        <p:spPr>
+          <a:xfrm flipH="1" flipV="1">
+            <a:off x="5942617" y="3583605"/>
+            <a:ext cx="455911" cy="420421"/>
+          </a:xfrm>
+          <a:prstGeom prst="rect">
+            <a:avLst/>
+          </a:prstGeom>
+        </p:spPr>
+      </p:pic>
+      <p:sp>
+        <p:nvSpPr>
+          <p:cNvPr id="2" name="Title 1">
+            <a:extLst>
+              <a:ext uri="{FF2B5EF4-FFF2-40B4-BE49-F238E27FC236}">
+                <a16:creationId xmlns:a16="http://schemas.microsoft.com/office/drawing/2014/main" id="{E4040E98-6F79-0887-F12D-CF705FCA4A53}"/>
+              </a:ext>
+            </a:extLst>
+          </p:cNvPr>
+          <p:cNvSpPr>
+            <a:spLocks noGrp="1"/>
+          </p:cNvSpPr>
+          <p:nvPr>
+            <p:ph type="title"/>
+          </p:nvPr>
+        </p:nvSpPr>
+        <p:spPr>
+          <a:xfrm>
+            <a:off x="838200" y="119317"/>
+            <a:ext cx="10515600" cy="551156"/>
+          </a:xfrm>
+        </p:spPr>
+        <p:txBody>
+          <a:bodyPr>
+            <a:normAutofit/>
+          </a:bodyPr>
+          <a:lstStyle/>
+          <a:p>
+            <a:r>
+              <a:rPr lang="en-US" sz="3200" b="1" dirty="0">
+                <a:solidFill>
+                  <a:srgbClr val="000000"/>
+                </a:solidFill>
+                <a:latin typeface="Arial" panose="020B0604020202020204" pitchFamily="34" charset="0"/>
+              </a:rPr>
+              <a:t>Program operation scheme</a:t>
+            </a:r>
+            <a:endParaRPr lang="en-IL" sz="3200" dirty="0"/>
+          </a:p>
+        </p:txBody>
+      </p:sp>
+      <p:pic>
+        <p:nvPicPr>
+          <p:cNvPr id="7" name="Picture 6">
+            <a:extLst>
+              <a:ext uri="{FF2B5EF4-FFF2-40B4-BE49-F238E27FC236}">
+                <a16:creationId xmlns:a16="http://schemas.microsoft.com/office/drawing/2014/main" id="{1CA4C1BC-E55C-0A61-422A-0B7386E91B4B}"/>
+              </a:ext>
+            </a:extLst>
+          </p:cNvPr>
+          <p:cNvPicPr>
+            <a:picLocks noChangeAspect="1"/>
+          </p:cNvPicPr>
+          <p:nvPr/>
+        </p:nvPicPr>
+        <p:blipFill>
+          <a:blip r:embed="rId4"/>
+          <a:stretch>
+            <a:fillRect/>
+          </a:stretch>
+        </p:blipFill>
+        <p:spPr>
+          <a:xfrm>
+            <a:off x="279133" y="737419"/>
+            <a:ext cx="11633734" cy="119871"/>
+          </a:xfrm>
+          <a:prstGeom prst="rect">
+            <a:avLst/>
+          </a:prstGeom>
+        </p:spPr>
+      </p:pic>
+      <p:sp>
+        <p:nvSpPr>
+          <p:cNvPr id="4" name="TextBox 3">
+            <a:extLst>
+              <a:ext uri="{FF2B5EF4-FFF2-40B4-BE49-F238E27FC236}">
+                <a16:creationId xmlns:a16="http://schemas.microsoft.com/office/drawing/2014/main" id="{6D5C5341-8C95-D550-154E-E7ADCBCB2C0D}"/>
+              </a:ext>
+            </a:extLst>
+          </p:cNvPr>
+          <p:cNvSpPr txBox="1"/>
+          <p:nvPr/>
+        </p:nvSpPr>
+        <p:spPr>
+          <a:xfrm>
+            <a:off x="11353800" y="194840"/>
+            <a:ext cx="559066" cy="400110"/>
+          </a:xfrm>
+          <a:prstGeom prst="rect">
+            <a:avLst/>
+          </a:prstGeom>
+          <a:noFill/>
+          <a:ln>
+            <a:solidFill>
+              <a:schemeClr val="accent1"/>
+            </a:solidFill>
+          </a:ln>
+        </p:spPr>
+        <p:txBody>
+          <a:bodyPr wrap="square" rtlCol="0">
+            <a:spAutoFit/>
+          </a:bodyPr>
+          <a:lstStyle/>
+          <a:p>
+            <a:pPr algn="ctr"/>
+            <a:r>
+              <a:rPr lang="en-US" sz="2000" b="1" dirty="0"/>
+              <a:t>1</a:t>
+            </a:r>
+            <a:endParaRPr lang="en-IL" sz="2000" b="1" dirty="0"/>
+          </a:p>
+        </p:txBody>
+      </p:sp>
+      <p:sp>
+        <p:nvSpPr>
+          <p:cNvPr id="8" name="TextBox 7">
+            <a:extLst>
+              <a:ext uri="{FF2B5EF4-FFF2-40B4-BE49-F238E27FC236}">
+                <a16:creationId xmlns:a16="http://schemas.microsoft.com/office/drawing/2014/main" id="{EB584907-5D7A-EEB4-4133-9EDC7E0A7210}"/>
+              </a:ext>
+            </a:extLst>
+          </p:cNvPr>
+          <p:cNvSpPr txBox="1"/>
+          <p:nvPr/>
+        </p:nvSpPr>
+        <p:spPr>
+          <a:xfrm>
+            <a:off x="2723653" y="1040842"/>
+            <a:ext cx="1515534" cy="1669368"/>
+          </a:xfrm>
+          <a:prstGeom prst="rect">
+            <a:avLst/>
+          </a:prstGeom>
+          <a:noFill/>
+          <a:ln w="19050">
+            <a:solidFill>
+              <a:schemeClr val="accent1"/>
+            </a:solidFill>
+          </a:ln>
+          <a:effectLst>
+            <a:reflection endPos="0" dist="50800" dir="5400000" sy="-100000" algn="bl" rotWithShape="0"/>
+            <a:softEdge rad="0"/>
+          </a:effectLst>
+        </p:spPr>
+        <p:txBody>
+          <a:bodyPr wrap="square" rtlCol="0">
+            <a:spAutoFit/>
+          </a:bodyPr>
+          <a:lstStyle/>
+          <a:p>
+            <a:pPr lvl="0">
+              <a:lnSpc>
+                <a:spcPct val="115000"/>
+              </a:lnSpc>
+              <a:spcAft>
+                <a:spcPts val="800"/>
+              </a:spcAft>
+              <a:tabLst>
+                <a:tab pos="457200" algn="l"/>
+              </a:tabLst>
+            </a:pPr>
+            <a:r>
+              <a:rPr lang="en-IL" sz="1800" b="1" kern="100" dirty="0">
+                <a:effectLst/>
+                <a:latin typeface="Aptos" panose="020B0004020202020204" pitchFamily="34" charset="0"/>
+                <a:ea typeface="Aptos" panose="020B0004020202020204" pitchFamily="34" charset="0"/>
+                <a:cs typeface="Arial" panose="020B0604020202020204" pitchFamily="34" charset="0"/>
+              </a:rPr>
+              <a:t>Retrieve Patient Information from Database</a:t>
+            </a:r>
+            <a:endParaRPr lang="en-IL" sz="1800" kern="100" dirty="0">
+              <a:effectLst/>
+              <a:latin typeface="Aptos" panose="020B0004020202020204" pitchFamily="34" charset="0"/>
+              <a:ea typeface="Aptos" panose="020B0004020202020204" pitchFamily="34" charset="0"/>
+              <a:cs typeface="Arial" panose="020B0604020202020204" pitchFamily="34" charset="0"/>
+            </a:endParaRPr>
+          </a:p>
+        </p:txBody>
+      </p:sp>
+      <p:sp>
+        <p:nvSpPr>
+          <p:cNvPr id="10" name="TextBox 9">
+            <a:extLst>
+              <a:ext uri="{FF2B5EF4-FFF2-40B4-BE49-F238E27FC236}">
+                <a16:creationId xmlns:a16="http://schemas.microsoft.com/office/drawing/2014/main" id="{9CC550F0-21C0-FD8E-D37C-2AEC9A3769E2}"/>
+              </a:ext>
+            </a:extLst>
+          </p:cNvPr>
+          <p:cNvSpPr txBox="1"/>
+          <p:nvPr/>
+        </p:nvSpPr>
+        <p:spPr>
+          <a:xfrm>
+            <a:off x="292927" y="1275359"/>
+            <a:ext cx="1752722" cy="1200329"/>
+          </a:xfrm>
+          <a:prstGeom prst="rect">
+            <a:avLst/>
+          </a:prstGeom>
+          <a:noFill/>
+          <a:ln w="19050">
+            <a:solidFill>
+              <a:schemeClr val="accent1"/>
+            </a:solidFill>
+          </a:ln>
+          <a:effectLst>
+            <a:reflection endPos="0" dist="50800" dir="5400000" sy="-100000" algn="bl" rotWithShape="0"/>
+            <a:softEdge rad="0"/>
+          </a:effectLst>
+        </p:spPr>
+        <p:txBody>
+          <a:bodyPr wrap="square" rtlCol="0">
+            <a:spAutoFit/>
+          </a:bodyPr>
+          <a:lstStyle/>
+          <a:p>
+            <a:r>
+              <a:rPr lang="en-IL" sz="1800" b="1" kern="100" dirty="0">
+                <a:effectLst/>
+                <a:latin typeface="Aptos" panose="020B0004020202020204" pitchFamily="34" charset="0"/>
+                <a:ea typeface="Aptos" panose="020B0004020202020204" pitchFamily="34" charset="0"/>
+                <a:cs typeface="Arial" panose="020B0604020202020204" pitchFamily="34" charset="0"/>
+              </a:rPr>
+              <a:t>Patient Identification or New Patient Registration</a:t>
+            </a:r>
+            <a:r>
+              <a:rPr lang="ru-RU" dirty="0"/>
+              <a:t> </a:t>
+            </a:r>
+            <a:endParaRPr lang="en-IL" dirty="0"/>
+          </a:p>
+        </p:txBody>
+      </p:sp>
+      <p:sp>
+        <p:nvSpPr>
+          <p:cNvPr id="5" name="TextBox 4">
+            <a:extLst>
+              <a:ext uri="{FF2B5EF4-FFF2-40B4-BE49-F238E27FC236}">
+                <a16:creationId xmlns:a16="http://schemas.microsoft.com/office/drawing/2014/main" id="{3AE0BB80-54D0-F2E2-5821-4DE1B36B6531}"/>
+              </a:ext>
+            </a:extLst>
+          </p:cNvPr>
+          <p:cNvSpPr txBox="1"/>
+          <p:nvPr/>
+        </p:nvSpPr>
+        <p:spPr>
+          <a:xfrm>
+            <a:off x="4920698" y="1200115"/>
+            <a:ext cx="1515534" cy="1350819"/>
+          </a:xfrm>
+          <a:prstGeom prst="rect">
+            <a:avLst/>
+          </a:prstGeom>
+          <a:noFill/>
+          <a:ln w="19050">
+            <a:solidFill>
+              <a:schemeClr val="accent1"/>
+            </a:solidFill>
+          </a:ln>
+          <a:effectLst>
+            <a:reflection endPos="0" dist="50800" dir="5400000" sy="-100000" algn="bl" rotWithShape="0"/>
+            <a:softEdge rad="0"/>
+          </a:effectLst>
+        </p:spPr>
+        <p:txBody>
+          <a:bodyPr wrap="square" rtlCol="0">
+            <a:spAutoFit/>
+          </a:bodyPr>
+          <a:lstStyle/>
+          <a:p>
+            <a:pPr lvl="0">
+              <a:lnSpc>
+                <a:spcPct val="115000"/>
+              </a:lnSpc>
+              <a:spcAft>
+                <a:spcPts val="800"/>
+              </a:spcAft>
+              <a:tabLst>
+                <a:tab pos="457200" algn="l"/>
+              </a:tabLst>
+            </a:pPr>
+            <a:r>
+              <a:rPr lang="en-IL" sz="1800" b="1" kern="100" dirty="0">
+                <a:effectLst/>
+                <a:latin typeface="Aptos" panose="020B0004020202020204" pitchFamily="34" charset="0"/>
+                <a:ea typeface="Aptos" panose="020B0004020202020204" pitchFamily="34" charset="0"/>
+                <a:cs typeface="Arial" panose="020B0604020202020204" pitchFamily="34" charset="0"/>
+              </a:rPr>
+              <a:t>Record and Recognize Patient’s Speech</a:t>
+            </a:r>
+            <a:endParaRPr lang="en-IL" sz="1800" kern="100" dirty="0">
+              <a:effectLst/>
+              <a:latin typeface="Aptos" panose="020B0004020202020204" pitchFamily="34" charset="0"/>
+              <a:ea typeface="Aptos" panose="020B0004020202020204" pitchFamily="34" charset="0"/>
+              <a:cs typeface="Arial" panose="020B0604020202020204" pitchFamily="34" charset="0"/>
+            </a:endParaRPr>
+          </a:p>
+        </p:txBody>
+      </p:sp>
+      <p:sp>
+        <p:nvSpPr>
+          <p:cNvPr id="6" name="TextBox 5">
+            <a:extLst>
+              <a:ext uri="{FF2B5EF4-FFF2-40B4-BE49-F238E27FC236}">
+                <a16:creationId xmlns:a16="http://schemas.microsoft.com/office/drawing/2014/main" id="{1251CD08-743E-B0BE-D907-1A8E4014AC67}"/>
+              </a:ext>
+            </a:extLst>
+          </p:cNvPr>
+          <p:cNvSpPr txBox="1"/>
+          <p:nvPr/>
+        </p:nvSpPr>
+        <p:spPr>
+          <a:xfrm>
+            <a:off x="7075404" y="2584287"/>
+            <a:ext cx="1770447" cy="1032270"/>
+          </a:xfrm>
+          <a:prstGeom prst="rect">
+            <a:avLst/>
+          </a:prstGeom>
+          <a:noFill/>
+          <a:ln w="19050">
+            <a:solidFill>
+              <a:schemeClr val="accent1"/>
+            </a:solidFill>
+          </a:ln>
+          <a:effectLst>
+            <a:reflection endPos="0" dist="50800" dir="5400000" sy="-100000" algn="bl" rotWithShape="0"/>
+            <a:softEdge rad="0"/>
+          </a:effectLst>
+        </p:spPr>
+        <p:txBody>
+          <a:bodyPr wrap="square" rtlCol="0">
+            <a:spAutoFit/>
+          </a:bodyPr>
+          <a:lstStyle/>
+          <a:p>
+            <a:pPr lvl="0">
+              <a:lnSpc>
+                <a:spcPct val="115000"/>
+              </a:lnSpc>
+              <a:spcAft>
+                <a:spcPts val="800"/>
+              </a:spcAft>
+              <a:tabLst>
+                <a:tab pos="457200" algn="l"/>
+              </a:tabLst>
+            </a:pPr>
+            <a:r>
+              <a:rPr lang="en-IL" sz="1800" b="1" kern="100" dirty="0">
+                <a:effectLst/>
+                <a:latin typeface="Aptos" panose="020B0004020202020204" pitchFamily="34" charset="0"/>
+                <a:ea typeface="Aptos" panose="020B0004020202020204" pitchFamily="34" charset="0"/>
+                <a:cs typeface="Arial" panose="020B0604020202020204" pitchFamily="34" charset="0"/>
+              </a:rPr>
+              <a:t>Analyse Emotional Tone of Voice</a:t>
+            </a:r>
+            <a:endParaRPr lang="en-IL" sz="1800" kern="100" dirty="0">
+              <a:effectLst/>
+              <a:latin typeface="Aptos" panose="020B0004020202020204" pitchFamily="34" charset="0"/>
+              <a:ea typeface="Aptos" panose="020B0004020202020204" pitchFamily="34" charset="0"/>
+              <a:cs typeface="Arial" panose="020B0604020202020204" pitchFamily="34" charset="0"/>
+            </a:endParaRPr>
+          </a:p>
+        </p:txBody>
+      </p:sp>
+      <p:sp>
+        <p:nvSpPr>
+          <p:cNvPr id="13" name="TextBox 12">
+            <a:extLst>
+              <a:ext uri="{FF2B5EF4-FFF2-40B4-BE49-F238E27FC236}">
+                <a16:creationId xmlns:a16="http://schemas.microsoft.com/office/drawing/2014/main" id="{896B3D99-B1FB-3A73-10D3-B45C44EBC22E}"/>
+              </a:ext>
+            </a:extLst>
+          </p:cNvPr>
+          <p:cNvSpPr txBox="1"/>
+          <p:nvPr/>
+        </p:nvSpPr>
+        <p:spPr>
+          <a:xfrm>
+            <a:off x="7075405" y="1045379"/>
+            <a:ext cx="1770446" cy="1350819"/>
+          </a:xfrm>
+          <a:prstGeom prst="rect">
+            <a:avLst/>
+          </a:prstGeom>
+          <a:noFill/>
+          <a:ln w="19050">
+            <a:solidFill>
+              <a:schemeClr val="accent1"/>
+            </a:solidFill>
+          </a:ln>
+          <a:effectLst>
+            <a:reflection endPos="0" dist="50800" dir="5400000" sy="-100000" algn="bl" rotWithShape="0"/>
+            <a:softEdge rad="0"/>
+          </a:effectLst>
+        </p:spPr>
+        <p:txBody>
+          <a:bodyPr wrap="square" rtlCol="0">
+            <a:spAutoFit/>
+          </a:bodyPr>
+          <a:lstStyle/>
+          <a:p>
+            <a:pPr lvl="0">
+              <a:lnSpc>
+                <a:spcPct val="115000"/>
+              </a:lnSpc>
+              <a:spcAft>
+                <a:spcPts val="800"/>
+              </a:spcAft>
+              <a:tabLst>
+                <a:tab pos="457200" algn="l"/>
+              </a:tabLst>
+            </a:pPr>
+            <a:r>
+              <a:rPr lang="en-US" b="1" kern="100" dirty="0">
+                <a:latin typeface="Aptos" panose="020B0004020202020204" pitchFamily="34" charset="0"/>
+                <a:ea typeface="Aptos" panose="020B0004020202020204" pitchFamily="34" charset="0"/>
+                <a:cs typeface="Arial" panose="020B0604020202020204" pitchFamily="34" charset="0"/>
+              </a:rPr>
+              <a:t>Search </a:t>
+            </a:r>
+            <a:r>
+              <a:rPr lang="en-IL" sz="1800" b="1" kern="100" dirty="0">
+                <a:effectLst/>
+                <a:latin typeface="Aptos" panose="020B0004020202020204" pitchFamily="34" charset="0"/>
+                <a:ea typeface="Aptos" panose="020B0004020202020204" pitchFamily="34" charset="0"/>
+                <a:cs typeface="Arial" panose="020B0604020202020204" pitchFamily="34" charset="0"/>
+              </a:rPr>
+              <a:t>Similar and Dissimilar Sessions</a:t>
+            </a:r>
+            <a:r>
+              <a:rPr lang="ru-RU" sz="1800" b="1" kern="100" dirty="0">
+                <a:effectLst/>
+                <a:latin typeface="Aptos" panose="020B0004020202020204" pitchFamily="34" charset="0"/>
+                <a:ea typeface="Aptos" panose="020B0004020202020204" pitchFamily="34" charset="0"/>
+                <a:cs typeface="Arial" panose="020B0604020202020204" pitchFamily="34" charset="0"/>
+              </a:rPr>
+              <a:t> </a:t>
+            </a:r>
+            <a:r>
+              <a:rPr lang="en-US" sz="1800" b="1" kern="100" dirty="0">
+                <a:effectLst/>
+                <a:latin typeface="Aptos" panose="020B0004020202020204" pitchFamily="34" charset="0"/>
+                <a:ea typeface="Aptos" panose="020B0004020202020204" pitchFamily="34" charset="0"/>
+                <a:cs typeface="Arial" panose="020B0604020202020204" pitchFamily="34" charset="0"/>
+              </a:rPr>
+              <a:t>in </a:t>
+            </a:r>
+            <a:r>
+              <a:rPr lang="en-IL" sz="1800" b="1" kern="100" dirty="0">
+                <a:effectLst/>
+                <a:latin typeface="Aptos" panose="020B0004020202020204" pitchFamily="34" charset="0"/>
+                <a:ea typeface="Aptos" panose="020B0004020202020204" pitchFamily="34" charset="0"/>
+                <a:cs typeface="Arial" panose="020B0604020202020204" pitchFamily="34" charset="0"/>
+              </a:rPr>
+              <a:t>Database</a:t>
+            </a:r>
+            <a:endParaRPr lang="en-IL" sz="1800" kern="100" dirty="0">
+              <a:effectLst/>
+              <a:latin typeface="Aptos" panose="020B0004020202020204" pitchFamily="34" charset="0"/>
+              <a:ea typeface="Aptos" panose="020B0004020202020204" pitchFamily="34" charset="0"/>
+              <a:cs typeface="Arial" panose="020B0604020202020204" pitchFamily="34" charset="0"/>
+            </a:endParaRPr>
+          </a:p>
+        </p:txBody>
+      </p:sp>
+      <p:sp>
+        <p:nvSpPr>
+          <p:cNvPr id="16" name="TextBox 15">
+            <a:extLst>
+              <a:ext uri="{FF2B5EF4-FFF2-40B4-BE49-F238E27FC236}">
+                <a16:creationId xmlns:a16="http://schemas.microsoft.com/office/drawing/2014/main" id="{B94E2A9B-23D0-77F9-F52A-D838A064DA9C}"/>
+              </a:ext>
+            </a:extLst>
+          </p:cNvPr>
+          <p:cNvSpPr txBox="1"/>
+          <p:nvPr/>
+        </p:nvSpPr>
+        <p:spPr>
+          <a:xfrm>
+            <a:off x="9516233" y="1023877"/>
+            <a:ext cx="2426869" cy="2862322"/>
+          </a:xfrm>
+          <a:prstGeom prst="rect">
+            <a:avLst/>
+          </a:prstGeom>
+          <a:noFill/>
+          <a:ln w="19050">
+            <a:solidFill>
+              <a:schemeClr val="accent1"/>
+            </a:solidFill>
+          </a:ln>
+          <a:effectLst>
+            <a:reflection endPos="0" dist="50800" dir="5400000" sy="-100000" algn="bl" rotWithShape="0"/>
+            <a:softEdge rad="0"/>
+          </a:effectLst>
+        </p:spPr>
+        <p:txBody>
+          <a:bodyPr wrap="square" rtlCol="0">
+            <a:spAutoFit/>
+          </a:bodyPr>
+          <a:lstStyle/>
+          <a:p>
+            <a:r>
+              <a:rPr lang="en-US" b="1" dirty="0"/>
+              <a:t>Fine-tuned LLM</a:t>
+            </a:r>
+            <a:r>
+              <a:rPr lang="en-IL" sz="1800" b="1" kern="100" dirty="0">
+                <a:effectLst/>
+                <a:latin typeface="Aptos" panose="020B0004020202020204" pitchFamily="34" charset="0"/>
+                <a:ea typeface="Aptos" panose="020B0004020202020204" pitchFamily="34" charset="0"/>
+                <a:cs typeface="Arial" panose="020B0604020202020204" pitchFamily="34" charset="0"/>
+              </a:rPr>
+              <a:t> “Psychologist” </a:t>
+            </a:r>
+            <a:r>
+              <a:rPr lang="en-IL" sz="1800" kern="100" dirty="0">
+                <a:effectLst/>
+                <a:latin typeface="Aptos" panose="020B0004020202020204" pitchFamily="34" charset="0"/>
+                <a:ea typeface="Aptos" panose="020B0004020202020204" pitchFamily="34" charset="0"/>
+                <a:cs typeface="Arial" panose="020B0604020202020204" pitchFamily="34" charset="0"/>
+              </a:rPr>
+              <a:t>Receives</a:t>
+            </a:r>
+            <a:r>
+              <a:rPr lang="ru-RU" sz="1800" kern="100" dirty="0">
+                <a:effectLst/>
+                <a:latin typeface="Aptos" panose="020B0004020202020204" pitchFamily="34" charset="0"/>
+                <a:ea typeface="Aptos" panose="020B0004020202020204" pitchFamily="34" charset="0"/>
+                <a:cs typeface="Arial" panose="020B0604020202020204" pitchFamily="34" charset="0"/>
+              </a:rPr>
+              <a:t> </a:t>
+            </a:r>
+            <a:r>
+              <a:rPr lang="en-US" sz="1800" kern="100" dirty="0">
+                <a:effectLst/>
+                <a:latin typeface="Aptos" panose="020B0004020202020204" pitchFamily="34" charset="0"/>
+                <a:ea typeface="Aptos" panose="020B0004020202020204" pitchFamily="34" charset="0"/>
+                <a:cs typeface="Arial" panose="020B0604020202020204" pitchFamily="34" charset="0"/>
+              </a:rPr>
+              <a:t>for answer</a:t>
+            </a:r>
+            <a:r>
+              <a:rPr lang="en-IL" sz="1800" kern="100" dirty="0">
+                <a:effectLst/>
+                <a:latin typeface="Aptos" panose="020B0004020202020204" pitchFamily="34" charset="0"/>
+                <a:ea typeface="Aptos" panose="020B0004020202020204" pitchFamily="34" charset="0"/>
+                <a:cs typeface="Arial" panose="020B0604020202020204" pitchFamily="34" charset="0"/>
+              </a:rPr>
+              <a:t>: current session transcript, patient information, summary of the previous session, similar</a:t>
+            </a:r>
+            <a:r>
+              <a:rPr lang="en-US" sz="1800" kern="100" dirty="0">
+                <a:effectLst/>
+                <a:latin typeface="Aptos" panose="020B0004020202020204" pitchFamily="34" charset="0"/>
+                <a:ea typeface="Aptos" panose="020B0004020202020204" pitchFamily="34" charset="0"/>
+                <a:cs typeface="Arial" panose="020B0604020202020204" pitchFamily="34" charset="0"/>
+              </a:rPr>
+              <a:t> and </a:t>
+            </a:r>
+            <a:r>
+              <a:rPr lang="en-IL" sz="1800" kern="100" dirty="0">
+                <a:effectLst/>
+                <a:latin typeface="Aptos" panose="020B0004020202020204" pitchFamily="34" charset="0"/>
+                <a:ea typeface="Aptos" panose="020B0004020202020204" pitchFamily="34" charset="0"/>
+                <a:cs typeface="Arial" panose="020B0604020202020204" pitchFamily="34" charset="0"/>
+              </a:rPr>
+              <a:t>dissimilar sessions</a:t>
+            </a:r>
+            <a:r>
+              <a:rPr lang="en-US" kern="100" dirty="0">
+                <a:latin typeface="Aptos" panose="020B0004020202020204" pitchFamily="34" charset="0"/>
+                <a:ea typeface="Aptos" panose="020B0004020202020204" pitchFamily="34" charset="0"/>
+                <a:cs typeface="Arial" panose="020B0604020202020204" pitchFamily="34" charset="0"/>
+              </a:rPr>
+              <a:t>, emotion description</a:t>
+            </a:r>
+            <a:r>
+              <a:rPr lang="en-IL" sz="1800" kern="100" dirty="0">
+                <a:effectLst/>
+                <a:latin typeface="Aptos" panose="020B0004020202020204" pitchFamily="34" charset="0"/>
+                <a:ea typeface="Aptos" panose="020B0004020202020204" pitchFamily="34" charset="0"/>
+                <a:cs typeface="Arial" panose="020B0604020202020204" pitchFamily="34" charset="0"/>
+              </a:rPr>
+              <a:t>.</a:t>
+            </a:r>
+            <a:endParaRPr lang="en-IL" dirty="0"/>
+          </a:p>
+        </p:txBody>
+      </p:sp>
+      <p:sp>
+        <p:nvSpPr>
+          <p:cNvPr id="17" name="TextBox 16">
+            <a:extLst>
+              <a:ext uri="{FF2B5EF4-FFF2-40B4-BE49-F238E27FC236}">
+                <a16:creationId xmlns:a16="http://schemas.microsoft.com/office/drawing/2014/main" id="{CF73E6CF-E1AC-BE02-8A48-1FA26E255AAF}"/>
+              </a:ext>
+            </a:extLst>
+          </p:cNvPr>
+          <p:cNvSpPr txBox="1"/>
+          <p:nvPr/>
+        </p:nvSpPr>
+        <p:spPr>
+          <a:xfrm>
+            <a:off x="2743531" y="4804144"/>
+            <a:ext cx="3690606" cy="1754326"/>
+          </a:xfrm>
+          <a:prstGeom prst="rect">
+            <a:avLst/>
+          </a:prstGeom>
+          <a:noFill/>
+          <a:ln w="19050">
+            <a:solidFill>
+              <a:schemeClr val="accent1"/>
+            </a:solidFill>
+          </a:ln>
+          <a:effectLst>
+            <a:reflection endPos="0" dist="50800" dir="5400000" sy="-100000" algn="bl" rotWithShape="0"/>
+            <a:softEdge rad="0"/>
+          </a:effectLst>
+        </p:spPr>
+        <p:txBody>
+          <a:bodyPr wrap="square" rtlCol="0">
+            <a:spAutoFit/>
+          </a:bodyPr>
+          <a:lstStyle/>
+          <a:p>
+            <a:r>
+              <a:rPr lang="en-US" b="1" dirty="0"/>
+              <a:t>Fine-tuned LLM</a:t>
+            </a:r>
+            <a:r>
+              <a:rPr lang="en-IL" sz="1800" b="1" kern="100" dirty="0">
+                <a:effectLst/>
+                <a:latin typeface="Aptos" panose="020B0004020202020204" pitchFamily="34" charset="0"/>
+                <a:ea typeface="Aptos" panose="020B0004020202020204" pitchFamily="34" charset="0"/>
+                <a:cs typeface="Arial" panose="020B0604020202020204" pitchFamily="34" charset="0"/>
+              </a:rPr>
+              <a:t> “Psychologist”</a:t>
+            </a:r>
+            <a:r>
+              <a:rPr lang="en-IL" sz="1800" kern="100" dirty="0">
+                <a:effectLst/>
+                <a:latin typeface="Aptos" panose="020B0004020202020204" pitchFamily="34" charset="0"/>
+                <a:ea typeface="Aptos" panose="020B0004020202020204" pitchFamily="34" charset="0"/>
+                <a:cs typeface="Arial" panose="020B0604020202020204" pitchFamily="34" charset="0"/>
+              </a:rPr>
+              <a:t>: generates a session summary, extracts relevant facts, and updates patient information. </a:t>
+            </a:r>
+            <a:endParaRPr lang="en-US" sz="1800" kern="100" dirty="0">
+              <a:effectLst/>
+              <a:latin typeface="Aptos" panose="020B0004020202020204" pitchFamily="34" charset="0"/>
+              <a:ea typeface="Aptos" panose="020B0004020202020204" pitchFamily="34" charset="0"/>
+              <a:cs typeface="Arial" panose="020B0604020202020204" pitchFamily="34" charset="0"/>
+            </a:endParaRPr>
+          </a:p>
+          <a:p>
+            <a:r>
+              <a:rPr lang="en-IL" sz="1800" kern="100" dirty="0">
+                <a:effectLst/>
+                <a:latin typeface="Aptos" panose="020B0004020202020204" pitchFamily="34" charset="0"/>
+                <a:ea typeface="Aptos" panose="020B0004020202020204" pitchFamily="34" charset="0"/>
+                <a:cs typeface="Arial" panose="020B0604020202020204" pitchFamily="34" charset="0"/>
+              </a:rPr>
+              <a:t>The session summary embedding is calculated.</a:t>
+            </a:r>
+            <a:endParaRPr lang="en-IL" dirty="0"/>
+          </a:p>
+        </p:txBody>
+      </p:sp>
+      <p:sp>
+        <p:nvSpPr>
+          <p:cNvPr id="9" name="TextBox 8">
+            <a:extLst>
+              <a:ext uri="{FF2B5EF4-FFF2-40B4-BE49-F238E27FC236}">
+                <a16:creationId xmlns:a16="http://schemas.microsoft.com/office/drawing/2014/main" id="{21DCA1DC-11A0-2AA7-0A0A-747665C2EA2F}"/>
+              </a:ext>
+            </a:extLst>
+          </p:cNvPr>
+          <p:cNvSpPr txBox="1"/>
+          <p:nvPr/>
+        </p:nvSpPr>
+        <p:spPr>
+          <a:xfrm>
+            <a:off x="301056" y="5002789"/>
+            <a:ext cx="1752722" cy="1350819"/>
+          </a:xfrm>
+          <a:prstGeom prst="rect">
+            <a:avLst/>
+          </a:prstGeom>
+          <a:noFill/>
+          <a:ln w="19050">
+            <a:solidFill>
+              <a:schemeClr val="accent1"/>
+            </a:solidFill>
+          </a:ln>
+          <a:effectLst>
+            <a:reflection endPos="0" dist="50800" dir="5400000" sy="-100000" algn="bl" rotWithShape="0"/>
+            <a:softEdge rad="0"/>
+          </a:effectLst>
+        </p:spPr>
+        <p:txBody>
+          <a:bodyPr wrap="square" rtlCol="0">
+            <a:spAutoFit/>
+          </a:bodyPr>
+          <a:lstStyle/>
+          <a:p>
+            <a:pPr lvl="0">
+              <a:lnSpc>
+                <a:spcPct val="115000"/>
+              </a:lnSpc>
+              <a:spcAft>
+                <a:spcPts val="800"/>
+              </a:spcAft>
+              <a:tabLst>
+                <a:tab pos="457200" algn="l"/>
+              </a:tabLst>
+            </a:pPr>
+            <a:r>
+              <a:rPr lang="en-IL" sz="1800" b="1" kern="100" dirty="0">
+                <a:effectLst/>
+                <a:latin typeface="Aptos" panose="020B0004020202020204" pitchFamily="34" charset="0"/>
+                <a:ea typeface="Aptos" panose="020B0004020202020204" pitchFamily="34" charset="0"/>
+                <a:cs typeface="Arial" panose="020B0604020202020204" pitchFamily="34" charset="0"/>
+              </a:rPr>
+              <a:t>Record and Update Information in the Database</a:t>
+            </a:r>
+            <a:endParaRPr lang="en-IL" sz="1800" kern="100" dirty="0">
+              <a:effectLst/>
+              <a:latin typeface="Aptos" panose="020B0004020202020204" pitchFamily="34" charset="0"/>
+              <a:ea typeface="Aptos" panose="020B0004020202020204" pitchFamily="34" charset="0"/>
+              <a:cs typeface="Arial" panose="020B0604020202020204" pitchFamily="34" charset="0"/>
+            </a:endParaRPr>
+          </a:p>
+        </p:txBody>
+      </p:sp>
+      <p:pic>
+        <p:nvPicPr>
+          <p:cNvPr id="15" name="Picture 14">
+            <a:extLst>
+              <a:ext uri="{FF2B5EF4-FFF2-40B4-BE49-F238E27FC236}">
+                <a16:creationId xmlns:a16="http://schemas.microsoft.com/office/drawing/2014/main" id="{4D5D3F06-9EE1-8C65-12BA-648B5A1923B8}"/>
+              </a:ext>
+            </a:extLst>
+          </p:cNvPr>
+          <p:cNvPicPr>
+            <a:picLocks noChangeAspect="1"/>
+          </p:cNvPicPr>
+          <p:nvPr/>
+        </p:nvPicPr>
+        <p:blipFill>
+          <a:blip r:embed="rId5"/>
+          <a:stretch>
+            <a:fillRect/>
+          </a:stretch>
+        </p:blipFill>
+        <p:spPr>
+          <a:xfrm>
+            <a:off x="6019572" y="2001692"/>
+            <a:ext cx="392879" cy="536510"/>
+          </a:xfrm>
+          <a:prstGeom prst="rect">
+            <a:avLst/>
+          </a:prstGeom>
+        </p:spPr>
+      </p:pic>
+      <p:cxnSp>
+        <p:nvCxnSpPr>
+          <p:cNvPr id="21" name="Connector: Elbow 20">
+            <a:extLst>
+              <a:ext uri="{FF2B5EF4-FFF2-40B4-BE49-F238E27FC236}">
+                <a16:creationId xmlns:a16="http://schemas.microsoft.com/office/drawing/2014/main" id="{020AE79B-1E15-73CA-5F35-FDAFA4236485}"/>
+              </a:ext>
+            </a:extLst>
+          </p:cNvPr>
+          <p:cNvCxnSpPr>
+            <a:cxnSpLocks/>
+            <a:stCxn id="13" idx="3"/>
+            <a:endCxn id="16" idx="1"/>
+          </p:cNvCxnSpPr>
+          <p:nvPr/>
+        </p:nvCxnSpPr>
+        <p:spPr>
+          <a:xfrm>
+            <a:off x="8845851" y="1720789"/>
+            <a:ext cx="670382" cy="734249"/>
+          </a:xfrm>
+          <a:prstGeom prst="bentConnector3">
+            <a:avLst/>
+          </a:prstGeom>
+          <a:ln>
+            <a:tailEnd type="triangle"/>
+          </a:ln>
+        </p:spPr>
+        <p:style>
+          <a:lnRef idx="2">
+            <a:schemeClr val="accent1"/>
+          </a:lnRef>
+          <a:fillRef idx="0">
+            <a:schemeClr val="accent1"/>
+          </a:fillRef>
+          <a:effectRef idx="1">
+            <a:schemeClr val="accent1"/>
+          </a:effectRef>
+          <a:fontRef idx="minor">
+            <a:schemeClr val="tx1"/>
+          </a:fontRef>
+        </p:style>
+      </p:cxnSp>
+      <p:cxnSp>
+        <p:nvCxnSpPr>
+          <p:cNvPr id="25" name="Connector: Elbow 24">
+            <a:extLst>
+              <a:ext uri="{FF2B5EF4-FFF2-40B4-BE49-F238E27FC236}">
+                <a16:creationId xmlns:a16="http://schemas.microsoft.com/office/drawing/2014/main" id="{BE2A808C-ED13-EE0D-30EE-5B92E5B806F5}"/>
+              </a:ext>
+            </a:extLst>
+          </p:cNvPr>
+          <p:cNvCxnSpPr>
+            <a:cxnSpLocks/>
+            <a:stCxn id="6" idx="3"/>
+            <a:endCxn id="16" idx="1"/>
+          </p:cNvCxnSpPr>
+          <p:nvPr/>
+        </p:nvCxnSpPr>
+        <p:spPr>
+          <a:xfrm flipV="1">
+            <a:off x="8845851" y="2455038"/>
+            <a:ext cx="670382" cy="645384"/>
+          </a:xfrm>
+          <a:prstGeom prst="bentConnector3">
+            <a:avLst>
+              <a:gd name="adj1" fmla="val 50000"/>
+            </a:avLst>
+          </a:prstGeom>
+          <a:ln>
+            <a:tailEnd type="triangle"/>
+          </a:ln>
+        </p:spPr>
+        <p:style>
+          <a:lnRef idx="2">
+            <a:schemeClr val="accent1"/>
+          </a:lnRef>
+          <a:fillRef idx="0">
+            <a:schemeClr val="accent1"/>
+          </a:fillRef>
+          <a:effectRef idx="1">
+            <a:schemeClr val="accent1"/>
+          </a:effectRef>
+          <a:fontRef idx="minor">
+            <a:schemeClr val="tx1"/>
+          </a:fontRef>
+        </p:style>
+      </p:cxnSp>
+      <p:cxnSp>
+        <p:nvCxnSpPr>
+          <p:cNvPr id="29" name="Connector: Elbow 28">
+            <a:extLst>
+              <a:ext uri="{FF2B5EF4-FFF2-40B4-BE49-F238E27FC236}">
+                <a16:creationId xmlns:a16="http://schemas.microsoft.com/office/drawing/2014/main" id="{C1988977-6EF3-D973-397D-E63E02EDECD7}"/>
+              </a:ext>
+            </a:extLst>
+          </p:cNvPr>
+          <p:cNvCxnSpPr>
+            <a:cxnSpLocks/>
+            <a:stCxn id="10" idx="3"/>
+            <a:endCxn id="8" idx="1"/>
+          </p:cNvCxnSpPr>
+          <p:nvPr/>
+        </p:nvCxnSpPr>
+        <p:spPr>
+          <a:xfrm>
+            <a:off x="2045649" y="1875524"/>
+            <a:ext cx="678004" cy="2"/>
+          </a:xfrm>
+          <a:prstGeom prst="bentConnector3">
+            <a:avLst>
+              <a:gd name="adj1" fmla="val 50000"/>
+            </a:avLst>
+          </a:prstGeom>
+          <a:ln>
+            <a:tailEnd type="triangle"/>
+          </a:ln>
+        </p:spPr>
+        <p:style>
+          <a:lnRef idx="2">
+            <a:schemeClr val="accent1"/>
+          </a:lnRef>
+          <a:fillRef idx="0">
+            <a:schemeClr val="accent1"/>
+          </a:fillRef>
+          <a:effectRef idx="1">
+            <a:schemeClr val="accent1"/>
+          </a:effectRef>
+          <a:fontRef idx="minor">
+            <a:schemeClr val="tx1"/>
+          </a:fontRef>
+        </p:style>
+      </p:cxnSp>
+      <p:cxnSp>
+        <p:nvCxnSpPr>
+          <p:cNvPr id="32" name="Connector: Elbow 31">
+            <a:extLst>
+              <a:ext uri="{FF2B5EF4-FFF2-40B4-BE49-F238E27FC236}">
+                <a16:creationId xmlns:a16="http://schemas.microsoft.com/office/drawing/2014/main" id="{70499E5C-3CCF-3A4F-418D-573B861844E2}"/>
+              </a:ext>
+            </a:extLst>
+          </p:cNvPr>
+          <p:cNvCxnSpPr>
+            <a:cxnSpLocks/>
+            <a:stCxn id="8" idx="3"/>
+            <a:endCxn id="5" idx="1"/>
+          </p:cNvCxnSpPr>
+          <p:nvPr/>
+        </p:nvCxnSpPr>
+        <p:spPr>
+          <a:xfrm flipV="1">
+            <a:off x="4239187" y="1875525"/>
+            <a:ext cx="681511" cy="1"/>
+          </a:xfrm>
+          <a:prstGeom prst="bentConnector3">
+            <a:avLst>
+              <a:gd name="adj1" fmla="val 50000"/>
+            </a:avLst>
+          </a:prstGeom>
+          <a:ln>
+            <a:tailEnd type="triangle"/>
+          </a:ln>
+        </p:spPr>
+        <p:style>
+          <a:lnRef idx="2">
+            <a:schemeClr val="accent1"/>
+          </a:lnRef>
+          <a:fillRef idx="0">
+            <a:schemeClr val="accent1"/>
+          </a:fillRef>
+          <a:effectRef idx="1">
+            <a:schemeClr val="accent1"/>
+          </a:effectRef>
+          <a:fontRef idx="minor">
+            <a:schemeClr val="tx1"/>
+          </a:fontRef>
+        </p:style>
+      </p:cxnSp>
+      <p:cxnSp>
+        <p:nvCxnSpPr>
+          <p:cNvPr id="35" name="Connector: Elbow 34">
+            <a:extLst>
+              <a:ext uri="{FF2B5EF4-FFF2-40B4-BE49-F238E27FC236}">
+                <a16:creationId xmlns:a16="http://schemas.microsoft.com/office/drawing/2014/main" id="{C9596DF6-BD61-9F67-0C3E-810522C4FBDD}"/>
+              </a:ext>
+            </a:extLst>
+          </p:cNvPr>
+          <p:cNvCxnSpPr>
+            <a:cxnSpLocks/>
+            <a:stCxn id="16" idx="2"/>
+          </p:cNvCxnSpPr>
+          <p:nvPr/>
+        </p:nvCxnSpPr>
+        <p:spPr>
+          <a:xfrm rot="5400000" flipH="1">
+            <a:off x="8421069" y="1577600"/>
+            <a:ext cx="302594" cy="4314604"/>
+          </a:xfrm>
+          <a:prstGeom prst="bentConnector4">
+            <a:avLst>
+              <a:gd name="adj1" fmla="val -124816"/>
+              <a:gd name="adj2" fmla="val 91705"/>
+            </a:avLst>
+          </a:prstGeom>
+          <a:ln>
+            <a:tailEnd type="triangle"/>
+          </a:ln>
+        </p:spPr>
+        <p:style>
+          <a:lnRef idx="2">
+            <a:schemeClr val="accent1"/>
+          </a:lnRef>
+          <a:fillRef idx="0">
+            <a:schemeClr val="accent1"/>
+          </a:fillRef>
+          <a:effectRef idx="1">
+            <a:schemeClr val="accent1"/>
+          </a:effectRef>
+          <a:fontRef idx="minor">
+            <a:schemeClr val="tx1"/>
+          </a:fontRef>
+        </p:style>
+      </p:cxnSp>
+      <p:cxnSp>
+        <p:nvCxnSpPr>
+          <p:cNvPr id="41" name="Connector: Elbow 40">
+            <a:extLst>
+              <a:ext uri="{FF2B5EF4-FFF2-40B4-BE49-F238E27FC236}">
+                <a16:creationId xmlns:a16="http://schemas.microsoft.com/office/drawing/2014/main" id="{A15C3D7A-CB0E-776D-493E-FAB04392251A}"/>
+              </a:ext>
+            </a:extLst>
+          </p:cNvPr>
+          <p:cNvCxnSpPr>
+            <a:cxnSpLocks/>
+            <a:stCxn id="19" idx="0"/>
+            <a:endCxn id="5" idx="2"/>
+          </p:cNvCxnSpPr>
+          <p:nvPr/>
+        </p:nvCxnSpPr>
+        <p:spPr>
+          <a:xfrm rot="5400000" flipH="1" flipV="1">
+            <a:off x="5408614" y="2820784"/>
+            <a:ext cx="539701" cy="2"/>
+          </a:xfrm>
+          <a:prstGeom prst="bentConnector3">
+            <a:avLst>
+              <a:gd name="adj1" fmla="val 50000"/>
+            </a:avLst>
+          </a:prstGeom>
+          <a:ln>
+            <a:tailEnd type="triangle"/>
+          </a:ln>
+        </p:spPr>
+        <p:style>
+          <a:lnRef idx="2">
+            <a:schemeClr val="accent1"/>
+          </a:lnRef>
+          <a:fillRef idx="0">
+            <a:schemeClr val="accent1"/>
+          </a:fillRef>
+          <a:effectRef idx="1">
+            <a:schemeClr val="accent1"/>
+          </a:effectRef>
+          <a:fontRef idx="minor">
+            <a:schemeClr val="tx1"/>
+          </a:fontRef>
+        </p:style>
+      </p:cxnSp>
+      <p:cxnSp>
+        <p:nvCxnSpPr>
+          <p:cNvPr id="48" name="Connector: Elbow 47">
+            <a:extLst>
+              <a:ext uri="{FF2B5EF4-FFF2-40B4-BE49-F238E27FC236}">
+                <a16:creationId xmlns:a16="http://schemas.microsoft.com/office/drawing/2014/main" id="{A8125A2C-A370-4643-E186-2C282DB1585A}"/>
+              </a:ext>
+            </a:extLst>
+          </p:cNvPr>
+          <p:cNvCxnSpPr>
+            <a:cxnSpLocks/>
+            <a:stCxn id="5" idx="3"/>
+            <a:endCxn id="13" idx="1"/>
+          </p:cNvCxnSpPr>
+          <p:nvPr/>
+        </p:nvCxnSpPr>
+        <p:spPr>
+          <a:xfrm flipV="1">
+            <a:off x="6436232" y="1720789"/>
+            <a:ext cx="639173" cy="154736"/>
+          </a:xfrm>
+          <a:prstGeom prst="bentConnector3">
+            <a:avLst>
+              <a:gd name="adj1" fmla="val 50000"/>
+            </a:avLst>
+          </a:prstGeom>
+          <a:ln>
+            <a:tailEnd type="triangle"/>
+          </a:ln>
+        </p:spPr>
+        <p:style>
+          <a:lnRef idx="2">
+            <a:schemeClr val="accent1"/>
+          </a:lnRef>
+          <a:fillRef idx="0">
+            <a:schemeClr val="accent1"/>
+          </a:fillRef>
+          <a:effectRef idx="1">
+            <a:schemeClr val="accent1"/>
+          </a:effectRef>
+          <a:fontRef idx="minor">
+            <a:schemeClr val="tx1"/>
+          </a:fontRef>
+        </p:style>
+      </p:cxnSp>
+      <p:cxnSp>
+        <p:nvCxnSpPr>
+          <p:cNvPr id="51" name="Connector: Elbow 50">
+            <a:extLst>
+              <a:ext uri="{FF2B5EF4-FFF2-40B4-BE49-F238E27FC236}">
+                <a16:creationId xmlns:a16="http://schemas.microsoft.com/office/drawing/2014/main" id="{0CD9A68B-4A30-1042-AE70-7638DABA9B65}"/>
+              </a:ext>
+            </a:extLst>
+          </p:cNvPr>
+          <p:cNvCxnSpPr>
+            <a:cxnSpLocks/>
+            <a:stCxn id="5" idx="3"/>
+            <a:endCxn id="6" idx="1"/>
+          </p:cNvCxnSpPr>
+          <p:nvPr/>
+        </p:nvCxnSpPr>
+        <p:spPr>
+          <a:xfrm>
+            <a:off x="6436232" y="1875525"/>
+            <a:ext cx="639172" cy="1224897"/>
+          </a:xfrm>
+          <a:prstGeom prst="bentConnector3">
+            <a:avLst>
+              <a:gd name="adj1" fmla="val 50000"/>
+            </a:avLst>
+          </a:prstGeom>
+          <a:ln>
+            <a:tailEnd type="triangle"/>
+          </a:ln>
+        </p:spPr>
+        <p:style>
+          <a:lnRef idx="2">
+            <a:schemeClr val="accent1"/>
+          </a:lnRef>
+          <a:fillRef idx="0">
+            <a:schemeClr val="accent1"/>
+          </a:fillRef>
+          <a:effectRef idx="1">
+            <a:schemeClr val="accent1"/>
+          </a:effectRef>
+          <a:fontRef idx="minor">
+            <a:schemeClr val="tx1"/>
+          </a:fontRef>
+        </p:style>
+      </p:cxnSp>
+      <p:cxnSp>
+        <p:nvCxnSpPr>
+          <p:cNvPr id="56" name="Connector: Elbow 55">
+            <a:extLst>
+              <a:ext uri="{FF2B5EF4-FFF2-40B4-BE49-F238E27FC236}">
+                <a16:creationId xmlns:a16="http://schemas.microsoft.com/office/drawing/2014/main" id="{89EC29AA-B361-3C2E-9670-C4161934241C}"/>
+              </a:ext>
+            </a:extLst>
+          </p:cNvPr>
+          <p:cNvCxnSpPr>
+            <a:cxnSpLocks/>
+            <a:endCxn id="17" idx="0"/>
+          </p:cNvCxnSpPr>
+          <p:nvPr/>
+        </p:nvCxnSpPr>
+        <p:spPr>
+          <a:xfrm rot="5400000">
+            <a:off x="3613814" y="3517787"/>
+            <a:ext cx="2261377" cy="311336"/>
+          </a:xfrm>
+          <a:prstGeom prst="bentConnector3">
+            <a:avLst>
+              <a:gd name="adj1" fmla="val 335"/>
+            </a:avLst>
+          </a:prstGeom>
+          <a:ln>
+            <a:tailEnd type="triangle"/>
+          </a:ln>
+        </p:spPr>
+        <p:style>
+          <a:lnRef idx="2">
+            <a:schemeClr val="accent1"/>
+          </a:lnRef>
+          <a:fillRef idx="0">
+            <a:schemeClr val="accent1"/>
+          </a:fillRef>
+          <a:effectRef idx="1">
+            <a:schemeClr val="accent1"/>
+          </a:effectRef>
+          <a:fontRef idx="minor">
+            <a:schemeClr val="tx1"/>
+          </a:fontRef>
+        </p:style>
+      </p:cxnSp>
+      <p:cxnSp>
+        <p:nvCxnSpPr>
+          <p:cNvPr id="61" name="Connector: Elbow 60">
+            <a:extLst>
+              <a:ext uri="{FF2B5EF4-FFF2-40B4-BE49-F238E27FC236}">
+                <a16:creationId xmlns:a16="http://schemas.microsoft.com/office/drawing/2014/main" id="{84731750-FE62-5FF8-0E58-9C916A2E0104}"/>
+              </a:ext>
+            </a:extLst>
+          </p:cNvPr>
+          <p:cNvCxnSpPr>
+            <a:cxnSpLocks/>
+            <a:stCxn id="17" idx="1"/>
+            <a:endCxn id="9" idx="3"/>
+          </p:cNvCxnSpPr>
+          <p:nvPr/>
+        </p:nvCxnSpPr>
+        <p:spPr>
+          <a:xfrm rot="10800000">
+            <a:off x="2053779" y="5678199"/>
+            <a:ext cx="689753" cy="3108"/>
+          </a:xfrm>
+          <a:prstGeom prst="bentConnector3">
+            <a:avLst>
+              <a:gd name="adj1" fmla="val 50000"/>
+            </a:avLst>
+          </a:prstGeom>
+          <a:ln>
+            <a:tailEnd type="triangle"/>
+          </a:ln>
+        </p:spPr>
+        <p:style>
+          <a:lnRef idx="2">
+            <a:schemeClr val="accent1"/>
+          </a:lnRef>
+          <a:fillRef idx="0">
+            <a:schemeClr val="accent1"/>
+          </a:fillRef>
+          <a:effectRef idx="1">
+            <a:schemeClr val="accent1"/>
+          </a:effectRef>
+          <a:fontRef idx="minor">
+            <a:schemeClr val="tx1"/>
+          </a:fontRef>
+        </p:style>
+      </p:cxnSp>
+      <p:sp>
+        <p:nvSpPr>
+          <p:cNvPr id="1037" name="TextBox 1036">
+            <a:extLst>
+              <a:ext uri="{FF2B5EF4-FFF2-40B4-BE49-F238E27FC236}">
+                <a16:creationId xmlns:a16="http://schemas.microsoft.com/office/drawing/2014/main" id="{70956CEF-3D8F-7190-8225-1BFD1AE8E232}"/>
+              </a:ext>
+            </a:extLst>
+          </p:cNvPr>
+          <p:cNvSpPr txBox="1"/>
+          <p:nvPr/>
+        </p:nvSpPr>
+        <p:spPr>
+          <a:xfrm rot="16200000">
+            <a:off x="3492118" y="3587059"/>
+            <a:ext cx="1752722" cy="395173"/>
+          </a:xfrm>
+          <a:prstGeom prst="rect">
+            <a:avLst/>
+          </a:prstGeom>
+          <a:noFill/>
+          <a:ln w="12700">
+            <a:solidFill>
+              <a:schemeClr val="bg1"/>
+            </a:solidFill>
+          </a:ln>
+          <a:effectLst>
+            <a:reflection endPos="0" dist="50800" dir="5400000" sy="-100000" algn="bl" rotWithShape="0"/>
+            <a:softEdge rad="0"/>
+          </a:effectLst>
+        </p:spPr>
+        <p:txBody>
+          <a:bodyPr wrap="square" rtlCol="0">
+            <a:spAutoFit/>
+          </a:bodyPr>
+          <a:lstStyle/>
+          <a:p>
+            <a:pPr lvl="0">
+              <a:lnSpc>
+                <a:spcPct val="115000"/>
+              </a:lnSpc>
+              <a:spcAft>
+                <a:spcPts val="800"/>
+              </a:spcAft>
+              <a:tabLst>
+                <a:tab pos="457200" algn="l"/>
+              </a:tabLst>
+            </a:pPr>
+            <a:r>
+              <a:rPr lang="en-IL" sz="1800" kern="100" dirty="0">
+                <a:effectLst/>
+                <a:latin typeface="Aptos" panose="020B0004020202020204" pitchFamily="34" charset="0"/>
+                <a:ea typeface="Aptos" panose="020B0004020202020204" pitchFamily="34" charset="0"/>
+                <a:cs typeface="Arial" panose="020B0604020202020204" pitchFamily="34" charset="0"/>
+              </a:rPr>
+              <a:t>End of Session</a:t>
+            </a:r>
+          </a:p>
+        </p:txBody>
+      </p:sp>
+      <p:sp>
+        <p:nvSpPr>
+          <p:cNvPr id="19" name="TextBox 18">
+            <a:extLst>
+              <a:ext uri="{FF2B5EF4-FFF2-40B4-BE49-F238E27FC236}">
+                <a16:creationId xmlns:a16="http://schemas.microsoft.com/office/drawing/2014/main" id="{0E81DBCB-4E87-728B-C3D6-BF9CDEFEB1B8}"/>
+              </a:ext>
+            </a:extLst>
+          </p:cNvPr>
+          <p:cNvSpPr txBox="1"/>
+          <p:nvPr/>
+        </p:nvSpPr>
+        <p:spPr>
+          <a:xfrm>
+            <a:off x="4920696" y="3090635"/>
+            <a:ext cx="1515534" cy="923330"/>
+          </a:xfrm>
+          <a:prstGeom prst="rect">
+            <a:avLst/>
+          </a:prstGeom>
+          <a:noFill/>
+          <a:ln w="19050">
+            <a:solidFill>
+              <a:schemeClr val="accent1"/>
+            </a:solidFill>
+          </a:ln>
+          <a:effectLst>
+            <a:reflection endPos="0" dist="50800" dir="5400000" sy="-100000" algn="bl" rotWithShape="0"/>
+            <a:softEdge rad="0"/>
+          </a:effectLst>
+        </p:spPr>
+        <p:txBody>
+          <a:bodyPr wrap="square" rtlCol="0">
+            <a:spAutoFit/>
+          </a:bodyPr>
+          <a:lstStyle/>
+          <a:p>
+            <a:r>
+              <a:rPr lang="en-US" sz="1800" b="1" kern="100" dirty="0">
+                <a:effectLst/>
+                <a:latin typeface="Aptos" panose="020B0004020202020204" pitchFamily="34" charset="0"/>
+                <a:ea typeface="Aptos" panose="020B0004020202020204" pitchFamily="34" charset="0"/>
+                <a:cs typeface="Arial" panose="020B0604020202020204" pitchFamily="34" charset="0"/>
+              </a:rPr>
+              <a:t>Speak LLM answer to Patient</a:t>
+            </a:r>
+            <a:endParaRPr lang="en-IL" dirty="0"/>
+          </a:p>
+        </p:txBody>
+      </p:sp>
+    </p:spTree>
+    <p:extLst>
+      <p:ext uri="{BB962C8B-B14F-4D97-AF65-F5344CB8AC3E}">
+        <p14:creationId xmlns:p14="http://schemas.microsoft.com/office/powerpoint/2010/main" val="3222373723"/>
       </p:ext>
     </p:extLst>
   </p:cSld>
@@ -4330,7 +8167,7 @@
                 </a:solidFill>
                 <a:latin typeface="Arial" panose="020B0604020202020204" pitchFamily="34" charset="0"/>
               </a:rPr>
-              <a:t>The history of "electronic Psychologist"</a:t>
+              <a:t>The history of "mechanical Psychologist"</a:t>
             </a:r>
             <a:endParaRPr lang="en-IL" sz="3200" dirty="0"/>
           </a:p>
@@ -4360,17 +8197,11 @@
         </p:spPr>
         <p:txBody>
           <a:bodyPr>
-            <a:normAutofit fontScale="70000" lnSpcReduction="20000"/>
+            <a:normAutofit fontScale="62500" lnSpcReduction="20000"/>
           </a:bodyPr>
           <a:lstStyle/>
           <a:p>
             <a:r>
-              <a:rPr lang="en-US" sz="1600" dirty="0"/>
-              <a:t>The history of "electronic psychologist" concepts spans several decades, reflecting advancements in both psychology and technology. Over time, the ideas and capabilities of a digital "psychologist" have evolved from simple algorithms to complex systems capable of analyzing speech, emotions, and responding to queries in real-time.</a:t>
-            </a:r>
-          </a:p>
-          <a:p>
-            <a:r>
               <a:rPr lang="ru-RU" sz="1600" b="1" dirty="0"/>
               <a:t>0.</a:t>
             </a:r>
@@ -4396,17 +8227,104 @@
           </a:p>
           <a:p>
             <a:r>
-              <a:rPr lang="en-US" sz="1600" dirty="0"/>
-              <a:t>In 1966, Joseph </a:t>
-            </a:r>
-            <a:r>
-              <a:rPr lang="en-US" sz="1600" dirty="0" err="1"/>
+              <a:rPr lang="en-US" sz="1800" kern="100" dirty="0">
+                <a:effectLst/>
+                <a:latin typeface="Aptos" panose="020B0004020202020204" pitchFamily="34" charset="0"/>
+                <a:ea typeface="Aptos" panose="020B0004020202020204" pitchFamily="34" charset="0"/>
+                <a:cs typeface="Arial" panose="020B0604020202020204" pitchFamily="34" charset="0"/>
+              </a:rPr>
+              <a:t>In 1966, </a:t>
+            </a:r>
+            <a:r>
+              <a:rPr lang="en-US" sz="1800" dirty="0"/>
+              <a:t>Joseph </a:t>
+            </a:r>
+            <a:r>
+              <a:rPr lang="en-US" sz="1800" dirty="0" err="1"/>
               <a:t>Weizenbaum</a:t>
             </a:r>
             <a:r>
-              <a:rPr lang="en-US" sz="1600" dirty="0"/>
-              <a:t> created ELIZA, one of the first "conversational" programs. ELIZA simulated the behavior of a psychotherapist by rephrasing users' phrases. Although it only mimicked interaction, ELIZA became popular and highlighted the potential of using technology in psychotherapy. ELIZA didn’t analyze inputs but demonstrated the feasibility of digital interaction in mental health support.</a:t>
-            </a:r>
+              <a:rPr lang="en-US" sz="1800" kern="100" dirty="0">
+                <a:effectLst/>
+                <a:latin typeface="Aptos" panose="020B0004020202020204" pitchFamily="34" charset="0"/>
+                <a:ea typeface="Aptos" panose="020B0004020202020204" pitchFamily="34" charset="0"/>
+                <a:cs typeface="Arial" panose="020B0604020202020204" pitchFamily="34" charset="0"/>
+              </a:rPr>
+              <a:t> published a comparatively simple program called ELIZA, which could chat to the user. ELIZA was written in the SLIP programming language of </a:t>
+            </a:r>
+            <a:r>
+              <a:rPr lang="en-US" sz="1800" kern="100" dirty="0" err="1">
+                <a:effectLst/>
+                <a:latin typeface="Aptos" panose="020B0004020202020204" pitchFamily="34" charset="0"/>
+                <a:ea typeface="Aptos" panose="020B0004020202020204" pitchFamily="34" charset="0"/>
+                <a:cs typeface="Arial" panose="020B0604020202020204" pitchFamily="34" charset="0"/>
+              </a:rPr>
+              <a:t>Weizenbaum's</a:t>
+            </a:r>
+            <a:r>
+              <a:rPr lang="en-US" sz="1800" kern="100" dirty="0">
+                <a:effectLst/>
+                <a:latin typeface="Aptos" panose="020B0004020202020204" pitchFamily="34" charset="0"/>
+                <a:ea typeface="Aptos" panose="020B0004020202020204" pitchFamily="34" charset="0"/>
+                <a:cs typeface="Arial" panose="020B0604020202020204" pitchFamily="34" charset="0"/>
+              </a:rPr>
+              <a:t> own creation. The program applied pattern matching rules to statements to figure out its replies. (Programs like this are now called chatbots.) Driven by a script named DOCTOR, it was capable of engaging humans in a conversation which bore a striking resemblance to one with an empathic psychologist. </a:t>
+            </a:r>
+            <a:r>
+              <a:rPr lang="en-US" sz="1800" kern="100" dirty="0" err="1">
+                <a:effectLst/>
+                <a:latin typeface="Aptos" panose="020B0004020202020204" pitchFamily="34" charset="0"/>
+                <a:ea typeface="Aptos" panose="020B0004020202020204" pitchFamily="34" charset="0"/>
+                <a:cs typeface="Arial" panose="020B0604020202020204" pitchFamily="34" charset="0"/>
+              </a:rPr>
+              <a:t>Weizenbaum</a:t>
+            </a:r>
+            <a:r>
+              <a:rPr lang="en-US" sz="1800" kern="100" dirty="0">
+                <a:effectLst/>
+                <a:latin typeface="Aptos" panose="020B0004020202020204" pitchFamily="34" charset="0"/>
+                <a:ea typeface="Aptos" panose="020B0004020202020204" pitchFamily="34" charset="0"/>
+                <a:cs typeface="Arial" panose="020B0604020202020204" pitchFamily="34" charset="0"/>
+              </a:rPr>
+              <a:t> modeled its conversational style after Carl Rogers, who introduced the use of open-ended questions to encourage patients to communicate more effectively with therapists. He was shocked that his program was taken seriously by many users, who would open their hearts to it.[3] Famously, when he was observing his secretary using the software - who was aware that it was a simulation - she asked </a:t>
+            </a:r>
+            <a:r>
+              <a:rPr lang="en-US" sz="1800" kern="100" dirty="0" err="1">
+                <a:effectLst/>
+                <a:latin typeface="Aptos" panose="020B0004020202020204" pitchFamily="34" charset="0"/>
+                <a:ea typeface="Aptos" panose="020B0004020202020204" pitchFamily="34" charset="0"/>
+                <a:cs typeface="Arial" panose="020B0604020202020204" pitchFamily="34" charset="0"/>
+              </a:rPr>
+              <a:t>Weizenbaum</a:t>
+            </a:r>
+            <a:r>
+              <a:rPr lang="en-US" sz="1800" kern="100" dirty="0">
+                <a:effectLst/>
+                <a:latin typeface="Aptos" panose="020B0004020202020204" pitchFamily="34" charset="0"/>
+                <a:ea typeface="Aptos" panose="020B0004020202020204" pitchFamily="34" charset="0"/>
+                <a:cs typeface="Arial" panose="020B0604020202020204" pitchFamily="34" charset="0"/>
+              </a:rPr>
+              <a:t>: "would you mind leaving the room please?" Many hailed the program as a forerunner of thinking machines, a misguided interpretation that </a:t>
+            </a:r>
+            <a:r>
+              <a:rPr lang="en-US" sz="1800" kern="100" dirty="0" err="1">
+                <a:effectLst/>
+                <a:latin typeface="Aptos" panose="020B0004020202020204" pitchFamily="34" charset="0"/>
+                <a:ea typeface="Aptos" panose="020B0004020202020204" pitchFamily="34" charset="0"/>
+                <a:cs typeface="Arial" panose="020B0604020202020204" pitchFamily="34" charset="0"/>
+              </a:rPr>
+              <a:t>Weizenbaum's</a:t>
+            </a:r>
+            <a:r>
+              <a:rPr lang="en-US" sz="1800" kern="100" dirty="0">
+                <a:effectLst/>
+                <a:latin typeface="Aptos" panose="020B0004020202020204" pitchFamily="34" charset="0"/>
+                <a:ea typeface="Aptos" panose="020B0004020202020204" pitchFamily="34" charset="0"/>
+                <a:cs typeface="Arial" panose="020B0604020202020204" pitchFamily="34" charset="0"/>
+              </a:rPr>
+              <a:t> later writing would attempt to correct.</a:t>
+            </a:r>
+            <a:endParaRPr lang="en-US" sz="1600" dirty="0"/>
           </a:p>
           <a:p>
             <a:r>
@@ -4519,7 +8437,7 @@
           <p:nvPr/>
         </p:nvPicPr>
         <p:blipFill>
-          <a:blip r:embed="rId2"/>
+          <a:blip r:embed="rId3"/>
           <a:stretch>
             <a:fillRect/>
           </a:stretch>
@@ -4902,7 +8820,7 @@
         <p:spPr>
           <a:xfrm>
             <a:off x="279135" y="1012723"/>
-            <a:ext cx="4700370" cy="5725960"/>
+            <a:ext cx="6777648" cy="5725960"/>
           </a:xfrm>
           <a:prstGeom prst="rect">
             <a:avLst/>
@@ -4910,7 +8828,7 @@
         </p:spPr>
         <p:txBody>
           <a:bodyPr vert="horz" lIns="91440" tIns="45720" rIns="91440" bIns="45720" rtlCol="0">
-            <a:normAutofit fontScale="92500"/>
+            <a:noAutofit/>
           </a:bodyPr>
           <a:lstStyle>
             <a:lvl1pPr marL="228600" indent="-228600" algn="l" defTabSz="914400" rtl="0" eaLnBrk="1" latinLnBrk="0" hangingPunct="1">
@@ -5087,7 +9005,7 @@
               <a:buNone/>
             </a:pPr>
             <a:r>
-              <a:rPr lang="en-IL" sz="1800" kern="100" dirty="0">
+              <a:rPr lang="en-IL" sz="2000" kern="100" dirty="0">
                 <a:effectLst/>
                 <a:latin typeface="Aptos" panose="020B0004020202020204" pitchFamily="34" charset="0"/>
                 <a:ea typeface="Aptos" panose="020B0004020202020204" pitchFamily="34" charset="0"/>
@@ -5096,7 +9014,7 @@
               <a:t>The database contains two primary tables: </a:t>
             </a:r>
             <a:r>
-              <a:rPr lang="en-IL" sz="1800" b="1" kern="100" dirty="0">
+              <a:rPr lang="en-IL" sz="2000" b="1" kern="100" dirty="0">
                 <a:effectLst/>
                 <a:latin typeface="Aptos" panose="020B0004020202020204" pitchFamily="34" charset="0"/>
                 <a:ea typeface="Aptos" panose="020B0004020202020204" pitchFamily="34" charset="0"/>
@@ -5105,7 +9023,7 @@
               <a:t>Patients</a:t>
             </a:r>
             <a:r>
-              <a:rPr lang="en-IL" sz="1800" kern="100" dirty="0">
+              <a:rPr lang="en-IL" sz="2000" kern="100" dirty="0">
                 <a:effectLst/>
                 <a:latin typeface="Aptos" panose="020B0004020202020204" pitchFamily="34" charset="0"/>
                 <a:ea typeface="Aptos" panose="020B0004020202020204" pitchFamily="34" charset="0"/>
@@ -5114,7 +9032,7 @@
               <a:t> and </a:t>
             </a:r>
             <a:r>
-              <a:rPr lang="en-IL" sz="1800" b="1" kern="100" dirty="0">
+              <a:rPr lang="en-IL" sz="2000" b="1" kern="100" dirty="0">
                 <a:effectLst/>
                 <a:latin typeface="Aptos" panose="020B0004020202020204" pitchFamily="34" charset="0"/>
                 <a:ea typeface="Aptos" panose="020B0004020202020204" pitchFamily="34" charset="0"/>
@@ -5123,7 +9041,7 @@
               <a:t>Sessions</a:t>
             </a:r>
             <a:r>
-              <a:rPr lang="en-IL" sz="1800" kern="100" dirty="0">
+              <a:rPr lang="en-IL" sz="2000" kern="100" dirty="0">
                 <a:effectLst/>
                 <a:latin typeface="Aptos" panose="020B0004020202020204" pitchFamily="34" charset="0"/>
                 <a:ea typeface="Aptos" panose="020B0004020202020204" pitchFamily="34" charset="0"/>
@@ -5148,7 +9066,7 @@
               </a:tabLst>
             </a:pPr>
             <a:r>
-              <a:rPr lang="en-IL" sz="1800" kern="100" dirty="0">
+              <a:rPr lang="en-IL" sz="2000" kern="100" dirty="0">
                 <a:effectLst/>
                 <a:latin typeface="Aptos" panose="020B0004020202020204" pitchFamily="34" charset="0"/>
                 <a:ea typeface="Aptos" panose="020B0004020202020204" pitchFamily="34" charset="0"/>
@@ -5157,7 +9075,7 @@
               <a:t>The </a:t>
             </a:r>
             <a:r>
-              <a:rPr lang="en-IL" sz="1800" b="1" kern="100" dirty="0">
+              <a:rPr lang="en-IL" sz="2000" b="1" kern="100" dirty="0">
                 <a:effectLst/>
                 <a:latin typeface="Aptos" panose="020B0004020202020204" pitchFamily="34" charset="0"/>
                 <a:ea typeface="Aptos" panose="020B0004020202020204" pitchFamily="34" charset="0"/>
@@ -5166,7 +9084,7 @@
               <a:t>Patients</a:t>
             </a:r>
             <a:r>
-              <a:rPr lang="en-IL" sz="1800" kern="100" dirty="0">
+              <a:rPr lang="en-IL" sz="2000" kern="100" dirty="0">
                 <a:effectLst/>
                 <a:latin typeface="Aptos" panose="020B0004020202020204" pitchFamily="34" charset="0"/>
                 <a:ea typeface="Aptos" panose="020B0004020202020204" pitchFamily="34" charset="0"/>
@@ -5175,7 +9093,7 @@
               <a:t> table includes a text field</a:t>
             </a:r>
             <a:r>
-              <a:rPr lang="en-US" sz="1800" kern="100" dirty="0">
+              <a:rPr lang="en-US" sz="2000" kern="100" dirty="0">
                 <a:effectLst/>
                 <a:latin typeface="Aptos" panose="020B0004020202020204" pitchFamily="34" charset="0"/>
                 <a:ea typeface="Aptos" panose="020B0004020202020204" pitchFamily="34" charset="0"/>
@@ -5184,7 +9102,7 @@
               <a:t> </a:t>
             </a:r>
             <a:r>
-              <a:rPr lang="en-IL" sz="1800" kern="100" dirty="0" err="1">
+              <a:rPr lang="en-IL" sz="2000" kern="100" dirty="0" err="1">
                 <a:effectLst/>
                 <a:latin typeface="Aptos" panose="020B0004020202020204" pitchFamily="34" charset="0"/>
                 <a:ea typeface="Aptos" panose="020B0004020202020204" pitchFamily="34" charset="0"/>
@@ -5193,7 +9111,7 @@
               <a:t>Additional_datas</a:t>
             </a:r>
             <a:r>
-              <a:rPr lang="en-IL" sz="1800" kern="100" dirty="0">
+              <a:rPr lang="en-IL" sz="2000" kern="100" dirty="0">
                 <a:effectLst/>
                 <a:latin typeface="Aptos" panose="020B0004020202020204" pitchFamily="34" charset="0"/>
                 <a:ea typeface="Aptos" panose="020B0004020202020204" pitchFamily="34" charset="0"/>
@@ -5218,7 +9136,7 @@
               </a:tabLst>
             </a:pPr>
             <a:r>
-              <a:rPr lang="en-IL" sz="1800" kern="100" dirty="0">
+              <a:rPr lang="en-IL" sz="2000" kern="100" dirty="0">
                 <a:effectLst/>
                 <a:latin typeface="Aptos" panose="020B0004020202020204" pitchFamily="34" charset="0"/>
                 <a:ea typeface="Aptos" panose="020B0004020202020204" pitchFamily="34" charset="0"/>
@@ -5227,7 +9145,7 @@
               <a:t>The </a:t>
             </a:r>
             <a:r>
-              <a:rPr lang="en-IL" sz="1800" b="1" kern="100" dirty="0">
+              <a:rPr lang="en-IL" sz="2000" b="1" kern="100" dirty="0">
                 <a:effectLst/>
                 <a:latin typeface="Aptos" panose="020B0004020202020204" pitchFamily="34" charset="0"/>
                 <a:ea typeface="Aptos" panose="020B0004020202020204" pitchFamily="34" charset="0"/>
@@ -5236,7 +9154,7 @@
               <a:t>Sessions</a:t>
             </a:r>
             <a:r>
-              <a:rPr lang="en-IL" sz="1800" kern="100" dirty="0">
+              <a:rPr lang="en-IL" sz="2000" kern="100" dirty="0">
                 <a:effectLst/>
                 <a:latin typeface="Aptos" panose="020B0004020202020204" pitchFamily="34" charset="0"/>
                 <a:ea typeface="Aptos" panose="020B0004020202020204" pitchFamily="34" charset="0"/>
@@ -5245,7 +9163,7 @@
               <a:t> table stores the complete text of each session along with a summarized version tailored for search and embedding purposes. It also contains embedding </a:t>
             </a:r>
             <a:r>
-              <a:rPr lang="en-US" sz="1800" kern="100" dirty="0">
+              <a:rPr lang="en-US" sz="2000" kern="100" dirty="0">
                 <a:effectLst/>
                 <a:latin typeface="Aptos" panose="020B0004020202020204" pitchFamily="34" charset="0"/>
                 <a:ea typeface="Aptos" panose="020B0004020202020204" pitchFamily="34" charset="0"/>
@@ -5254,7 +9172,7 @@
               <a:t>of </a:t>
             </a:r>
             <a:r>
-              <a:rPr lang="en-US" sz="1800" kern="100" dirty="0" err="1">
+              <a:rPr lang="en-US" sz="2000" kern="100" dirty="0" err="1">
                 <a:effectLst/>
                 <a:latin typeface="Aptos" panose="020B0004020202020204" pitchFamily="34" charset="0"/>
                 <a:ea typeface="Aptos" panose="020B0004020202020204" pitchFamily="34" charset="0"/>
@@ -5263,7 +9181,7 @@
               <a:t>su</a:t>
             </a:r>
             <a:r>
-              <a:rPr lang="en-IL" sz="1800" kern="100" dirty="0" err="1">
+              <a:rPr lang="en-IL" sz="2000" kern="100" dirty="0" err="1">
                 <a:effectLst/>
                 <a:latin typeface="Aptos" panose="020B0004020202020204" pitchFamily="34" charset="0"/>
                 <a:ea typeface="Aptos" panose="020B0004020202020204" pitchFamily="34" charset="0"/>
@@ -5272,7 +9190,7 @@
               <a:t>mmary</a:t>
             </a:r>
             <a:r>
-              <a:rPr lang="en-US" sz="1800" kern="100" dirty="0">
+              <a:rPr lang="en-US" sz="2000" kern="100" dirty="0">
                 <a:effectLst/>
                 <a:latin typeface="Aptos" panose="020B0004020202020204" pitchFamily="34" charset="0"/>
                 <a:ea typeface="Aptos" panose="020B0004020202020204" pitchFamily="34" charset="0"/>
@@ -5281,7 +9199,7 @@
               <a:t> </a:t>
             </a:r>
             <a:r>
-              <a:rPr lang="en-IL" sz="1800" kern="100" dirty="0">
+              <a:rPr lang="en-IL" sz="2000" kern="100" dirty="0">
                 <a:effectLst/>
                 <a:latin typeface="Aptos" panose="020B0004020202020204" pitchFamily="34" charset="0"/>
                 <a:ea typeface="Aptos" panose="020B0004020202020204" pitchFamily="34" charset="0"/>
@@ -5295,7 +9213,7 @@
               <a:buFont typeface="Arial" panose="020B0604020202020204" pitchFamily="34" charset="0"/>
               <a:buNone/>
             </a:pPr>
-            <a:endParaRPr lang="en-US" sz="1600" dirty="0"/>
+            <a:endParaRPr lang="en-US" sz="2000" dirty="0"/>
           </a:p>
           <a:p>
             <a:pPr marL="0" indent="0">
@@ -5305,16 +9223,58 @@
               <a:buFont typeface="Arial" panose="020B0604020202020204" pitchFamily="34" charset="0"/>
               <a:buNone/>
             </a:pPr>
-            <a:endParaRPr lang="en-IL" sz="1600" dirty="0"/>
+            <a:endParaRPr lang="en-IL" sz="2000" dirty="0"/>
+          </a:p>
+        </p:txBody>
+      </p:sp>
+      <p:sp>
+        <p:nvSpPr>
+          <p:cNvPr id="26" name="TextBox 25">
+            <a:extLst>
+              <a:ext uri="{FF2B5EF4-FFF2-40B4-BE49-F238E27FC236}">
+                <a16:creationId xmlns:a16="http://schemas.microsoft.com/office/drawing/2014/main" id="{A68CF076-1A89-CC8B-8C08-007742A6450B}"/>
+              </a:ext>
+            </a:extLst>
+          </p:cNvPr>
+          <p:cNvSpPr txBox="1"/>
+          <p:nvPr/>
+        </p:nvSpPr>
+        <p:spPr>
+          <a:xfrm>
+            <a:off x="11353800" y="194840"/>
+            <a:ext cx="559066" cy="400110"/>
+          </a:xfrm>
+          <a:prstGeom prst="rect">
+            <a:avLst/>
+          </a:prstGeom>
+          <a:noFill/>
+          <a:ln>
+            <a:solidFill>
+              <a:schemeClr val="accent1"/>
+            </a:solidFill>
+          </a:ln>
+        </p:spPr>
+        <p:txBody>
+          <a:bodyPr wrap="square" rtlCol="0">
+            <a:spAutoFit/>
+          </a:bodyPr>
+          <a:lstStyle/>
+          <a:p>
+            <a:pPr algn="ctr"/>
+            <a:r>
+              <a:rPr lang="en-US" sz="2000" b="1" dirty="0"/>
+              <a:t>2</a:t>
+            </a:r>
+            <a:endParaRPr lang="en-IL" sz="2000" b="1" dirty="0"/>
           </a:p>
         </p:txBody>
       </p:sp>
       <p:pic>
         <p:nvPicPr>
-          <p:cNvPr id="3" name="Picture 2">
-            <a:extLst>
-              <a:ext uri="{FF2B5EF4-FFF2-40B4-BE49-F238E27FC236}">
-                <a16:creationId xmlns:a16="http://schemas.microsoft.com/office/drawing/2014/main" id="{24E4370D-304E-7635-7292-0F7DA4B5E80C}"/>
+          <p:cNvPr id="9" name="Picture 8">
+            <a:extLst>
+              <a:ext uri="{FF2B5EF4-FFF2-40B4-BE49-F238E27FC236}">
+                <a16:creationId xmlns:a16="http://schemas.microsoft.com/office/drawing/2014/main" id="{334F440E-D6B8-F3D7-2D71-AACF4D1BF552}"/>
               </a:ext>
             </a:extLst>
           </p:cNvPr>
@@ -5331,56 +9291,14 @@
         </p:blipFill>
         <p:spPr>
           <a:xfrm>
-            <a:off x="5850394" y="1013045"/>
-            <a:ext cx="6062472" cy="1446276"/>
+            <a:off x="9099744" y="1132120"/>
+            <a:ext cx="2162477" cy="5487166"/>
           </a:xfrm>
           <a:prstGeom prst="rect">
             <a:avLst/>
           </a:prstGeom>
         </p:spPr>
       </p:pic>
-      <p:sp>
-        <p:nvSpPr>
-          <p:cNvPr id="26" name="TextBox 25">
-            <a:extLst>
-              <a:ext uri="{FF2B5EF4-FFF2-40B4-BE49-F238E27FC236}">
-                <a16:creationId xmlns:a16="http://schemas.microsoft.com/office/drawing/2014/main" id="{A68CF076-1A89-CC8B-8C08-007742A6450B}"/>
-              </a:ext>
-            </a:extLst>
-          </p:cNvPr>
-          <p:cNvSpPr txBox="1"/>
-          <p:nvPr/>
-        </p:nvSpPr>
-        <p:spPr>
-          <a:xfrm>
-            <a:off x="11353800" y="194840"/>
-            <a:ext cx="559066" cy="400110"/>
-          </a:xfrm>
-          <a:prstGeom prst="rect">
-            <a:avLst/>
-          </a:prstGeom>
-          <a:noFill/>
-          <a:ln>
-            <a:solidFill>
-              <a:schemeClr val="accent1"/>
-            </a:solidFill>
-          </a:ln>
-        </p:spPr>
-        <p:txBody>
-          <a:bodyPr wrap="square" rtlCol="0">
-            <a:spAutoFit/>
-          </a:bodyPr>
-          <a:lstStyle/>
-          <a:p>
-            <a:pPr algn="ctr"/>
-            <a:r>
-              <a:rPr lang="en-US" sz="2000" b="1" dirty="0"/>
-              <a:t>2</a:t>
-            </a:r>
-            <a:endParaRPr lang="en-IL" sz="2000" b="1" dirty="0"/>
-          </a:p>
-        </p:txBody>
-      </p:sp>
     </p:spTree>
     <p:extLst>
       <p:ext uri="{BB962C8B-B14F-4D97-AF65-F5344CB8AC3E}">
@@ -5399,7 +9317,13 @@
   <p:cSld>
     <p:spTree>
       <p:nvGrpSpPr>
-        <p:cNvPr id="1" name=""/>
+        <p:cNvPr id="1" name="">
+          <a:extLst>
+            <a:ext uri="{FF2B5EF4-FFF2-40B4-BE49-F238E27FC236}">
+              <a16:creationId xmlns:a16="http://schemas.microsoft.com/office/drawing/2014/main" id="{719DD2C2-238A-53B4-F903-314C9820B20B}"/>
+            </a:ext>
+          </a:extLst>
+        </p:cNvPr>
         <p:cNvGrpSpPr/>
         <p:nvPr/>
       </p:nvGrpSpPr>
@@ -5416,7 +9340,7 @@
           <p:cNvPr id="2" name="Title 1">
             <a:extLst>
               <a:ext uri="{FF2B5EF4-FFF2-40B4-BE49-F238E27FC236}">
-                <a16:creationId xmlns:a16="http://schemas.microsoft.com/office/drawing/2014/main" id="{652C9FC2-6FDA-9F80-5800-1D9ECF2C775B}"/>
+                <a16:creationId xmlns:a16="http://schemas.microsoft.com/office/drawing/2014/main" id="{E20FF09A-A10D-CE9D-798F-82A7E12516E4}"/>
               </a:ext>
             </a:extLst>
           </p:cNvPr>
@@ -5457,7 +9381,7 @@
           <p:cNvPr id="7" name="Picture 6">
             <a:extLst>
               <a:ext uri="{FF2B5EF4-FFF2-40B4-BE49-F238E27FC236}">
-                <a16:creationId xmlns:a16="http://schemas.microsoft.com/office/drawing/2014/main" id="{44FF53BB-FC36-9C18-4FCE-70B32C745279}"/>
+                <a16:creationId xmlns:a16="http://schemas.microsoft.com/office/drawing/2014/main" id="{65F4D99C-15A8-66C7-6BE2-2208A18F0E35}"/>
               </a:ext>
             </a:extLst>
           </p:cNvPr>
@@ -5487,7 +9411,7 @@
           <p:cNvPr id="4" name="TextBox 3">
             <a:extLst>
               <a:ext uri="{FF2B5EF4-FFF2-40B4-BE49-F238E27FC236}">
-                <a16:creationId xmlns:a16="http://schemas.microsoft.com/office/drawing/2014/main" id="{C6E0908D-3F10-4902-F8A8-145838824873}"/>
+                <a16:creationId xmlns:a16="http://schemas.microsoft.com/office/drawing/2014/main" id="{AD8A7194-8E46-243C-7130-A5621E531894}"/>
               </a:ext>
             </a:extLst>
           </p:cNvPr>
@@ -5529,7 +9453,7 @@
           <p:cNvPr id="8" name="TextBox 7">
             <a:extLst>
               <a:ext uri="{FF2B5EF4-FFF2-40B4-BE49-F238E27FC236}">
-                <a16:creationId xmlns:a16="http://schemas.microsoft.com/office/drawing/2014/main" id="{ABD2F9EF-96A7-F989-0C51-8C1826BE276A}"/>
+                <a16:creationId xmlns:a16="http://schemas.microsoft.com/office/drawing/2014/main" id="{C6D58658-8365-1980-3269-79330771A0FC}"/>
               </a:ext>
             </a:extLst>
           </p:cNvPr>
@@ -5538,14 +9462,14 @@
         </p:nvSpPr>
         <p:spPr>
           <a:xfrm>
-            <a:off x="446940" y="921797"/>
+            <a:off x="2723653" y="1040842"/>
             <a:ext cx="1515534" cy="1669368"/>
           </a:xfrm>
           <a:prstGeom prst="rect">
             <a:avLst/>
           </a:prstGeom>
           <a:noFill/>
-          <a:ln w="12700">
+          <a:ln w="19050">
             <a:solidFill>
               <a:schemeClr val="accent1"/>
             </a:solidFill>
@@ -5595,7 +9519,7 @@
           <p:cNvPr id="10" name="TextBox 9">
             <a:extLst>
               <a:ext uri="{FF2B5EF4-FFF2-40B4-BE49-F238E27FC236}">
-                <a16:creationId xmlns:a16="http://schemas.microsoft.com/office/drawing/2014/main" id="{E38CC0B2-EC2F-C563-FBE0-D0B97D7DA246}"/>
+                <a16:creationId xmlns:a16="http://schemas.microsoft.com/office/drawing/2014/main" id="{FD376332-D9F4-4517-28F5-9710B54359F7}"/>
               </a:ext>
             </a:extLst>
           </p:cNvPr>
@@ -5604,14 +9528,14 @@
         </p:nvSpPr>
         <p:spPr>
           <a:xfrm>
-            <a:off x="202933" y="2578322"/>
-            <a:ext cx="1515534" cy="1477328"/>
+            <a:off x="292927" y="1275359"/>
+            <a:ext cx="1752722" cy="1200329"/>
           </a:xfrm>
           <a:prstGeom prst="rect">
             <a:avLst/>
           </a:prstGeom>
           <a:noFill/>
-          <a:ln w="12700">
+          <a:ln w="19050">
             <a:solidFill>
               <a:schemeClr val="accent1"/>
             </a:solidFill>
@@ -5644,587 +9568,208 @@
           </a:p>
         </p:txBody>
       </p:sp>
-      <p:sp>
-        <p:nvSpPr>
-          <p:cNvPr id="3" name="Content Placeholder 2">
-            <a:extLst>
-              <a:ext uri="{FF2B5EF4-FFF2-40B4-BE49-F238E27FC236}">
-                <a16:creationId xmlns:a16="http://schemas.microsoft.com/office/drawing/2014/main" id="{FAD5562E-325B-EAE2-A4AE-5463B87EC66C}"/>
-              </a:ext>
-            </a:extLst>
-          </p:cNvPr>
-          <p:cNvSpPr txBox="1">
-            <a:spLocks/>
+      <p:cxnSp>
+        <p:nvCxnSpPr>
+          <p:cNvPr id="29" name="Connector: Elbow 28">
+            <a:extLst>
+              <a:ext uri="{FF2B5EF4-FFF2-40B4-BE49-F238E27FC236}">
+                <a16:creationId xmlns:a16="http://schemas.microsoft.com/office/drawing/2014/main" id="{6B122CF2-C31F-C009-1E9F-6C04F066E326}"/>
+              </a:ext>
+            </a:extLst>
+          </p:cNvPr>
+          <p:cNvCxnSpPr>
+            <a:cxnSpLocks/>
+            <a:stCxn id="10" idx="3"/>
+            <a:endCxn id="8" idx="1"/>
+          </p:cNvCxnSpPr>
+          <p:nvPr/>
+        </p:nvCxnSpPr>
+        <p:spPr>
+          <a:xfrm>
+            <a:off x="2045649" y="1875524"/>
+            <a:ext cx="678004" cy="2"/>
+          </a:xfrm>
+          <a:prstGeom prst="bentConnector3">
+            <a:avLst>
+              <a:gd name="adj1" fmla="val 50000"/>
+            </a:avLst>
+          </a:prstGeom>
+          <a:ln>
+            <a:tailEnd type="triangle"/>
+          </a:ln>
+        </p:spPr>
+        <p:style>
+          <a:lnRef idx="2">
+            <a:schemeClr val="accent1"/>
+          </a:lnRef>
+          <a:fillRef idx="0">
+            <a:schemeClr val="accent1"/>
+          </a:fillRef>
+          <a:effectRef idx="1">
+            <a:schemeClr val="accent1"/>
+          </a:effectRef>
+          <a:fontRef idx="minor">
+            <a:schemeClr val="tx1"/>
+          </a:fontRef>
+        </p:style>
+      </p:cxnSp>
+      <p:cxnSp>
+        <p:nvCxnSpPr>
+          <p:cNvPr id="32" name="Connector: Elbow 31">
+            <a:extLst>
+              <a:ext uri="{FF2B5EF4-FFF2-40B4-BE49-F238E27FC236}">
+                <a16:creationId xmlns:a16="http://schemas.microsoft.com/office/drawing/2014/main" id="{F4134B0C-A388-ED6C-4144-6A19D7431789}"/>
+              </a:ext>
+            </a:extLst>
+          </p:cNvPr>
+          <p:cNvCxnSpPr>
+            <a:cxnSpLocks/>
+            <a:stCxn id="8" idx="3"/>
+          </p:cNvCxnSpPr>
+          <p:nvPr/>
+        </p:nvCxnSpPr>
+        <p:spPr>
+          <a:xfrm flipV="1">
+            <a:off x="4239187" y="1875525"/>
+            <a:ext cx="681511" cy="1"/>
+          </a:xfrm>
+          <a:prstGeom prst="bentConnector3">
+            <a:avLst>
+              <a:gd name="adj1" fmla="val 50000"/>
+            </a:avLst>
+          </a:prstGeom>
+          <a:ln>
+            <a:tailEnd type="triangle"/>
+          </a:ln>
+        </p:spPr>
+        <p:style>
+          <a:lnRef idx="2">
+            <a:schemeClr val="accent1"/>
+          </a:lnRef>
+          <a:fillRef idx="0">
+            <a:schemeClr val="accent1"/>
+          </a:fillRef>
+          <a:effectRef idx="1">
+            <a:schemeClr val="accent1"/>
+          </a:effectRef>
+          <a:fontRef idx="minor">
+            <a:schemeClr val="tx1"/>
+          </a:fontRef>
+        </p:style>
+      </p:cxnSp>
+    </p:spTree>
+    <p:extLst>
+      <p:ext uri="{BB962C8B-B14F-4D97-AF65-F5344CB8AC3E}">
+        <p14:creationId xmlns:p14="http://schemas.microsoft.com/office/powerpoint/2010/main" val="1785859000"/>
+      </p:ext>
+    </p:extLst>
+  </p:cSld>
+  <p:clrMapOvr>
+    <a:masterClrMapping/>
+  </p:clrMapOvr>
+</p:sld>
+</file>
+
+<file path=ppt/slides/slide6.xml><?xml version="1.0" encoding="utf-8"?>
+<p:sld xmlns:a="http://schemas.openxmlformats.org/drawingml/2006/main" xmlns:r="http://schemas.openxmlformats.org/officeDocument/2006/relationships" xmlns:p="http://schemas.openxmlformats.org/presentationml/2006/main">
+  <p:cSld>
+    <p:spTree>
+      <p:nvGrpSpPr>
+        <p:cNvPr id="1" name="">
+          <a:extLst>
+            <a:ext uri="{FF2B5EF4-FFF2-40B4-BE49-F238E27FC236}">
+              <a16:creationId xmlns:a16="http://schemas.microsoft.com/office/drawing/2014/main" id="{FFB0E866-2A01-616F-2F5C-E1816C95F762}"/>
+            </a:ext>
+          </a:extLst>
+        </p:cNvPr>
+        <p:cNvGrpSpPr/>
+        <p:nvPr/>
+      </p:nvGrpSpPr>
+      <p:grpSpPr>
+        <a:xfrm>
+          <a:off x="0" y="0"/>
+          <a:ext cx="0" cy="0"/>
+          <a:chOff x="0" y="0"/>
+          <a:chExt cx="0" cy="0"/>
+        </a:xfrm>
+      </p:grpSpPr>
+      <p:sp>
+        <p:nvSpPr>
+          <p:cNvPr id="2" name="Title 1">
+            <a:extLst>
+              <a:ext uri="{FF2B5EF4-FFF2-40B4-BE49-F238E27FC236}">
+                <a16:creationId xmlns:a16="http://schemas.microsoft.com/office/drawing/2014/main" id="{7D5937BA-3A11-994E-5181-FD912F336D0E}"/>
+              </a:ext>
+            </a:extLst>
+          </p:cNvPr>
+          <p:cNvSpPr>
+            <a:spLocks noGrp="1"/>
           </p:cNvSpPr>
+          <p:nvPr>
+            <p:ph type="title"/>
+          </p:nvPr>
+        </p:nvSpPr>
+        <p:spPr>
+          <a:xfrm>
+            <a:off x="838200" y="119317"/>
+            <a:ext cx="10515600" cy="551156"/>
+          </a:xfrm>
+        </p:spPr>
+        <p:txBody>
+          <a:bodyPr>
+            <a:normAutofit/>
+          </a:bodyPr>
+          <a:lstStyle/>
+          <a:p>
+            <a:r>
+              <a:rPr lang="en-US" sz="3200" b="1" dirty="0">
+                <a:solidFill>
+                  <a:srgbClr val="000000"/>
+                </a:solidFill>
+                <a:latin typeface="Arial" panose="020B0604020202020204" pitchFamily="34" charset="0"/>
+              </a:rPr>
+              <a:t>Program operation scheme</a:t>
+            </a:r>
+            <a:endParaRPr lang="en-IL" sz="3200" dirty="0"/>
+          </a:p>
+        </p:txBody>
+      </p:sp>
+      <p:pic>
+        <p:nvPicPr>
+          <p:cNvPr id="7" name="Picture 6">
+            <a:extLst>
+              <a:ext uri="{FF2B5EF4-FFF2-40B4-BE49-F238E27FC236}">
+                <a16:creationId xmlns:a16="http://schemas.microsoft.com/office/drawing/2014/main" id="{4D121666-E441-8E26-3515-D8D0CE493613}"/>
+              </a:ext>
+            </a:extLst>
+          </p:cNvPr>
+          <p:cNvPicPr>
+            <a:picLocks noChangeAspect="1"/>
+          </p:cNvPicPr>
           <p:nvPr/>
-        </p:nvSpPr>
+        </p:nvPicPr>
+        <p:blipFill>
+          <a:blip r:embed="rId3"/>
+          <a:stretch>
+            <a:fillRect/>
+          </a:stretch>
+        </p:blipFill>
         <p:spPr>
           <a:xfrm>
-            <a:off x="7346714" y="2591165"/>
-            <a:ext cx="4700370" cy="5725960"/>
+            <a:off x="279133" y="737419"/>
+            <a:ext cx="11633734" cy="119871"/>
           </a:xfrm>
           <a:prstGeom prst="rect">
             <a:avLst/>
           </a:prstGeom>
         </p:spPr>
-        <p:txBody>
-          <a:bodyPr vert="horz" lIns="91440" tIns="45720" rIns="91440" bIns="45720" rtlCol="0">
-            <a:normAutofit fontScale="62500" lnSpcReduction="20000"/>
-          </a:bodyPr>
-          <a:lstStyle>
-            <a:lvl1pPr marL="228600" indent="-228600" algn="l" defTabSz="914400" rtl="0" eaLnBrk="1" latinLnBrk="0" hangingPunct="1">
-              <a:lnSpc>
-                <a:spcPct val="90000"/>
-              </a:lnSpc>
-              <a:spcBef>
-                <a:spcPts val="1000"/>
-              </a:spcBef>
-              <a:buFont typeface="Arial" panose="020B0604020202020204" pitchFamily="34" charset="0"/>
-              <a:buChar char="•"/>
-              <a:defRPr sz="2800" kern="1200">
-                <a:solidFill>
-                  <a:schemeClr val="tx1"/>
-                </a:solidFill>
-                <a:latin typeface="+mn-lt"/>
-                <a:ea typeface="+mn-ea"/>
-                <a:cs typeface="+mn-cs"/>
-              </a:defRPr>
-            </a:lvl1pPr>
-            <a:lvl2pPr marL="685800" indent="-228600" algn="l" defTabSz="914400" rtl="0" eaLnBrk="1" latinLnBrk="0" hangingPunct="1">
-              <a:lnSpc>
-                <a:spcPct val="90000"/>
-              </a:lnSpc>
-              <a:spcBef>
-                <a:spcPts val="500"/>
-              </a:spcBef>
-              <a:buFont typeface="Arial" panose="020B0604020202020204" pitchFamily="34" charset="0"/>
-              <a:buChar char="•"/>
-              <a:defRPr sz="2400" kern="1200">
-                <a:solidFill>
-                  <a:schemeClr val="tx1"/>
-                </a:solidFill>
-                <a:latin typeface="+mn-lt"/>
-                <a:ea typeface="+mn-ea"/>
-                <a:cs typeface="+mn-cs"/>
-              </a:defRPr>
-            </a:lvl2pPr>
-            <a:lvl3pPr marL="1143000" indent="-228600" algn="l" defTabSz="914400" rtl="0" eaLnBrk="1" latinLnBrk="0" hangingPunct="1">
-              <a:lnSpc>
-                <a:spcPct val="90000"/>
-              </a:lnSpc>
-              <a:spcBef>
-                <a:spcPts val="500"/>
-              </a:spcBef>
-              <a:buFont typeface="Arial" panose="020B0604020202020204" pitchFamily="34" charset="0"/>
-              <a:buChar char="•"/>
-              <a:defRPr sz="2000" kern="1200">
-                <a:solidFill>
-                  <a:schemeClr val="tx1"/>
-                </a:solidFill>
-                <a:latin typeface="+mn-lt"/>
-                <a:ea typeface="+mn-ea"/>
-                <a:cs typeface="+mn-cs"/>
-              </a:defRPr>
-            </a:lvl3pPr>
-            <a:lvl4pPr marL="1600200" indent="-228600" algn="l" defTabSz="914400" rtl="0" eaLnBrk="1" latinLnBrk="0" hangingPunct="1">
-              <a:lnSpc>
-                <a:spcPct val="90000"/>
-              </a:lnSpc>
-              <a:spcBef>
-                <a:spcPts val="500"/>
-              </a:spcBef>
-              <a:buFont typeface="Arial" panose="020B0604020202020204" pitchFamily="34" charset="0"/>
-              <a:buChar char="•"/>
-              <a:defRPr sz="1800" kern="1200">
-                <a:solidFill>
-                  <a:schemeClr val="tx1"/>
-                </a:solidFill>
-                <a:latin typeface="+mn-lt"/>
-                <a:ea typeface="+mn-ea"/>
-                <a:cs typeface="+mn-cs"/>
-              </a:defRPr>
-            </a:lvl4pPr>
-            <a:lvl5pPr marL="2057400" indent="-228600" algn="l" defTabSz="914400" rtl="0" eaLnBrk="1" latinLnBrk="0" hangingPunct="1">
-              <a:lnSpc>
-                <a:spcPct val="90000"/>
-              </a:lnSpc>
-              <a:spcBef>
-                <a:spcPts val="500"/>
-              </a:spcBef>
-              <a:buFont typeface="Arial" panose="020B0604020202020204" pitchFamily="34" charset="0"/>
-              <a:buChar char="•"/>
-              <a:defRPr sz="1800" kern="1200">
-                <a:solidFill>
-                  <a:schemeClr val="tx1"/>
-                </a:solidFill>
-                <a:latin typeface="+mn-lt"/>
-                <a:ea typeface="+mn-ea"/>
-                <a:cs typeface="+mn-cs"/>
-              </a:defRPr>
-            </a:lvl5pPr>
-            <a:lvl6pPr marL="2514600" indent="-228600" algn="l" defTabSz="914400" rtl="0" eaLnBrk="1" latinLnBrk="0" hangingPunct="1">
-              <a:lnSpc>
-                <a:spcPct val="90000"/>
-              </a:lnSpc>
-              <a:spcBef>
-                <a:spcPts val="500"/>
-              </a:spcBef>
-              <a:buFont typeface="Arial" panose="020B0604020202020204" pitchFamily="34" charset="0"/>
-              <a:buChar char="•"/>
-              <a:defRPr sz="1800" kern="1200">
-                <a:solidFill>
-                  <a:schemeClr val="tx1"/>
-                </a:solidFill>
-                <a:latin typeface="+mn-lt"/>
-                <a:ea typeface="+mn-ea"/>
-                <a:cs typeface="+mn-cs"/>
-              </a:defRPr>
-            </a:lvl6pPr>
-            <a:lvl7pPr marL="2971800" indent="-228600" algn="l" defTabSz="914400" rtl="0" eaLnBrk="1" latinLnBrk="0" hangingPunct="1">
-              <a:lnSpc>
-                <a:spcPct val="90000"/>
-              </a:lnSpc>
-              <a:spcBef>
-                <a:spcPts val="500"/>
-              </a:spcBef>
-              <a:buFont typeface="Arial" panose="020B0604020202020204" pitchFamily="34" charset="0"/>
-              <a:buChar char="•"/>
-              <a:defRPr sz="1800" kern="1200">
-                <a:solidFill>
-                  <a:schemeClr val="tx1"/>
-                </a:solidFill>
-                <a:latin typeface="+mn-lt"/>
-                <a:ea typeface="+mn-ea"/>
-                <a:cs typeface="+mn-cs"/>
-              </a:defRPr>
-            </a:lvl7pPr>
-            <a:lvl8pPr marL="3429000" indent="-228600" algn="l" defTabSz="914400" rtl="0" eaLnBrk="1" latinLnBrk="0" hangingPunct="1">
-              <a:lnSpc>
-                <a:spcPct val="90000"/>
-              </a:lnSpc>
-              <a:spcBef>
-                <a:spcPts val="500"/>
-              </a:spcBef>
-              <a:buFont typeface="Arial" panose="020B0604020202020204" pitchFamily="34" charset="0"/>
-              <a:buChar char="•"/>
-              <a:defRPr sz="1800" kern="1200">
-                <a:solidFill>
-                  <a:schemeClr val="tx1"/>
-                </a:solidFill>
-                <a:latin typeface="+mn-lt"/>
-                <a:ea typeface="+mn-ea"/>
-                <a:cs typeface="+mn-cs"/>
-              </a:defRPr>
-            </a:lvl8pPr>
-            <a:lvl9pPr marL="3886200" indent="-228600" algn="l" defTabSz="914400" rtl="0" eaLnBrk="1" latinLnBrk="0" hangingPunct="1">
-              <a:lnSpc>
-                <a:spcPct val="90000"/>
-              </a:lnSpc>
-              <a:spcBef>
-                <a:spcPts val="500"/>
-              </a:spcBef>
-              <a:buFont typeface="Arial" panose="020B0604020202020204" pitchFamily="34" charset="0"/>
-              <a:buChar char="•"/>
-              <a:defRPr sz="1800" kern="1200">
-                <a:solidFill>
-                  <a:schemeClr val="tx1"/>
-                </a:solidFill>
-                <a:latin typeface="+mn-lt"/>
-                <a:ea typeface="+mn-ea"/>
-                <a:cs typeface="+mn-cs"/>
-              </a:defRPr>
-            </a:lvl9pPr>
-          </a:lstStyle>
-          <a:p>
-            <a:pPr>
-              <a:lnSpc>
-                <a:spcPct val="115000"/>
-              </a:lnSpc>
-              <a:spcAft>
-                <a:spcPts val="800"/>
-              </a:spcAft>
-            </a:pPr>
-            <a:r>
-              <a:rPr lang="ru-RU" sz="1800" kern="100" dirty="0">
-                <a:effectLst/>
-                <a:latin typeface="Aptos" panose="020B0004020202020204" pitchFamily="34" charset="0"/>
-                <a:ea typeface="Aptos" panose="020B0004020202020204" pitchFamily="34" charset="0"/>
-                <a:cs typeface="Arial" panose="020B0604020202020204" pitchFamily="34" charset="0"/>
-              </a:rPr>
-              <a:t> </a:t>
-            </a:r>
-            <a:endParaRPr lang="en-IL" sz="1800" kern="100" dirty="0">
-              <a:effectLst/>
-              <a:latin typeface="Aptos" panose="020B0004020202020204" pitchFamily="34" charset="0"/>
-              <a:ea typeface="Aptos" panose="020B0004020202020204" pitchFamily="34" charset="0"/>
-              <a:cs typeface="Arial" panose="020B0604020202020204" pitchFamily="34" charset="0"/>
-            </a:endParaRPr>
-          </a:p>
-          <a:p>
-            <a:pPr>
-              <a:lnSpc>
-                <a:spcPct val="115000"/>
-              </a:lnSpc>
-              <a:spcAft>
-                <a:spcPts val="800"/>
-              </a:spcAft>
-            </a:pPr>
-            <a:r>
-              <a:rPr lang="en-IL" sz="1800" b="1" kern="100" dirty="0">
-                <a:effectLst/>
-                <a:latin typeface="Aptos" panose="020B0004020202020204" pitchFamily="34" charset="0"/>
-                <a:ea typeface="Aptos" panose="020B0004020202020204" pitchFamily="34" charset="0"/>
-                <a:cs typeface="Arial" panose="020B0604020202020204" pitchFamily="34" charset="0"/>
-              </a:rPr>
-              <a:t>Program Workflow</a:t>
-            </a:r>
-            <a:endParaRPr lang="en-IL" sz="1800" kern="100" dirty="0">
-              <a:effectLst/>
-              <a:latin typeface="Aptos" panose="020B0004020202020204" pitchFamily="34" charset="0"/>
-              <a:ea typeface="Aptos" panose="020B0004020202020204" pitchFamily="34" charset="0"/>
-              <a:cs typeface="Arial" panose="020B0604020202020204" pitchFamily="34" charset="0"/>
-            </a:endParaRPr>
-          </a:p>
-          <a:p>
-            <a:pPr marL="342900" lvl="0" indent="-342900">
-              <a:lnSpc>
-                <a:spcPct val="115000"/>
-              </a:lnSpc>
-              <a:spcAft>
-                <a:spcPts val="800"/>
-              </a:spcAft>
-              <a:buFont typeface="+mj-lt"/>
-              <a:buAutoNum type="arabicPeriod"/>
-              <a:tabLst>
-                <a:tab pos="457200" algn="l"/>
-              </a:tabLst>
-            </a:pPr>
-            <a:r>
-              <a:rPr lang="en-IL" sz="1800" b="1" kern="100" dirty="0">
-                <a:effectLst/>
-                <a:latin typeface="Aptos" panose="020B0004020202020204" pitchFamily="34" charset="0"/>
-                <a:ea typeface="Aptos" panose="020B0004020202020204" pitchFamily="34" charset="0"/>
-                <a:cs typeface="Arial" panose="020B0604020202020204" pitchFamily="34" charset="0"/>
-              </a:rPr>
-              <a:t>Patient Identification or New Patient Registration</a:t>
-            </a:r>
-            <a:endParaRPr lang="en-IL" sz="1800" kern="100" dirty="0">
-              <a:effectLst/>
-              <a:latin typeface="Aptos" panose="020B0004020202020204" pitchFamily="34" charset="0"/>
-              <a:ea typeface="Aptos" panose="020B0004020202020204" pitchFamily="34" charset="0"/>
-              <a:cs typeface="Arial" panose="020B0604020202020204" pitchFamily="34" charset="0"/>
-            </a:endParaRPr>
-          </a:p>
-          <a:p>
-            <a:pPr marL="342900" lvl="0" indent="-342900">
-              <a:lnSpc>
-                <a:spcPct val="115000"/>
-              </a:lnSpc>
-              <a:spcAft>
-                <a:spcPts val="800"/>
-              </a:spcAft>
-              <a:buFont typeface="+mj-lt"/>
-              <a:buAutoNum type="arabicPeriod"/>
-              <a:tabLst>
-                <a:tab pos="457200" algn="l"/>
-              </a:tabLst>
-            </a:pPr>
-            <a:r>
-              <a:rPr lang="en-IL" sz="1800" b="1" kern="100" dirty="0">
-                <a:effectLst/>
-                <a:latin typeface="Aptos" panose="020B0004020202020204" pitchFamily="34" charset="0"/>
-                <a:ea typeface="Aptos" panose="020B0004020202020204" pitchFamily="34" charset="0"/>
-                <a:cs typeface="Arial" panose="020B0604020202020204" pitchFamily="34" charset="0"/>
-              </a:rPr>
-              <a:t>Retrieve Patient Information from Database</a:t>
-            </a:r>
-            <a:endParaRPr lang="en-IL" sz="1800" kern="100" dirty="0">
-              <a:effectLst/>
-              <a:latin typeface="Aptos" panose="020B0004020202020204" pitchFamily="34" charset="0"/>
-              <a:ea typeface="Aptos" panose="020B0004020202020204" pitchFamily="34" charset="0"/>
-              <a:cs typeface="Arial" panose="020B0604020202020204" pitchFamily="34" charset="0"/>
-            </a:endParaRPr>
-          </a:p>
-          <a:p>
-            <a:pPr marL="342900" lvl="0" indent="-342900">
-              <a:lnSpc>
-                <a:spcPct val="115000"/>
-              </a:lnSpc>
-              <a:spcAft>
-                <a:spcPts val="800"/>
-              </a:spcAft>
-              <a:buFont typeface="+mj-lt"/>
-              <a:buAutoNum type="arabicPeriod"/>
-              <a:tabLst>
-                <a:tab pos="457200" algn="l"/>
-              </a:tabLst>
-            </a:pPr>
-            <a:r>
-              <a:rPr lang="en-IL" sz="1800" b="1" kern="100" dirty="0">
-                <a:effectLst/>
-                <a:latin typeface="Aptos" panose="020B0004020202020204" pitchFamily="34" charset="0"/>
-                <a:ea typeface="Aptos" panose="020B0004020202020204" pitchFamily="34" charset="0"/>
-                <a:cs typeface="Arial" panose="020B0604020202020204" pitchFamily="34" charset="0"/>
-              </a:rPr>
-              <a:t>Record and Recognize Patient’s Speech</a:t>
-            </a:r>
-            <a:endParaRPr lang="en-IL" sz="1800" kern="100" dirty="0">
-              <a:effectLst/>
-              <a:latin typeface="Aptos" panose="020B0004020202020204" pitchFamily="34" charset="0"/>
-              <a:ea typeface="Aptos" panose="020B0004020202020204" pitchFamily="34" charset="0"/>
-              <a:cs typeface="Arial" panose="020B0604020202020204" pitchFamily="34" charset="0"/>
-            </a:endParaRPr>
-          </a:p>
-          <a:p>
-            <a:pPr marL="342900" lvl="0" indent="-342900">
-              <a:lnSpc>
-                <a:spcPct val="115000"/>
-              </a:lnSpc>
-              <a:spcAft>
-                <a:spcPts val="800"/>
-              </a:spcAft>
-              <a:buFont typeface="+mj-lt"/>
-              <a:buAutoNum type="arabicPeriod"/>
-              <a:tabLst>
-                <a:tab pos="457200" algn="l"/>
-              </a:tabLst>
-            </a:pPr>
-            <a:r>
-              <a:rPr lang="en-IL" sz="1800" b="1" kern="100" dirty="0" err="1">
-                <a:effectLst/>
-                <a:latin typeface="Aptos" panose="020B0004020202020204" pitchFamily="34" charset="0"/>
-                <a:ea typeface="Aptos" panose="020B0004020202020204" pitchFamily="34" charset="0"/>
-                <a:cs typeface="Arial" panose="020B0604020202020204" pitchFamily="34" charset="0"/>
-              </a:rPr>
-              <a:t>Analyze</a:t>
-            </a:r>
-            <a:r>
-              <a:rPr lang="en-IL" sz="1800" b="1" kern="100" dirty="0">
-                <a:effectLst/>
-                <a:latin typeface="Aptos" panose="020B0004020202020204" pitchFamily="34" charset="0"/>
-                <a:ea typeface="Aptos" panose="020B0004020202020204" pitchFamily="34" charset="0"/>
-                <a:cs typeface="Arial" panose="020B0604020202020204" pitchFamily="34" charset="0"/>
-              </a:rPr>
-              <a:t> Emotional Tone of Voice</a:t>
-            </a:r>
-            <a:endParaRPr lang="en-IL" sz="1800" kern="100" dirty="0">
-              <a:effectLst/>
-              <a:latin typeface="Aptos" panose="020B0004020202020204" pitchFamily="34" charset="0"/>
-              <a:ea typeface="Aptos" panose="020B0004020202020204" pitchFamily="34" charset="0"/>
-              <a:cs typeface="Arial" panose="020B0604020202020204" pitchFamily="34" charset="0"/>
-            </a:endParaRPr>
-          </a:p>
-          <a:p>
-            <a:pPr marL="342900" lvl="0" indent="-342900">
-              <a:lnSpc>
-                <a:spcPct val="115000"/>
-              </a:lnSpc>
-              <a:spcAft>
-                <a:spcPts val="800"/>
-              </a:spcAft>
-              <a:buFont typeface="+mj-lt"/>
-              <a:buAutoNum type="arabicPeriod"/>
-              <a:tabLst>
-                <a:tab pos="457200" algn="l"/>
-              </a:tabLst>
-            </a:pPr>
-            <a:r>
-              <a:rPr lang="en-IL" sz="1800" b="1" kern="100" dirty="0">
-                <a:effectLst/>
-                <a:latin typeface="Aptos" panose="020B0004020202020204" pitchFamily="34" charset="0"/>
-                <a:ea typeface="Aptos" panose="020B0004020202020204" pitchFamily="34" charset="0"/>
-                <a:cs typeface="Arial" panose="020B0604020202020204" pitchFamily="34" charset="0"/>
-              </a:rPr>
-              <a:t>Search Database for Similar and Dissimilar Sessions</a:t>
-            </a:r>
-            <a:endParaRPr lang="en-IL" sz="1800" kern="100" dirty="0">
-              <a:effectLst/>
-              <a:latin typeface="Aptos" panose="020B0004020202020204" pitchFamily="34" charset="0"/>
-              <a:ea typeface="Aptos" panose="020B0004020202020204" pitchFamily="34" charset="0"/>
-              <a:cs typeface="Arial" panose="020B0604020202020204" pitchFamily="34" charset="0"/>
-            </a:endParaRPr>
-          </a:p>
-          <a:p>
-            <a:pPr marL="342900" lvl="0" indent="-342900">
-              <a:lnSpc>
-                <a:spcPct val="115000"/>
-              </a:lnSpc>
-              <a:spcAft>
-                <a:spcPts val="800"/>
-              </a:spcAft>
-              <a:buFont typeface="+mj-lt"/>
-              <a:buAutoNum type="arabicPeriod"/>
-              <a:tabLst>
-                <a:tab pos="457200" algn="l"/>
-              </a:tabLst>
-            </a:pPr>
-            <a:r>
-              <a:rPr lang="en-IL" sz="1800" b="1" kern="100" dirty="0">
-                <a:effectLst/>
-                <a:latin typeface="Aptos" panose="020B0004020202020204" pitchFamily="34" charset="0"/>
-                <a:ea typeface="Aptos" panose="020B0004020202020204" pitchFamily="34" charset="0"/>
-                <a:cs typeface="Arial" panose="020B0604020202020204" pitchFamily="34" charset="0"/>
-              </a:rPr>
-              <a:t>The Pre-trained LLM “Psychologist” Receives</a:t>
-            </a:r>
-            <a:r>
-              <a:rPr lang="en-IL" sz="1800" kern="100" dirty="0">
-                <a:effectLst/>
-                <a:latin typeface="Aptos" panose="020B0004020202020204" pitchFamily="34" charset="0"/>
-                <a:ea typeface="Aptos" panose="020B0004020202020204" pitchFamily="34" charset="0"/>
-                <a:cs typeface="Arial" panose="020B0604020202020204" pitchFamily="34" charset="0"/>
-              </a:rPr>
-              <a:t>: current session transcript, patient information, summary of the previous session, and similar/dissimilar sessions.</a:t>
-            </a:r>
-          </a:p>
-          <a:p>
-            <a:pPr marL="342900" lvl="0" indent="-342900">
-              <a:lnSpc>
-                <a:spcPct val="115000"/>
-              </a:lnSpc>
-              <a:spcAft>
-                <a:spcPts val="800"/>
-              </a:spcAft>
-              <a:buFont typeface="+mj-lt"/>
-              <a:buAutoNum type="arabicPeriod"/>
-              <a:tabLst>
-                <a:tab pos="457200" algn="l"/>
-              </a:tabLst>
-            </a:pPr>
-            <a:r>
-              <a:rPr lang="en-IL" sz="1800" b="1" kern="100" dirty="0">
-                <a:effectLst/>
-                <a:latin typeface="Aptos" panose="020B0004020202020204" pitchFamily="34" charset="0"/>
-                <a:ea typeface="Aptos" panose="020B0004020202020204" pitchFamily="34" charset="0"/>
-                <a:cs typeface="Arial" panose="020B0604020202020204" pitchFamily="34" charset="0"/>
-              </a:rPr>
-              <a:t>Respond to Patient with LLM’s Answer</a:t>
-            </a:r>
-            <a:endParaRPr lang="en-IL" sz="1800" kern="100" dirty="0">
-              <a:effectLst/>
-              <a:latin typeface="Aptos" panose="020B0004020202020204" pitchFamily="34" charset="0"/>
-              <a:ea typeface="Aptos" panose="020B0004020202020204" pitchFamily="34" charset="0"/>
-              <a:cs typeface="Arial" panose="020B0604020202020204" pitchFamily="34" charset="0"/>
-            </a:endParaRPr>
-          </a:p>
-          <a:p>
-            <a:pPr marL="342900" lvl="0" indent="-342900">
-              <a:lnSpc>
-                <a:spcPct val="115000"/>
-              </a:lnSpc>
-              <a:spcAft>
-                <a:spcPts val="800"/>
-              </a:spcAft>
-              <a:buFont typeface="+mj-lt"/>
-              <a:buAutoNum type="arabicPeriod"/>
-              <a:tabLst>
-                <a:tab pos="457200" algn="l"/>
-              </a:tabLst>
-            </a:pPr>
-            <a:r>
-              <a:rPr lang="en-IL" sz="1800" b="1" kern="100" dirty="0">
-                <a:effectLst/>
-                <a:latin typeface="Aptos" panose="020B0004020202020204" pitchFamily="34" charset="0"/>
-                <a:ea typeface="Aptos" panose="020B0004020202020204" pitchFamily="34" charset="0"/>
-                <a:cs typeface="Arial" panose="020B0604020202020204" pitchFamily="34" charset="0"/>
-              </a:rPr>
-              <a:t>End of Session</a:t>
-            </a:r>
-            <a:endParaRPr lang="en-IL" sz="1800" kern="100" dirty="0">
-              <a:effectLst/>
-              <a:latin typeface="Aptos" panose="020B0004020202020204" pitchFamily="34" charset="0"/>
-              <a:ea typeface="Aptos" panose="020B0004020202020204" pitchFamily="34" charset="0"/>
-              <a:cs typeface="Arial" panose="020B0604020202020204" pitchFamily="34" charset="0"/>
-            </a:endParaRPr>
-          </a:p>
-          <a:p>
-            <a:pPr marL="342900" lvl="0" indent="-342900">
-              <a:lnSpc>
-                <a:spcPct val="115000"/>
-              </a:lnSpc>
-              <a:spcAft>
-                <a:spcPts val="800"/>
-              </a:spcAft>
-              <a:buFont typeface="+mj-lt"/>
-              <a:buAutoNum type="arabicPeriod"/>
-              <a:tabLst>
-                <a:tab pos="457200" algn="l"/>
-              </a:tabLst>
-            </a:pPr>
-            <a:r>
-              <a:rPr lang="en-IL" sz="1800" b="1" kern="100" dirty="0">
-                <a:effectLst/>
-                <a:latin typeface="Aptos" panose="020B0004020202020204" pitchFamily="34" charset="0"/>
-                <a:ea typeface="Aptos" panose="020B0004020202020204" pitchFamily="34" charset="0"/>
-                <a:cs typeface="Arial" panose="020B0604020202020204" pitchFamily="34" charset="0"/>
-              </a:rPr>
-              <a:t>Pre-trained LLM “Psychologist”</a:t>
-            </a:r>
-            <a:r>
-              <a:rPr lang="en-IL" sz="1800" kern="100" dirty="0">
-                <a:effectLst/>
-                <a:latin typeface="Aptos" panose="020B0004020202020204" pitchFamily="34" charset="0"/>
-                <a:ea typeface="Aptos" panose="020B0004020202020204" pitchFamily="34" charset="0"/>
-                <a:cs typeface="Arial" panose="020B0604020202020204" pitchFamily="34" charset="0"/>
-              </a:rPr>
-              <a:t>: generates a session summary, extracts relevant facts, and updates patient information. The session summary embedding is calculated.</a:t>
-            </a:r>
-          </a:p>
-          <a:p>
-            <a:pPr marL="342900" lvl="0" indent="-342900">
-              <a:lnSpc>
-                <a:spcPct val="115000"/>
-              </a:lnSpc>
-              <a:spcAft>
-                <a:spcPts val="800"/>
-              </a:spcAft>
-              <a:buFont typeface="+mj-lt"/>
-              <a:buAutoNum type="arabicPeriod"/>
-              <a:tabLst>
-                <a:tab pos="457200" algn="l"/>
-              </a:tabLst>
-            </a:pPr>
-            <a:r>
-              <a:rPr lang="en-IL" sz="1800" b="1" kern="100" dirty="0">
-                <a:effectLst/>
-                <a:latin typeface="Aptos" panose="020B0004020202020204" pitchFamily="34" charset="0"/>
-                <a:ea typeface="Aptos" panose="020B0004020202020204" pitchFamily="34" charset="0"/>
-                <a:cs typeface="Arial" panose="020B0604020202020204" pitchFamily="34" charset="0"/>
-              </a:rPr>
-              <a:t>Record and Update Information in the Database</a:t>
-            </a:r>
-            <a:endParaRPr lang="en-IL" sz="1800" kern="100" dirty="0">
-              <a:effectLst/>
-              <a:latin typeface="Aptos" panose="020B0004020202020204" pitchFamily="34" charset="0"/>
-              <a:ea typeface="Aptos" panose="020B0004020202020204" pitchFamily="34" charset="0"/>
-              <a:cs typeface="Arial" panose="020B0604020202020204" pitchFamily="34" charset="0"/>
-            </a:endParaRPr>
-          </a:p>
-          <a:p>
-            <a:pPr marL="0" indent="0">
-              <a:buFont typeface="Arial" panose="020B0604020202020204" pitchFamily="34" charset="0"/>
-              <a:buNone/>
-            </a:pPr>
-            <a:endParaRPr lang="en-US" sz="1600" dirty="0"/>
-          </a:p>
-          <a:p>
-            <a:pPr marL="0" indent="0">
-              <a:lnSpc>
-                <a:spcPct val="110000"/>
-              </a:lnSpc>
-              <a:buFont typeface="Arial" panose="020B0604020202020204" pitchFamily="34" charset="0"/>
-              <a:buNone/>
-            </a:pPr>
-            <a:endParaRPr lang="en-IL" sz="1600" dirty="0"/>
-          </a:p>
-        </p:txBody>
-      </p:sp>
-      <p:sp>
-        <p:nvSpPr>
-          <p:cNvPr id="5" name="TextBox 4">
-            <a:extLst>
-              <a:ext uri="{FF2B5EF4-FFF2-40B4-BE49-F238E27FC236}">
-                <a16:creationId xmlns:a16="http://schemas.microsoft.com/office/drawing/2014/main" id="{F7DC4D1B-9D50-6B19-99C7-F49D0F980149}"/>
+      </p:pic>
+      <p:sp>
+        <p:nvSpPr>
+          <p:cNvPr id="4" name="TextBox 3">
+            <a:extLst>
+              <a:ext uri="{FF2B5EF4-FFF2-40B4-BE49-F238E27FC236}">
+                <a16:creationId xmlns:a16="http://schemas.microsoft.com/office/drawing/2014/main" id="{FC256019-BE41-5354-11AA-90E891687222}"/>
               </a:ext>
             </a:extLst>
           </p:cNvPr>
@@ -6233,14 +9778,56 @@
         </p:nvSpPr>
         <p:spPr>
           <a:xfrm>
-            <a:off x="2147594" y="1149445"/>
-            <a:ext cx="1515534" cy="1350819"/>
+            <a:off x="11353800" y="194840"/>
+            <a:ext cx="559066" cy="400110"/>
           </a:xfrm>
           <a:prstGeom prst="rect">
             <a:avLst/>
           </a:prstGeom>
           <a:noFill/>
-          <a:ln w="12700">
+          <a:ln>
+            <a:solidFill>
+              <a:schemeClr val="accent1"/>
+            </a:solidFill>
+          </a:ln>
+        </p:spPr>
+        <p:txBody>
+          <a:bodyPr wrap="square" rtlCol="0">
+            <a:spAutoFit/>
+          </a:bodyPr>
+          <a:lstStyle/>
+          <a:p>
+            <a:pPr algn="ctr"/>
+            <a:r>
+              <a:rPr lang="en-US" sz="2000" b="1" dirty="0"/>
+              <a:t>1</a:t>
+            </a:r>
+            <a:endParaRPr lang="en-IL" sz="2000" b="1" dirty="0"/>
+          </a:p>
+        </p:txBody>
+      </p:sp>
+      <p:sp>
+        <p:nvSpPr>
+          <p:cNvPr id="8" name="TextBox 7">
+            <a:extLst>
+              <a:ext uri="{FF2B5EF4-FFF2-40B4-BE49-F238E27FC236}">
+                <a16:creationId xmlns:a16="http://schemas.microsoft.com/office/drawing/2014/main" id="{5D6D0F81-DC7E-8645-76A1-D09345D77D8D}"/>
+              </a:ext>
+            </a:extLst>
+          </p:cNvPr>
+          <p:cNvSpPr txBox="1"/>
+          <p:nvPr/>
+        </p:nvSpPr>
+        <p:spPr>
+          <a:xfrm>
+            <a:off x="2723653" y="1040842"/>
+            <a:ext cx="1515534" cy="1669368"/>
+          </a:xfrm>
+          <a:prstGeom prst="rect">
+            <a:avLst/>
+          </a:prstGeom>
+          <a:noFill/>
+          <a:ln w="19050">
             <a:solidFill>
               <a:schemeClr val="accent1"/>
             </a:solidFill>
@@ -6274,7 +9861,7 @@
                 <a:ea typeface="Aptos" panose="020B0004020202020204" pitchFamily="34" charset="0"/>
                 <a:cs typeface="Arial" panose="020B0604020202020204" pitchFamily="34" charset="0"/>
               </a:rPr>
-              <a:t>Record and Recognize Patient’s Speech</a:t>
+              <a:t>Retrieve Patient Information from Database</a:t>
             </a:r>
             <a:endParaRPr lang="en-IL" sz="1800" kern="100" dirty="0">
               <a:effectLst/>
@@ -6287,10 +9874,10 @@
       </p:sp>
       <p:sp>
         <p:nvSpPr>
-          <p:cNvPr id="6" name="TextBox 5">
-            <a:extLst>
-              <a:ext uri="{FF2B5EF4-FFF2-40B4-BE49-F238E27FC236}">
-                <a16:creationId xmlns:a16="http://schemas.microsoft.com/office/drawing/2014/main" id="{6A20B910-7C91-D31E-EF48-AB0FF817DE20}"/>
+          <p:cNvPr id="10" name="TextBox 9">
+            <a:extLst>
+              <a:ext uri="{FF2B5EF4-FFF2-40B4-BE49-F238E27FC236}">
+                <a16:creationId xmlns:a16="http://schemas.microsoft.com/office/drawing/2014/main" id="{5534FCE5-D54E-71F7-5D02-10A83C659CB4}"/>
               </a:ext>
             </a:extLst>
           </p:cNvPr>
@@ -6299,14 +9886,68 @@
         </p:nvSpPr>
         <p:spPr>
           <a:xfrm>
-            <a:off x="627501" y="4325748"/>
-            <a:ext cx="1515534" cy="1350819"/>
+            <a:off x="292927" y="1275359"/>
+            <a:ext cx="1752722" cy="1200329"/>
           </a:xfrm>
           <a:prstGeom prst="rect">
             <a:avLst/>
           </a:prstGeom>
           <a:noFill/>
-          <a:ln w="12700">
+          <a:ln w="19050">
+            <a:solidFill>
+              <a:schemeClr val="accent1"/>
+            </a:solidFill>
+          </a:ln>
+          <a:effectLst>
+            <a:reflection endPos="0" dist="50800" dir="5400000" sy="-100000" algn="bl" rotWithShape="0"/>
+            <a:softEdge rad="0"/>
+          </a:effectLst>
+        </p:spPr>
+        <p:txBody>
+          <a:bodyPr wrap="square" rtlCol="0">
+            <a:spAutoFit/>
+          </a:bodyPr>
+          <a:lstStyle/>
+          <a:p>
+            <a:r>
+              <a:rPr lang="en-IL" sz="1800" b="1" kern="100" dirty="0">
+                <a:effectLst/>
+                <a:latin typeface="Aptos" panose="020B0004020202020204" pitchFamily="34" charset="0"/>
+                <a:ea typeface="Aptos" panose="020B0004020202020204" pitchFamily="34" charset="0"/>
+                <a:cs typeface="Arial" panose="020B0604020202020204" pitchFamily="34" charset="0"/>
+              </a:rPr>
+              <a:t>Patient Identification or New Patient Registration</a:t>
+            </a:r>
+            <a:r>
+              <a:rPr lang="ru-RU" dirty="0"/>
+              <a:t> </a:t>
+            </a:r>
+            <a:endParaRPr lang="en-IL" dirty="0"/>
+          </a:p>
+        </p:txBody>
+      </p:sp>
+      <p:sp>
+        <p:nvSpPr>
+          <p:cNvPr id="5" name="TextBox 4">
+            <a:extLst>
+              <a:ext uri="{FF2B5EF4-FFF2-40B4-BE49-F238E27FC236}">
+                <a16:creationId xmlns:a16="http://schemas.microsoft.com/office/drawing/2014/main" id="{B11D69A1-7336-5AF2-08AA-5D762F6C4CA6}"/>
+              </a:ext>
+            </a:extLst>
+          </p:cNvPr>
+          <p:cNvSpPr txBox="1"/>
+          <p:nvPr/>
+        </p:nvSpPr>
+        <p:spPr>
+          <a:xfrm>
+            <a:off x="4920698" y="1200115"/>
+            <a:ext cx="1515534" cy="1350819"/>
+          </a:xfrm>
+          <a:prstGeom prst="rect">
+            <a:avLst/>
+          </a:prstGeom>
+          <a:noFill/>
+          <a:ln w="19050">
             <a:solidFill>
               <a:schemeClr val="accent1"/>
             </a:solidFill>
@@ -6334,22 +9975,13 @@
               </a:tabLst>
             </a:pPr>
             <a:r>
-              <a:rPr lang="en-IL" sz="1800" b="1" kern="100" dirty="0" err="1">
-                <a:effectLst/>
-                <a:latin typeface="Aptos" panose="020B0004020202020204" pitchFamily="34" charset="0"/>
-                <a:ea typeface="Aptos" panose="020B0004020202020204" pitchFamily="34" charset="0"/>
-                <a:cs typeface="Arial" panose="020B0604020202020204" pitchFamily="34" charset="0"/>
-              </a:rPr>
-              <a:t>Analyze</a:t>
-            </a:r>
-            <a:r>
               <a:rPr lang="en-IL" sz="1800" b="1" kern="100" dirty="0">
                 <a:effectLst/>
                 <a:latin typeface="Aptos" panose="020B0004020202020204" pitchFamily="34" charset="0"/>
                 <a:ea typeface="Aptos" panose="020B0004020202020204" pitchFamily="34" charset="0"/>
                 <a:cs typeface="Arial" panose="020B0604020202020204" pitchFamily="34" charset="0"/>
               </a:rPr>
-              <a:t> Emotional Tone of Voice</a:t>
+              <a:t>Record and Recognize Patient’s Speech</a:t>
             </a:r>
             <a:endParaRPr lang="en-IL" sz="1800" kern="100" dirty="0">
               <a:effectLst/>
@@ -6362,10 +9994,10 @@
       </p:sp>
       <p:sp>
         <p:nvSpPr>
-          <p:cNvPr id="13" name="TextBox 12">
-            <a:extLst>
-              <a:ext uri="{FF2B5EF4-FFF2-40B4-BE49-F238E27FC236}">
-                <a16:creationId xmlns:a16="http://schemas.microsoft.com/office/drawing/2014/main" id="{B56C6185-F319-8264-BBC0-134BA5693D4C}"/>
+          <p:cNvPr id="6" name="TextBox 5">
+            <a:extLst>
+              <a:ext uri="{FF2B5EF4-FFF2-40B4-BE49-F238E27FC236}">
+                <a16:creationId xmlns:a16="http://schemas.microsoft.com/office/drawing/2014/main" id="{9CCDB9F2-1F99-9F7E-1714-C739FE427C3A}"/>
               </a:ext>
             </a:extLst>
           </p:cNvPr>
@@ -6374,14 +10006,14 @@
         </p:nvSpPr>
         <p:spPr>
           <a:xfrm>
-            <a:off x="1753977" y="2578322"/>
-            <a:ext cx="1515534" cy="1669368"/>
+            <a:off x="7075404" y="2584287"/>
+            <a:ext cx="1770447" cy="1032270"/>
           </a:xfrm>
           <a:prstGeom prst="rect">
             <a:avLst/>
           </a:prstGeom>
           <a:noFill/>
-          <a:ln w="12700">
+          <a:ln w="19050">
             <a:solidFill>
               <a:schemeClr val="accent1"/>
             </a:solidFill>
@@ -6409,21 +10041,13 @@
               </a:tabLst>
             </a:pPr>
             <a:r>
-              <a:rPr lang="en-US" b="1" kern="100" dirty="0">
-                <a:latin typeface="Aptos" panose="020B0004020202020204" pitchFamily="34" charset="0"/>
-                <a:ea typeface="Aptos" panose="020B0004020202020204" pitchFamily="34" charset="0"/>
-                <a:cs typeface="Arial" panose="020B0604020202020204" pitchFamily="34" charset="0"/>
-              </a:rPr>
-              <a:t>Search </a:t>
-            </a:r>
-            <a:r>
               <a:rPr lang="en-IL" sz="1800" b="1" kern="100" dirty="0">
                 <a:effectLst/>
                 <a:latin typeface="Aptos" panose="020B0004020202020204" pitchFamily="34" charset="0"/>
                 <a:ea typeface="Aptos" panose="020B0004020202020204" pitchFamily="34" charset="0"/>
                 <a:cs typeface="Arial" panose="020B0604020202020204" pitchFamily="34" charset="0"/>
               </a:rPr>
-              <a:t>Database for Similar and Dissimilar Sessions</a:t>
+              <a:t>Analyse Emotional Tone of Voice</a:t>
             </a:r>
             <a:endParaRPr lang="en-IL" sz="1800" kern="100" dirty="0">
               <a:effectLst/>
@@ -6436,10 +10060,10 @@
       </p:sp>
       <p:sp>
         <p:nvSpPr>
-          <p:cNvPr id="16" name="TextBox 15">
-            <a:extLst>
-              <a:ext uri="{FF2B5EF4-FFF2-40B4-BE49-F238E27FC236}">
-                <a16:creationId xmlns:a16="http://schemas.microsoft.com/office/drawing/2014/main" id="{B08153C7-8EBC-AD09-62B1-61CA15220927}"/>
+          <p:cNvPr id="13" name="TextBox 12">
+            <a:extLst>
+              <a:ext uri="{FF2B5EF4-FFF2-40B4-BE49-F238E27FC236}">
+                <a16:creationId xmlns:a16="http://schemas.microsoft.com/office/drawing/2014/main" id="{8106C5E2-505E-6FA5-54EE-D8EF5C628371}"/>
               </a:ext>
             </a:extLst>
           </p:cNvPr>
@@ -6448,14 +10072,14 @@
         </p:nvSpPr>
         <p:spPr>
           <a:xfrm>
-            <a:off x="3823978" y="977483"/>
-            <a:ext cx="3361886" cy="2031325"/>
+            <a:off x="7075405" y="1045379"/>
+            <a:ext cx="1770446" cy="1350819"/>
           </a:xfrm>
           <a:prstGeom prst="rect">
             <a:avLst/>
           </a:prstGeom>
           <a:noFill/>
-          <a:ln w="12700">
+          <a:ln w="19050">
             <a:solidFill>
               <a:schemeClr val="accent1"/>
             </a:solidFill>
@@ -6471,6 +10095,25 @@
           </a:bodyPr>
           <a:lstStyle/>
           <a:p>
+            <a:pPr lvl="0">
+              <a:lnSpc>
+                <a:spcPct val="115000"/>
+              </a:lnSpc>
+              <a:spcAft>
+                <a:spcPts val="800"/>
+              </a:spcAft>
+              <a:tabLst>
+                <a:tab pos="457200" algn="l"/>
+              </a:tabLst>
+            </a:pPr>
+            <a:r>
+              <a:rPr lang="en-US" b="1" kern="100" dirty="0">
+                <a:latin typeface="Aptos" panose="020B0004020202020204" pitchFamily="34" charset="0"/>
+                <a:ea typeface="Aptos" panose="020B0004020202020204" pitchFamily="34" charset="0"/>
+                <a:cs typeface="Arial" panose="020B0604020202020204" pitchFamily="34" charset="0"/>
+              </a:rPr>
+              <a:t>Search </a:t>
+            </a:r>
             <a:r>
               <a:rPr lang="en-IL" sz="1800" b="1" kern="100" dirty="0">
                 <a:effectLst/>
@@ -6478,29 +10121,367 @@
                 <a:ea typeface="Aptos" panose="020B0004020202020204" pitchFamily="34" charset="0"/>
                 <a:cs typeface="Arial" panose="020B0604020202020204" pitchFamily="34" charset="0"/>
               </a:rPr>
-              <a:t>The Pre-trained LLM “Psychologist” Receives</a:t>
-            </a:r>
-            <a:r>
-              <a:rPr lang="en-IL" sz="1800" kern="100" dirty="0">
+              <a:t>Similar and Dissimilar Sessions</a:t>
+            </a:r>
+            <a:r>
+              <a:rPr lang="ru-RU" sz="1800" b="1" kern="100" dirty="0">
                 <a:effectLst/>
                 <a:latin typeface="Aptos" panose="020B0004020202020204" pitchFamily="34" charset="0"/>
                 <a:ea typeface="Aptos" panose="020B0004020202020204" pitchFamily="34" charset="0"/>
                 <a:cs typeface="Arial" panose="020B0604020202020204" pitchFamily="34" charset="0"/>
               </a:rPr>
-              <a:t>: current session transcript, patient information, summary of the previous session, and similar/dissimilar sessions.</a:t>
-            </a:r>
-          </a:p>
-          <a:p>
-            <a:endParaRPr lang="en-IL" dirty="0"/>
-          </a:p>
-        </p:txBody>
-      </p:sp>
-      <p:sp>
-        <p:nvSpPr>
-          <p:cNvPr id="17" name="TextBox 16">
-            <a:extLst>
-              <a:ext uri="{FF2B5EF4-FFF2-40B4-BE49-F238E27FC236}">
-                <a16:creationId xmlns:a16="http://schemas.microsoft.com/office/drawing/2014/main" id="{CCFF342A-1A37-579F-2D82-0084E12D338F}"/>
+              <a:t> </a:t>
+            </a:r>
+            <a:r>
+              <a:rPr lang="en-US" sz="1800" b="1" kern="100" dirty="0">
+                <a:effectLst/>
+                <a:latin typeface="Aptos" panose="020B0004020202020204" pitchFamily="34" charset="0"/>
+                <a:ea typeface="Aptos" panose="020B0004020202020204" pitchFamily="34" charset="0"/>
+                <a:cs typeface="Arial" panose="020B0604020202020204" pitchFamily="34" charset="0"/>
+              </a:rPr>
+              <a:t>in </a:t>
+            </a:r>
+            <a:r>
+              <a:rPr lang="en-IL" sz="1800" b="1" kern="100" dirty="0">
+                <a:effectLst/>
+                <a:latin typeface="Aptos" panose="020B0004020202020204" pitchFamily="34" charset="0"/>
+                <a:ea typeface="Aptos" panose="020B0004020202020204" pitchFamily="34" charset="0"/>
+                <a:cs typeface="Arial" panose="020B0604020202020204" pitchFamily="34" charset="0"/>
+              </a:rPr>
+              <a:t>Database</a:t>
+            </a:r>
+            <a:endParaRPr lang="en-IL" sz="1800" kern="100" dirty="0">
+              <a:effectLst/>
+              <a:latin typeface="Aptos" panose="020B0004020202020204" pitchFamily="34" charset="0"/>
+              <a:ea typeface="Aptos" panose="020B0004020202020204" pitchFamily="34" charset="0"/>
+              <a:cs typeface="Arial" panose="020B0604020202020204" pitchFamily="34" charset="0"/>
+            </a:endParaRPr>
+          </a:p>
+        </p:txBody>
+      </p:sp>
+      <p:pic>
+        <p:nvPicPr>
+          <p:cNvPr id="15" name="Picture 14">
+            <a:extLst>
+              <a:ext uri="{FF2B5EF4-FFF2-40B4-BE49-F238E27FC236}">
+                <a16:creationId xmlns:a16="http://schemas.microsoft.com/office/drawing/2014/main" id="{C3251AD4-864E-8FE1-0172-C5BABB10215F}"/>
+              </a:ext>
+            </a:extLst>
+          </p:cNvPr>
+          <p:cNvPicPr>
+            <a:picLocks noChangeAspect="1"/>
+          </p:cNvPicPr>
+          <p:nvPr/>
+        </p:nvPicPr>
+        <p:blipFill>
+          <a:blip r:embed="rId4"/>
+          <a:stretch>
+            <a:fillRect/>
+          </a:stretch>
+        </p:blipFill>
+        <p:spPr>
+          <a:xfrm>
+            <a:off x="6019572" y="2001692"/>
+            <a:ext cx="392879" cy="536510"/>
+          </a:xfrm>
+          <a:prstGeom prst="rect">
+            <a:avLst/>
+          </a:prstGeom>
+        </p:spPr>
+      </p:pic>
+      <p:cxnSp>
+        <p:nvCxnSpPr>
+          <p:cNvPr id="29" name="Connector: Elbow 28">
+            <a:extLst>
+              <a:ext uri="{FF2B5EF4-FFF2-40B4-BE49-F238E27FC236}">
+                <a16:creationId xmlns:a16="http://schemas.microsoft.com/office/drawing/2014/main" id="{4EAAFBB5-F1CC-4A0D-09FB-A825F3F76E90}"/>
+              </a:ext>
+            </a:extLst>
+          </p:cNvPr>
+          <p:cNvCxnSpPr>
+            <a:cxnSpLocks/>
+            <a:stCxn id="10" idx="3"/>
+            <a:endCxn id="8" idx="1"/>
+          </p:cNvCxnSpPr>
+          <p:nvPr/>
+        </p:nvCxnSpPr>
+        <p:spPr>
+          <a:xfrm>
+            <a:off x="2045649" y="1875524"/>
+            <a:ext cx="678004" cy="2"/>
+          </a:xfrm>
+          <a:prstGeom prst="bentConnector3">
+            <a:avLst>
+              <a:gd name="adj1" fmla="val 50000"/>
+            </a:avLst>
+          </a:prstGeom>
+          <a:ln>
+            <a:tailEnd type="triangle"/>
+          </a:ln>
+        </p:spPr>
+        <p:style>
+          <a:lnRef idx="2">
+            <a:schemeClr val="accent1"/>
+          </a:lnRef>
+          <a:fillRef idx="0">
+            <a:schemeClr val="accent1"/>
+          </a:fillRef>
+          <a:effectRef idx="1">
+            <a:schemeClr val="accent1"/>
+          </a:effectRef>
+          <a:fontRef idx="minor">
+            <a:schemeClr val="tx1"/>
+          </a:fontRef>
+        </p:style>
+      </p:cxnSp>
+      <p:cxnSp>
+        <p:nvCxnSpPr>
+          <p:cNvPr id="32" name="Connector: Elbow 31">
+            <a:extLst>
+              <a:ext uri="{FF2B5EF4-FFF2-40B4-BE49-F238E27FC236}">
+                <a16:creationId xmlns:a16="http://schemas.microsoft.com/office/drawing/2014/main" id="{0F9CE401-FABD-9C08-CC7E-856FD9B207D2}"/>
+              </a:ext>
+            </a:extLst>
+          </p:cNvPr>
+          <p:cNvCxnSpPr>
+            <a:cxnSpLocks/>
+            <a:stCxn id="8" idx="3"/>
+            <a:endCxn id="5" idx="1"/>
+          </p:cNvCxnSpPr>
+          <p:nvPr/>
+        </p:nvCxnSpPr>
+        <p:spPr>
+          <a:xfrm flipV="1">
+            <a:off x="4239187" y="1875525"/>
+            <a:ext cx="681511" cy="1"/>
+          </a:xfrm>
+          <a:prstGeom prst="bentConnector3">
+            <a:avLst>
+              <a:gd name="adj1" fmla="val 50000"/>
+            </a:avLst>
+          </a:prstGeom>
+          <a:ln>
+            <a:tailEnd type="triangle"/>
+          </a:ln>
+        </p:spPr>
+        <p:style>
+          <a:lnRef idx="2">
+            <a:schemeClr val="accent1"/>
+          </a:lnRef>
+          <a:fillRef idx="0">
+            <a:schemeClr val="accent1"/>
+          </a:fillRef>
+          <a:effectRef idx="1">
+            <a:schemeClr val="accent1"/>
+          </a:effectRef>
+          <a:fontRef idx="minor">
+            <a:schemeClr val="tx1"/>
+          </a:fontRef>
+        </p:style>
+      </p:cxnSp>
+      <p:cxnSp>
+        <p:nvCxnSpPr>
+          <p:cNvPr id="48" name="Connector: Elbow 47">
+            <a:extLst>
+              <a:ext uri="{FF2B5EF4-FFF2-40B4-BE49-F238E27FC236}">
+                <a16:creationId xmlns:a16="http://schemas.microsoft.com/office/drawing/2014/main" id="{96C71DE9-F258-4D2E-379A-8558D621F538}"/>
+              </a:ext>
+            </a:extLst>
+          </p:cNvPr>
+          <p:cNvCxnSpPr>
+            <a:cxnSpLocks/>
+            <a:stCxn id="5" idx="3"/>
+            <a:endCxn id="13" idx="1"/>
+          </p:cNvCxnSpPr>
+          <p:nvPr/>
+        </p:nvCxnSpPr>
+        <p:spPr>
+          <a:xfrm flipV="1">
+            <a:off x="6436232" y="1720789"/>
+            <a:ext cx="639173" cy="154736"/>
+          </a:xfrm>
+          <a:prstGeom prst="bentConnector3">
+            <a:avLst>
+              <a:gd name="adj1" fmla="val 50000"/>
+            </a:avLst>
+          </a:prstGeom>
+          <a:ln>
+            <a:tailEnd type="triangle"/>
+          </a:ln>
+        </p:spPr>
+        <p:style>
+          <a:lnRef idx="2">
+            <a:schemeClr val="accent1"/>
+          </a:lnRef>
+          <a:fillRef idx="0">
+            <a:schemeClr val="accent1"/>
+          </a:fillRef>
+          <a:effectRef idx="1">
+            <a:schemeClr val="accent1"/>
+          </a:effectRef>
+          <a:fontRef idx="minor">
+            <a:schemeClr val="tx1"/>
+          </a:fontRef>
+        </p:style>
+      </p:cxnSp>
+      <p:cxnSp>
+        <p:nvCxnSpPr>
+          <p:cNvPr id="51" name="Connector: Elbow 50">
+            <a:extLst>
+              <a:ext uri="{FF2B5EF4-FFF2-40B4-BE49-F238E27FC236}">
+                <a16:creationId xmlns:a16="http://schemas.microsoft.com/office/drawing/2014/main" id="{1F5C3ED5-8FE7-EF47-ACB6-DBB521E5478E}"/>
+              </a:ext>
+            </a:extLst>
+          </p:cNvPr>
+          <p:cNvCxnSpPr>
+            <a:cxnSpLocks/>
+            <a:stCxn id="5" idx="3"/>
+            <a:endCxn id="6" idx="1"/>
+          </p:cNvCxnSpPr>
+          <p:nvPr/>
+        </p:nvCxnSpPr>
+        <p:spPr>
+          <a:xfrm>
+            <a:off x="6436232" y="1875525"/>
+            <a:ext cx="639172" cy="1224897"/>
+          </a:xfrm>
+          <a:prstGeom prst="bentConnector3">
+            <a:avLst>
+              <a:gd name="adj1" fmla="val 50000"/>
+            </a:avLst>
+          </a:prstGeom>
+          <a:ln>
+            <a:tailEnd type="triangle"/>
+          </a:ln>
+        </p:spPr>
+        <p:style>
+          <a:lnRef idx="2">
+            <a:schemeClr val="accent1"/>
+          </a:lnRef>
+          <a:fillRef idx="0">
+            <a:schemeClr val="accent1"/>
+          </a:fillRef>
+          <a:effectRef idx="1">
+            <a:schemeClr val="accent1"/>
+          </a:effectRef>
+          <a:fontRef idx="minor">
+            <a:schemeClr val="tx1"/>
+          </a:fontRef>
+        </p:style>
+      </p:cxnSp>
+    </p:spTree>
+    <p:extLst>
+      <p:ext uri="{BB962C8B-B14F-4D97-AF65-F5344CB8AC3E}">
+        <p14:creationId xmlns:p14="http://schemas.microsoft.com/office/powerpoint/2010/main" val="1597947206"/>
+      </p:ext>
+    </p:extLst>
+  </p:cSld>
+  <p:clrMapOvr>
+    <a:masterClrMapping/>
+  </p:clrMapOvr>
+</p:sld>
+</file>
+
+<file path=ppt/slides/slide7.xml><?xml version="1.0" encoding="utf-8"?>
+<p:sld xmlns:a="http://schemas.openxmlformats.org/drawingml/2006/main" xmlns:r="http://schemas.openxmlformats.org/officeDocument/2006/relationships" xmlns:p="http://schemas.openxmlformats.org/presentationml/2006/main">
+  <p:cSld>
+    <p:spTree>
+      <p:nvGrpSpPr>
+        <p:cNvPr id="1" name="">
+          <a:extLst>
+            <a:ext uri="{FF2B5EF4-FFF2-40B4-BE49-F238E27FC236}">
+              <a16:creationId xmlns:a16="http://schemas.microsoft.com/office/drawing/2014/main" id="{88E22D45-627F-3A46-889B-B9EF23C81A8B}"/>
+            </a:ext>
+          </a:extLst>
+        </p:cNvPr>
+        <p:cNvGrpSpPr/>
+        <p:nvPr/>
+      </p:nvGrpSpPr>
+      <p:grpSpPr>
+        <a:xfrm>
+          <a:off x="0" y="0"/>
+          <a:ext cx="0" cy="0"/>
+          <a:chOff x="0" y="0"/>
+          <a:chExt cx="0" cy="0"/>
+        </a:xfrm>
+      </p:grpSpPr>
+      <p:sp>
+        <p:nvSpPr>
+          <p:cNvPr id="2" name="Title 1">
+            <a:extLst>
+              <a:ext uri="{FF2B5EF4-FFF2-40B4-BE49-F238E27FC236}">
+                <a16:creationId xmlns:a16="http://schemas.microsoft.com/office/drawing/2014/main" id="{CBB9AF5C-6263-6566-7AEF-280979DCE781}"/>
+              </a:ext>
+            </a:extLst>
+          </p:cNvPr>
+          <p:cNvSpPr>
+            <a:spLocks noGrp="1"/>
+          </p:cNvSpPr>
+          <p:nvPr>
+            <p:ph type="title"/>
+          </p:nvPr>
+        </p:nvSpPr>
+        <p:spPr>
+          <a:xfrm>
+            <a:off x="838200" y="119317"/>
+            <a:ext cx="10515600" cy="551156"/>
+          </a:xfrm>
+        </p:spPr>
+        <p:txBody>
+          <a:bodyPr>
+            <a:normAutofit/>
+          </a:bodyPr>
+          <a:lstStyle/>
+          <a:p>
+            <a:r>
+              <a:rPr lang="en-US" sz="3200" b="1" dirty="0">
+                <a:solidFill>
+                  <a:srgbClr val="000000"/>
+                </a:solidFill>
+                <a:latin typeface="Arial" panose="020B0604020202020204" pitchFamily="34" charset="0"/>
+              </a:rPr>
+              <a:t>Program operation scheme</a:t>
+            </a:r>
+            <a:endParaRPr lang="en-IL" sz="3200" dirty="0"/>
+          </a:p>
+        </p:txBody>
+      </p:sp>
+      <p:pic>
+        <p:nvPicPr>
+          <p:cNvPr id="7" name="Picture 6">
+            <a:extLst>
+              <a:ext uri="{FF2B5EF4-FFF2-40B4-BE49-F238E27FC236}">
+                <a16:creationId xmlns:a16="http://schemas.microsoft.com/office/drawing/2014/main" id="{619EEA08-3989-7C72-D9F3-4EF2173109EA}"/>
+              </a:ext>
+            </a:extLst>
+          </p:cNvPr>
+          <p:cNvPicPr>
+            <a:picLocks noChangeAspect="1"/>
+          </p:cNvPicPr>
+          <p:nvPr/>
+        </p:nvPicPr>
+        <p:blipFill>
+          <a:blip r:embed="rId3"/>
+          <a:stretch>
+            <a:fillRect/>
+          </a:stretch>
+        </p:blipFill>
+        <p:spPr>
+          <a:xfrm>
+            <a:off x="279133" y="737419"/>
+            <a:ext cx="11633734" cy="119871"/>
+          </a:xfrm>
+          <a:prstGeom prst="rect">
+            <a:avLst/>
+          </a:prstGeom>
+        </p:spPr>
+      </p:pic>
+      <p:sp>
+        <p:nvSpPr>
+          <p:cNvPr id="4" name="TextBox 3">
+            <a:extLst>
+              <a:ext uri="{FF2B5EF4-FFF2-40B4-BE49-F238E27FC236}">
+                <a16:creationId xmlns:a16="http://schemas.microsoft.com/office/drawing/2014/main" id="{807E7C87-E939-DE23-0C71-1167723DB1A1}"/>
               </a:ext>
             </a:extLst>
           </p:cNvPr>
@@ -6509,14 +10490,56 @@
         </p:nvSpPr>
         <p:spPr>
           <a:xfrm>
-            <a:off x="7740331" y="985352"/>
-            <a:ext cx="3178479" cy="2031325"/>
+            <a:off x="11353800" y="194840"/>
+            <a:ext cx="559066" cy="400110"/>
           </a:xfrm>
           <a:prstGeom prst="rect">
             <a:avLst/>
           </a:prstGeom>
           <a:noFill/>
-          <a:ln w="12700">
+          <a:ln>
+            <a:solidFill>
+              <a:schemeClr val="accent1"/>
+            </a:solidFill>
+          </a:ln>
+        </p:spPr>
+        <p:txBody>
+          <a:bodyPr wrap="square" rtlCol="0">
+            <a:spAutoFit/>
+          </a:bodyPr>
+          <a:lstStyle/>
+          <a:p>
+            <a:pPr algn="ctr"/>
+            <a:r>
+              <a:rPr lang="en-US" sz="2000" b="1" dirty="0"/>
+              <a:t>1</a:t>
+            </a:r>
+            <a:endParaRPr lang="en-IL" sz="2000" b="1" dirty="0"/>
+          </a:p>
+        </p:txBody>
+      </p:sp>
+      <p:sp>
+        <p:nvSpPr>
+          <p:cNvPr id="8" name="TextBox 7">
+            <a:extLst>
+              <a:ext uri="{FF2B5EF4-FFF2-40B4-BE49-F238E27FC236}">
+                <a16:creationId xmlns:a16="http://schemas.microsoft.com/office/drawing/2014/main" id="{299BF9C9-22EA-471F-3F10-7E3B82DED6DD}"/>
+              </a:ext>
+            </a:extLst>
+          </p:cNvPr>
+          <p:cNvSpPr txBox="1"/>
+          <p:nvPr/>
+        </p:nvSpPr>
+        <p:spPr>
+          <a:xfrm>
+            <a:off x="2723653" y="1040842"/>
+            <a:ext cx="1515534" cy="1669368"/>
+          </a:xfrm>
+          <a:prstGeom prst="rect">
+            <a:avLst/>
+          </a:prstGeom>
+          <a:noFill/>
+          <a:ln w="19050">
             <a:solidFill>
               <a:schemeClr val="accent1"/>
             </a:solidFill>
@@ -6532,6 +10555,17 @@
           </a:bodyPr>
           <a:lstStyle/>
           <a:p>
+            <a:pPr lvl="0">
+              <a:lnSpc>
+                <a:spcPct val="115000"/>
+              </a:lnSpc>
+              <a:spcAft>
+                <a:spcPts val="800"/>
+              </a:spcAft>
+              <a:tabLst>
+                <a:tab pos="457200" algn="l"/>
+              </a:tabLst>
+            </a:pPr>
             <a:r>
               <a:rPr lang="en-IL" sz="1800" b="1" kern="100" dirty="0">
                 <a:effectLst/>
@@ -6539,27 +10573,23 @@
                 <a:ea typeface="Aptos" panose="020B0004020202020204" pitchFamily="34" charset="0"/>
                 <a:cs typeface="Arial" panose="020B0604020202020204" pitchFamily="34" charset="0"/>
               </a:rPr>
-              <a:t>Pre-trained LLM “Psychologist”</a:t>
-            </a:r>
-            <a:r>
-              <a:rPr lang="en-IL" sz="1800" kern="100" dirty="0">
-                <a:effectLst/>
-                <a:latin typeface="Aptos" panose="020B0004020202020204" pitchFamily="34" charset="0"/>
-                <a:ea typeface="Aptos" panose="020B0004020202020204" pitchFamily="34" charset="0"/>
-                <a:cs typeface="Arial" panose="020B0604020202020204" pitchFamily="34" charset="0"/>
-              </a:rPr>
-              <a:t>: generates a session summary, extracts relevant facts, and updates patient information. The session summary embedding is calculated.</a:t>
-            </a:r>
-            <a:endParaRPr lang="en-IL" dirty="0"/>
-          </a:p>
-        </p:txBody>
-      </p:sp>
-      <p:sp>
-        <p:nvSpPr>
-          <p:cNvPr id="19" name="TextBox 18">
-            <a:extLst>
-              <a:ext uri="{FF2B5EF4-FFF2-40B4-BE49-F238E27FC236}">
-                <a16:creationId xmlns:a16="http://schemas.microsoft.com/office/drawing/2014/main" id="{7E25D518-B9D3-E22D-CFBB-9D5AD2DD9707}"/>
+              <a:t>Retrieve Patient Information from Database</a:t>
+            </a:r>
+            <a:endParaRPr lang="en-IL" sz="1800" kern="100" dirty="0">
+              <a:effectLst/>
+              <a:latin typeface="Aptos" panose="020B0004020202020204" pitchFamily="34" charset="0"/>
+              <a:ea typeface="Aptos" panose="020B0004020202020204" pitchFamily="34" charset="0"/>
+              <a:cs typeface="Arial" panose="020B0604020202020204" pitchFamily="34" charset="0"/>
+            </a:endParaRPr>
+          </a:p>
+        </p:txBody>
+      </p:sp>
+      <p:sp>
+        <p:nvSpPr>
+          <p:cNvPr id="10" name="TextBox 9">
+            <a:extLst>
+              <a:ext uri="{FF2B5EF4-FFF2-40B4-BE49-F238E27FC236}">
+                <a16:creationId xmlns:a16="http://schemas.microsoft.com/office/drawing/2014/main" id="{EA339705-3EF5-385E-B3C2-51ACBC01715C}"/>
               </a:ext>
             </a:extLst>
           </p:cNvPr>
@@ -6568,14 +10598,14 @@
         </p:nvSpPr>
         <p:spPr>
           <a:xfrm>
-            <a:off x="3989387" y="3184936"/>
-            <a:ext cx="1964152" cy="923330"/>
+            <a:off x="292927" y="1275359"/>
+            <a:ext cx="1752722" cy="1200329"/>
           </a:xfrm>
           <a:prstGeom prst="rect">
             <a:avLst/>
           </a:prstGeom>
           <a:noFill/>
-          <a:ln w="12700">
+          <a:ln w="19050">
             <a:solidFill>
               <a:schemeClr val="accent1"/>
             </a:solidFill>
@@ -6598,7 +10628,11 @@
                 <a:ea typeface="Aptos" panose="020B0004020202020204" pitchFamily="34" charset="0"/>
                 <a:cs typeface="Arial" panose="020B0604020202020204" pitchFamily="34" charset="0"/>
               </a:rPr>
-              <a:t>Respond to Patient with LLM’s Answer</a:t>
+              <a:t>Patient Identification or New Patient Registration</a:t>
+            </a:r>
+            <a:r>
+              <a:rPr lang="ru-RU" dirty="0"/>
+              <a:t> </a:t>
             </a:r>
             <a:endParaRPr lang="en-IL" dirty="0"/>
           </a:p>
@@ -6606,10 +10640,10 @@
       </p:sp>
       <p:sp>
         <p:nvSpPr>
-          <p:cNvPr id="20" name="TextBox 19">
-            <a:extLst>
-              <a:ext uri="{FF2B5EF4-FFF2-40B4-BE49-F238E27FC236}">
-                <a16:creationId xmlns:a16="http://schemas.microsoft.com/office/drawing/2014/main" id="{DADF87E3-D09C-F6F2-4341-F76ECA44518A}"/>
+          <p:cNvPr id="5" name="TextBox 4">
+            <a:extLst>
+              <a:ext uri="{FF2B5EF4-FFF2-40B4-BE49-F238E27FC236}">
+                <a16:creationId xmlns:a16="http://schemas.microsoft.com/office/drawing/2014/main" id="{C78BA092-228C-F68F-D0F9-9FF6263041C9}"/>
               </a:ext>
             </a:extLst>
           </p:cNvPr>
@@ -6618,14 +10652,14 @@
         </p:nvSpPr>
         <p:spPr>
           <a:xfrm>
-            <a:off x="2752723" y="4597582"/>
-            <a:ext cx="1515534" cy="1477328"/>
+            <a:off x="4920698" y="1200115"/>
+            <a:ext cx="1515534" cy="1350819"/>
           </a:xfrm>
           <a:prstGeom prst="rect">
             <a:avLst/>
           </a:prstGeom>
           <a:noFill/>
-          <a:ln w="12700">
+          <a:ln w="19050">
             <a:solidFill>
               <a:schemeClr val="accent1"/>
             </a:solidFill>
@@ -6641,6 +10675,17 @@
           </a:bodyPr>
           <a:lstStyle/>
           <a:p>
+            <a:pPr lvl="0">
+              <a:lnSpc>
+                <a:spcPct val="115000"/>
+              </a:lnSpc>
+              <a:spcAft>
+                <a:spcPts val="800"/>
+              </a:spcAft>
+              <a:tabLst>
+                <a:tab pos="457200" algn="l"/>
+              </a:tabLst>
+            </a:pPr>
             <a:r>
               <a:rPr lang="en-IL" sz="1800" b="1" kern="100" dirty="0">
                 <a:effectLst/>
@@ -6648,16 +10693,3096 @@
                 <a:ea typeface="Aptos" panose="020B0004020202020204" pitchFamily="34" charset="0"/>
                 <a:cs typeface="Arial" panose="020B0604020202020204" pitchFamily="34" charset="0"/>
               </a:rPr>
-              <a:t>Record and Update Information in the Database</a:t>
+              <a:t>Record and Recognize Patient’s Speech</a:t>
+            </a:r>
+            <a:endParaRPr lang="en-IL" sz="1800" kern="100" dirty="0">
+              <a:effectLst/>
+              <a:latin typeface="Aptos" panose="020B0004020202020204" pitchFamily="34" charset="0"/>
+              <a:ea typeface="Aptos" panose="020B0004020202020204" pitchFamily="34" charset="0"/>
+              <a:cs typeface="Arial" panose="020B0604020202020204" pitchFamily="34" charset="0"/>
+            </a:endParaRPr>
+          </a:p>
+        </p:txBody>
+      </p:sp>
+      <p:sp>
+        <p:nvSpPr>
+          <p:cNvPr id="6" name="TextBox 5">
+            <a:extLst>
+              <a:ext uri="{FF2B5EF4-FFF2-40B4-BE49-F238E27FC236}">
+                <a16:creationId xmlns:a16="http://schemas.microsoft.com/office/drawing/2014/main" id="{258E18B1-DC87-D8C6-85A4-965324109AD8}"/>
+              </a:ext>
+            </a:extLst>
+          </p:cNvPr>
+          <p:cNvSpPr txBox="1"/>
+          <p:nvPr/>
+        </p:nvSpPr>
+        <p:spPr>
+          <a:xfrm>
+            <a:off x="7075404" y="2584287"/>
+            <a:ext cx="1770447" cy="1032270"/>
+          </a:xfrm>
+          <a:prstGeom prst="rect">
+            <a:avLst/>
+          </a:prstGeom>
+          <a:noFill/>
+          <a:ln w="19050">
+            <a:solidFill>
+              <a:schemeClr val="accent1"/>
+            </a:solidFill>
+          </a:ln>
+          <a:effectLst>
+            <a:reflection endPos="0" dist="50800" dir="5400000" sy="-100000" algn="bl" rotWithShape="0"/>
+            <a:softEdge rad="0"/>
+          </a:effectLst>
+        </p:spPr>
+        <p:txBody>
+          <a:bodyPr wrap="square" rtlCol="0">
+            <a:spAutoFit/>
+          </a:bodyPr>
+          <a:lstStyle/>
+          <a:p>
+            <a:pPr lvl="0">
+              <a:lnSpc>
+                <a:spcPct val="115000"/>
+              </a:lnSpc>
+              <a:spcAft>
+                <a:spcPts val="800"/>
+              </a:spcAft>
+              <a:tabLst>
+                <a:tab pos="457200" algn="l"/>
+              </a:tabLst>
+            </a:pPr>
+            <a:r>
+              <a:rPr lang="en-IL" sz="1800" b="1" kern="100" dirty="0">
+                <a:effectLst/>
+                <a:latin typeface="Aptos" panose="020B0004020202020204" pitchFamily="34" charset="0"/>
+                <a:ea typeface="Aptos" panose="020B0004020202020204" pitchFamily="34" charset="0"/>
+                <a:cs typeface="Arial" panose="020B0604020202020204" pitchFamily="34" charset="0"/>
+              </a:rPr>
+              <a:t>Analyse Emotional Tone of Voice</a:t>
+            </a:r>
+            <a:endParaRPr lang="en-IL" sz="1800" kern="100" dirty="0">
+              <a:effectLst/>
+              <a:latin typeface="Aptos" panose="020B0004020202020204" pitchFamily="34" charset="0"/>
+              <a:ea typeface="Aptos" panose="020B0004020202020204" pitchFamily="34" charset="0"/>
+              <a:cs typeface="Arial" panose="020B0604020202020204" pitchFamily="34" charset="0"/>
+            </a:endParaRPr>
+          </a:p>
+        </p:txBody>
+      </p:sp>
+      <p:sp>
+        <p:nvSpPr>
+          <p:cNvPr id="13" name="TextBox 12">
+            <a:extLst>
+              <a:ext uri="{FF2B5EF4-FFF2-40B4-BE49-F238E27FC236}">
+                <a16:creationId xmlns:a16="http://schemas.microsoft.com/office/drawing/2014/main" id="{02BEBFB7-C581-BDC5-8DEC-A5E2FCD9FD11}"/>
+              </a:ext>
+            </a:extLst>
+          </p:cNvPr>
+          <p:cNvSpPr txBox="1"/>
+          <p:nvPr/>
+        </p:nvSpPr>
+        <p:spPr>
+          <a:xfrm>
+            <a:off x="7075405" y="1045379"/>
+            <a:ext cx="1770446" cy="1350819"/>
+          </a:xfrm>
+          <a:prstGeom prst="rect">
+            <a:avLst/>
+          </a:prstGeom>
+          <a:noFill/>
+          <a:ln w="19050">
+            <a:solidFill>
+              <a:schemeClr val="accent1"/>
+            </a:solidFill>
+          </a:ln>
+          <a:effectLst>
+            <a:reflection endPos="0" dist="50800" dir="5400000" sy="-100000" algn="bl" rotWithShape="0"/>
+            <a:softEdge rad="0"/>
+          </a:effectLst>
+        </p:spPr>
+        <p:txBody>
+          <a:bodyPr wrap="square" rtlCol="0">
+            <a:spAutoFit/>
+          </a:bodyPr>
+          <a:lstStyle/>
+          <a:p>
+            <a:pPr lvl="0">
+              <a:lnSpc>
+                <a:spcPct val="115000"/>
+              </a:lnSpc>
+              <a:spcAft>
+                <a:spcPts val="800"/>
+              </a:spcAft>
+              <a:tabLst>
+                <a:tab pos="457200" algn="l"/>
+              </a:tabLst>
+            </a:pPr>
+            <a:r>
+              <a:rPr lang="en-US" b="1" kern="100" dirty="0">
+                <a:latin typeface="Aptos" panose="020B0004020202020204" pitchFamily="34" charset="0"/>
+                <a:ea typeface="Aptos" panose="020B0004020202020204" pitchFamily="34" charset="0"/>
+                <a:cs typeface="Arial" panose="020B0604020202020204" pitchFamily="34" charset="0"/>
+              </a:rPr>
+              <a:t>Search </a:t>
+            </a:r>
+            <a:r>
+              <a:rPr lang="en-IL" sz="1800" b="1" kern="100" dirty="0">
+                <a:effectLst/>
+                <a:latin typeface="Aptos" panose="020B0004020202020204" pitchFamily="34" charset="0"/>
+                <a:ea typeface="Aptos" panose="020B0004020202020204" pitchFamily="34" charset="0"/>
+                <a:cs typeface="Arial" panose="020B0604020202020204" pitchFamily="34" charset="0"/>
+              </a:rPr>
+              <a:t>Similar and Dissimilar Sessions</a:t>
+            </a:r>
+            <a:r>
+              <a:rPr lang="ru-RU" sz="1800" b="1" kern="100" dirty="0">
+                <a:effectLst/>
+                <a:latin typeface="Aptos" panose="020B0004020202020204" pitchFamily="34" charset="0"/>
+                <a:ea typeface="Aptos" panose="020B0004020202020204" pitchFamily="34" charset="0"/>
+                <a:cs typeface="Arial" panose="020B0604020202020204" pitchFamily="34" charset="0"/>
+              </a:rPr>
+              <a:t> </a:t>
+            </a:r>
+            <a:r>
+              <a:rPr lang="en-US" sz="1800" b="1" kern="100" dirty="0">
+                <a:effectLst/>
+                <a:latin typeface="Aptos" panose="020B0004020202020204" pitchFamily="34" charset="0"/>
+                <a:ea typeface="Aptos" panose="020B0004020202020204" pitchFamily="34" charset="0"/>
+                <a:cs typeface="Arial" panose="020B0604020202020204" pitchFamily="34" charset="0"/>
+              </a:rPr>
+              <a:t>in </a:t>
+            </a:r>
+            <a:r>
+              <a:rPr lang="en-IL" sz="1800" b="1" kern="100" dirty="0">
+                <a:effectLst/>
+                <a:latin typeface="Aptos" panose="020B0004020202020204" pitchFamily="34" charset="0"/>
+                <a:ea typeface="Aptos" panose="020B0004020202020204" pitchFamily="34" charset="0"/>
+                <a:cs typeface="Arial" panose="020B0604020202020204" pitchFamily="34" charset="0"/>
+              </a:rPr>
+              <a:t>Database</a:t>
+            </a:r>
+            <a:endParaRPr lang="en-IL" sz="1800" kern="100" dirty="0">
+              <a:effectLst/>
+              <a:latin typeface="Aptos" panose="020B0004020202020204" pitchFamily="34" charset="0"/>
+              <a:ea typeface="Aptos" panose="020B0004020202020204" pitchFamily="34" charset="0"/>
+              <a:cs typeface="Arial" panose="020B0604020202020204" pitchFamily="34" charset="0"/>
+            </a:endParaRPr>
+          </a:p>
+        </p:txBody>
+      </p:sp>
+      <p:sp>
+        <p:nvSpPr>
+          <p:cNvPr id="16" name="TextBox 15">
+            <a:extLst>
+              <a:ext uri="{FF2B5EF4-FFF2-40B4-BE49-F238E27FC236}">
+                <a16:creationId xmlns:a16="http://schemas.microsoft.com/office/drawing/2014/main" id="{9499EB6C-4037-3D65-4153-ADDD88780346}"/>
+              </a:ext>
+            </a:extLst>
+          </p:cNvPr>
+          <p:cNvSpPr txBox="1"/>
+          <p:nvPr/>
+        </p:nvSpPr>
+        <p:spPr>
+          <a:xfrm>
+            <a:off x="9516233" y="1023877"/>
+            <a:ext cx="2426869" cy="2862322"/>
+          </a:xfrm>
+          <a:prstGeom prst="rect">
+            <a:avLst/>
+          </a:prstGeom>
+          <a:noFill/>
+          <a:ln w="19050">
+            <a:solidFill>
+              <a:schemeClr val="accent1"/>
+            </a:solidFill>
+          </a:ln>
+          <a:effectLst>
+            <a:reflection endPos="0" dist="50800" dir="5400000" sy="-100000" algn="bl" rotWithShape="0"/>
+            <a:softEdge rad="0"/>
+          </a:effectLst>
+        </p:spPr>
+        <p:txBody>
+          <a:bodyPr wrap="square" rtlCol="0">
+            <a:spAutoFit/>
+          </a:bodyPr>
+          <a:lstStyle/>
+          <a:p>
+            <a:r>
+              <a:rPr lang="en-US" b="1" dirty="0"/>
+              <a:t>Fine-tuned LLM</a:t>
+            </a:r>
+            <a:r>
+              <a:rPr lang="en-IL" sz="1800" b="1" kern="100" dirty="0">
+                <a:effectLst/>
+                <a:latin typeface="Aptos" panose="020B0004020202020204" pitchFamily="34" charset="0"/>
+                <a:ea typeface="Aptos" panose="020B0004020202020204" pitchFamily="34" charset="0"/>
+                <a:cs typeface="Arial" panose="020B0604020202020204" pitchFamily="34" charset="0"/>
+              </a:rPr>
+              <a:t> “Psychologist” </a:t>
+            </a:r>
+            <a:r>
+              <a:rPr lang="en-IL" sz="1800" kern="100" dirty="0">
+                <a:effectLst/>
+                <a:latin typeface="Aptos" panose="020B0004020202020204" pitchFamily="34" charset="0"/>
+                <a:ea typeface="Aptos" panose="020B0004020202020204" pitchFamily="34" charset="0"/>
+                <a:cs typeface="Arial" panose="020B0604020202020204" pitchFamily="34" charset="0"/>
+              </a:rPr>
+              <a:t>Receives</a:t>
+            </a:r>
+            <a:r>
+              <a:rPr lang="ru-RU" sz="1800" kern="100" dirty="0">
+                <a:effectLst/>
+                <a:latin typeface="Aptos" panose="020B0004020202020204" pitchFamily="34" charset="0"/>
+                <a:ea typeface="Aptos" panose="020B0004020202020204" pitchFamily="34" charset="0"/>
+                <a:cs typeface="Arial" panose="020B0604020202020204" pitchFamily="34" charset="0"/>
+              </a:rPr>
+              <a:t> </a:t>
+            </a:r>
+            <a:r>
+              <a:rPr lang="en-US" sz="1800" kern="100" dirty="0">
+                <a:effectLst/>
+                <a:latin typeface="Aptos" panose="020B0004020202020204" pitchFamily="34" charset="0"/>
+                <a:ea typeface="Aptos" panose="020B0004020202020204" pitchFamily="34" charset="0"/>
+                <a:cs typeface="Arial" panose="020B0604020202020204" pitchFamily="34" charset="0"/>
+              </a:rPr>
+              <a:t>for answer</a:t>
+            </a:r>
+            <a:r>
+              <a:rPr lang="en-IL" sz="1800" kern="100" dirty="0">
+                <a:effectLst/>
+                <a:latin typeface="Aptos" panose="020B0004020202020204" pitchFamily="34" charset="0"/>
+                <a:ea typeface="Aptos" panose="020B0004020202020204" pitchFamily="34" charset="0"/>
+                <a:cs typeface="Arial" panose="020B0604020202020204" pitchFamily="34" charset="0"/>
+              </a:rPr>
+              <a:t>: current session transcript, patient information, summary of the previous session, similar</a:t>
+            </a:r>
+            <a:r>
+              <a:rPr lang="en-US" sz="1800" kern="100" dirty="0">
+                <a:effectLst/>
+                <a:latin typeface="Aptos" panose="020B0004020202020204" pitchFamily="34" charset="0"/>
+                <a:ea typeface="Aptos" panose="020B0004020202020204" pitchFamily="34" charset="0"/>
+                <a:cs typeface="Arial" panose="020B0604020202020204" pitchFamily="34" charset="0"/>
+              </a:rPr>
+              <a:t> and </a:t>
+            </a:r>
+            <a:r>
+              <a:rPr lang="en-IL" sz="1800" kern="100" dirty="0">
+                <a:effectLst/>
+                <a:latin typeface="Aptos" panose="020B0004020202020204" pitchFamily="34" charset="0"/>
+                <a:ea typeface="Aptos" panose="020B0004020202020204" pitchFamily="34" charset="0"/>
+                <a:cs typeface="Arial" panose="020B0604020202020204" pitchFamily="34" charset="0"/>
+              </a:rPr>
+              <a:t>dissimilar sessions</a:t>
+            </a:r>
+            <a:r>
+              <a:rPr lang="en-US" kern="100" dirty="0">
+                <a:latin typeface="Aptos" panose="020B0004020202020204" pitchFamily="34" charset="0"/>
+                <a:ea typeface="Aptos" panose="020B0004020202020204" pitchFamily="34" charset="0"/>
+                <a:cs typeface="Arial" panose="020B0604020202020204" pitchFamily="34" charset="0"/>
+              </a:rPr>
+              <a:t>, emotion description</a:t>
+            </a:r>
+            <a:r>
+              <a:rPr lang="en-IL" sz="1800" kern="100" dirty="0">
+                <a:effectLst/>
+                <a:latin typeface="Aptos" panose="020B0004020202020204" pitchFamily="34" charset="0"/>
+                <a:ea typeface="Aptos" panose="020B0004020202020204" pitchFamily="34" charset="0"/>
+                <a:cs typeface="Arial" panose="020B0604020202020204" pitchFamily="34" charset="0"/>
+              </a:rPr>
+              <a:t>.</a:t>
             </a:r>
             <a:endParaRPr lang="en-IL" dirty="0"/>
           </a:p>
         </p:txBody>
       </p:sp>
+      <p:pic>
+        <p:nvPicPr>
+          <p:cNvPr id="15" name="Picture 14">
+            <a:extLst>
+              <a:ext uri="{FF2B5EF4-FFF2-40B4-BE49-F238E27FC236}">
+                <a16:creationId xmlns:a16="http://schemas.microsoft.com/office/drawing/2014/main" id="{05622379-0B76-A19B-6B0B-CC267F9B129F}"/>
+              </a:ext>
+            </a:extLst>
+          </p:cNvPr>
+          <p:cNvPicPr>
+            <a:picLocks noChangeAspect="1"/>
+          </p:cNvPicPr>
+          <p:nvPr/>
+        </p:nvPicPr>
+        <p:blipFill>
+          <a:blip r:embed="rId4"/>
+          <a:stretch>
+            <a:fillRect/>
+          </a:stretch>
+        </p:blipFill>
+        <p:spPr>
+          <a:xfrm>
+            <a:off x="6019572" y="2001692"/>
+            <a:ext cx="392879" cy="536510"/>
+          </a:xfrm>
+          <a:prstGeom prst="rect">
+            <a:avLst/>
+          </a:prstGeom>
+        </p:spPr>
+      </p:pic>
+      <p:cxnSp>
+        <p:nvCxnSpPr>
+          <p:cNvPr id="21" name="Connector: Elbow 20">
+            <a:extLst>
+              <a:ext uri="{FF2B5EF4-FFF2-40B4-BE49-F238E27FC236}">
+                <a16:creationId xmlns:a16="http://schemas.microsoft.com/office/drawing/2014/main" id="{B97531AE-5F4C-83B3-C83A-7553D4F4031A}"/>
+              </a:ext>
+            </a:extLst>
+          </p:cNvPr>
+          <p:cNvCxnSpPr>
+            <a:cxnSpLocks/>
+            <a:stCxn id="13" idx="3"/>
+            <a:endCxn id="16" idx="1"/>
+          </p:cNvCxnSpPr>
+          <p:nvPr/>
+        </p:nvCxnSpPr>
+        <p:spPr>
+          <a:xfrm>
+            <a:off x="8845851" y="1720789"/>
+            <a:ext cx="670382" cy="734249"/>
+          </a:xfrm>
+          <a:prstGeom prst="bentConnector3">
+            <a:avLst/>
+          </a:prstGeom>
+          <a:ln>
+            <a:tailEnd type="triangle"/>
+          </a:ln>
+        </p:spPr>
+        <p:style>
+          <a:lnRef idx="2">
+            <a:schemeClr val="accent1"/>
+          </a:lnRef>
+          <a:fillRef idx="0">
+            <a:schemeClr val="accent1"/>
+          </a:fillRef>
+          <a:effectRef idx="1">
+            <a:schemeClr val="accent1"/>
+          </a:effectRef>
+          <a:fontRef idx="minor">
+            <a:schemeClr val="tx1"/>
+          </a:fontRef>
+        </p:style>
+      </p:cxnSp>
+      <p:cxnSp>
+        <p:nvCxnSpPr>
+          <p:cNvPr id="25" name="Connector: Elbow 24">
+            <a:extLst>
+              <a:ext uri="{FF2B5EF4-FFF2-40B4-BE49-F238E27FC236}">
+                <a16:creationId xmlns:a16="http://schemas.microsoft.com/office/drawing/2014/main" id="{A621DFAB-F9A4-6BB7-86D4-BD73010C8B79}"/>
+              </a:ext>
+            </a:extLst>
+          </p:cNvPr>
+          <p:cNvCxnSpPr>
+            <a:cxnSpLocks/>
+            <a:stCxn id="6" idx="3"/>
+            <a:endCxn id="16" idx="1"/>
+          </p:cNvCxnSpPr>
+          <p:nvPr/>
+        </p:nvCxnSpPr>
+        <p:spPr>
+          <a:xfrm flipV="1">
+            <a:off x="8845851" y="2455038"/>
+            <a:ext cx="670382" cy="645384"/>
+          </a:xfrm>
+          <a:prstGeom prst="bentConnector3">
+            <a:avLst>
+              <a:gd name="adj1" fmla="val 50000"/>
+            </a:avLst>
+          </a:prstGeom>
+          <a:ln>
+            <a:tailEnd type="triangle"/>
+          </a:ln>
+        </p:spPr>
+        <p:style>
+          <a:lnRef idx="2">
+            <a:schemeClr val="accent1"/>
+          </a:lnRef>
+          <a:fillRef idx="0">
+            <a:schemeClr val="accent1"/>
+          </a:fillRef>
+          <a:effectRef idx="1">
+            <a:schemeClr val="accent1"/>
+          </a:effectRef>
+          <a:fontRef idx="minor">
+            <a:schemeClr val="tx1"/>
+          </a:fontRef>
+        </p:style>
+      </p:cxnSp>
+      <p:cxnSp>
+        <p:nvCxnSpPr>
+          <p:cNvPr id="29" name="Connector: Elbow 28">
+            <a:extLst>
+              <a:ext uri="{FF2B5EF4-FFF2-40B4-BE49-F238E27FC236}">
+                <a16:creationId xmlns:a16="http://schemas.microsoft.com/office/drawing/2014/main" id="{92B4A309-66A8-A8AA-7922-7931AB54814B}"/>
+              </a:ext>
+            </a:extLst>
+          </p:cNvPr>
+          <p:cNvCxnSpPr>
+            <a:cxnSpLocks/>
+            <a:stCxn id="10" idx="3"/>
+            <a:endCxn id="8" idx="1"/>
+          </p:cNvCxnSpPr>
+          <p:nvPr/>
+        </p:nvCxnSpPr>
+        <p:spPr>
+          <a:xfrm>
+            <a:off x="2045649" y="1875524"/>
+            <a:ext cx="678004" cy="2"/>
+          </a:xfrm>
+          <a:prstGeom prst="bentConnector3">
+            <a:avLst>
+              <a:gd name="adj1" fmla="val 50000"/>
+            </a:avLst>
+          </a:prstGeom>
+          <a:ln>
+            <a:tailEnd type="triangle"/>
+          </a:ln>
+        </p:spPr>
+        <p:style>
+          <a:lnRef idx="2">
+            <a:schemeClr val="accent1"/>
+          </a:lnRef>
+          <a:fillRef idx="0">
+            <a:schemeClr val="accent1"/>
+          </a:fillRef>
+          <a:effectRef idx="1">
+            <a:schemeClr val="accent1"/>
+          </a:effectRef>
+          <a:fontRef idx="minor">
+            <a:schemeClr val="tx1"/>
+          </a:fontRef>
+        </p:style>
+      </p:cxnSp>
+      <p:cxnSp>
+        <p:nvCxnSpPr>
+          <p:cNvPr id="32" name="Connector: Elbow 31">
+            <a:extLst>
+              <a:ext uri="{FF2B5EF4-FFF2-40B4-BE49-F238E27FC236}">
+                <a16:creationId xmlns:a16="http://schemas.microsoft.com/office/drawing/2014/main" id="{44619C94-6049-9A2D-FCA0-26F22F3668ED}"/>
+              </a:ext>
+            </a:extLst>
+          </p:cNvPr>
+          <p:cNvCxnSpPr>
+            <a:cxnSpLocks/>
+            <a:stCxn id="8" idx="3"/>
+            <a:endCxn id="5" idx="1"/>
+          </p:cNvCxnSpPr>
+          <p:nvPr/>
+        </p:nvCxnSpPr>
+        <p:spPr>
+          <a:xfrm flipV="1">
+            <a:off x="4239187" y="1875525"/>
+            <a:ext cx="681511" cy="1"/>
+          </a:xfrm>
+          <a:prstGeom prst="bentConnector3">
+            <a:avLst>
+              <a:gd name="adj1" fmla="val 50000"/>
+            </a:avLst>
+          </a:prstGeom>
+          <a:ln>
+            <a:tailEnd type="triangle"/>
+          </a:ln>
+        </p:spPr>
+        <p:style>
+          <a:lnRef idx="2">
+            <a:schemeClr val="accent1"/>
+          </a:lnRef>
+          <a:fillRef idx="0">
+            <a:schemeClr val="accent1"/>
+          </a:fillRef>
+          <a:effectRef idx="1">
+            <a:schemeClr val="accent1"/>
+          </a:effectRef>
+          <a:fontRef idx="minor">
+            <a:schemeClr val="tx1"/>
+          </a:fontRef>
+        </p:style>
+      </p:cxnSp>
+      <p:cxnSp>
+        <p:nvCxnSpPr>
+          <p:cNvPr id="48" name="Connector: Elbow 47">
+            <a:extLst>
+              <a:ext uri="{FF2B5EF4-FFF2-40B4-BE49-F238E27FC236}">
+                <a16:creationId xmlns:a16="http://schemas.microsoft.com/office/drawing/2014/main" id="{B8BDEAFD-07F2-BD1C-BD86-5A7943B3A0D1}"/>
+              </a:ext>
+            </a:extLst>
+          </p:cNvPr>
+          <p:cNvCxnSpPr>
+            <a:cxnSpLocks/>
+            <a:stCxn id="5" idx="3"/>
+            <a:endCxn id="13" idx="1"/>
+          </p:cNvCxnSpPr>
+          <p:nvPr/>
+        </p:nvCxnSpPr>
+        <p:spPr>
+          <a:xfrm flipV="1">
+            <a:off x="6436232" y="1720789"/>
+            <a:ext cx="639173" cy="154736"/>
+          </a:xfrm>
+          <a:prstGeom prst="bentConnector3">
+            <a:avLst>
+              <a:gd name="adj1" fmla="val 50000"/>
+            </a:avLst>
+          </a:prstGeom>
+          <a:ln>
+            <a:tailEnd type="triangle"/>
+          </a:ln>
+        </p:spPr>
+        <p:style>
+          <a:lnRef idx="2">
+            <a:schemeClr val="accent1"/>
+          </a:lnRef>
+          <a:fillRef idx="0">
+            <a:schemeClr val="accent1"/>
+          </a:fillRef>
+          <a:effectRef idx="1">
+            <a:schemeClr val="accent1"/>
+          </a:effectRef>
+          <a:fontRef idx="minor">
+            <a:schemeClr val="tx1"/>
+          </a:fontRef>
+        </p:style>
+      </p:cxnSp>
+      <p:cxnSp>
+        <p:nvCxnSpPr>
+          <p:cNvPr id="51" name="Connector: Elbow 50">
+            <a:extLst>
+              <a:ext uri="{FF2B5EF4-FFF2-40B4-BE49-F238E27FC236}">
+                <a16:creationId xmlns:a16="http://schemas.microsoft.com/office/drawing/2014/main" id="{2F77A8B2-5258-1989-839B-AD93026A7594}"/>
+              </a:ext>
+            </a:extLst>
+          </p:cNvPr>
+          <p:cNvCxnSpPr>
+            <a:cxnSpLocks/>
+            <a:stCxn id="5" idx="3"/>
+            <a:endCxn id="6" idx="1"/>
+          </p:cNvCxnSpPr>
+          <p:nvPr/>
+        </p:nvCxnSpPr>
+        <p:spPr>
+          <a:xfrm>
+            <a:off x="6436232" y="1875525"/>
+            <a:ext cx="639172" cy="1224897"/>
+          </a:xfrm>
+          <a:prstGeom prst="bentConnector3">
+            <a:avLst>
+              <a:gd name="adj1" fmla="val 50000"/>
+            </a:avLst>
+          </a:prstGeom>
+          <a:ln>
+            <a:tailEnd type="triangle"/>
+          </a:ln>
+        </p:spPr>
+        <p:style>
+          <a:lnRef idx="2">
+            <a:schemeClr val="accent1"/>
+          </a:lnRef>
+          <a:fillRef idx="0">
+            <a:schemeClr val="accent1"/>
+          </a:fillRef>
+          <a:effectRef idx="1">
+            <a:schemeClr val="accent1"/>
+          </a:effectRef>
+          <a:fontRef idx="minor">
+            <a:schemeClr val="tx1"/>
+          </a:fontRef>
+        </p:style>
+      </p:cxnSp>
     </p:spTree>
     <p:extLst>
       <p:ext uri="{BB962C8B-B14F-4D97-AF65-F5344CB8AC3E}">
-        <p14:creationId xmlns:p14="http://schemas.microsoft.com/office/powerpoint/2010/main" val="968408821"/>
+        <p14:creationId xmlns:p14="http://schemas.microsoft.com/office/powerpoint/2010/main" val="462011747"/>
+      </p:ext>
+    </p:extLst>
+  </p:cSld>
+  <p:clrMapOvr>
+    <a:masterClrMapping/>
+  </p:clrMapOvr>
+</p:sld>
+</file>
+
+<file path=ppt/slides/slide8.xml><?xml version="1.0" encoding="utf-8"?>
+<p:sld xmlns:a="http://schemas.openxmlformats.org/drawingml/2006/main" xmlns:r="http://schemas.openxmlformats.org/officeDocument/2006/relationships" xmlns:p="http://schemas.openxmlformats.org/presentationml/2006/main">
+  <p:cSld>
+    <p:spTree>
+      <p:nvGrpSpPr>
+        <p:cNvPr id="1" name="">
+          <a:extLst>
+            <a:ext uri="{FF2B5EF4-FFF2-40B4-BE49-F238E27FC236}">
+              <a16:creationId xmlns:a16="http://schemas.microsoft.com/office/drawing/2014/main" id="{9604A4B0-9C46-D429-0F88-3F3420469626}"/>
+            </a:ext>
+          </a:extLst>
+        </p:cNvPr>
+        <p:cNvGrpSpPr/>
+        <p:nvPr/>
+      </p:nvGrpSpPr>
+      <p:grpSpPr>
+        <a:xfrm>
+          <a:off x="0" y="0"/>
+          <a:ext cx="0" cy="0"/>
+          <a:chOff x="0" y="0"/>
+          <a:chExt cx="0" cy="0"/>
+        </a:xfrm>
+      </p:grpSpPr>
+      <p:pic>
+        <p:nvPicPr>
+          <p:cNvPr id="1034" name="Picture 1033">
+            <a:extLst>
+              <a:ext uri="{FF2B5EF4-FFF2-40B4-BE49-F238E27FC236}">
+                <a16:creationId xmlns:a16="http://schemas.microsoft.com/office/drawing/2014/main" id="{995FF5BD-1C02-3EAB-27E5-6BA8CD84AE8F}"/>
+              </a:ext>
+            </a:extLst>
+          </p:cNvPr>
+          <p:cNvPicPr>
+            <a:picLocks noChangeAspect="1"/>
+          </p:cNvPicPr>
+          <p:nvPr/>
+        </p:nvPicPr>
+        <p:blipFill>
+          <a:blip r:embed="rId3"/>
+          <a:stretch>
+            <a:fillRect/>
+          </a:stretch>
+        </p:blipFill>
+        <p:spPr>
+          <a:xfrm flipH="1" flipV="1">
+            <a:off x="5942617" y="3583605"/>
+            <a:ext cx="455911" cy="420421"/>
+          </a:xfrm>
+          <a:prstGeom prst="rect">
+            <a:avLst/>
+          </a:prstGeom>
+        </p:spPr>
+      </p:pic>
+      <p:sp>
+        <p:nvSpPr>
+          <p:cNvPr id="2" name="Title 1">
+            <a:extLst>
+              <a:ext uri="{FF2B5EF4-FFF2-40B4-BE49-F238E27FC236}">
+                <a16:creationId xmlns:a16="http://schemas.microsoft.com/office/drawing/2014/main" id="{9CFCCEC7-29CF-248D-91D0-B092C32595C1}"/>
+              </a:ext>
+            </a:extLst>
+          </p:cNvPr>
+          <p:cNvSpPr>
+            <a:spLocks noGrp="1"/>
+          </p:cNvSpPr>
+          <p:nvPr>
+            <p:ph type="title"/>
+          </p:nvPr>
+        </p:nvSpPr>
+        <p:spPr>
+          <a:xfrm>
+            <a:off x="838200" y="119317"/>
+            <a:ext cx="10515600" cy="551156"/>
+          </a:xfrm>
+        </p:spPr>
+        <p:txBody>
+          <a:bodyPr>
+            <a:normAutofit/>
+          </a:bodyPr>
+          <a:lstStyle/>
+          <a:p>
+            <a:r>
+              <a:rPr lang="en-US" sz="3200" b="1" dirty="0">
+                <a:solidFill>
+                  <a:srgbClr val="000000"/>
+                </a:solidFill>
+                <a:latin typeface="Arial" panose="020B0604020202020204" pitchFamily="34" charset="0"/>
+              </a:rPr>
+              <a:t>Program operation scheme</a:t>
+            </a:r>
+            <a:endParaRPr lang="en-IL" sz="3200" dirty="0"/>
+          </a:p>
+        </p:txBody>
+      </p:sp>
+      <p:pic>
+        <p:nvPicPr>
+          <p:cNvPr id="7" name="Picture 6">
+            <a:extLst>
+              <a:ext uri="{FF2B5EF4-FFF2-40B4-BE49-F238E27FC236}">
+                <a16:creationId xmlns:a16="http://schemas.microsoft.com/office/drawing/2014/main" id="{AC5B0CB6-C8DE-991E-E6CA-0DE376A45043}"/>
+              </a:ext>
+            </a:extLst>
+          </p:cNvPr>
+          <p:cNvPicPr>
+            <a:picLocks noChangeAspect="1"/>
+          </p:cNvPicPr>
+          <p:nvPr/>
+        </p:nvPicPr>
+        <p:blipFill>
+          <a:blip r:embed="rId4"/>
+          <a:stretch>
+            <a:fillRect/>
+          </a:stretch>
+        </p:blipFill>
+        <p:spPr>
+          <a:xfrm>
+            <a:off x="279133" y="737419"/>
+            <a:ext cx="11633734" cy="119871"/>
+          </a:xfrm>
+          <a:prstGeom prst="rect">
+            <a:avLst/>
+          </a:prstGeom>
+        </p:spPr>
+      </p:pic>
+      <p:sp>
+        <p:nvSpPr>
+          <p:cNvPr id="4" name="TextBox 3">
+            <a:extLst>
+              <a:ext uri="{FF2B5EF4-FFF2-40B4-BE49-F238E27FC236}">
+                <a16:creationId xmlns:a16="http://schemas.microsoft.com/office/drawing/2014/main" id="{DFF29AA7-3115-7DB5-D507-8DE000284175}"/>
+              </a:ext>
+            </a:extLst>
+          </p:cNvPr>
+          <p:cNvSpPr txBox="1"/>
+          <p:nvPr/>
+        </p:nvSpPr>
+        <p:spPr>
+          <a:xfrm>
+            <a:off x="11353800" y="194840"/>
+            <a:ext cx="559066" cy="400110"/>
+          </a:xfrm>
+          <a:prstGeom prst="rect">
+            <a:avLst/>
+          </a:prstGeom>
+          <a:noFill/>
+          <a:ln>
+            <a:solidFill>
+              <a:schemeClr val="accent1"/>
+            </a:solidFill>
+          </a:ln>
+        </p:spPr>
+        <p:txBody>
+          <a:bodyPr wrap="square" rtlCol="0">
+            <a:spAutoFit/>
+          </a:bodyPr>
+          <a:lstStyle/>
+          <a:p>
+            <a:pPr algn="ctr"/>
+            <a:r>
+              <a:rPr lang="en-US" sz="2000" b="1" dirty="0"/>
+              <a:t>1</a:t>
+            </a:r>
+            <a:endParaRPr lang="en-IL" sz="2000" b="1" dirty="0"/>
+          </a:p>
+        </p:txBody>
+      </p:sp>
+      <p:sp>
+        <p:nvSpPr>
+          <p:cNvPr id="8" name="TextBox 7">
+            <a:extLst>
+              <a:ext uri="{FF2B5EF4-FFF2-40B4-BE49-F238E27FC236}">
+                <a16:creationId xmlns:a16="http://schemas.microsoft.com/office/drawing/2014/main" id="{C9383AA7-E4B7-80FE-A717-74199491EAE8}"/>
+              </a:ext>
+            </a:extLst>
+          </p:cNvPr>
+          <p:cNvSpPr txBox="1"/>
+          <p:nvPr/>
+        </p:nvSpPr>
+        <p:spPr>
+          <a:xfrm>
+            <a:off x="2723653" y="1040842"/>
+            <a:ext cx="1515534" cy="1669368"/>
+          </a:xfrm>
+          <a:prstGeom prst="rect">
+            <a:avLst/>
+          </a:prstGeom>
+          <a:noFill/>
+          <a:ln w="19050">
+            <a:solidFill>
+              <a:schemeClr val="accent1"/>
+            </a:solidFill>
+          </a:ln>
+          <a:effectLst>
+            <a:reflection endPos="0" dist="50800" dir="5400000" sy="-100000" algn="bl" rotWithShape="0"/>
+            <a:softEdge rad="0"/>
+          </a:effectLst>
+        </p:spPr>
+        <p:txBody>
+          <a:bodyPr wrap="square" rtlCol="0">
+            <a:spAutoFit/>
+          </a:bodyPr>
+          <a:lstStyle/>
+          <a:p>
+            <a:pPr lvl="0">
+              <a:lnSpc>
+                <a:spcPct val="115000"/>
+              </a:lnSpc>
+              <a:spcAft>
+                <a:spcPts val="800"/>
+              </a:spcAft>
+              <a:tabLst>
+                <a:tab pos="457200" algn="l"/>
+              </a:tabLst>
+            </a:pPr>
+            <a:r>
+              <a:rPr lang="en-IL" sz="1800" b="1" kern="100" dirty="0">
+                <a:effectLst/>
+                <a:latin typeface="Aptos" panose="020B0004020202020204" pitchFamily="34" charset="0"/>
+                <a:ea typeface="Aptos" panose="020B0004020202020204" pitchFamily="34" charset="0"/>
+                <a:cs typeface="Arial" panose="020B0604020202020204" pitchFamily="34" charset="0"/>
+              </a:rPr>
+              <a:t>Retrieve Patient Information from Database</a:t>
+            </a:r>
+            <a:endParaRPr lang="en-IL" sz="1800" kern="100" dirty="0">
+              <a:effectLst/>
+              <a:latin typeface="Aptos" panose="020B0004020202020204" pitchFamily="34" charset="0"/>
+              <a:ea typeface="Aptos" panose="020B0004020202020204" pitchFamily="34" charset="0"/>
+              <a:cs typeface="Arial" panose="020B0604020202020204" pitchFamily="34" charset="0"/>
+            </a:endParaRPr>
+          </a:p>
+        </p:txBody>
+      </p:sp>
+      <p:sp>
+        <p:nvSpPr>
+          <p:cNvPr id="10" name="TextBox 9">
+            <a:extLst>
+              <a:ext uri="{FF2B5EF4-FFF2-40B4-BE49-F238E27FC236}">
+                <a16:creationId xmlns:a16="http://schemas.microsoft.com/office/drawing/2014/main" id="{268830A5-E378-89DC-0EB6-C8553FBDC2B4}"/>
+              </a:ext>
+            </a:extLst>
+          </p:cNvPr>
+          <p:cNvSpPr txBox="1"/>
+          <p:nvPr/>
+        </p:nvSpPr>
+        <p:spPr>
+          <a:xfrm>
+            <a:off x="292927" y="1275359"/>
+            <a:ext cx="1752722" cy="1200329"/>
+          </a:xfrm>
+          <a:prstGeom prst="rect">
+            <a:avLst/>
+          </a:prstGeom>
+          <a:noFill/>
+          <a:ln w="19050">
+            <a:solidFill>
+              <a:schemeClr val="accent1"/>
+            </a:solidFill>
+          </a:ln>
+          <a:effectLst>
+            <a:reflection endPos="0" dist="50800" dir="5400000" sy="-100000" algn="bl" rotWithShape="0"/>
+            <a:softEdge rad="0"/>
+          </a:effectLst>
+        </p:spPr>
+        <p:txBody>
+          <a:bodyPr wrap="square" rtlCol="0">
+            <a:spAutoFit/>
+          </a:bodyPr>
+          <a:lstStyle/>
+          <a:p>
+            <a:r>
+              <a:rPr lang="en-IL" sz="1800" b="1" kern="100" dirty="0">
+                <a:effectLst/>
+                <a:latin typeface="Aptos" panose="020B0004020202020204" pitchFamily="34" charset="0"/>
+                <a:ea typeface="Aptos" panose="020B0004020202020204" pitchFamily="34" charset="0"/>
+                <a:cs typeface="Arial" panose="020B0604020202020204" pitchFamily="34" charset="0"/>
+              </a:rPr>
+              <a:t>Patient Identification or New Patient Registration</a:t>
+            </a:r>
+            <a:r>
+              <a:rPr lang="ru-RU" dirty="0"/>
+              <a:t> </a:t>
+            </a:r>
+            <a:endParaRPr lang="en-IL" dirty="0"/>
+          </a:p>
+        </p:txBody>
+      </p:sp>
+      <p:sp>
+        <p:nvSpPr>
+          <p:cNvPr id="5" name="TextBox 4">
+            <a:extLst>
+              <a:ext uri="{FF2B5EF4-FFF2-40B4-BE49-F238E27FC236}">
+                <a16:creationId xmlns:a16="http://schemas.microsoft.com/office/drawing/2014/main" id="{2560838E-3016-A1EB-03B9-606BDA577B89}"/>
+              </a:ext>
+            </a:extLst>
+          </p:cNvPr>
+          <p:cNvSpPr txBox="1"/>
+          <p:nvPr/>
+        </p:nvSpPr>
+        <p:spPr>
+          <a:xfrm>
+            <a:off x="4920698" y="1200115"/>
+            <a:ext cx="1515534" cy="1350819"/>
+          </a:xfrm>
+          <a:prstGeom prst="rect">
+            <a:avLst/>
+          </a:prstGeom>
+          <a:noFill/>
+          <a:ln w="19050">
+            <a:solidFill>
+              <a:schemeClr val="accent1"/>
+            </a:solidFill>
+          </a:ln>
+          <a:effectLst>
+            <a:reflection endPos="0" dist="50800" dir="5400000" sy="-100000" algn="bl" rotWithShape="0"/>
+            <a:softEdge rad="0"/>
+          </a:effectLst>
+        </p:spPr>
+        <p:txBody>
+          <a:bodyPr wrap="square" rtlCol="0">
+            <a:spAutoFit/>
+          </a:bodyPr>
+          <a:lstStyle/>
+          <a:p>
+            <a:pPr lvl="0">
+              <a:lnSpc>
+                <a:spcPct val="115000"/>
+              </a:lnSpc>
+              <a:spcAft>
+                <a:spcPts val="800"/>
+              </a:spcAft>
+              <a:tabLst>
+                <a:tab pos="457200" algn="l"/>
+              </a:tabLst>
+            </a:pPr>
+            <a:r>
+              <a:rPr lang="en-IL" sz="1800" b="1" kern="100" dirty="0">
+                <a:effectLst/>
+                <a:latin typeface="Aptos" panose="020B0004020202020204" pitchFamily="34" charset="0"/>
+                <a:ea typeface="Aptos" panose="020B0004020202020204" pitchFamily="34" charset="0"/>
+                <a:cs typeface="Arial" panose="020B0604020202020204" pitchFamily="34" charset="0"/>
+              </a:rPr>
+              <a:t>Record and Recognize Patient’s Speech</a:t>
+            </a:r>
+            <a:endParaRPr lang="en-IL" sz="1800" kern="100" dirty="0">
+              <a:effectLst/>
+              <a:latin typeface="Aptos" panose="020B0004020202020204" pitchFamily="34" charset="0"/>
+              <a:ea typeface="Aptos" panose="020B0004020202020204" pitchFamily="34" charset="0"/>
+              <a:cs typeface="Arial" panose="020B0604020202020204" pitchFamily="34" charset="0"/>
+            </a:endParaRPr>
+          </a:p>
+        </p:txBody>
+      </p:sp>
+      <p:sp>
+        <p:nvSpPr>
+          <p:cNvPr id="6" name="TextBox 5">
+            <a:extLst>
+              <a:ext uri="{FF2B5EF4-FFF2-40B4-BE49-F238E27FC236}">
+                <a16:creationId xmlns:a16="http://schemas.microsoft.com/office/drawing/2014/main" id="{74B8EC73-3E6A-5A0D-C720-0D8BDB15C4DA}"/>
+              </a:ext>
+            </a:extLst>
+          </p:cNvPr>
+          <p:cNvSpPr txBox="1"/>
+          <p:nvPr/>
+        </p:nvSpPr>
+        <p:spPr>
+          <a:xfrm>
+            <a:off x="7075404" y="2584287"/>
+            <a:ext cx="1770447" cy="1032270"/>
+          </a:xfrm>
+          <a:prstGeom prst="rect">
+            <a:avLst/>
+          </a:prstGeom>
+          <a:noFill/>
+          <a:ln w="19050">
+            <a:solidFill>
+              <a:schemeClr val="accent1"/>
+            </a:solidFill>
+          </a:ln>
+          <a:effectLst>
+            <a:reflection endPos="0" dist="50800" dir="5400000" sy="-100000" algn="bl" rotWithShape="0"/>
+            <a:softEdge rad="0"/>
+          </a:effectLst>
+        </p:spPr>
+        <p:txBody>
+          <a:bodyPr wrap="square" rtlCol="0">
+            <a:spAutoFit/>
+          </a:bodyPr>
+          <a:lstStyle/>
+          <a:p>
+            <a:pPr lvl="0">
+              <a:lnSpc>
+                <a:spcPct val="115000"/>
+              </a:lnSpc>
+              <a:spcAft>
+                <a:spcPts val="800"/>
+              </a:spcAft>
+              <a:tabLst>
+                <a:tab pos="457200" algn="l"/>
+              </a:tabLst>
+            </a:pPr>
+            <a:r>
+              <a:rPr lang="en-IL" sz="1800" b="1" kern="100" dirty="0">
+                <a:effectLst/>
+                <a:latin typeface="Aptos" panose="020B0004020202020204" pitchFamily="34" charset="0"/>
+                <a:ea typeface="Aptos" panose="020B0004020202020204" pitchFamily="34" charset="0"/>
+                <a:cs typeface="Arial" panose="020B0604020202020204" pitchFamily="34" charset="0"/>
+              </a:rPr>
+              <a:t>Analyse Emotional Tone of Voice</a:t>
+            </a:r>
+            <a:endParaRPr lang="en-IL" sz="1800" kern="100" dirty="0">
+              <a:effectLst/>
+              <a:latin typeface="Aptos" panose="020B0004020202020204" pitchFamily="34" charset="0"/>
+              <a:ea typeface="Aptos" panose="020B0004020202020204" pitchFamily="34" charset="0"/>
+              <a:cs typeface="Arial" panose="020B0604020202020204" pitchFamily="34" charset="0"/>
+            </a:endParaRPr>
+          </a:p>
+        </p:txBody>
+      </p:sp>
+      <p:sp>
+        <p:nvSpPr>
+          <p:cNvPr id="13" name="TextBox 12">
+            <a:extLst>
+              <a:ext uri="{FF2B5EF4-FFF2-40B4-BE49-F238E27FC236}">
+                <a16:creationId xmlns:a16="http://schemas.microsoft.com/office/drawing/2014/main" id="{AF72AF56-8D16-E951-4E05-AD8CCA2186CF}"/>
+              </a:ext>
+            </a:extLst>
+          </p:cNvPr>
+          <p:cNvSpPr txBox="1"/>
+          <p:nvPr/>
+        </p:nvSpPr>
+        <p:spPr>
+          <a:xfrm>
+            <a:off x="7075405" y="1045379"/>
+            <a:ext cx="1770446" cy="1350819"/>
+          </a:xfrm>
+          <a:prstGeom prst="rect">
+            <a:avLst/>
+          </a:prstGeom>
+          <a:noFill/>
+          <a:ln w="19050">
+            <a:solidFill>
+              <a:schemeClr val="accent1"/>
+            </a:solidFill>
+          </a:ln>
+          <a:effectLst>
+            <a:reflection endPos="0" dist="50800" dir="5400000" sy="-100000" algn="bl" rotWithShape="0"/>
+            <a:softEdge rad="0"/>
+          </a:effectLst>
+        </p:spPr>
+        <p:txBody>
+          <a:bodyPr wrap="square" rtlCol="0">
+            <a:spAutoFit/>
+          </a:bodyPr>
+          <a:lstStyle/>
+          <a:p>
+            <a:pPr lvl="0">
+              <a:lnSpc>
+                <a:spcPct val="115000"/>
+              </a:lnSpc>
+              <a:spcAft>
+                <a:spcPts val="800"/>
+              </a:spcAft>
+              <a:tabLst>
+                <a:tab pos="457200" algn="l"/>
+              </a:tabLst>
+            </a:pPr>
+            <a:r>
+              <a:rPr lang="en-US" b="1" kern="100" dirty="0">
+                <a:latin typeface="Aptos" panose="020B0004020202020204" pitchFamily="34" charset="0"/>
+                <a:ea typeface="Aptos" panose="020B0004020202020204" pitchFamily="34" charset="0"/>
+                <a:cs typeface="Arial" panose="020B0604020202020204" pitchFamily="34" charset="0"/>
+              </a:rPr>
+              <a:t>Search </a:t>
+            </a:r>
+            <a:r>
+              <a:rPr lang="en-IL" sz="1800" b="1" kern="100" dirty="0">
+                <a:effectLst/>
+                <a:latin typeface="Aptos" panose="020B0004020202020204" pitchFamily="34" charset="0"/>
+                <a:ea typeface="Aptos" panose="020B0004020202020204" pitchFamily="34" charset="0"/>
+                <a:cs typeface="Arial" panose="020B0604020202020204" pitchFamily="34" charset="0"/>
+              </a:rPr>
+              <a:t>Similar and Dissimilar Sessions</a:t>
+            </a:r>
+            <a:r>
+              <a:rPr lang="ru-RU" sz="1800" b="1" kern="100" dirty="0">
+                <a:effectLst/>
+                <a:latin typeface="Aptos" panose="020B0004020202020204" pitchFamily="34" charset="0"/>
+                <a:ea typeface="Aptos" panose="020B0004020202020204" pitchFamily="34" charset="0"/>
+                <a:cs typeface="Arial" panose="020B0604020202020204" pitchFamily="34" charset="0"/>
+              </a:rPr>
+              <a:t> </a:t>
+            </a:r>
+            <a:r>
+              <a:rPr lang="en-US" sz="1800" b="1" kern="100" dirty="0">
+                <a:effectLst/>
+                <a:latin typeface="Aptos" panose="020B0004020202020204" pitchFamily="34" charset="0"/>
+                <a:ea typeface="Aptos" panose="020B0004020202020204" pitchFamily="34" charset="0"/>
+                <a:cs typeface="Arial" panose="020B0604020202020204" pitchFamily="34" charset="0"/>
+              </a:rPr>
+              <a:t>in </a:t>
+            </a:r>
+            <a:r>
+              <a:rPr lang="en-IL" sz="1800" b="1" kern="100" dirty="0">
+                <a:effectLst/>
+                <a:latin typeface="Aptos" panose="020B0004020202020204" pitchFamily="34" charset="0"/>
+                <a:ea typeface="Aptos" panose="020B0004020202020204" pitchFamily="34" charset="0"/>
+                <a:cs typeface="Arial" panose="020B0604020202020204" pitchFamily="34" charset="0"/>
+              </a:rPr>
+              <a:t>Database</a:t>
+            </a:r>
+            <a:endParaRPr lang="en-IL" sz="1800" kern="100" dirty="0">
+              <a:effectLst/>
+              <a:latin typeface="Aptos" panose="020B0004020202020204" pitchFamily="34" charset="0"/>
+              <a:ea typeface="Aptos" panose="020B0004020202020204" pitchFamily="34" charset="0"/>
+              <a:cs typeface="Arial" panose="020B0604020202020204" pitchFamily="34" charset="0"/>
+            </a:endParaRPr>
+          </a:p>
+        </p:txBody>
+      </p:sp>
+      <p:sp>
+        <p:nvSpPr>
+          <p:cNvPr id="16" name="TextBox 15">
+            <a:extLst>
+              <a:ext uri="{FF2B5EF4-FFF2-40B4-BE49-F238E27FC236}">
+                <a16:creationId xmlns:a16="http://schemas.microsoft.com/office/drawing/2014/main" id="{513DBB00-220F-CCE2-C415-EFED84E1C90A}"/>
+              </a:ext>
+            </a:extLst>
+          </p:cNvPr>
+          <p:cNvSpPr txBox="1"/>
+          <p:nvPr/>
+        </p:nvSpPr>
+        <p:spPr>
+          <a:xfrm>
+            <a:off x="9516233" y="1023877"/>
+            <a:ext cx="2426869" cy="2862322"/>
+          </a:xfrm>
+          <a:prstGeom prst="rect">
+            <a:avLst/>
+          </a:prstGeom>
+          <a:noFill/>
+          <a:ln w="19050">
+            <a:solidFill>
+              <a:schemeClr val="accent1"/>
+            </a:solidFill>
+          </a:ln>
+          <a:effectLst>
+            <a:reflection endPos="0" dist="50800" dir="5400000" sy="-100000" algn="bl" rotWithShape="0"/>
+            <a:softEdge rad="0"/>
+          </a:effectLst>
+        </p:spPr>
+        <p:txBody>
+          <a:bodyPr wrap="square" rtlCol="0">
+            <a:spAutoFit/>
+          </a:bodyPr>
+          <a:lstStyle/>
+          <a:p>
+            <a:r>
+              <a:rPr lang="en-US" b="1" dirty="0"/>
+              <a:t>Fine-tuned LLM</a:t>
+            </a:r>
+            <a:r>
+              <a:rPr lang="en-IL" sz="1800" b="1" kern="100" dirty="0">
+                <a:effectLst/>
+                <a:latin typeface="Aptos" panose="020B0004020202020204" pitchFamily="34" charset="0"/>
+                <a:ea typeface="Aptos" panose="020B0004020202020204" pitchFamily="34" charset="0"/>
+                <a:cs typeface="Arial" panose="020B0604020202020204" pitchFamily="34" charset="0"/>
+              </a:rPr>
+              <a:t> “Psychologist” </a:t>
+            </a:r>
+            <a:r>
+              <a:rPr lang="en-IL" sz="1800" kern="100" dirty="0">
+                <a:effectLst/>
+                <a:latin typeface="Aptos" panose="020B0004020202020204" pitchFamily="34" charset="0"/>
+                <a:ea typeface="Aptos" panose="020B0004020202020204" pitchFamily="34" charset="0"/>
+                <a:cs typeface="Arial" panose="020B0604020202020204" pitchFamily="34" charset="0"/>
+              </a:rPr>
+              <a:t>Receives</a:t>
+            </a:r>
+            <a:r>
+              <a:rPr lang="ru-RU" sz="1800" kern="100" dirty="0">
+                <a:effectLst/>
+                <a:latin typeface="Aptos" panose="020B0004020202020204" pitchFamily="34" charset="0"/>
+                <a:ea typeface="Aptos" panose="020B0004020202020204" pitchFamily="34" charset="0"/>
+                <a:cs typeface="Arial" panose="020B0604020202020204" pitchFamily="34" charset="0"/>
+              </a:rPr>
+              <a:t> </a:t>
+            </a:r>
+            <a:r>
+              <a:rPr lang="en-US" sz="1800" kern="100" dirty="0">
+                <a:effectLst/>
+                <a:latin typeface="Aptos" panose="020B0004020202020204" pitchFamily="34" charset="0"/>
+                <a:ea typeface="Aptos" panose="020B0004020202020204" pitchFamily="34" charset="0"/>
+                <a:cs typeface="Arial" panose="020B0604020202020204" pitchFamily="34" charset="0"/>
+              </a:rPr>
+              <a:t>for answer</a:t>
+            </a:r>
+            <a:r>
+              <a:rPr lang="en-IL" sz="1800" kern="100" dirty="0">
+                <a:effectLst/>
+                <a:latin typeface="Aptos" panose="020B0004020202020204" pitchFamily="34" charset="0"/>
+                <a:ea typeface="Aptos" panose="020B0004020202020204" pitchFamily="34" charset="0"/>
+                <a:cs typeface="Arial" panose="020B0604020202020204" pitchFamily="34" charset="0"/>
+              </a:rPr>
+              <a:t>: current session transcript, patient information, summary of the previous session, similar</a:t>
+            </a:r>
+            <a:r>
+              <a:rPr lang="en-US" sz="1800" kern="100" dirty="0">
+                <a:effectLst/>
+                <a:latin typeface="Aptos" panose="020B0004020202020204" pitchFamily="34" charset="0"/>
+                <a:ea typeface="Aptos" panose="020B0004020202020204" pitchFamily="34" charset="0"/>
+                <a:cs typeface="Arial" panose="020B0604020202020204" pitchFamily="34" charset="0"/>
+              </a:rPr>
+              <a:t> and </a:t>
+            </a:r>
+            <a:r>
+              <a:rPr lang="en-IL" sz="1800" kern="100" dirty="0">
+                <a:effectLst/>
+                <a:latin typeface="Aptos" panose="020B0004020202020204" pitchFamily="34" charset="0"/>
+                <a:ea typeface="Aptos" panose="020B0004020202020204" pitchFamily="34" charset="0"/>
+                <a:cs typeface="Arial" panose="020B0604020202020204" pitchFamily="34" charset="0"/>
+              </a:rPr>
+              <a:t>dissimilar sessions</a:t>
+            </a:r>
+            <a:r>
+              <a:rPr lang="en-US" kern="100" dirty="0">
+                <a:latin typeface="Aptos" panose="020B0004020202020204" pitchFamily="34" charset="0"/>
+                <a:ea typeface="Aptos" panose="020B0004020202020204" pitchFamily="34" charset="0"/>
+                <a:cs typeface="Arial" panose="020B0604020202020204" pitchFamily="34" charset="0"/>
+              </a:rPr>
+              <a:t>, emotion description</a:t>
+            </a:r>
+            <a:r>
+              <a:rPr lang="en-IL" sz="1800" kern="100" dirty="0">
+                <a:effectLst/>
+                <a:latin typeface="Aptos" panose="020B0004020202020204" pitchFamily="34" charset="0"/>
+                <a:ea typeface="Aptos" panose="020B0004020202020204" pitchFamily="34" charset="0"/>
+                <a:cs typeface="Arial" panose="020B0604020202020204" pitchFamily="34" charset="0"/>
+              </a:rPr>
+              <a:t>.</a:t>
+            </a:r>
+            <a:endParaRPr lang="en-IL" dirty="0"/>
+          </a:p>
+        </p:txBody>
+      </p:sp>
+      <p:pic>
+        <p:nvPicPr>
+          <p:cNvPr id="15" name="Picture 14">
+            <a:extLst>
+              <a:ext uri="{FF2B5EF4-FFF2-40B4-BE49-F238E27FC236}">
+                <a16:creationId xmlns:a16="http://schemas.microsoft.com/office/drawing/2014/main" id="{DDD6FF35-9370-FA73-D5CA-3E483F3C7D65}"/>
+              </a:ext>
+            </a:extLst>
+          </p:cNvPr>
+          <p:cNvPicPr>
+            <a:picLocks noChangeAspect="1"/>
+          </p:cNvPicPr>
+          <p:nvPr/>
+        </p:nvPicPr>
+        <p:blipFill>
+          <a:blip r:embed="rId5"/>
+          <a:stretch>
+            <a:fillRect/>
+          </a:stretch>
+        </p:blipFill>
+        <p:spPr>
+          <a:xfrm>
+            <a:off x="6019572" y="2001692"/>
+            <a:ext cx="392879" cy="536510"/>
+          </a:xfrm>
+          <a:prstGeom prst="rect">
+            <a:avLst/>
+          </a:prstGeom>
+        </p:spPr>
+      </p:pic>
+      <p:cxnSp>
+        <p:nvCxnSpPr>
+          <p:cNvPr id="21" name="Connector: Elbow 20">
+            <a:extLst>
+              <a:ext uri="{FF2B5EF4-FFF2-40B4-BE49-F238E27FC236}">
+                <a16:creationId xmlns:a16="http://schemas.microsoft.com/office/drawing/2014/main" id="{27759B76-AA32-B802-95C2-BBF58687726F}"/>
+              </a:ext>
+            </a:extLst>
+          </p:cNvPr>
+          <p:cNvCxnSpPr>
+            <a:cxnSpLocks/>
+            <a:stCxn id="13" idx="3"/>
+            <a:endCxn id="16" idx="1"/>
+          </p:cNvCxnSpPr>
+          <p:nvPr/>
+        </p:nvCxnSpPr>
+        <p:spPr>
+          <a:xfrm>
+            <a:off x="8845851" y="1720789"/>
+            <a:ext cx="670382" cy="734249"/>
+          </a:xfrm>
+          <a:prstGeom prst="bentConnector3">
+            <a:avLst/>
+          </a:prstGeom>
+          <a:ln>
+            <a:tailEnd type="triangle"/>
+          </a:ln>
+        </p:spPr>
+        <p:style>
+          <a:lnRef idx="2">
+            <a:schemeClr val="accent1"/>
+          </a:lnRef>
+          <a:fillRef idx="0">
+            <a:schemeClr val="accent1"/>
+          </a:fillRef>
+          <a:effectRef idx="1">
+            <a:schemeClr val="accent1"/>
+          </a:effectRef>
+          <a:fontRef idx="minor">
+            <a:schemeClr val="tx1"/>
+          </a:fontRef>
+        </p:style>
+      </p:cxnSp>
+      <p:cxnSp>
+        <p:nvCxnSpPr>
+          <p:cNvPr id="25" name="Connector: Elbow 24">
+            <a:extLst>
+              <a:ext uri="{FF2B5EF4-FFF2-40B4-BE49-F238E27FC236}">
+                <a16:creationId xmlns:a16="http://schemas.microsoft.com/office/drawing/2014/main" id="{9646515E-61DD-D5B6-06EC-0D6D2AB603BB}"/>
+              </a:ext>
+            </a:extLst>
+          </p:cNvPr>
+          <p:cNvCxnSpPr>
+            <a:cxnSpLocks/>
+            <a:stCxn id="6" idx="3"/>
+            <a:endCxn id="16" idx="1"/>
+          </p:cNvCxnSpPr>
+          <p:nvPr/>
+        </p:nvCxnSpPr>
+        <p:spPr>
+          <a:xfrm flipV="1">
+            <a:off x="8845851" y="2455038"/>
+            <a:ext cx="670382" cy="645384"/>
+          </a:xfrm>
+          <a:prstGeom prst="bentConnector3">
+            <a:avLst>
+              <a:gd name="adj1" fmla="val 50000"/>
+            </a:avLst>
+          </a:prstGeom>
+          <a:ln>
+            <a:tailEnd type="triangle"/>
+          </a:ln>
+        </p:spPr>
+        <p:style>
+          <a:lnRef idx="2">
+            <a:schemeClr val="accent1"/>
+          </a:lnRef>
+          <a:fillRef idx="0">
+            <a:schemeClr val="accent1"/>
+          </a:fillRef>
+          <a:effectRef idx="1">
+            <a:schemeClr val="accent1"/>
+          </a:effectRef>
+          <a:fontRef idx="minor">
+            <a:schemeClr val="tx1"/>
+          </a:fontRef>
+        </p:style>
+      </p:cxnSp>
+      <p:cxnSp>
+        <p:nvCxnSpPr>
+          <p:cNvPr id="29" name="Connector: Elbow 28">
+            <a:extLst>
+              <a:ext uri="{FF2B5EF4-FFF2-40B4-BE49-F238E27FC236}">
+                <a16:creationId xmlns:a16="http://schemas.microsoft.com/office/drawing/2014/main" id="{2C6E82B8-DF9B-C0A5-D2B6-00986CFCB63B}"/>
+              </a:ext>
+            </a:extLst>
+          </p:cNvPr>
+          <p:cNvCxnSpPr>
+            <a:cxnSpLocks/>
+            <a:stCxn id="10" idx="3"/>
+            <a:endCxn id="8" idx="1"/>
+          </p:cNvCxnSpPr>
+          <p:nvPr/>
+        </p:nvCxnSpPr>
+        <p:spPr>
+          <a:xfrm>
+            <a:off x="2045649" y="1875524"/>
+            <a:ext cx="678004" cy="2"/>
+          </a:xfrm>
+          <a:prstGeom prst="bentConnector3">
+            <a:avLst>
+              <a:gd name="adj1" fmla="val 50000"/>
+            </a:avLst>
+          </a:prstGeom>
+          <a:ln>
+            <a:tailEnd type="triangle"/>
+          </a:ln>
+        </p:spPr>
+        <p:style>
+          <a:lnRef idx="2">
+            <a:schemeClr val="accent1"/>
+          </a:lnRef>
+          <a:fillRef idx="0">
+            <a:schemeClr val="accent1"/>
+          </a:fillRef>
+          <a:effectRef idx="1">
+            <a:schemeClr val="accent1"/>
+          </a:effectRef>
+          <a:fontRef idx="minor">
+            <a:schemeClr val="tx1"/>
+          </a:fontRef>
+        </p:style>
+      </p:cxnSp>
+      <p:cxnSp>
+        <p:nvCxnSpPr>
+          <p:cNvPr id="32" name="Connector: Elbow 31">
+            <a:extLst>
+              <a:ext uri="{FF2B5EF4-FFF2-40B4-BE49-F238E27FC236}">
+                <a16:creationId xmlns:a16="http://schemas.microsoft.com/office/drawing/2014/main" id="{24B014C0-1659-CF83-EC1A-873D43696082}"/>
+              </a:ext>
+            </a:extLst>
+          </p:cNvPr>
+          <p:cNvCxnSpPr>
+            <a:cxnSpLocks/>
+            <a:stCxn id="8" idx="3"/>
+            <a:endCxn id="5" idx="1"/>
+          </p:cNvCxnSpPr>
+          <p:nvPr/>
+        </p:nvCxnSpPr>
+        <p:spPr>
+          <a:xfrm flipV="1">
+            <a:off x="4239187" y="1875525"/>
+            <a:ext cx="681511" cy="1"/>
+          </a:xfrm>
+          <a:prstGeom prst="bentConnector3">
+            <a:avLst>
+              <a:gd name="adj1" fmla="val 50000"/>
+            </a:avLst>
+          </a:prstGeom>
+          <a:ln>
+            <a:tailEnd type="triangle"/>
+          </a:ln>
+        </p:spPr>
+        <p:style>
+          <a:lnRef idx="2">
+            <a:schemeClr val="accent1"/>
+          </a:lnRef>
+          <a:fillRef idx="0">
+            <a:schemeClr val="accent1"/>
+          </a:fillRef>
+          <a:effectRef idx="1">
+            <a:schemeClr val="accent1"/>
+          </a:effectRef>
+          <a:fontRef idx="minor">
+            <a:schemeClr val="tx1"/>
+          </a:fontRef>
+        </p:style>
+      </p:cxnSp>
+      <p:cxnSp>
+        <p:nvCxnSpPr>
+          <p:cNvPr id="35" name="Connector: Elbow 34">
+            <a:extLst>
+              <a:ext uri="{FF2B5EF4-FFF2-40B4-BE49-F238E27FC236}">
+                <a16:creationId xmlns:a16="http://schemas.microsoft.com/office/drawing/2014/main" id="{C6269186-4C79-F82C-2E2D-F475ED5DE567}"/>
+              </a:ext>
+            </a:extLst>
+          </p:cNvPr>
+          <p:cNvCxnSpPr>
+            <a:cxnSpLocks/>
+            <a:stCxn id="16" idx="2"/>
+          </p:cNvCxnSpPr>
+          <p:nvPr/>
+        </p:nvCxnSpPr>
+        <p:spPr>
+          <a:xfrm rot="5400000" flipH="1">
+            <a:off x="8421069" y="1577600"/>
+            <a:ext cx="302594" cy="4314604"/>
+          </a:xfrm>
+          <a:prstGeom prst="bentConnector4">
+            <a:avLst>
+              <a:gd name="adj1" fmla="val -124816"/>
+              <a:gd name="adj2" fmla="val 91705"/>
+            </a:avLst>
+          </a:prstGeom>
+          <a:ln>
+            <a:tailEnd type="triangle"/>
+          </a:ln>
+        </p:spPr>
+        <p:style>
+          <a:lnRef idx="2">
+            <a:schemeClr val="accent1"/>
+          </a:lnRef>
+          <a:fillRef idx="0">
+            <a:schemeClr val="accent1"/>
+          </a:fillRef>
+          <a:effectRef idx="1">
+            <a:schemeClr val="accent1"/>
+          </a:effectRef>
+          <a:fontRef idx="minor">
+            <a:schemeClr val="tx1"/>
+          </a:fontRef>
+        </p:style>
+      </p:cxnSp>
+      <p:cxnSp>
+        <p:nvCxnSpPr>
+          <p:cNvPr id="41" name="Connector: Elbow 40">
+            <a:extLst>
+              <a:ext uri="{FF2B5EF4-FFF2-40B4-BE49-F238E27FC236}">
+                <a16:creationId xmlns:a16="http://schemas.microsoft.com/office/drawing/2014/main" id="{AA023E56-FB45-44F8-EADE-01C9F33941D3}"/>
+              </a:ext>
+            </a:extLst>
+          </p:cNvPr>
+          <p:cNvCxnSpPr>
+            <a:cxnSpLocks/>
+            <a:stCxn id="19" idx="0"/>
+            <a:endCxn id="5" idx="2"/>
+          </p:cNvCxnSpPr>
+          <p:nvPr/>
+        </p:nvCxnSpPr>
+        <p:spPr>
+          <a:xfrm rot="5400000" flipH="1" flipV="1">
+            <a:off x="5408614" y="2820784"/>
+            <a:ext cx="539701" cy="2"/>
+          </a:xfrm>
+          <a:prstGeom prst="bentConnector3">
+            <a:avLst>
+              <a:gd name="adj1" fmla="val 50000"/>
+            </a:avLst>
+          </a:prstGeom>
+          <a:ln>
+            <a:tailEnd type="triangle"/>
+          </a:ln>
+        </p:spPr>
+        <p:style>
+          <a:lnRef idx="2">
+            <a:schemeClr val="accent1"/>
+          </a:lnRef>
+          <a:fillRef idx="0">
+            <a:schemeClr val="accent1"/>
+          </a:fillRef>
+          <a:effectRef idx="1">
+            <a:schemeClr val="accent1"/>
+          </a:effectRef>
+          <a:fontRef idx="minor">
+            <a:schemeClr val="tx1"/>
+          </a:fontRef>
+        </p:style>
+      </p:cxnSp>
+      <p:cxnSp>
+        <p:nvCxnSpPr>
+          <p:cNvPr id="48" name="Connector: Elbow 47">
+            <a:extLst>
+              <a:ext uri="{FF2B5EF4-FFF2-40B4-BE49-F238E27FC236}">
+                <a16:creationId xmlns:a16="http://schemas.microsoft.com/office/drawing/2014/main" id="{455EFCDC-C7D5-583D-1342-28910B0383AF}"/>
+              </a:ext>
+            </a:extLst>
+          </p:cNvPr>
+          <p:cNvCxnSpPr>
+            <a:cxnSpLocks/>
+            <a:stCxn id="5" idx="3"/>
+            <a:endCxn id="13" idx="1"/>
+          </p:cNvCxnSpPr>
+          <p:nvPr/>
+        </p:nvCxnSpPr>
+        <p:spPr>
+          <a:xfrm flipV="1">
+            <a:off x="6436232" y="1720789"/>
+            <a:ext cx="639173" cy="154736"/>
+          </a:xfrm>
+          <a:prstGeom prst="bentConnector3">
+            <a:avLst>
+              <a:gd name="adj1" fmla="val 50000"/>
+            </a:avLst>
+          </a:prstGeom>
+          <a:ln>
+            <a:tailEnd type="triangle"/>
+          </a:ln>
+        </p:spPr>
+        <p:style>
+          <a:lnRef idx="2">
+            <a:schemeClr val="accent1"/>
+          </a:lnRef>
+          <a:fillRef idx="0">
+            <a:schemeClr val="accent1"/>
+          </a:fillRef>
+          <a:effectRef idx="1">
+            <a:schemeClr val="accent1"/>
+          </a:effectRef>
+          <a:fontRef idx="minor">
+            <a:schemeClr val="tx1"/>
+          </a:fontRef>
+        </p:style>
+      </p:cxnSp>
+      <p:cxnSp>
+        <p:nvCxnSpPr>
+          <p:cNvPr id="51" name="Connector: Elbow 50">
+            <a:extLst>
+              <a:ext uri="{FF2B5EF4-FFF2-40B4-BE49-F238E27FC236}">
+                <a16:creationId xmlns:a16="http://schemas.microsoft.com/office/drawing/2014/main" id="{C668357E-9697-9C80-38C8-E3AEF262CF49}"/>
+              </a:ext>
+            </a:extLst>
+          </p:cNvPr>
+          <p:cNvCxnSpPr>
+            <a:cxnSpLocks/>
+            <a:stCxn id="5" idx="3"/>
+            <a:endCxn id="6" idx="1"/>
+          </p:cNvCxnSpPr>
+          <p:nvPr/>
+        </p:nvCxnSpPr>
+        <p:spPr>
+          <a:xfrm>
+            <a:off x="6436232" y="1875525"/>
+            <a:ext cx="639172" cy="1224897"/>
+          </a:xfrm>
+          <a:prstGeom prst="bentConnector3">
+            <a:avLst>
+              <a:gd name="adj1" fmla="val 50000"/>
+            </a:avLst>
+          </a:prstGeom>
+          <a:ln>
+            <a:tailEnd type="triangle"/>
+          </a:ln>
+        </p:spPr>
+        <p:style>
+          <a:lnRef idx="2">
+            <a:schemeClr val="accent1"/>
+          </a:lnRef>
+          <a:fillRef idx="0">
+            <a:schemeClr val="accent1"/>
+          </a:fillRef>
+          <a:effectRef idx="1">
+            <a:schemeClr val="accent1"/>
+          </a:effectRef>
+          <a:fontRef idx="minor">
+            <a:schemeClr val="tx1"/>
+          </a:fontRef>
+        </p:style>
+      </p:cxnSp>
+      <p:sp>
+        <p:nvSpPr>
+          <p:cNvPr id="19" name="TextBox 18">
+            <a:extLst>
+              <a:ext uri="{FF2B5EF4-FFF2-40B4-BE49-F238E27FC236}">
+                <a16:creationId xmlns:a16="http://schemas.microsoft.com/office/drawing/2014/main" id="{5E5A83FE-9CFB-5207-05D2-2C44EBBFFD9B}"/>
+              </a:ext>
+            </a:extLst>
+          </p:cNvPr>
+          <p:cNvSpPr txBox="1"/>
+          <p:nvPr/>
+        </p:nvSpPr>
+        <p:spPr>
+          <a:xfrm>
+            <a:off x="4920696" y="3090635"/>
+            <a:ext cx="1515534" cy="923330"/>
+          </a:xfrm>
+          <a:prstGeom prst="rect">
+            <a:avLst/>
+          </a:prstGeom>
+          <a:noFill/>
+          <a:ln w="19050">
+            <a:solidFill>
+              <a:schemeClr val="accent1"/>
+            </a:solidFill>
+          </a:ln>
+          <a:effectLst>
+            <a:reflection endPos="0" dist="50800" dir="5400000" sy="-100000" algn="bl" rotWithShape="0"/>
+            <a:softEdge rad="0"/>
+          </a:effectLst>
+        </p:spPr>
+        <p:txBody>
+          <a:bodyPr wrap="square" rtlCol="0">
+            <a:spAutoFit/>
+          </a:bodyPr>
+          <a:lstStyle/>
+          <a:p>
+            <a:r>
+              <a:rPr lang="en-US" sz="1800" b="1" kern="100" dirty="0">
+                <a:effectLst/>
+                <a:latin typeface="Aptos" panose="020B0004020202020204" pitchFamily="34" charset="0"/>
+                <a:ea typeface="Aptos" panose="020B0004020202020204" pitchFamily="34" charset="0"/>
+                <a:cs typeface="Arial" panose="020B0604020202020204" pitchFamily="34" charset="0"/>
+              </a:rPr>
+              <a:t>Speak LLM answer to Patient</a:t>
+            </a:r>
+            <a:endParaRPr lang="en-IL" dirty="0"/>
+          </a:p>
+        </p:txBody>
+      </p:sp>
+    </p:spTree>
+    <p:extLst>
+      <p:ext uri="{BB962C8B-B14F-4D97-AF65-F5344CB8AC3E}">
+        <p14:creationId xmlns:p14="http://schemas.microsoft.com/office/powerpoint/2010/main" val="716849832"/>
+      </p:ext>
+    </p:extLst>
+  </p:cSld>
+  <p:clrMapOvr>
+    <a:masterClrMapping/>
+  </p:clrMapOvr>
+</p:sld>
+</file>
+
+<file path=ppt/slides/slide9.xml><?xml version="1.0" encoding="utf-8"?>
+<p:sld xmlns:a="http://schemas.openxmlformats.org/drawingml/2006/main" xmlns:r="http://schemas.openxmlformats.org/officeDocument/2006/relationships" xmlns:p="http://schemas.openxmlformats.org/presentationml/2006/main">
+  <p:cSld>
+    <p:spTree>
+      <p:nvGrpSpPr>
+        <p:cNvPr id="1" name="">
+          <a:extLst>
+            <a:ext uri="{FF2B5EF4-FFF2-40B4-BE49-F238E27FC236}">
+              <a16:creationId xmlns:a16="http://schemas.microsoft.com/office/drawing/2014/main" id="{B46F787D-CA41-9D95-FD65-27369EB8A6E3}"/>
+            </a:ext>
+          </a:extLst>
+        </p:cNvPr>
+        <p:cNvGrpSpPr/>
+        <p:nvPr/>
+      </p:nvGrpSpPr>
+      <p:grpSpPr>
+        <a:xfrm>
+          <a:off x="0" y="0"/>
+          <a:ext cx="0" cy="0"/>
+          <a:chOff x="0" y="0"/>
+          <a:chExt cx="0" cy="0"/>
+        </a:xfrm>
+      </p:grpSpPr>
+      <p:pic>
+        <p:nvPicPr>
+          <p:cNvPr id="1034" name="Picture 1033">
+            <a:extLst>
+              <a:ext uri="{FF2B5EF4-FFF2-40B4-BE49-F238E27FC236}">
+                <a16:creationId xmlns:a16="http://schemas.microsoft.com/office/drawing/2014/main" id="{94BC8B16-909C-6FDF-0F19-1DC8F8580144}"/>
+              </a:ext>
+            </a:extLst>
+          </p:cNvPr>
+          <p:cNvPicPr>
+            <a:picLocks noChangeAspect="1"/>
+          </p:cNvPicPr>
+          <p:nvPr/>
+        </p:nvPicPr>
+        <p:blipFill>
+          <a:blip r:embed="rId3"/>
+          <a:stretch>
+            <a:fillRect/>
+          </a:stretch>
+        </p:blipFill>
+        <p:spPr>
+          <a:xfrm flipH="1" flipV="1">
+            <a:off x="5942617" y="3583605"/>
+            <a:ext cx="455911" cy="420421"/>
+          </a:xfrm>
+          <a:prstGeom prst="rect">
+            <a:avLst/>
+          </a:prstGeom>
+        </p:spPr>
+      </p:pic>
+      <p:sp>
+        <p:nvSpPr>
+          <p:cNvPr id="2" name="Title 1">
+            <a:extLst>
+              <a:ext uri="{FF2B5EF4-FFF2-40B4-BE49-F238E27FC236}">
+                <a16:creationId xmlns:a16="http://schemas.microsoft.com/office/drawing/2014/main" id="{69B59632-41BC-C2BB-488F-88A7E58F1279}"/>
+              </a:ext>
+            </a:extLst>
+          </p:cNvPr>
+          <p:cNvSpPr>
+            <a:spLocks noGrp="1"/>
+          </p:cNvSpPr>
+          <p:nvPr>
+            <p:ph type="title"/>
+          </p:nvPr>
+        </p:nvSpPr>
+        <p:spPr>
+          <a:xfrm>
+            <a:off x="838200" y="119317"/>
+            <a:ext cx="10515600" cy="551156"/>
+          </a:xfrm>
+        </p:spPr>
+        <p:txBody>
+          <a:bodyPr>
+            <a:normAutofit/>
+          </a:bodyPr>
+          <a:lstStyle/>
+          <a:p>
+            <a:r>
+              <a:rPr lang="en-US" sz="3200" b="1" dirty="0">
+                <a:solidFill>
+                  <a:srgbClr val="000000"/>
+                </a:solidFill>
+                <a:latin typeface="Arial" panose="020B0604020202020204" pitchFamily="34" charset="0"/>
+              </a:rPr>
+              <a:t>Program operation scheme</a:t>
+            </a:r>
+            <a:endParaRPr lang="en-IL" sz="3200" dirty="0"/>
+          </a:p>
+        </p:txBody>
+      </p:sp>
+      <p:pic>
+        <p:nvPicPr>
+          <p:cNvPr id="7" name="Picture 6">
+            <a:extLst>
+              <a:ext uri="{FF2B5EF4-FFF2-40B4-BE49-F238E27FC236}">
+                <a16:creationId xmlns:a16="http://schemas.microsoft.com/office/drawing/2014/main" id="{10F1C43C-D3FD-952C-17A4-D91521CF5690}"/>
+              </a:ext>
+            </a:extLst>
+          </p:cNvPr>
+          <p:cNvPicPr>
+            <a:picLocks noChangeAspect="1"/>
+          </p:cNvPicPr>
+          <p:nvPr/>
+        </p:nvPicPr>
+        <p:blipFill>
+          <a:blip r:embed="rId4"/>
+          <a:stretch>
+            <a:fillRect/>
+          </a:stretch>
+        </p:blipFill>
+        <p:spPr>
+          <a:xfrm>
+            <a:off x="279133" y="737419"/>
+            <a:ext cx="11633734" cy="119871"/>
+          </a:xfrm>
+          <a:prstGeom prst="rect">
+            <a:avLst/>
+          </a:prstGeom>
+        </p:spPr>
+      </p:pic>
+      <p:sp>
+        <p:nvSpPr>
+          <p:cNvPr id="4" name="TextBox 3">
+            <a:extLst>
+              <a:ext uri="{FF2B5EF4-FFF2-40B4-BE49-F238E27FC236}">
+                <a16:creationId xmlns:a16="http://schemas.microsoft.com/office/drawing/2014/main" id="{A54DDBE6-1A13-5D74-74E3-AF6314679823}"/>
+              </a:ext>
+            </a:extLst>
+          </p:cNvPr>
+          <p:cNvSpPr txBox="1"/>
+          <p:nvPr/>
+        </p:nvSpPr>
+        <p:spPr>
+          <a:xfrm>
+            <a:off x="11353800" y="194840"/>
+            <a:ext cx="559066" cy="400110"/>
+          </a:xfrm>
+          <a:prstGeom prst="rect">
+            <a:avLst/>
+          </a:prstGeom>
+          <a:noFill/>
+          <a:ln>
+            <a:solidFill>
+              <a:schemeClr val="accent1"/>
+            </a:solidFill>
+          </a:ln>
+        </p:spPr>
+        <p:txBody>
+          <a:bodyPr wrap="square" rtlCol="0">
+            <a:spAutoFit/>
+          </a:bodyPr>
+          <a:lstStyle/>
+          <a:p>
+            <a:pPr algn="ctr"/>
+            <a:r>
+              <a:rPr lang="en-US" sz="2000" b="1" dirty="0"/>
+              <a:t>1</a:t>
+            </a:r>
+            <a:endParaRPr lang="en-IL" sz="2000" b="1" dirty="0"/>
+          </a:p>
+        </p:txBody>
+      </p:sp>
+      <p:sp>
+        <p:nvSpPr>
+          <p:cNvPr id="8" name="TextBox 7">
+            <a:extLst>
+              <a:ext uri="{FF2B5EF4-FFF2-40B4-BE49-F238E27FC236}">
+                <a16:creationId xmlns:a16="http://schemas.microsoft.com/office/drawing/2014/main" id="{7B93F3E7-63F5-8CA9-6F0B-806599AA1526}"/>
+              </a:ext>
+            </a:extLst>
+          </p:cNvPr>
+          <p:cNvSpPr txBox="1"/>
+          <p:nvPr/>
+        </p:nvSpPr>
+        <p:spPr>
+          <a:xfrm>
+            <a:off x="2723653" y="1040842"/>
+            <a:ext cx="1515534" cy="1669368"/>
+          </a:xfrm>
+          <a:prstGeom prst="rect">
+            <a:avLst/>
+          </a:prstGeom>
+          <a:noFill/>
+          <a:ln w="19050">
+            <a:solidFill>
+              <a:schemeClr val="accent1"/>
+            </a:solidFill>
+          </a:ln>
+          <a:effectLst>
+            <a:reflection endPos="0" dist="50800" dir="5400000" sy="-100000" algn="bl" rotWithShape="0"/>
+            <a:softEdge rad="0"/>
+          </a:effectLst>
+        </p:spPr>
+        <p:txBody>
+          <a:bodyPr wrap="square" rtlCol="0">
+            <a:spAutoFit/>
+          </a:bodyPr>
+          <a:lstStyle/>
+          <a:p>
+            <a:pPr lvl="0">
+              <a:lnSpc>
+                <a:spcPct val="115000"/>
+              </a:lnSpc>
+              <a:spcAft>
+                <a:spcPts val="800"/>
+              </a:spcAft>
+              <a:tabLst>
+                <a:tab pos="457200" algn="l"/>
+              </a:tabLst>
+            </a:pPr>
+            <a:r>
+              <a:rPr lang="en-IL" sz="1800" b="1" kern="100" dirty="0">
+                <a:effectLst/>
+                <a:latin typeface="Aptos" panose="020B0004020202020204" pitchFamily="34" charset="0"/>
+                <a:ea typeface="Aptos" panose="020B0004020202020204" pitchFamily="34" charset="0"/>
+                <a:cs typeface="Arial" panose="020B0604020202020204" pitchFamily="34" charset="0"/>
+              </a:rPr>
+              <a:t>Retrieve Patient Information from Database</a:t>
+            </a:r>
+            <a:endParaRPr lang="en-IL" sz="1800" kern="100" dirty="0">
+              <a:effectLst/>
+              <a:latin typeface="Aptos" panose="020B0004020202020204" pitchFamily="34" charset="0"/>
+              <a:ea typeface="Aptos" panose="020B0004020202020204" pitchFamily="34" charset="0"/>
+              <a:cs typeface="Arial" panose="020B0604020202020204" pitchFamily="34" charset="0"/>
+            </a:endParaRPr>
+          </a:p>
+        </p:txBody>
+      </p:sp>
+      <p:sp>
+        <p:nvSpPr>
+          <p:cNvPr id="10" name="TextBox 9">
+            <a:extLst>
+              <a:ext uri="{FF2B5EF4-FFF2-40B4-BE49-F238E27FC236}">
+                <a16:creationId xmlns:a16="http://schemas.microsoft.com/office/drawing/2014/main" id="{12B715ED-880F-A433-EB07-6FD0217061DC}"/>
+              </a:ext>
+            </a:extLst>
+          </p:cNvPr>
+          <p:cNvSpPr txBox="1"/>
+          <p:nvPr/>
+        </p:nvSpPr>
+        <p:spPr>
+          <a:xfrm>
+            <a:off x="292927" y="1275359"/>
+            <a:ext cx="1752722" cy="1200329"/>
+          </a:xfrm>
+          <a:prstGeom prst="rect">
+            <a:avLst/>
+          </a:prstGeom>
+          <a:noFill/>
+          <a:ln w="19050">
+            <a:solidFill>
+              <a:schemeClr val="accent1"/>
+            </a:solidFill>
+          </a:ln>
+          <a:effectLst>
+            <a:reflection endPos="0" dist="50800" dir="5400000" sy="-100000" algn="bl" rotWithShape="0"/>
+            <a:softEdge rad="0"/>
+          </a:effectLst>
+        </p:spPr>
+        <p:txBody>
+          <a:bodyPr wrap="square" rtlCol="0">
+            <a:spAutoFit/>
+          </a:bodyPr>
+          <a:lstStyle/>
+          <a:p>
+            <a:r>
+              <a:rPr lang="en-IL" sz="1800" b="1" kern="100" dirty="0">
+                <a:effectLst/>
+                <a:latin typeface="Aptos" panose="020B0004020202020204" pitchFamily="34" charset="0"/>
+                <a:ea typeface="Aptos" panose="020B0004020202020204" pitchFamily="34" charset="0"/>
+                <a:cs typeface="Arial" panose="020B0604020202020204" pitchFamily="34" charset="0"/>
+              </a:rPr>
+              <a:t>Patient Identification or New Patient Registration</a:t>
+            </a:r>
+            <a:r>
+              <a:rPr lang="ru-RU" dirty="0"/>
+              <a:t> </a:t>
+            </a:r>
+            <a:endParaRPr lang="en-IL" dirty="0"/>
+          </a:p>
+        </p:txBody>
+      </p:sp>
+      <p:sp>
+        <p:nvSpPr>
+          <p:cNvPr id="5" name="TextBox 4">
+            <a:extLst>
+              <a:ext uri="{FF2B5EF4-FFF2-40B4-BE49-F238E27FC236}">
+                <a16:creationId xmlns:a16="http://schemas.microsoft.com/office/drawing/2014/main" id="{8A4B5609-42F1-879E-1985-C294F3E8947C}"/>
+              </a:ext>
+            </a:extLst>
+          </p:cNvPr>
+          <p:cNvSpPr txBox="1"/>
+          <p:nvPr/>
+        </p:nvSpPr>
+        <p:spPr>
+          <a:xfrm>
+            <a:off x="4920698" y="1200115"/>
+            <a:ext cx="1515534" cy="1350819"/>
+          </a:xfrm>
+          <a:prstGeom prst="rect">
+            <a:avLst/>
+          </a:prstGeom>
+          <a:noFill/>
+          <a:ln w="19050">
+            <a:solidFill>
+              <a:schemeClr val="accent1"/>
+            </a:solidFill>
+          </a:ln>
+          <a:effectLst>
+            <a:reflection endPos="0" dist="50800" dir="5400000" sy="-100000" algn="bl" rotWithShape="0"/>
+            <a:softEdge rad="0"/>
+          </a:effectLst>
+        </p:spPr>
+        <p:txBody>
+          <a:bodyPr wrap="square" rtlCol="0">
+            <a:spAutoFit/>
+          </a:bodyPr>
+          <a:lstStyle/>
+          <a:p>
+            <a:pPr lvl="0">
+              <a:lnSpc>
+                <a:spcPct val="115000"/>
+              </a:lnSpc>
+              <a:spcAft>
+                <a:spcPts val="800"/>
+              </a:spcAft>
+              <a:tabLst>
+                <a:tab pos="457200" algn="l"/>
+              </a:tabLst>
+            </a:pPr>
+            <a:r>
+              <a:rPr lang="en-IL" sz="1800" b="1" kern="100" dirty="0">
+                <a:effectLst/>
+                <a:latin typeface="Aptos" panose="020B0004020202020204" pitchFamily="34" charset="0"/>
+                <a:ea typeface="Aptos" panose="020B0004020202020204" pitchFamily="34" charset="0"/>
+                <a:cs typeface="Arial" panose="020B0604020202020204" pitchFamily="34" charset="0"/>
+              </a:rPr>
+              <a:t>Record and Recognize Patient’s Speech</a:t>
+            </a:r>
+            <a:endParaRPr lang="en-IL" sz="1800" kern="100" dirty="0">
+              <a:effectLst/>
+              <a:latin typeface="Aptos" panose="020B0004020202020204" pitchFamily="34" charset="0"/>
+              <a:ea typeface="Aptos" panose="020B0004020202020204" pitchFamily="34" charset="0"/>
+              <a:cs typeface="Arial" panose="020B0604020202020204" pitchFamily="34" charset="0"/>
+            </a:endParaRPr>
+          </a:p>
+        </p:txBody>
+      </p:sp>
+      <p:sp>
+        <p:nvSpPr>
+          <p:cNvPr id="6" name="TextBox 5">
+            <a:extLst>
+              <a:ext uri="{FF2B5EF4-FFF2-40B4-BE49-F238E27FC236}">
+                <a16:creationId xmlns:a16="http://schemas.microsoft.com/office/drawing/2014/main" id="{143F4352-AAE3-E165-A1E3-37A3D0BC9CBA}"/>
+              </a:ext>
+            </a:extLst>
+          </p:cNvPr>
+          <p:cNvSpPr txBox="1"/>
+          <p:nvPr/>
+        </p:nvSpPr>
+        <p:spPr>
+          <a:xfrm>
+            <a:off x="7075404" y="2584287"/>
+            <a:ext cx="1770447" cy="1032270"/>
+          </a:xfrm>
+          <a:prstGeom prst="rect">
+            <a:avLst/>
+          </a:prstGeom>
+          <a:noFill/>
+          <a:ln w="19050">
+            <a:solidFill>
+              <a:schemeClr val="accent1"/>
+            </a:solidFill>
+          </a:ln>
+          <a:effectLst>
+            <a:reflection endPos="0" dist="50800" dir="5400000" sy="-100000" algn="bl" rotWithShape="0"/>
+            <a:softEdge rad="0"/>
+          </a:effectLst>
+        </p:spPr>
+        <p:txBody>
+          <a:bodyPr wrap="square" rtlCol="0">
+            <a:spAutoFit/>
+          </a:bodyPr>
+          <a:lstStyle/>
+          <a:p>
+            <a:pPr lvl="0">
+              <a:lnSpc>
+                <a:spcPct val="115000"/>
+              </a:lnSpc>
+              <a:spcAft>
+                <a:spcPts val="800"/>
+              </a:spcAft>
+              <a:tabLst>
+                <a:tab pos="457200" algn="l"/>
+              </a:tabLst>
+            </a:pPr>
+            <a:r>
+              <a:rPr lang="en-IL" sz="1800" b="1" kern="100" dirty="0">
+                <a:effectLst/>
+                <a:latin typeface="Aptos" panose="020B0004020202020204" pitchFamily="34" charset="0"/>
+                <a:ea typeface="Aptos" panose="020B0004020202020204" pitchFamily="34" charset="0"/>
+                <a:cs typeface="Arial" panose="020B0604020202020204" pitchFamily="34" charset="0"/>
+              </a:rPr>
+              <a:t>Analyse Emotional Tone of Voice</a:t>
+            </a:r>
+            <a:endParaRPr lang="en-IL" sz="1800" kern="100" dirty="0">
+              <a:effectLst/>
+              <a:latin typeface="Aptos" panose="020B0004020202020204" pitchFamily="34" charset="0"/>
+              <a:ea typeface="Aptos" panose="020B0004020202020204" pitchFamily="34" charset="0"/>
+              <a:cs typeface="Arial" panose="020B0604020202020204" pitchFamily="34" charset="0"/>
+            </a:endParaRPr>
+          </a:p>
+        </p:txBody>
+      </p:sp>
+      <p:sp>
+        <p:nvSpPr>
+          <p:cNvPr id="13" name="TextBox 12">
+            <a:extLst>
+              <a:ext uri="{FF2B5EF4-FFF2-40B4-BE49-F238E27FC236}">
+                <a16:creationId xmlns:a16="http://schemas.microsoft.com/office/drawing/2014/main" id="{0E0F6B81-3CB8-D393-C50B-AF74878A4E07}"/>
+              </a:ext>
+            </a:extLst>
+          </p:cNvPr>
+          <p:cNvSpPr txBox="1"/>
+          <p:nvPr/>
+        </p:nvSpPr>
+        <p:spPr>
+          <a:xfrm>
+            <a:off x="7075405" y="1045379"/>
+            <a:ext cx="1770446" cy="1350819"/>
+          </a:xfrm>
+          <a:prstGeom prst="rect">
+            <a:avLst/>
+          </a:prstGeom>
+          <a:noFill/>
+          <a:ln w="19050">
+            <a:solidFill>
+              <a:schemeClr val="accent1"/>
+            </a:solidFill>
+          </a:ln>
+          <a:effectLst>
+            <a:reflection endPos="0" dist="50800" dir="5400000" sy="-100000" algn="bl" rotWithShape="0"/>
+            <a:softEdge rad="0"/>
+          </a:effectLst>
+        </p:spPr>
+        <p:txBody>
+          <a:bodyPr wrap="square" rtlCol="0">
+            <a:spAutoFit/>
+          </a:bodyPr>
+          <a:lstStyle/>
+          <a:p>
+            <a:pPr lvl="0">
+              <a:lnSpc>
+                <a:spcPct val="115000"/>
+              </a:lnSpc>
+              <a:spcAft>
+                <a:spcPts val="800"/>
+              </a:spcAft>
+              <a:tabLst>
+                <a:tab pos="457200" algn="l"/>
+              </a:tabLst>
+            </a:pPr>
+            <a:r>
+              <a:rPr lang="en-US" b="1" kern="100" dirty="0">
+                <a:latin typeface="Aptos" panose="020B0004020202020204" pitchFamily="34" charset="0"/>
+                <a:ea typeface="Aptos" panose="020B0004020202020204" pitchFamily="34" charset="0"/>
+                <a:cs typeface="Arial" panose="020B0604020202020204" pitchFamily="34" charset="0"/>
+              </a:rPr>
+              <a:t>Search </a:t>
+            </a:r>
+            <a:r>
+              <a:rPr lang="en-IL" sz="1800" b="1" kern="100" dirty="0">
+                <a:effectLst/>
+                <a:latin typeface="Aptos" panose="020B0004020202020204" pitchFamily="34" charset="0"/>
+                <a:ea typeface="Aptos" panose="020B0004020202020204" pitchFamily="34" charset="0"/>
+                <a:cs typeface="Arial" panose="020B0604020202020204" pitchFamily="34" charset="0"/>
+              </a:rPr>
+              <a:t>Similar and Dissimilar Sessions</a:t>
+            </a:r>
+            <a:r>
+              <a:rPr lang="ru-RU" sz="1800" b="1" kern="100" dirty="0">
+                <a:effectLst/>
+                <a:latin typeface="Aptos" panose="020B0004020202020204" pitchFamily="34" charset="0"/>
+                <a:ea typeface="Aptos" panose="020B0004020202020204" pitchFamily="34" charset="0"/>
+                <a:cs typeface="Arial" panose="020B0604020202020204" pitchFamily="34" charset="0"/>
+              </a:rPr>
+              <a:t> </a:t>
+            </a:r>
+            <a:r>
+              <a:rPr lang="en-US" sz="1800" b="1" kern="100" dirty="0">
+                <a:effectLst/>
+                <a:latin typeface="Aptos" panose="020B0004020202020204" pitchFamily="34" charset="0"/>
+                <a:ea typeface="Aptos" panose="020B0004020202020204" pitchFamily="34" charset="0"/>
+                <a:cs typeface="Arial" panose="020B0604020202020204" pitchFamily="34" charset="0"/>
+              </a:rPr>
+              <a:t>in </a:t>
+            </a:r>
+            <a:r>
+              <a:rPr lang="en-IL" sz="1800" b="1" kern="100" dirty="0">
+                <a:effectLst/>
+                <a:latin typeface="Aptos" panose="020B0004020202020204" pitchFamily="34" charset="0"/>
+                <a:ea typeface="Aptos" panose="020B0004020202020204" pitchFamily="34" charset="0"/>
+                <a:cs typeface="Arial" panose="020B0604020202020204" pitchFamily="34" charset="0"/>
+              </a:rPr>
+              <a:t>Database</a:t>
+            </a:r>
+            <a:endParaRPr lang="en-IL" sz="1800" kern="100" dirty="0">
+              <a:effectLst/>
+              <a:latin typeface="Aptos" panose="020B0004020202020204" pitchFamily="34" charset="0"/>
+              <a:ea typeface="Aptos" panose="020B0004020202020204" pitchFamily="34" charset="0"/>
+              <a:cs typeface="Arial" panose="020B0604020202020204" pitchFamily="34" charset="0"/>
+            </a:endParaRPr>
+          </a:p>
+        </p:txBody>
+      </p:sp>
+      <p:sp>
+        <p:nvSpPr>
+          <p:cNvPr id="16" name="TextBox 15">
+            <a:extLst>
+              <a:ext uri="{FF2B5EF4-FFF2-40B4-BE49-F238E27FC236}">
+                <a16:creationId xmlns:a16="http://schemas.microsoft.com/office/drawing/2014/main" id="{9D77EFDA-6DFB-35DE-3197-28AA26A907F6}"/>
+              </a:ext>
+            </a:extLst>
+          </p:cNvPr>
+          <p:cNvSpPr txBox="1"/>
+          <p:nvPr/>
+        </p:nvSpPr>
+        <p:spPr>
+          <a:xfrm>
+            <a:off x="9516233" y="1023877"/>
+            <a:ext cx="2426869" cy="2862322"/>
+          </a:xfrm>
+          <a:prstGeom prst="rect">
+            <a:avLst/>
+          </a:prstGeom>
+          <a:noFill/>
+          <a:ln w="19050">
+            <a:solidFill>
+              <a:schemeClr val="accent1"/>
+            </a:solidFill>
+          </a:ln>
+          <a:effectLst>
+            <a:reflection endPos="0" dist="50800" dir="5400000" sy="-100000" algn="bl" rotWithShape="0"/>
+            <a:softEdge rad="0"/>
+          </a:effectLst>
+        </p:spPr>
+        <p:txBody>
+          <a:bodyPr wrap="square" rtlCol="0">
+            <a:spAutoFit/>
+          </a:bodyPr>
+          <a:lstStyle/>
+          <a:p>
+            <a:r>
+              <a:rPr lang="en-US" b="1" dirty="0"/>
+              <a:t>Fine-tuned LLM</a:t>
+            </a:r>
+            <a:r>
+              <a:rPr lang="en-IL" sz="1800" b="1" kern="100" dirty="0">
+                <a:effectLst/>
+                <a:latin typeface="Aptos" panose="020B0004020202020204" pitchFamily="34" charset="0"/>
+                <a:ea typeface="Aptos" panose="020B0004020202020204" pitchFamily="34" charset="0"/>
+                <a:cs typeface="Arial" panose="020B0604020202020204" pitchFamily="34" charset="0"/>
+              </a:rPr>
+              <a:t> “Psychologist” </a:t>
+            </a:r>
+            <a:r>
+              <a:rPr lang="en-IL" sz="1800" kern="100" dirty="0">
+                <a:effectLst/>
+                <a:latin typeface="Aptos" panose="020B0004020202020204" pitchFamily="34" charset="0"/>
+                <a:ea typeface="Aptos" panose="020B0004020202020204" pitchFamily="34" charset="0"/>
+                <a:cs typeface="Arial" panose="020B0604020202020204" pitchFamily="34" charset="0"/>
+              </a:rPr>
+              <a:t>Receives</a:t>
+            </a:r>
+            <a:r>
+              <a:rPr lang="ru-RU" sz="1800" kern="100" dirty="0">
+                <a:effectLst/>
+                <a:latin typeface="Aptos" panose="020B0004020202020204" pitchFamily="34" charset="0"/>
+                <a:ea typeface="Aptos" panose="020B0004020202020204" pitchFamily="34" charset="0"/>
+                <a:cs typeface="Arial" panose="020B0604020202020204" pitchFamily="34" charset="0"/>
+              </a:rPr>
+              <a:t> </a:t>
+            </a:r>
+            <a:r>
+              <a:rPr lang="en-US" sz="1800" kern="100" dirty="0">
+                <a:effectLst/>
+                <a:latin typeface="Aptos" panose="020B0004020202020204" pitchFamily="34" charset="0"/>
+                <a:ea typeface="Aptos" panose="020B0004020202020204" pitchFamily="34" charset="0"/>
+                <a:cs typeface="Arial" panose="020B0604020202020204" pitchFamily="34" charset="0"/>
+              </a:rPr>
+              <a:t>for answer</a:t>
+            </a:r>
+            <a:r>
+              <a:rPr lang="en-IL" sz="1800" kern="100" dirty="0">
+                <a:effectLst/>
+                <a:latin typeface="Aptos" panose="020B0004020202020204" pitchFamily="34" charset="0"/>
+                <a:ea typeface="Aptos" panose="020B0004020202020204" pitchFamily="34" charset="0"/>
+                <a:cs typeface="Arial" panose="020B0604020202020204" pitchFamily="34" charset="0"/>
+              </a:rPr>
+              <a:t>: current session transcript, patient information, summary of the previous session, similar</a:t>
+            </a:r>
+            <a:r>
+              <a:rPr lang="en-US" sz="1800" kern="100" dirty="0">
+                <a:effectLst/>
+                <a:latin typeface="Aptos" panose="020B0004020202020204" pitchFamily="34" charset="0"/>
+                <a:ea typeface="Aptos" panose="020B0004020202020204" pitchFamily="34" charset="0"/>
+                <a:cs typeface="Arial" panose="020B0604020202020204" pitchFamily="34" charset="0"/>
+              </a:rPr>
+              <a:t> and </a:t>
+            </a:r>
+            <a:r>
+              <a:rPr lang="en-IL" sz="1800" kern="100" dirty="0">
+                <a:effectLst/>
+                <a:latin typeface="Aptos" panose="020B0004020202020204" pitchFamily="34" charset="0"/>
+                <a:ea typeface="Aptos" panose="020B0004020202020204" pitchFamily="34" charset="0"/>
+                <a:cs typeface="Arial" panose="020B0604020202020204" pitchFamily="34" charset="0"/>
+              </a:rPr>
+              <a:t>dissimilar sessions</a:t>
+            </a:r>
+            <a:r>
+              <a:rPr lang="en-US" kern="100" dirty="0">
+                <a:latin typeface="Aptos" panose="020B0004020202020204" pitchFamily="34" charset="0"/>
+                <a:ea typeface="Aptos" panose="020B0004020202020204" pitchFamily="34" charset="0"/>
+                <a:cs typeface="Arial" panose="020B0604020202020204" pitchFamily="34" charset="0"/>
+              </a:rPr>
+              <a:t>, emotion description</a:t>
+            </a:r>
+            <a:r>
+              <a:rPr lang="en-IL" sz="1800" kern="100" dirty="0">
+                <a:effectLst/>
+                <a:latin typeface="Aptos" panose="020B0004020202020204" pitchFamily="34" charset="0"/>
+                <a:ea typeface="Aptos" panose="020B0004020202020204" pitchFamily="34" charset="0"/>
+                <a:cs typeface="Arial" panose="020B0604020202020204" pitchFamily="34" charset="0"/>
+              </a:rPr>
+              <a:t>.</a:t>
+            </a:r>
+            <a:endParaRPr lang="en-IL" dirty="0"/>
+          </a:p>
+        </p:txBody>
+      </p:sp>
+      <p:sp>
+        <p:nvSpPr>
+          <p:cNvPr id="17" name="TextBox 16">
+            <a:extLst>
+              <a:ext uri="{FF2B5EF4-FFF2-40B4-BE49-F238E27FC236}">
+                <a16:creationId xmlns:a16="http://schemas.microsoft.com/office/drawing/2014/main" id="{223DE7AB-A656-BE7E-2D76-A7E714423F88}"/>
+              </a:ext>
+            </a:extLst>
+          </p:cNvPr>
+          <p:cNvSpPr txBox="1"/>
+          <p:nvPr/>
+        </p:nvSpPr>
+        <p:spPr>
+          <a:xfrm>
+            <a:off x="2743531" y="4804144"/>
+            <a:ext cx="3690606" cy="1754326"/>
+          </a:xfrm>
+          <a:prstGeom prst="rect">
+            <a:avLst/>
+          </a:prstGeom>
+          <a:noFill/>
+          <a:ln w="19050">
+            <a:solidFill>
+              <a:schemeClr val="accent1"/>
+            </a:solidFill>
+          </a:ln>
+          <a:effectLst>
+            <a:reflection endPos="0" dist="50800" dir="5400000" sy="-100000" algn="bl" rotWithShape="0"/>
+            <a:softEdge rad="0"/>
+          </a:effectLst>
+        </p:spPr>
+        <p:txBody>
+          <a:bodyPr wrap="square" rtlCol="0">
+            <a:spAutoFit/>
+          </a:bodyPr>
+          <a:lstStyle/>
+          <a:p>
+            <a:r>
+              <a:rPr lang="en-US" b="1" dirty="0"/>
+              <a:t>Fine-tuned LLM</a:t>
+            </a:r>
+            <a:r>
+              <a:rPr lang="en-IL" sz="1800" b="1" kern="100" dirty="0">
+                <a:effectLst/>
+                <a:latin typeface="Aptos" panose="020B0004020202020204" pitchFamily="34" charset="0"/>
+                <a:ea typeface="Aptos" panose="020B0004020202020204" pitchFamily="34" charset="0"/>
+                <a:cs typeface="Arial" panose="020B0604020202020204" pitchFamily="34" charset="0"/>
+              </a:rPr>
+              <a:t> “Psychologist”</a:t>
+            </a:r>
+            <a:r>
+              <a:rPr lang="en-IL" sz="1800" kern="100" dirty="0">
+                <a:effectLst/>
+                <a:latin typeface="Aptos" panose="020B0004020202020204" pitchFamily="34" charset="0"/>
+                <a:ea typeface="Aptos" panose="020B0004020202020204" pitchFamily="34" charset="0"/>
+                <a:cs typeface="Arial" panose="020B0604020202020204" pitchFamily="34" charset="0"/>
+              </a:rPr>
+              <a:t>: generates a session summary, extracts relevant facts, and updates patient information. </a:t>
+            </a:r>
+            <a:endParaRPr lang="en-US" sz="1800" kern="100" dirty="0">
+              <a:effectLst/>
+              <a:latin typeface="Aptos" panose="020B0004020202020204" pitchFamily="34" charset="0"/>
+              <a:ea typeface="Aptos" panose="020B0004020202020204" pitchFamily="34" charset="0"/>
+              <a:cs typeface="Arial" panose="020B0604020202020204" pitchFamily="34" charset="0"/>
+            </a:endParaRPr>
+          </a:p>
+          <a:p>
+            <a:r>
+              <a:rPr lang="en-IL" sz="1800" kern="100" dirty="0">
+                <a:effectLst/>
+                <a:latin typeface="Aptos" panose="020B0004020202020204" pitchFamily="34" charset="0"/>
+                <a:ea typeface="Aptos" panose="020B0004020202020204" pitchFamily="34" charset="0"/>
+                <a:cs typeface="Arial" panose="020B0604020202020204" pitchFamily="34" charset="0"/>
+              </a:rPr>
+              <a:t>The session summary embedding is calculated.</a:t>
+            </a:r>
+            <a:endParaRPr lang="en-IL" dirty="0"/>
+          </a:p>
+        </p:txBody>
+      </p:sp>
+      <p:sp>
+        <p:nvSpPr>
+          <p:cNvPr id="9" name="TextBox 8">
+            <a:extLst>
+              <a:ext uri="{FF2B5EF4-FFF2-40B4-BE49-F238E27FC236}">
+                <a16:creationId xmlns:a16="http://schemas.microsoft.com/office/drawing/2014/main" id="{15CBA3DA-B478-D216-E768-C48BD2FB418B}"/>
+              </a:ext>
+            </a:extLst>
+          </p:cNvPr>
+          <p:cNvSpPr txBox="1"/>
+          <p:nvPr/>
+        </p:nvSpPr>
+        <p:spPr>
+          <a:xfrm>
+            <a:off x="301056" y="5002789"/>
+            <a:ext cx="1752722" cy="1350819"/>
+          </a:xfrm>
+          <a:prstGeom prst="rect">
+            <a:avLst/>
+          </a:prstGeom>
+          <a:noFill/>
+          <a:ln w="19050">
+            <a:solidFill>
+              <a:schemeClr val="accent1"/>
+            </a:solidFill>
+          </a:ln>
+          <a:effectLst>
+            <a:reflection endPos="0" dist="50800" dir="5400000" sy="-100000" algn="bl" rotWithShape="0"/>
+            <a:softEdge rad="0"/>
+          </a:effectLst>
+        </p:spPr>
+        <p:txBody>
+          <a:bodyPr wrap="square" rtlCol="0">
+            <a:spAutoFit/>
+          </a:bodyPr>
+          <a:lstStyle/>
+          <a:p>
+            <a:pPr lvl="0">
+              <a:lnSpc>
+                <a:spcPct val="115000"/>
+              </a:lnSpc>
+              <a:spcAft>
+                <a:spcPts val="800"/>
+              </a:spcAft>
+              <a:tabLst>
+                <a:tab pos="457200" algn="l"/>
+              </a:tabLst>
+            </a:pPr>
+            <a:r>
+              <a:rPr lang="en-IL" sz="1800" b="1" kern="100" dirty="0">
+                <a:effectLst/>
+                <a:latin typeface="Aptos" panose="020B0004020202020204" pitchFamily="34" charset="0"/>
+                <a:ea typeface="Aptos" panose="020B0004020202020204" pitchFamily="34" charset="0"/>
+                <a:cs typeface="Arial" panose="020B0604020202020204" pitchFamily="34" charset="0"/>
+              </a:rPr>
+              <a:t>Record and Update Information in the Database</a:t>
+            </a:r>
+            <a:endParaRPr lang="en-IL" sz="1800" kern="100" dirty="0">
+              <a:effectLst/>
+              <a:latin typeface="Aptos" panose="020B0004020202020204" pitchFamily="34" charset="0"/>
+              <a:ea typeface="Aptos" panose="020B0004020202020204" pitchFamily="34" charset="0"/>
+              <a:cs typeface="Arial" panose="020B0604020202020204" pitchFamily="34" charset="0"/>
+            </a:endParaRPr>
+          </a:p>
+        </p:txBody>
+      </p:sp>
+      <p:pic>
+        <p:nvPicPr>
+          <p:cNvPr id="15" name="Picture 14">
+            <a:extLst>
+              <a:ext uri="{FF2B5EF4-FFF2-40B4-BE49-F238E27FC236}">
+                <a16:creationId xmlns:a16="http://schemas.microsoft.com/office/drawing/2014/main" id="{3F0E3B9B-4B89-8E5A-4471-AB1F8D553325}"/>
+              </a:ext>
+            </a:extLst>
+          </p:cNvPr>
+          <p:cNvPicPr>
+            <a:picLocks noChangeAspect="1"/>
+          </p:cNvPicPr>
+          <p:nvPr/>
+        </p:nvPicPr>
+        <p:blipFill>
+          <a:blip r:embed="rId5"/>
+          <a:stretch>
+            <a:fillRect/>
+          </a:stretch>
+        </p:blipFill>
+        <p:spPr>
+          <a:xfrm>
+            <a:off x="6019572" y="2001692"/>
+            <a:ext cx="392879" cy="536510"/>
+          </a:xfrm>
+          <a:prstGeom prst="rect">
+            <a:avLst/>
+          </a:prstGeom>
+        </p:spPr>
+      </p:pic>
+      <p:cxnSp>
+        <p:nvCxnSpPr>
+          <p:cNvPr id="21" name="Connector: Elbow 20">
+            <a:extLst>
+              <a:ext uri="{FF2B5EF4-FFF2-40B4-BE49-F238E27FC236}">
+                <a16:creationId xmlns:a16="http://schemas.microsoft.com/office/drawing/2014/main" id="{25C1C3D2-BD71-DB2F-3CF4-849B077034D0}"/>
+              </a:ext>
+            </a:extLst>
+          </p:cNvPr>
+          <p:cNvCxnSpPr>
+            <a:cxnSpLocks/>
+            <a:stCxn id="13" idx="3"/>
+            <a:endCxn id="16" idx="1"/>
+          </p:cNvCxnSpPr>
+          <p:nvPr/>
+        </p:nvCxnSpPr>
+        <p:spPr>
+          <a:xfrm>
+            <a:off x="8845851" y="1720789"/>
+            <a:ext cx="670382" cy="734249"/>
+          </a:xfrm>
+          <a:prstGeom prst="bentConnector3">
+            <a:avLst/>
+          </a:prstGeom>
+          <a:ln>
+            <a:tailEnd type="triangle"/>
+          </a:ln>
+        </p:spPr>
+        <p:style>
+          <a:lnRef idx="2">
+            <a:schemeClr val="accent1"/>
+          </a:lnRef>
+          <a:fillRef idx="0">
+            <a:schemeClr val="accent1"/>
+          </a:fillRef>
+          <a:effectRef idx="1">
+            <a:schemeClr val="accent1"/>
+          </a:effectRef>
+          <a:fontRef idx="minor">
+            <a:schemeClr val="tx1"/>
+          </a:fontRef>
+        </p:style>
+      </p:cxnSp>
+      <p:cxnSp>
+        <p:nvCxnSpPr>
+          <p:cNvPr id="25" name="Connector: Elbow 24">
+            <a:extLst>
+              <a:ext uri="{FF2B5EF4-FFF2-40B4-BE49-F238E27FC236}">
+                <a16:creationId xmlns:a16="http://schemas.microsoft.com/office/drawing/2014/main" id="{9F7E718D-3762-2F63-8A29-FAAED880EBA9}"/>
+              </a:ext>
+            </a:extLst>
+          </p:cNvPr>
+          <p:cNvCxnSpPr>
+            <a:cxnSpLocks/>
+            <a:stCxn id="6" idx="3"/>
+            <a:endCxn id="16" idx="1"/>
+          </p:cNvCxnSpPr>
+          <p:nvPr/>
+        </p:nvCxnSpPr>
+        <p:spPr>
+          <a:xfrm flipV="1">
+            <a:off x="8845851" y="2455038"/>
+            <a:ext cx="670382" cy="645384"/>
+          </a:xfrm>
+          <a:prstGeom prst="bentConnector3">
+            <a:avLst>
+              <a:gd name="adj1" fmla="val 50000"/>
+            </a:avLst>
+          </a:prstGeom>
+          <a:ln>
+            <a:tailEnd type="triangle"/>
+          </a:ln>
+        </p:spPr>
+        <p:style>
+          <a:lnRef idx="2">
+            <a:schemeClr val="accent1"/>
+          </a:lnRef>
+          <a:fillRef idx="0">
+            <a:schemeClr val="accent1"/>
+          </a:fillRef>
+          <a:effectRef idx="1">
+            <a:schemeClr val="accent1"/>
+          </a:effectRef>
+          <a:fontRef idx="minor">
+            <a:schemeClr val="tx1"/>
+          </a:fontRef>
+        </p:style>
+      </p:cxnSp>
+      <p:cxnSp>
+        <p:nvCxnSpPr>
+          <p:cNvPr id="29" name="Connector: Elbow 28">
+            <a:extLst>
+              <a:ext uri="{FF2B5EF4-FFF2-40B4-BE49-F238E27FC236}">
+                <a16:creationId xmlns:a16="http://schemas.microsoft.com/office/drawing/2014/main" id="{AC436785-EC55-3CC7-F6C1-82B8593CF157}"/>
+              </a:ext>
+            </a:extLst>
+          </p:cNvPr>
+          <p:cNvCxnSpPr>
+            <a:cxnSpLocks/>
+            <a:stCxn id="10" idx="3"/>
+            <a:endCxn id="8" idx="1"/>
+          </p:cNvCxnSpPr>
+          <p:nvPr/>
+        </p:nvCxnSpPr>
+        <p:spPr>
+          <a:xfrm>
+            <a:off x="2045649" y="1875524"/>
+            <a:ext cx="678004" cy="2"/>
+          </a:xfrm>
+          <a:prstGeom prst="bentConnector3">
+            <a:avLst>
+              <a:gd name="adj1" fmla="val 50000"/>
+            </a:avLst>
+          </a:prstGeom>
+          <a:ln>
+            <a:tailEnd type="triangle"/>
+          </a:ln>
+        </p:spPr>
+        <p:style>
+          <a:lnRef idx="2">
+            <a:schemeClr val="accent1"/>
+          </a:lnRef>
+          <a:fillRef idx="0">
+            <a:schemeClr val="accent1"/>
+          </a:fillRef>
+          <a:effectRef idx="1">
+            <a:schemeClr val="accent1"/>
+          </a:effectRef>
+          <a:fontRef idx="minor">
+            <a:schemeClr val="tx1"/>
+          </a:fontRef>
+        </p:style>
+      </p:cxnSp>
+      <p:cxnSp>
+        <p:nvCxnSpPr>
+          <p:cNvPr id="32" name="Connector: Elbow 31">
+            <a:extLst>
+              <a:ext uri="{FF2B5EF4-FFF2-40B4-BE49-F238E27FC236}">
+                <a16:creationId xmlns:a16="http://schemas.microsoft.com/office/drawing/2014/main" id="{F98B5BF3-F666-96D7-898F-F2528AFCC98B}"/>
+              </a:ext>
+            </a:extLst>
+          </p:cNvPr>
+          <p:cNvCxnSpPr>
+            <a:cxnSpLocks/>
+            <a:stCxn id="8" idx="3"/>
+            <a:endCxn id="5" idx="1"/>
+          </p:cNvCxnSpPr>
+          <p:nvPr/>
+        </p:nvCxnSpPr>
+        <p:spPr>
+          <a:xfrm flipV="1">
+            <a:off x="4239187" y="1875525"/>
+            <a:ext cx="681511" cy="1"/>
+          </a:xfrm>
+          <a:prstGeom prst="bentConnector3">
+            <a:avLst>
+              <a:gd name="adj1" fmla="val 50000"/>
+            </a:avLst>
+          </a:prstGeom>
+          <a:ln>
+            <a:tailEnd type="triangle"/>
+          </a:ln>
+        </p:spPr>
+        <p:style>
+          <a:lnRef idx="2">
+            <a:schemeClr val="accent1"/>
+          </a:lnRef>
+          <a:fillRef idx="0">
+            <a:schemeClr val="accent1"/>
+          </a:fillRef>
+          <a:effectRef idx="1">
+            <a:schemeClr val="accent1"/>
+          </a:effectRef>
+          <a:fontRef idx="minor">
+            <a:schemeClr val="tx1"/>
+          </a:fontRef>
+        </p:style>
+      </p:cxnSp>
+      <p:cxnSp>
+        <p:nvCxnSpPr>
+          <p:cNvPr id="35" name="Connector: Elbow 34">
+            <a:extLst>
+              <a:ext uri="{FF2B5EF4-FFF2-40B4-BE49-F238E27FC236}">
+                <a16:creationId xmlns:a16="http://schemas.microsoft.com/office/drawing/2014/main" id="{308E9867-FDEE-B8BA-44FF-F7579B98ECBB}"/>
+              </a:ext>
+            </a:extLst>
+          </p:cNvPr>
+          <p:cNvCxnSpPr>
+            <a:cxnSpLocks/>
+            <a:stCxn id="16" idx="2"/>
+          </p:cNvCxnSpPr>
+          <p:nvPr/>
+        </p:nvCxnSpPr>
+        <p:spPr>
+          <a:xfrm rot="5400000" flipH="1">
+            <a:off x="8421069" y="1577600"/>
+            <a:ext cx="302594" cy="4314604"/>
+          </a:xfrm>
+          <a:prstGeom prst="bentConnector4">
+            <a:avLst>
+              <a:gd name="adj1" fmla="val -124816"/>
+              <a:gd name="adj2" fmla="val 91705"/>
+            </a:avLst>
+          </a:prstGeom>
+          <a:ln>
+            <a:tailEnd type="triangle"/>
+          </a:ln>
+        </p:spPr>
+        <p:style>
+          <a:lnRef idx="2">
+            <a:schemeClr val="accent1"/>
+          </a:lnRef>
+          <a:fillRef idx="0">
+            <a:schemeClr val="accent1"/>
+          </a:fillRef>
+          <a:effectRef idx="1">
+            <a:schemeClr val="accent1"/>
+          </a:effectRef>
+          <a:fontRef idx="minor">
+            <a:schemeClr val="tx1"/>
+          </a:fontRef>
+        </p:style>
+      </p:cxnSp>
+      <p:cxnSp>
+        <p:nvCxnSpPr>
+          <p:cNvPr id="41" name="Connector: Elbow 40">
+            <a:extLst>
+              <a:ext uri="{FF2B5EF4-FFF2-40B4-BE49-F238E27FC236}">
+                <a16:creationId xmlns:a16="http://schemas.microsoft.com/office/drawing/2014/main" id="{B1501999-E10A-DFAD-7204-4D756CE59885}"/>
+              </a:ext>
+            </a:extLst>
+          </p:cNvPr>
+          <p:cNvCxnSpPr>
+            <a:cxnSpLocks/>
+            <a:stCxn id="19" idx="0"/>
+            <a:endCxn id="5" idx="2"/>
+          </p:cNvCxnSpPr>
+          <p:nvPr/>
+        </p:nvCxnSpPr>
+        <p:spPr>
+          <a:xfrm rot="5400000" flipH="1" flipV="1">
+            <a:off x="5408614" y="2820784"/>
+            <a:ext cx="539701" cy="2"/>
+          </a:xfrm>
+          <a:prstGeom prst="bentConnector3">
+            <a:avLst>
+              <a:gd name="adj1" fmla="val 50000"/>
+            </a:avLst>
+          </a:prstGeom>
+          <a:ln>
+            <a:tailEnd type="triangle"/>
+          </a:ln>
+        </p:spPr>
+        <p:style>
+          <a:lnRef idx="2">
+            <a:schemeClr val="accent1"/>
+          </a:lnRef>
+          <a:fillRef idx="0">
+            <a:schemeClr val="accent1"/>
+          </a:fillRef>
+          <a:effectRef idx="1">
+            <a:schemeClr val="accent1"/>
+          </a:effectRef>
+          <a:fontRef idx="minor">
+            <a:schemeClr val="tx1"/>
+          </a:fontRef>
+        </p:style>
+      </p:cxnSp>
+      <p:cxnSp>
+        <p:nvCxnSpPr>
+          <p:cNvPr id="48" name="Connector: Elbow 47">
+            <a:extLst>
+              <a:ext uri="{FF2B5EF4-FFF2-40B4-BE49-F238E27FC236}">
+                <a16:creationId xmlns:a16="http://schemas.microsoft.com/office/drawing/2014/main" id="{6ECDD1EB-84B8-90B1-3FFE-038D93657621}"/>
+              </a:ext>
+            </a:extLst>
+          </p:cNvPr>
+          <p:cNvCxnSpPr>
+            <a:cxnSpLocks/>
+            <a:stCxn id="5" idx="3"/>
+            <a:endCxn id="13" idx="1"/>
+          </p:cNvCxnSpPr>
+          <p:nvPr/>
+        </p:nvCxnSpPr>
+        <p:spPr>
+          <a:xfrm flipV="1">
+            <a:off x="6436232" y="1720789"/>
+            <a:ext cx="639173" cy="154736"/>
+          </a:xfrm>
+          <a:prstGeom prst="bentConnector3">
+            <a:avLst>
+              <a:gd name="adj1" fmla="val 50000"/>
+            </a:avLst>
+          </a:prstGeom>
+          <a:ln>
+            <a:tailEnd type="triangle"/>
+          </a:ln>
+        </p:spPr>
+        <p:style>
+          <a:lnRef idx="2">
+            <a:schemeClr val="accent1"/>
+          </a:lnRef>
+          <a:fillRef idx="0">
+            <a:schemeClr val="accent1"/>
+          </a:fillRef>
+          <a:effectRef idx="1">
+            <a:schemeClr val="accent1"/>
+          </a:effectRef>
+          <a:fontRef idx="minor">
+            <a:schemeClr val="tx1"/>
+          </a:fontRef>
+        </p:style>
+      </p:cxnSp>
+      <p:cxnSp>
+        <p:nvCxnSpPr>
+          <p:cNvPr id="51" name="Connector: Elbow 50">
+            <a:extLst>
+              <a:ext uri="{FF2B5EF4-FFF2-40B4-BE49-F238E27FC236}">
+                <a16:creationId xmlns:a16="http://schemas.microsoft.com/office/drawing/2014/main" id="{A38A541A-4438-B6D3-3AA9-7771C6017091}"/>
+              </a:ext>
+            </a:extLst>
+          </p:cNvPr>
+          <p:cNvCxnSpPr>
+            <a:cxnSpLocks/>
+            <a:stCxn id="5" idx="3"/>
+            <a:endCxn id="6" idx="1"/>
+          </p:cNvCxnSpPr>
+          <p:nvPr/>
+        </p:nvCxnSpPr>
+        <p:spPr>
+          <a:xfrm>
+            <a:off x="6436232" y="1875525"/>
+            <a:ext cx="639172" cy="1224897"/>
+          </a:xfrm>
+          <a:prstGeom prst="bentConnector3">
+            <a:avLst>
+              <a:gd name="adj1" fmla="val 50000"/>
+            </a:avLst>
+          </a:prstGeom>
+          <a:ln>
+            <a:tailEnd type="triangle"/>
+          </a:ln>
+        </p:spPr>
+        <p:style>
+          <a:lnRef idx="2">
+            <a:schemeClr val="accent1"/>
+          </a:lnRef>
+          <a:fillRef idx="0">
+            <a:schemeClr val="accent1"/>
+          </a:fillRef>
+          <a:effectRef idx="1">
+            <a:schemeClr val="accent1"/>
+          </a:effectRef>
+          <a:fontRef idx="minor">
+            <a:schemeClr val="tx1"/>
+          </a:fontRef>
+        </p:style>
+      </p:cxnSp>
+      <p:cxnSp>
+        <p:nvCxnSpPr>
+          <p:cNvPr id="56" name="Connector: Elbow 55">
+            <a:extLst>
+              <a:ext uri="{FF2B5EF4-FFF2-40B4-BE49-F238E27FC236}">
+                <a16:creationId xmlns:a16="http://schemas.microsoft.com/office/drawing/2014/main" id="{A70F6F24-F19F-DBB0-D96B-80DD809D2473}"/>
+              </a:ext>
+            </a:extLst>
+          </p:cNvPr>
+          <p:cNvCxnSpPr>
+            <a:cxnSpLocks/>
+            <a:endCxn id="17" idx="0"/>
+          </p:cNvCxnSpPr>
+          <p:nvPr/>
+        </p:nvCxnSpPr>
+        <p:spPr>
+          <a:xfrm rot="5400000">
+            <a:off x="3613814" y="3517787"/>
+            <a:ext cx="2261377" cy="311336"/>
+          </a:xfrm>
+          <a:prstGeom prst="bentConnector3">
+            <a:avLst>
+              <a:gd name="adj1" fmla="val 335"/>
+            </a:avLst>
+          </a:prstGeom>
+          <a:ln>
+            <a:tailEnd type="triangle"/>
+          </a:ln>
+        </p:spPr>
+        <p:style>
+          <a:lnRef idx="2">
+            <a:schemeClr val="accent1"/>
+          </a:lnRef>
+          <a:fillRef idx="0">
+            <a:schemeClr val="accent1"/>
+          </a:fillRef>
+          <a:effectRef idx="1">
+            <a:schemeClr val="accent1"/>
+          </a:effectRef>
+          <a:fontRef idx="minor">
+            <a:schemeClr val="tx1"/>
+          </a:fontRef>
+        </p:style>
+      </p:cxnSp>
+      <p:cxnSp>
+        <p:nvCxnSpPr>
+          <p:cNvPr id="61" name="Connector: Elbow 60">
+            <a:extLst>
+              <a:ext uri="{FF2B5EF4-FFF2-40B4-BE49-F238E27FC236}">
+                <a16:creationId xmlns:a16="http://schemas.microsoft.com/office/drawing/2014/main" id="{7FA3DB0A-B93F-909B-08C0-615818094355}"/>
+              </a:ext>
+            </a:extLst>
+          </p:cNvPr>
+          <p:cNvCxnSpPr>
+            <a:cxnSpLocks/>
+            <a:stCxn id="17" idx="1"/>
+            <a:endCxn id="9" idx="3"/>
+          </p:cNvCxnSpPr>
+          <p:nvPr/>
+        </p:nvCxnSpPr>
+        <p:spPr>
+          <a:xfrm rot="10800000">
+            <a:off x="2053779" y="5678199"/>
+            <a:ext cx="689753" cy="3108"/>
+          </a:xfrm>
+          <a:prstGeom prst="bentConnector3">
+            <a:avLst>
+              <a:gd name="adj1" fmla="val 50000"/>
+            </a:avLst>
+          </a:prstGeom>
+          <a:ln>
+            <a:tailEnd type="triangle"/>
+          </a:ln>
+        </p:spPr>
+        <p:style>
+          <a:lnRef idx="2">
+            <a:schemeClr val="accent1"/>
+          </a:lnRef>
+          <a:fillRef idx="0">
+            <a:schemeClr val="accent1"/>
+          </a:fillRef>
+          <a:effectRef idx="1">
+            <a:schemeClr val="accent1"/>
+          </a:effectRef>
+          <a:fontRef idx="minor">
+            <a:schemeClr val="tx1"/>
+          </a:fontRef>
+        </p:style>
+      </p:cxnSp>
+      <p:sp>
+        <p:nvSpPr>
+          <p:cNvPr id="1037" name="TextBox 1036">
+            <a:extLst>
+              <a:ext uri="{FF2B5EF4-FFF2-40B4-BE49-F238E27FC236}">
+                <a16:creationId xmlns:a16="http://schemas.microsoft.com/office/drawing/2014/main" id="{1B0175E9-AF1B-49F8-08E8-0C0F6FD52AF9}"/>
+              </a:ext>
+            </a:extLst>
+          </p:cNvPr>
+          <p:cNvSpPr txBox="1"/>
+          <p:nvPr/>
+        </p:nvSpPr>
+        <p:spPr>
+          <a:xfrm rot="16200000">
+            <a:off x="3492118" y="3587059"/>
+            <a:ext cx="1752722" cy="395173"/>
+          </a:xfrm>
+          <a:prstGeom prst="rect">
+            <a:avLst/>
+          </a:prstGeom>
+          <a:noFill/>
+          <a:ln w="12700">
+            <a:solidFill>
+              <a:schemeClr val="bg1"/>
+            </a:solidFill>
+          </a:ln>
+          <a:effectLst>
+            <a:reflection endPos="0" dist="50800" dir="5400000" sy="-100000" algn="bl" rotWithShape="0"/>
+            <a:softEdge rad="0"/>
+          </a:effectLst>
+        </p:spPr>
+        <p:txBody>
+          <a:bodyPr wrap="square" rtlCol="0">
+            <a:spAutoFit/>
+          </a:bodyPr>
+          <a:lstStyle/>
+          <a:p>
+            <a:pPr lvl="0">
+              <a:lnSpc>
+                <a:spcPct val="115000"/>
+              </a:lnSpc>
+              <a:spcAft>
+                <a:spcPts val="800"/>
+              </a:spcAft>
+              <a:tabLst>
+                <a:tab pos="457200" algn="l"/>
+              </a:tabLst>
+            </a:pPr>
+            <a:r>
+              <a:rPr lang="en-IL" sz="1800" kern="100" dirty="0">
+                <a:effectLst/>
+                <a:latin typeface="Aptos" panose="020B0004020202020204" pitchFamily="34" charset="0"/>
+                <a:ea typeface="Aptos" panose="020B0004020202020204" pitchFamily="34" charset="0"/>
+                <a:cs typeface="Arial" panose="020B0604020202020204" pitchFamily="34" charset="0"/>
+              </a:rPr>
+              <a:t>End of Session</a:t>
+            </a:r>
+          </a:p>
+        </p:txBody>
+      </p:sp>
+      <p:sp>
+        <p:nvSpPr>
+          <p:cNvPr id="19" name="TextBox 18">
+            <a:extLst>
+              <a:ext uri="{FF2B5EF4-FFF2-40B4-BE49-F238E27FC236}">
+                <a16:creationId xmlns:a16="http://schemas.microsoft.com/office/drawing/2014/main" id="{CCF3F58F-7DA7-D3C7-72AD-06BBB228771A}"/>
+              </a:ext>
+            </a:extLst>
+          </p:cNvPr>
+          <p:cNvSpPr txBox="1"/>
+          <p:nvPr/>
+        </p:nvSpPr>
+        <p:spPr>
+          <a:xfrm>
+            <a:off x="4920696" y="3090635"/>
+            <a:ext cx="1515534" cy="923330"/>
+          </a:xfrm>
+          <a:prstGeom prst="rect">
+            <a:avLst/>
+          </a:prstGeom>
+          <a:noFill/>
+          <a:ln w="19050">
+            <a:solidFill>
+              <a:schemeClr val="accent1"/>
+            </a:solidFill>
+          </a:ln>
+          <a:effectLst>
+            <a:reflection endPos="0" dist="50800" dir="5400000" sy="-100000" algn="bl" rotWithShape="0"/>
+            <a:softEdge rad="0"/>
+          </a:effectLst>
+        </p:spPr>
+        <p:txBody>
+          <a:bodyPr wrap="square" rtlCol="0">
+            <a:spAutoFit/>
+          </a:bodyPr>
+          <a:lstStyle/>
+          <a:p>
+            <a:r>
+              <a:rPr lang="en-US" sz="1800" b="1" kern="100" dirty="0">
+                <a:effectLst/>
+                <a:latin typeface="Aptos" panose="020B0004020202020204" pitchFamily="34" charset="0"/>
+                <a:ea typeface="Aptos" panose="020B0004020202020204" pitchFamily="34" charset="0"/>
+                <a:cs typeface="Arial" panose="020B0604020202020204" pitchFamily="34" charset="0"/>
+              </a:rPr>
+              <a:t>Speak LLM answer to Patient</a:t>
+            </a:r>
+            <a:endParaRPr lang="en-IL" dirty="0"/>
+          </a:p>
+        </p:txBody>
+      </p:sp>
+    </p:spTree>
+    <p:extLst>
+      <p:ext uri="{BB962C8B-B14F-4D97-AF65-F5344CB8AC3E}">
+        <p14:creationId xmlns:p14="http://schemas.microsoft.com/office/powerpoint/2010/main" val="92587233"/>
       </p:ext>
     </p:extLst>
   </p:cSld>

--- a/Presentation2.pptx
+++ b/Presentation2.pptx
@@ -207,7 +207,7 @@
           <a:p>
             <a:fld id="{05FB5954-A769-41A3-8C14-23C3B163CDC2}" type="datetimeFigureOut">
               <a:rPr lang="en-IL" smtClean="0"/>
-              <a:t>14/11/2024</a:t>
+              <a:t>16/11/2024</a:t>
             </a:fld>
             <a:endParaRPr lang="en-IL"/>
           </a:p>
@@ -1957,7 +1957,7 @@
           <a:p>
             <a:fld id="{87D6BF5F-60DD-4B1B-8BA8-0AB6C34C5D4F}" type="datetimeFigureOut">
               <a:rPr lang="en-IL" smtClean="0"/>
-              <a:t>14/11/2024</a:t>
+              <a:t>16/11/2024</a:t>
             </a:fld>
             <a:endParaRPr lang="en-IL"/>
           </a:p>
@@ -2157,7 +2157,7 @@
           <a:p>
             <a:fld id="{87D6BF5F-60DD-4B1B-8BA8-0AB6C34C5D4F}" type="datetimeFigureOut">
               <a:rPr lang="en-IL" smtClean="0"/>
-              <a:t>14/11/2024</a:t>
+              <a:t>16/11/2024</a:t>
             </a:fld>
             <a:endParaRPr lang="en-IL"/>
           </a:p>
@@ -2367,7 +2367,7 @@
           <a:p>
             <a:fld id="{87D6BF5F-60DD-4B1B-8BA8-0AB6C34C5D4F}" type="datetimeFigureOut">
               <a:rPr lang="en-IL" smtClean="0"/>
-              <a:t>14/11/2024</a:t>
+              <a:t>16/11/2024</a:t>
             </a:fld>
             <a:endParaRPr lang="en-IL"/>
           </a:p>
@@ -2567,7 +2567,7 @@
           <a:p>
             <a:fld id="{87D6BF5F-60DD-4B1B-8BA8-0AB6C34C5D4F}" type="datetimeFigureOut">
               <a:rPr lang="en-IL" smtClean="0"/>
-              <a:t>14/11/2024</a:t>
+              <a:t>16/11/2024</a:t>
             </a:fld>
             <a:endParaRPr lang="en-IL"/>
           </a:p>
@@ -2843,7 +2843,7 @@
           <a:p>
             <a:fld id="{87D6BF5F-60DD-4B1B-8BA8-0AB6C34C5D4F}" type="datetimeFigureOut">
               <a:rPr lang="en-IL" smtClean="0"/>
-              <a:t>14/11/2024</a:t>
+              <a:t>16/11/2024</a:t>
             </a:fld>
             <a:endParaRPr lang="en-IL"/>
           </a:p>
@@ -3111,7 +3111,7 @@
           <a:p>
             <a:fld id="{87D6BF5F-60DD-4B1B-8BA8-0AB6C34C5D4F}" type="datetimeFigureOut">
               <a:rPr lang="en-IL" smtClean="0"/>
-              <a:t>14/11/2024</a:t>
+              <a:t>16/11/2024</a:t>
             </a:fld>
             <a:endParaRPr lang="en-IL"/>
           </a:p>
@@ -3526,7 +3526,7 @@
           <a:p>
             <a:fld id="{87D6BF5F-60DD-4B1B-8BA8-0AB6C34C5D4F}" type="datetimeFigureOut">
               <a:rPr lang="en-IL" smtClean="0"/>
-              <a:t>14/11/2024</a:t>
+              <a:t>16/11/2024</a:t>
             </a:fld>
             <a:endParaRPr lang="en-IL"/>
           </a:p>
@@ -3668,7 +3668,7 @@
           <a:p>
             <a:fld id="{87D6BF5F-60DD-4B1B-8BA8-0AB6C34C5D4F}" type="datetimeFigureOut">
               <a:rPr lang="en-IL" smtClean="0"/>
-              <a:t>14/11/2024</a:t>
+              <a:t>16/11/2024</a:t>
             </a:fld>
             <a:endParaRPr lang="en-IL"/>
           </a:p>
@@ -3781,7 +3781,7 @@
           <a:p>
             <a:fld id="{87D6BF5F-60DD-4B1B-8BA8-0AB6C34C5D4F}" type="datetimeFigureOut">
               <a:rPr lang="en-IL" smtClean="0"/>
-              <a:t>14/11/2024</a:t>
+              <a:t>16/11/2024</a:t>
             </a:fld>
             <a:endParaRPr lang="en-IL"/>
           </a:p>
@@ -4094,7 +4094,7 @@
           <a:p>
             <a:fld id="{87D6BF5F-60DD-4B1B-8BA8-0AB6C34C5D4F}" type="datetimeFigureOut">
               <a:rPr lang="en-IL" smtClean="0"/>
-              <a:t>14/11/2024</a:t>
+              <a:t>16/11/2024</a:t>
             </a:fld>
             <a:endParaRPr lang="en-IL"/>
           </a:p>
@@ -4383,7 +4383,7 @@
           <a:p>
             <a:fld id="{87D6BF5F-60DD-4B1B-8BA8-0AB6C34C5D4F}" type="datetimeFigureOut">
               <a:rPr lang="en-IL" smtClean="0"/>
-              <a:t>14/11/2024</a:t>
+              <a:t>16/11/2024</a:t>
             </a:fld>
             <a:endParaRPr lang="en-IL"/>
           </a:p>
@@ -4626,7 +4626,7 @@
           <a:p>
             <a:fld id="{87D6BF5F-60DD-4B1B-8BA8-0AB6C34C5D4F}" type="datetimeFigureOut">
               <a:rPr lang="en-IL" smtClean="0"/>
-              <a:t>14/11/2024</a:t>
+              <a:t>16/11/2024</a:t>
             </a:fld>
             <a:endParaRPr lang="en-IL"/>
           </a:p>
@@ -8215,9 +8215,31 @@
             </a:r>
             <a:r>
               <a:rPr lang="en-US" sz="1600" b="1" dirty="0"/>
-              <a:t>. Bad Medicine 1956</a:t>
-            </a:r>
-            <a:endParaRPr lang="ru-RU" sz="1600" b="1" dirty="0"/>
+              <a:t>. Bad Medicine </a:t>
+            </a:r>
+            <a:r>
+              <a:rPr lang="ru-RU" sz="1600" b="1" dirty="0"/>
+              <a:t>(</a:t>
+            </a:r>
+            <a:r>
+              <a:rPr lang="en-US" sz="1600" b="1" dirty="0"/>
+              <a:t>1956</a:t>
+            </a:r>
+            <a:r>
+              <a:rPr lang="ru-RU" sz="1600" b="1" dirty="0"/>
+              <a:t>)</a:t>
+            </a:r>
+            <a:r>
+              <a:rPr lang="en-US" sz="1600" b="1" dirty="0"/>
+              <a:t>. </a:t>
+            </a:r>
+          </a:p>
+          <a:p>
+            <a:r>
+              <a:rPr lang="en-US" sz="1600" dirty="0"/>
+              <a:t>A man in 2103, suffering from a maniacal urge to kill his friend, mistakenly acquires a psychotherapy robot designed for treating aliens from Mars, a species that lacks the concept of murder entirely. The robot's treatment methods, based on its understanding of its intended patients, prove absurdly incompatible with human psychology, leading to a series of comical and perilous situations. The story satirizes blind reliance on technology and the dangers of misapplying systems without considering fundamental differences.</a:t>
+            </a:r>
+            <a:endParaRPr lang="ru-RU" sz="1600" dirty="0"/>
           </a:p>
           <a:p>
             <a:r>
@@ -8621,6 +8643,46 @@
             <a:r>
               <a:rPr lang="en-US" sz="1600" dirty="0"/>
               <a:t>Given these trends, developing a program that provides easily accessible psychological support is essential.</a:t>
+            </a:r>
+            <a:r>
+              <a:rPr lang="ru-RU" sz="1600" dirty="0"/>
+              <a:t> </a:t>
+            </a:r>
+            <a:r>
+              <a:rPr lang="en-US" sz="1600" dirty="0"/>
+              <a:t>But it's worth remembering. Ig Nobel Prize in 2008 in Medicine: Rebecca </a:t>
+            </a:r>
+            <a:r>
+              <a:rPr lang="en-US" sz="1600" dirty="0" err="1"/>
+              <a:t>Waber</a:t>
+            </a:r>
+            <a:r>
+              <a:rPr lang="en-US" sz="1600" dirty="0"/>
+              <a:t>, Baba Shiv, Ziv Carmon, and Dan Ariely for demonstrating that expensive placebos are more effective than inexpensive placebos.</a:t>
+            </a:r>
+            <a:r>
+              <a:rPr lang="ru-RU" sz="1600" dirty="0"/>
+              <a:t> </a:t>
+            </a:r>
+            <a:r>
+              <a:rPr lang="en-US" sz="1600" dirty="0"/>
+              <a:t>So we'll use the relatively expensive </a:t>
+            </a:r>
+            <a:r>
+              <a:rPr lang="en-US" sz="1600" dirty="0" err="1"/>
+              <a:t>OpenIA</a:t>
+            </a:r>
+            <a:r>
+              <a:rPr lang="en-US" sz="1600" dirty="0"/>
+              <a:t> solutions instead of the free </a:t>
+            </a:r>
+            <a:r>
+              <a:rPr lang="en-US" sz="1600" dirty="0" err="1"/>
+              <a:t>huggingface</a:t>
+            </a:r>
+            <a:r>
+              <a:rPr lang="en-US" sz="1600" dirty="0"/>
+              <a:t> libraries.</a:t>
             </a:r>
           </a:p>
         </p:txBody>
